--- a/DEA_solution.pptx
+++ b/DEA_solution.pptx
@@ -4,12 +4,19 @@
   <p:sldMasterIdLst>
     <p:sldMasterId id="2147483648" r:id="rId1"/>
   </p:sldMasterIdLst>
+  <p:notesMasterIdLst>
+    <p:notesMasterId r:id="rId11"/>
+  </p:notesMasterIdLst>
   <p:sldIdLst>
     <p:sldId id="256" r:id="rId2"/>
-    <p:sldId id="257" r:id="rId3"/>
-    <p:sldId id="258" r:id="rId4"/>
-    <p:sldId id="260" r:id="rId5"/>
-    <p:sldId id="259" r:id="rId6"/>
+    <p:sldId id="261" r:id="rId3"/>
+    <p:sldId id="257" r:id="rId4"/>
+    <p:sldId id="258" r:id="rId5"/>
+    <p:sldId id="260" r:id="rId6"/>
+    <p:sldId id="262" r:id="rId7"/>
+    <p:sldId id="259" r:id="rId8"/>
+    <p:sldId id="263" r:id="rId9"/>
+    <p:sldId id="264" r:id="rId10"/>
   </p:sldIdLst>
   <p:sldSz cx="12192000" cy="6858000"/>
   <p:notesSz cx="6858000" cy="9144000"/>
@@ -108,7 +115,718 @@
       </a:defRPr>
     </a:lvl9pPr>
   </p:defaultTextStyle>
+  <p:extLst>
+    <p:ext uri="{EFAFB233-063F-42B5-8137-9DF3F51BA10A}">
+      <p15:sldGuideLst xmlns:p15="http://schemas.microsoft.com/office/powerpoint/2012/main"/>
+    </p:ext>
+  </p:extLst>
 </p:presentation>
+</file>
+
+<file path=ppt/notesMasters/notesMaster1.xml><?xml version="1.0" encoding="utf-8"?>
+<p:notesMaster xmlns:a="http://schemas.openxmlformats.org/drawingml/2006/main" xmlns:r="http://schemas.openxmlformats.org/officeDocument/2006/relationships" xmlns:p="http://schemas.openxmlformats.org/presentationml/2006/main">
+  <p:cSld>
+    <p:bg>
+      <p:bgRef idx="1001">
+        <a:schemeClr val="bg1"/>
+      </p:bgRef>
+    </p:bg>
+    <p:spTree>
+      <p:nvGrpSpPr>
+        <p:cNvPr id="1" name=""/>
+        <p:cNvGrpSpPr/>
+        <p:nvPr/>
+      </p:nvGrpSpPr>
+      <p:grpSpPr>
+        <a:xfrm>
+          <a:off x="0" y="0"/>
+          <a:ext cx="0" cy="0"/>
+          <a:chOff x="0" y="0"/>
+          <a:chExt cx="0" cy="0"/>
+        </a:xfrm>
+      </p:grpSpPr>
+      <p:sp>
+        <p:nvSpPr>
+          <p:cNvPr id="2" name="Header Placeholder 1"/>
+          <p:cNvSpPr>
+            <a:spLocks noGrp="1"/>
+          </p:cNvSpPr>
+          <p:nvPr>
+            <p:ph type="hdr" sz="quarter"/>
+          </p:nvPr>
+        </p:nvSpPr>
+        <p:spPr>
+          <a:xfrm>
+            <a:off x="0" y="0"/>
+            <a:ext cx="2971800" cy="458788"/>
+          </a:xfrm>
+          <a:prstGeom prst="rect">
+            <a:avLst/>
+          </a:prstGeom>
+        </p:spPr>
+        <p:txBody>
+          <a:bodyPr vert="horz" lIns="91440" tIns="45720" rIns="91440" bIns="45720" rtlCol="0"/>
+          <a:lstStyle>
+            <a:lvl1pPr algn="l">
+              <a:defRPr sz="1200"/>
+            </a:lvl1pPr>
+          </a:lstStyle>
+          <a:p>
+            <a:endParaRPr lang="en-NL"/>
+          </a:p>
+        </p:txBody>
+      </p:sp>
+      <p:sp>
+        <p:nvSpPr>
+          <p:cNvPr id="3" name="Date Placeholder 2"/>
+          <p:cNvSpPr>
+            <a:spLocks noGrp="1"/>
+          </p:cNvSpPr>
+          <p:nvPr>
+            <p:ph type="dt" idx="1"/>
+          </p:nvPr>
+        </p:nvSpPr>
+        <p:spPr>
+          <a:xfrm>
+            <a:off x="3884613" y="0"/>
+            <a:ext cx="2971800" cy="458788"/>
+          </a:xfrm>
+          <a:prstGeom prst="rect">
+            <a:avLst/>
+          </a:prstGeom>
+        </p:spPr>
+        <p:txBody>
+          <a:bodyPr vert="horz" lIns="91440" tIns="45720" rIns="91440" bIns="45720" rtlCol="0"/>
+          <a:lstStyle>
+            <a:lvl1pPr algn="r">
+              <a:defRPr sz="1200"/>
+            </a:lvl1pPr>
+          </a:lstStyle>
+          <a:p>
+            <a:fld id="{BD1286F7-7B60-504A-AD35-40AFA39E89D0}" type="datetimeFigureOut">
+              <a:rPr lang="en-NL" smtClean="0"/>
+              <a:t>23/04/2024</a:t>
+            </a:fld>
+            <a:endParaRPr lang="en-NL"/>
+          </a:p>
+        </p:txBody>
+      </p:sp>
+      <p:sp>
+        <p:nvSpPr>
+          <p:cNvPr id="4" name="Slide Image Placeholder 3"/>
+          <p:cNvSpPr>
+            <a:spLocks noGrp="1" noRot="1" noChangeAspect="1"/>
+          </p:cNvSpPr>
+          <p:nvPr>
+            <p:ph type="sldImg" idx="2"/>
+          </p:nvPr>
+        </p:nvSpPr>
+        <p:spPr>
+          <a:xfrm>
+            <a:off x="685800" y="1143000"/>
+            <a:ext cx="5486400" cy="3086100"/>
+          </a:xfrm>
+          <a:prstGeom prst="rect">
+            <a:avLst/>
+          </a:prstGeom>
+          <a:noFill/>
+          <a:ln w="12700">
+            <a:solidFill>
+              <a:prstClr val="black"/>
+            </a:solidFill>
+          </a:ln>
+        </p:spPr>
+        <p:txBody>
+          <a:bodyPr vert="horz" lIns="91440" tIns="45720" rIns="91440" bIns="45720" rtlCol="0" anchor="ctr"/>
+          <a:lstStyle/>
+          <a:p>
+            <a:endParaRPr lang="en-NL"/>
+          </a:p>
+        </p:txBody>
+      </p:sp>
+      <p:sp>
+        <p:nvSpPr>
+          <p:cNvPr id="5" name="Notes Placeholder 4"/>
+          <p:cNvSpPr>
+            <a:spLocks noGrp="1"/>
+          </p:cNvSpPr>
+          <p:nvPr>
+            <p:ph type="body" sz="quarter" idx="3"/>
+          </p:nvPr>
+        </p:nvSpPr>
+        <p:spPr>
+          <a:xfrm>
+            <a:off x="685800" y="4400550"/>
+            <a:ext cx="5486400" cy="3600450"/>
+          </a:xfrm>
+          <a:prstGeom prst="rect">
+            <a:avLst/>
+          </a:prstGeom>
+        </p:spPr>
+        <p:txBody>
+          <a:bodyPr vert="horz" lIns="91440" tIns="45720" rIns="91440" bIns="45720" rtlCol="0"/>
+          <a:lstStyle/>
+          <a:p>
+            <a:pPr lvl="0"/>
+            <a:r>
+              <a:rPr lang="en-GB"/>
+              <a:t>Click to edit Master text styles</a:t>
+            </a:r>
+          </a:p>
+          <a:p>
+            <a:pPr lvl="1"/>
+            <a:r>
+              <a:rPr lang="en-GB"/>
+              <a:t>Second level</a:t>
+            </a:r>
+          </a:p>
+          <a:p>
+            <a:pPr lvl="2"/>
+            <a:r>
+              <a:rPr lang="en-GB"/>
+              <a:t>Third level</a:t>
+            </a:r>
+          </a:p>
+          <a:p>
+            <a:pPr lvl="3"/>
+            <a:r>
+              <a:rPr lang="en-GB"/>
+              <a:t>Fourth level</a:t>
+            </a:r>
+          </a:p>
+          <a:p>
+            <a:pPr lvl="4"/>
+            <a:r>
+              <a:rPr lang="en-GB"/>
+              <a:t>Fifth level</a:t>
+            </a:r>
+            <a:endParaRPr lang="en-NL"/>
+          </a:p>
+        </p:txBody>
+      </p:sp>
+      <p:sp>
+        <p:nvSpPr>
+          <p:cNvPr id="6" name="Footer Placeholder 5"/>
+          <p:cNvSpPr>
+            <a:spLocks noGrp="1"/>
+          </p:cNvSpPr>
+          <p:nvPr>
+            <p:ph type="ftr" sz="quarter" idx="4"/>
+          </p:nvPr>
+        </p:nvSpPr>
+        <p:spPr>
+          <a:xfrm>
+            <a:off x="0" y="8685213"/>
+            <a:ext cx="2971800" cy="458787"/>
+          </a:xfrm>
+          <a:prstGeom prst="rect">
+            <a:avLst/>
+          </a:prstGeom>
+        </p:spPr>
+        <p:txBody>
+          <a:bodyPr vert="horz" lIns="91440" tIns="45720" rIns="91440" bIns="45720" rtlCol="0" anchor="b"/>
+          <a:lstStyle>
+            <a:lvl1pPr algn="l">
+              <a:defRPr sz="1200"/>
+            </a:lvl1pPr>
+          </a:lstStyle>
+          <a:p>
+            <a:endParaRPr lang="en-NL"/>
+          </a:p>
+        </p:txBody>
+      </p:sp>
+      <p:sp>
+        <p:nvSpPr>
+          <p:cNvPr id="7" name="Slide Number Placeholder 6"/>
+          <p:cNvSpPr>
+            <a:spLocks noGrp="1"/>
+          </p:cNvSpPr>
+          <p:nvPr>
+            <p:ph type="sldNum" sz="quarter" idx="5"/>
+          </p:nvPr>
+        </p:nvSpPr>
+        <p:spPr>
+          <a:xfrm>
+            <a:off x="3884613" y="8685213"/>
+            <a:ext cx="2971800" cy="458787"/>
+          </a:xfrm>
+          <a:prstGeom prst="rect">
+            <a:avLst/>
+          </a:prstGeom>
+        </p:spPr>
+        <p:txBody>
+          <a:bodyPr vert="horz" lIns="91440" tIns="45720" rIns="91440" bIns="45720" rtlCol="0" anchor="b"/>
+          <a:lstStyle>
+            <a:lvl1pPr algn="r">
+              <a:defRPr sz="1200"/>
+            </a:lvl1pPr>
+          </a:lstStyle>
+          <a:p>
+            <a:fld id="{C55E4414-EB4E-5644-A11D-E0224F375D2C}" type="slidenum">
+              <a:rPr lang="en-NL" smtClean="0"/>
+              <a:t>‹#›</a:t>
+            </a:fld>
+            <a:endParaRPr lang="en-NL"/>
+          </a:p>
+        </p:txBody>
+      </p:sp>
+    </p:spTree>
+    <p:extLst>
+      <p:ext uri="{BB962C8B-B14F-4D97-AF65-F5344CB8AC3E}">
+        <p14:creationId xmlns:p14="http://schemas.microsoft.com/office/powerpoint/2010/main" val="1527646654"/>
+      </p:ext>
+    </p:extLst>
+  </p:cSld>
+  <p:clrMap bg1="lt1" tx1="dk1" bg2="lt2" tx2="dk2" accent1="accent1" accent2="accent2" accent3="accent3" accent4="accent4" accent5="accent5" accent6="accent6" hlink="hlink" folHlink="folHlink"/>
+  <p:notesStyle>
+    <a:lvl1pPr marL="0" algn="l" defTabSz="914400" rtl="0" eaLnBrk="1" latinLnBrk="0" hangingPunct="1">
+      <a:defRPr sz="1200" kern="1200">
+        <a:solidFill>
+          <a:schemeClr val="tx1"/>
+        </a:solidFill>
+        <a:latin typeface="+mn-lt"/>
+        <a:ea typeface="+mn-ea"/>
+        <a:cs typeface="+mn-cs"/>
+      </a:defRPr>
+    </a:lvl1pPr>
+    <a:lvl2pPr marL="457200" algn="l" defTabSz="914400" rtl="0" eaLnBrk="1" latinLnBrk="0" hangingPunct="1">
+      <a:defRPr sz="1200" kern="1200">
+        <a:solidFill>
+          <a:schemeClr val="tx1"/>
+        </a:solidFill>
+        <a:latin typeface="+mn-lt"/>
+        <a:ea typeface="+mn-ea"/>
+        <a:cs typeface="+mn-cs"/>
+      </a:defRPr>
+    </a:lvl2pPr>
+    <a:lvl3pPr marL="914400" algn="l" defTabSz="914400" rtl="0" eaLnBrk="1" latinLnBrk="0" hangingPunct="1">
+      <a:defRPr sz="1200" kern="1200">
+        <a:solidFill>
+          <a:schemeClr val="tx1"/>
+        </a:solidFill>
+        <a:latin typeface="+mn-lt"/>
+        <a:ea typeface="+mn-ea"/>
+        <a:cs typeface="+mn-cs"/>
+      </a:defRPr>
+    </a:lvl3pPr>
+    <a:lvl4pPr marL="1371600" algn="l" defTabSz="914400" rtl="0" eaLnBrk="1" latinLnBrk="0" hangingPunct="1">
+      <a:defRPr sz="1200" kern="1200">
+        <a:solidFill>
+          <a:schemeClr val="tx1"/>
+        </a:solidFill>
+        <a:latin typeface="+mn-lt"/>
+        <a:ea typeface="+mn-ea"/>
+        <a:cs typeface="+mn-cs"/>
+      </a:defRPr>
+    </a:lvl4pPr>
+    <a:lvl5pPr marL="1828800" algn="l" defTabSz="914400" rtl="0" eaLnBrk="1" latinLnBrk="0" hangingPunct="1">
+      <a:defRPr sz="1200" kern="1200">
+        <a:solidFill>
+          <a:schemeClr val="tx1"/>
+        </a:solidFill>
+        <a:latin typeface="+mn-lt"/>
+        <a:ea typeface="+mn-ea"/>
+        <a:cs typeface="+mn-cs"/>
+      </a:defRPr>
+    </a:lvl5pPr>
+    <a:lvl6pPr marL="2286000" algn="l" defTabSz="914400" rtl="0" eaLnBrk="1" latinLnBrk="0" hangingPunct="1">
+      <a:defRPr sz="1200" kern="1200">
+        <a:solidFill>
+          <a:schemeClr val="tx1"/>
+        </a:solidFill>
+        <a:latin typeface="+mn-lt"/>
+        <a:ea typeface="+mn-ea"/>
+        <a:cs typeface="+mn-cs"/>
+      </a:defRPr>
+    </a:lvl6pPr>
+    <a:lvl7pPr marL="2743200" algn="l" defTabSz="914400" rtl="0" eaLnBrk="1" latinLnBrk="0" hangingPunct="1">
+      <a:defRPr sz="1200" kern="1200">
+        <a:solidFill>
+          <a:schemeClr val="tx1"/>
+        </a:solidFill>
+        <a:latin typeface="+mn-lt"/>
+        <a:ea typeface="+mn-ea"/>
+        <a:cs typeface="+mn-cs"/>
+      </a:defRPr>
+    </a:lvl7pPr>
+    <a:lvl8pPr marL="3200400" algn="l" defTabSz="914400" rtl="0" eaLnBrk="1" latinLnBrk="0" hangingPunct="1">
+      <a:defRPr sz="1200" kern="1200">
+        <a:solidFill>
+          <a:schemeClr val="tx1"/>
+        </a:solidFill>
+        <a:latin typeface="+mn-lt"/>
+        <a:ea typeface="+mn-ea"/>
+        <a:cs typeface="+mn-cs"/>
+      </a:defRPr>
+    </a:lvl8pPr>
+    <a:lvl9pPr marL="3657600" algn="l" defTabSz="914400" rtl="0" eaLnBrk="1" latinLnBrk="0" hangingPunct="1">
+      <a:defRPr sz="1200" kern="1200">
+        <a:solidFill>
+          <a:schemeClr val="tx1"/>
+        </a:solidFill>
+        <a:latin typeface="+mn-lt"/>
+        <a:ea typeface="+mn-ea"/>
+        <a:cs typeface="+mn-cs"/>
+      </a:defRPr>
+    </a:lvl9pPr>
+  </p:notesStyle>
+</p:notesMaster>
+</file>
+
+<file path=ppt/notesSlides/notesSlide1.xml><?xml version="1.0" encoding="utf-8"?>
+<p:notes xmlns:a="http://schemas.openxmlformats.org/drawingml/2006/main" xmlns:r="http://schemas.openxmlformats.org/officeDocument/2006/relationships" xmlns:p="http://schemas.openxmlformats.org/presentationml/2006/main">
+  <p:cSld>
+    <p:spTree>
+      <p:nvGrpSpPr>
+        <p:cNvPr id="1" name=""/>
+        <p:cNvGrpSpPr/>
+        <p:nvPr/>
+      </p:nvGrpSpPr>
+      <p:grpSpPr>
+        <a:xfrm>
+          <a:off x="0" y="0"/>
+          <a:ext cx="0" cy="0"/>
+          <a:chOff x="0" y="0"/>
+          <a:chExt cx="0" cy="0"/>
+        </a:xfrm>
+      </p:grpSpPr>
+      <p:sp>
+        <p:nvSpPr>
+          <p:cNvPr id="2" name="Slide Image Placeholder 1"/>
+          <p:cNvSpPr>
+            <a:spLocks noGrp="1" noRot="1" noChangeAspect="1"/>
+          </p:cNvSpPr>
+          <p:nvPr>
+            <p:ph type="sldImg"/>
+          </p:nvPr>
+        </p:nvSpPr>
+        <p:spPr/>
+      </p:sp>
+      <p:sp>
+        <p:nvSpPr>
+          <p:cNvPr id="3" name="Notes Placeholder 2"/>
+          <p:cNvSpPr>
+            <a:spLocks noGrp="1"/>
+          </p:cNvSpPr>
+          <p:nvPr>
+            <p:ph type="body" idx="1"/>
+          </p:nvPr>
+        </p:nvSpPr>
+        <p:spPr/>
+        <p:txBody>
+          <a:bodyPr/>
+          <a:lstStyle/>
+          <a:p>
+            <a:r>
+              <a:rPr lang="en-NL" dirty="0"/>
+              <a:t>The hierarchy: </a:t>
+            </a:r>
+          </a:p>
+          <a:p>
+            <a:pPr marL="228600" indent="-228600">
+              <a:buAutoNum type="arabicPeriod"/>
+            </a:pPr>
+            <a:r>
+              <a:rPr lang="en-NL" dirty="0"/>
+              <a:t>Azure portal</a:t>
+            </a:r>
+          </a:p>
+          <a:p>
+            <a:pPr marL="228600" indent="-228600">
+              <a:buAutoNum type="arabicPeriod"/>
+            </a:pPr>
+            <a:r>
+              <a:rPr lang="en-NL" dirty="0"/>
+              <a:t>Azure subscription</a:t>
+            </a:r>
+          </a:p>
+          <a:p>
+            <a:pPr marL="228600" indent="-228600">
+              <a:buAutoNum type="arabicPeriod"/>
+            </a:pPr>
+            <a:r>
+              <a:rPr lang="en-NL" dirty="0"/>
+              <a:t>Resource group</a:t>
+            </a:r>
+          </a:p>
+          <a:p>
+            <a:pPr marL="228600" indent="-228600">
+              <a:buAutoNum type="arabicPeriod"/>
+            </a:pPr>
+            <a:r>
+              <a:rPr lang="en-GB" dirty="0"/>
+              <a:t>S</a:t>
+            </a:r>
+            <a:r>
+              <a:rPr lang="en-NL" dirty="0"/>
+              <a:t>ervices within the resource group</a:t>
+            </a:r>
+          </a:p>
+        </p:txBody>
+      </p:sp>
+      <p:sp>
+        <p:nvSpPr>
+          <p:cNvPr id="4" name="Slide Number Placeholder 3"/>
+          <p:cNvSpPr>
+            <a:spLocks noGrp="1"/>
+          </p:cNvSpPr>
+          <p:nvPr>
+            <p:ph type="sldNum" sz="quarter" idx="5"/>
+          </p:nvPr>
+        </p:nvSpPr>
+        <p:spPr/>
+        <p:txBody>
+          <a:bodyPr/>
+          <a:lstStyle/>
+          <a:p>
+            <a:fld id="{C55E4414-EB4E-5644-A11D-E0224F375D2C}" type="slidenum">
+              <a:rPr lang="en-NL" smtClean="0"/>
+              <a:t>6</a:t>
+            </a:fld>
+            <a:endParaRPr lang="en-NL"/>
+          </a:p>
+        </p:txBody>
+      </p:sp>
+    </p:spTree>
+    <p:extLst>
+      <p:ext uri="{BB962C8B-B14F-4D97-AF65-F5344CB8AC3E}">
+        <p14:creationId xmlns:p14="http://schemas.microsoft.com/office/powerpoint/2010/main" val="112299393"/>
+      </p:ext>
+    </p:extLst>
+  </p:cSld>
+  <p:clrMapOvr>
+    <a:masterClrMapping/>
+  </p:clrMapOvr>
+</p:notes>
+</file>
+
+<file path=ppt/notesSlides/notesSlide2.xml><?xml version="1.0" encoding="utf-8"?>
+<p:notes xmlns:a="http://schemas.openxmlformats.org/drawingml/2006/main" xmlns:r="http://schemas.openxmlformats.org/officeDocument/2006/relationships" xmlns:p="http://schemas.openxmlformats.org/presentationml/2006/main">
+  <p:cSld>
+    <p:spTree>
+      <p:nvGrpSpPr>
+        <p:cNvPr id="1" name=""/>
+        <p:cNvGrpSpPr/>
+        <p:nvPr/>
+      </p:nvGrpSpPr>
+      <p:grpSpPr>
+        <a:xfrm>
+          <a:off x="0" y="0"/>
+          <a:ext cx="0" cy="0"/>
+          <a:chOff x="0" y="0"/>
+          <a:chExt cx="0" cy="0"/>
+        </a:xfrm>
+      </p:grpSpPr>
+      <p:sp>
+        <p:nvSpPr>
+          <p:cNvPr id="2" name="Slide Image Placeholder 1"/>
+          <p:cNvSpPr>
+            <a:spLocks noGrp="1" noRot="1" noChangeAspect="1"/>
+          </p:cNvSpPr>
+          <p:nvPr>
+            <p:ph type="sldImg"/>
+          </p:nvPr>
+        </p:nvSpPr>
+        <p:spPr/>
+      </p:sp>
+      <p:sp>
+        <p:nvSpPr>
+          <p:cNvPr id="3" name="Notes Placeholder 2"/>
+          <p:cNvSpPr>
+            <a:spLocks noGrp="1"/>
+          </p:cNvSpPr>
+          <p:nvPr>
+            <p:ph type="body" idx="1"/>
+          </p:nvPr>
+        </p:nvSpPr>
+        <p:spPr/>
+        <p:txBody>
+          <a:bodyPr/>
+          <a:lstStyle/>
+          <a:p>
+            <a:endParaRPr lang="en-NL" dirty="0"/>
+          </a:p>
+        </p:txBody>
+      </p:sp>
+      <p:sp>
+        <p:nvSpPr>
+          <p:cNvPr id="4" name="Slide Number Placeholder 3"/>
+          <p:cNvSpPr>
+            <a:spLocks noGrp="1"/>
+          </p:cNvSpPr>
+          <p:nvPr>
+            <p:ph type="sldNum" sz="quarter" idx="5"/>
+          </p:nvPr>
+        </p:nvSpPr>
+        <p:spPr/>
+        <p:txBody>
+          <a:bodyPr/>
+          <a:lstStyle/>
+          <a:p>
+            <a:fld id="{C55E4414-EB4E-5644-A11D-E0224F375D2C}" type="slidenum">
+              <a:rPr lang="en-NL" smtClean="0"/>
+              <a:t>7</a:t>
+            </a:fld>
+            <a:endParaRPr lang="en-NL"/>
+          </a:p>
+        </p:txBody>
+      </p:sp>
+    </p:spTree>
+    <p:extLst>
+      <p:ext uri="{BB962C8B-B14F-4D97-AF65-F5344CB8AC3E}">
+        <p14:creationId xmlns:p14="http://schemas.microsoft.com/office/powerpoint/2010/main" val="2205418483"/>
+      </p:ext>
+    </p:extLst>
+  </p:cSld>
+  <p:clrMapOvr>
+    <a:masterClrMapping/>
+  </p:clrMapOvr>
+</p:notes>
+</file>
+
+<file path=ppt/notesSlides/notesSlide3.xml><?xml version="1.0" encoding="utf-8"?>
+<p:notes xmlns:a="http://schemas.openxmlformats.org/drawingml/2006/main" xmlns:r="http://schemas.openxmlformats.org/officeDocument/2006/relationships" xmlns:p="http://schemas.openxmlformats.org/presentationml/2006/main">
+  <p:cSld>
+    <p:spTree>
+      <p:nvGrpSpPr>
+        <p:cNvPr id="1" name=""/>
+        <p:cNvGrpSpPr/>
+        <p:nvPr/>
+      </p:nvGrpSpPr>
+      <p:grpSpPr>
+        <a:xfrm>
+          <a:off x="0" y="0"/>
+          <a:ext cx="0" cy="0"/>
+          <a:chOff x="0" y="0"/>
+          <a:chExt cx="0" cy="0"/>
+        </a:xfrm>
+      </p:grpSpPr>
+      <p:sp>
+        <p:nvSpPr>
+          <p:cNvPr id="2" name="Slide Image Placeholder 1"/>
+          <p:cNvSpPr>
+            <a:spLocks noGrp="1" noRot="1" noChangeAspect="1"/>
+          </p:cNvSpPr>
+          <p:nvPr>
+            <p:ph type="sldImg"/>
+          </p:nvPr>
+        </p:nvSpPr>
+        <p:spPr/>
+      </p:sp>
+      <p:sp>
+        <p:nvSpPr>
+          <p:cNvPr id="3" name="Notes Placeholder 2"/>
+          <p:cNvSpPr>
+            <a:spLocks noGrp="1"/>
+          </p:cNvSpPr>
+          <p:nvPr>
+            <p:ph type="body" idx="1"/>
+          </p:nvPr>
+        </p:nvSpPr>
+        <p:spPr/>
+        <p:txBody>
+          <a:bodyPr/>
+          <a:lstStyle/>
+          <a:p>
+            <a:r>
+              <a:rPr lang="en-NL" dirty="0"/>
+              <a:t>Region issues:</a:t>
+            </a:r>
+          </a:p>
+          <a:p>
+            <a:pPr marL="171450" indent="-171450">
+              <a:buFontTx/>
+              <a:buChar char="-"/>
+            </a:pPr>
+            <a:r>
+              <a:rPr lang="en-NL" dirty="0"/>
+              <a:t>Boy mentioned that we usually use West Europe as the region, therefore I set the resources to west region to europe when I can.</a:t>
+            </a:r>
+          </a:p>
+          <a:p>
+            <a:pPr marL="171450" indent="-171450">
+              <a:buFontTx/>
+              <a:buChar char="-"/>
+            </a:pPr>
+            <a:r>
+              <a:rPr lang="en-NL" dirty="0"/>
+              <a:t>However, with the student subscription that I am using, I am not able to select west europe as the region when creating the SQL server, as a result, North Europe is selected instead, so as the SQL database. </a:t>
+            </a:r>
+          </a:p>
+          <a:p>
+            <a:endParaRPr lang="en-NL" dirty="0"/>
+          </a:p>
+          <a:p>
+            <a:r>
+              <a:rPr lang="en-NL" dirty="0"/>
+              <a:t>Compute configuration:</a:t>
+            </a:r>
+          </a:p>
+          <a:p>
+            <a:pPr marL="171450" indent="-171450">
+              <a:buFontTx/>
+              <a:buChar char="-"/>
+            </a:pPr>
+            <a:r>
+              <a:rPr lang="en-NL" dirty="0"/>
+              <a:t>I have opted for the cheapest compute configuration when creating the SQL Database. </a:t>
+            </a:r>
+          </a:p>
+          <a:p>
+            <a:pPr marL="171450" indent="-171450">
+              <a:buFontTx/>
+              <a:buChar char="-"/>
+            </a:pPr>
+            <a:endParaRPr lang="en-NL" dirty="0"/>
+          </a:p>
+          <a:p>
+            <a:endParaRPr lang="en-NL" dirty="0"/>
+          </a:p>
+          <a:p>
+            <a:r>
+              <a:rPr lang="en-NL" dirty="0"/>
+              <a:t>Other notes</a:t>
+            </a:r>
+          </a:p>
+          <a:p>
+            <a:endParaRPr lang="en-NL" dirty="0"/>
+          </a:p>
+        </p:txBody>
+      </p:sp>
+      <p:sp>
+        <p:nvSpPr>
+          <p:cNvPr id="4" name="Slide Number Placeholder 3"/>
+          <p:cNvSpPr>
+            <a:spLocks noGrp="1"/>
+          </p:cNvSpPr>
+          <p:nvPr>
+            <p:ph type="sldNum" sz="quarter" idx="5"/>
+          </p:nvPr>
+        </p:nvSpPr>
+        <p:spPr/>
+        <p:txBody>
+          <a:bodyPr/>
+          <a:lstStyle/>
+          <a:p>
+            <a:fld id="{C55E4414-EB4E-5644-A11D-E0224F375D2C}" type="slidenum">
+              <a:rPr lang="en-NL" smtClean="0"/>
+              <a:t>9</a:t>
+            </a:fld>
+            <a:endParaRPr lang="en-NL"/>
+          </a:p>
+        </p:txBody>
+      </p:sp>
+    </p:spTree>
+    <p:extLst>
+      <p:ext uri="{BB962C8B-B14F-4D97-AF65-F5344CB8AC3E}">
+        <p14:creationId xmlns:p14="http://schemas.microsoft.com/office/powerpoint/2010/main" val="2005483652"/>
+      </p:ext>
+    </p:extLst>
+  </p:cSld>
+  <p:clrMapOvr>
+    <a:masterClrMapping/>
+  </p:clrMapOvr>
+</p:notes>
 </file>
 
 <file path=ppt/slideLayouts/slideLayout1.xml><?xml version="1.0" encoding="utf-8"?>
@@ -260,7 +978,7 @@
           <a:p>
             <a:fld id="{E9623B3B-8358-DB47-8619-EAC663A38D2D}" type="datetimeFigureOut">
               <a:rPr lang="en-NL" smtClean="0"/>
-              <a:t>22/04/2024</a:t>
+              <a:t>23/04/2024</a:t>
             </a:fld>
             <a:endParaRPr lang="en-NL"/>
           </a:p>
@@ -460,7 +1178,7 @@
           <a:p>
             <a:fld id="{E9623B3B-8358-DB47-8619-EAC663A38D2D}" type="datetimeFigureOut">
               <a:rPr lang="en-NL" smtClean="0"/>
-              <a:t>22/04/2024</a:t>
+              <a:t>23/04/2024</a:t>
             </a:fld>
             <a:endParaRPr lang="en-NL"/>
           </a:p>
@@ -670,7 +1388,7 @@
           <a:p>
             <a:fld id="{E9623B3B-8358-DB47-8619-EAC663A38D2D}" type="datetimeFigureOut">
               <a:rPr lang="en-NL" smtClean="0"/>
-              <a:t>22/04/2024</a:t>
+              <a:t>23/04/2024</a:t>
             </a:fld>
             <a:endParaRPr lang="en-NL"/>
           </a:p>
@@ -870,7 +1588,7 @@
           <a:p>
             <a:fld id="{E9623B3B-8358-DB47-8619-EAC663A38D2D}" type="datetimeFigureOut">
               <a:rPr lang="en-NL" smtClean="0"/>
-              <a:t>22/04/2024</a:t>
+              <a:t>23/04/2024</a:t>
             </a:fld>
             <a:endParaRPr lang="en-NL"/>
           </a:p>
@@ -1146,7 +1864,7 @@
           <a:p>
             <a:fld id="{E9623B3B-8358-DB47-8619-EAC663A38D2D}" type="datetimeFigureOut">
               <a:rPr lang="en-NL" smtClean="0"/>
-              <a:t>22/04/2024</a:t>
+              <a:t>23/04/2024</a:t>
             </a:fld>
             <a:endParaRPr lang="en-NL"/>
           </a:p>
@@ -1414,7 +2132,7 @@
           <a:p>
             <a:fld id="{E9623B3B-8358-DB47-8619-EAC663A38D2D}" type="datetimeFigureOut">
               <a:rPr lang="en-NL" smtClean="0"/>
-              <a:t>22/04/2024</a:t>
+              <a:t>23/04/2024</a:t>
             </a:fld>
             <a:endParaRPr lang="en-NL"/>
           </a:p>
@@ -1829,7 +2547,7 @@
           <a:p>
             <a:fld id="{E9623B3B-8358-DB47-8619-EAC663A38D2D}" type="datetimeFigureOut">
               <a:rPr lang="en-NL" smtClean="0"/>
-              <a:t>22/04/2024</a:t>
+              <a:t>23/04/2024</a:t>
             </a:fld>
             <a:endParaRPr lang="en-NL"/>
           </a:p>
@@ -1971,7 +2689,7 @@
           <a:p>
             <a:fld id="{E9623B3B-8358-DB47-8619-EAC663A38D2D}" type="datetimeFigureOut">
               <a:rPr lang="en-NL" smtClean="0"/>
-              <a:t>22/04/2024</a:t>
+              <a:t>23/04/2024</a:t>
             </a:fld>
             <a:endParaRPr lang="en-NL"/>
           </a:p>
@@ -2084,7 +2802,7 @@
           <a:p>
             <a:fld id="{E9623B3B-8358-DB47-8619-EAC663A38D2D}" type="datetimeFigureOut">
               <a:rPr lang="en-NL" smtClean="0"/>
-              <a:t>22/04/2024</a:t>
+              <a:t>23/04/2024</a:t>
             </a:fld>
             <a:endParaRPr lang="en-NL"/>
           </a:p>
@@ -2397,7 +3115,7 @@
           <a:p>
             <a:fld id="{E9623B3B-8358-DB47-8619-EAC663A38D2D}" type="datetimeFigureOut">
               <a:rPr lang="en-NL" smtClean="0"/>
-              <a:t>22/04/2024</a:t>
+              <a:t>23/04/2024</a:t>
             </a:fld>
             <a:endParaRPr lang="en-NL"/>
           </a:p>
@@ -2686,7 +3404,7 @@
           <a:p>
             <a:fld id="{E9623B3B-8358-DB47-8619-EAC663A38D2D}" type="datetimeFigureOut">
               <a:rPr lang="en-NL" smtClean="0"/>
-              <a:t>22/04/2024</a:t>
+              <a:t>23/04/2024</a:t>
             </a:fld>
             <a:endParaRPr lang="en-NL"/>
           </a:p>
@@ -2929,7 +3647,7 @@
           <a:p>
             <a:fld id="{E9623B3B-8358-DB47-8619-EAC663A38D2D}" type="datetimeFigureOut">
               <a:rPr lang="en-NL" smtClean="0"/>
-              <a:t>22/04/2024</a:t>
+              <a:t>23/04/2024</a:t>
             </a:fld>
             <a:endParaRPr lang="en-NL"/>
           </a:p>
@@ -3437,7 +4155,7 @@
           <p:cNvPr id="2" name="Title 1">
             <a:extLst>
               <a:ext uri="{FF2B5EF4-FFF2-40B4-BE49-F238E27FC236}">
-                <a16:creationId xmlns:a16="http://schemas.microsoft.com/office/drawing/2014/main" id="{B7EF00B9-0674-AF22-A121-53BF81BF6111}"/>
+                <a16:creationId xmlns:a16="http://schemas.microsoft.com/office/drawing/2014/main" id="{F432575F-3C22-6D7E-3F7F-28B4911F3614}"/>
               </a:ext>
             </a:extLst>
           </p:cNvPr>
@@ -3455,7 +4173,7 @@
           <a:p>
             <a:r>
               <a:rPr lang="en-NL" dirty="0"/>
-              <a:t>Goal</a:t>
+              <a:t>Table of Contents</a:t>
             </a:r>
           </a:p>
         </p:txBody>
@@ -3465,7 +4183,7 @@
           <p:cNvPr id="3" name="Content Placeholder 2">
             <a:extLst>
               <a:ext uri="{FF2B5EF4-FFF2-40B4-BE49-F238E27FC236}">
-                <a16:creationId xmlns:a16="http://schemas.microsoft.com/office/drawing/2014/main" id="{8FABFDE2-59C9-A470-ED29-1B31C2981CF0}"/>
+                <a16:creationId xmlns:a16="http://schemas.microsoft.com/office/drawing/2014/main" id="{9435459F-A468-6443-AAA3-9E9153A4A726}"/>
               </a:ext>
             </a:extLst>
           </p:cNvPr>
@@ -3478,9 +4196,7 @@
         </p:nvSpPr>
         <p:spPr/>
         <p:txBody>
-          <a:bodyPr>
-            <a:normAutofit/>
-          </a:bodyPr>
+          <a:bodyPr numCol="2"/>
           <a:lstStyle/>
           <a:p>
             <a:pPr marL="514350" indent="-514350">
@@ -3488,25 +4204,7 @@
             </a:pPr>
             <a:r>
               <a:rPr lang="en-NL" dirty="0"/>
-              <a:t>In a low code manner:</a:t>
-            </a:r>
-          </a:p>
-          <a:p>
-            <a:pPr marL="971550" lvl="1" indent="-514350">
-              <a:buAutoNum type="arabicPeriod"/>
-            </a:pPr>
-            <a:r>
-              <a:rPr lang="en-NL" sz="2800" dirty="0"/>
-              <a:t>Combine the files</a:t>
-            </a:r>
-          </a:p>
-          <a:p>
-            <a:pPr marL="971550" lvl="1" indent="-514350">
-              <a:buAutoNum type="arabicPeriod"/>
-            </a:pPr>
-            <a:r>
-              <a:rPr lang="en-NL" sz="2800" dirty="0"/>
-              <a:t>Create a usable dataset</a:t>
+              <a:t>Goal</a:t>
             </a:r>
           </a:p>
           <a:p>
@@ -3515,15 +4213,45 @@
             </a:pPr>
             <a:r>
               <a:rPr lang="en-NL" dirty="0"/>
-              <a:t>Perform analyses using SQL querying</a:t>
-            </a:r>
+              <a:t>Tools</a:t>
+            </a:r>
+          </a:p>
+          <a:p>
+            <a:pPr marL="514350" indent="-514350">
+              <a:buAutoNum type="arabicPeriod"/>
+            </a:pPr>
+            <a:r>
+              <a:rPr lang="en-NL" dirty="0"/>
+              <a:t>Solution Workflow</a:t>
+            </a:r>
+          </a:p>
+          <a:p>
+            <a:pPr marL="514350" indent="-514350">
+              <a:buAutoNum type="arabicPeriod"/>
+            </a:pPr>
+            <a:r>
+              <a:rPr lang="en-NL" dirty="0"/>
+              <a:t>Remarks when creating the resources</a:t>
+            </a:r>
+          </a:p>
+          <a:p>
+            <a:pPr marL="0" indent="0">
+              <a:buNone/>
+            </a:pPr>
+            <a:endParaRPr lang="en-NL" dirty="0"/>
+          </a:p>
+          <a:p>
+            <a:pPr marL="514350" indent="-514350">
+              <a:buAutoNum type="arabicPeriod"/>
+            </a:pPr>
+            <a:endParaRPr lang="en-NL" dirty="0"/>
           </a:p>
         </p:txBody>
       </p:sp>
     </p:spTree>
     <p:extLst>
       <p:ext uri="{BB962C8B-B14F-4D97-AF65-F5344CB8AC3E}">
-        <p14:creationId xmlns:p14="http://schemas.microsoft.com/office/powerpoint/2010/main" val="35454300"/>
+        <p14:creationId xmlns:p14="http://schemas.microsoft.com/office/powerpoint/2010/main" val="1946434606"/>
       </p:ext>
     </p:extLst>
   </p:cSld>
@@ -3573,7 +4301,7 @@
           <a:p>
             <a:r>
               <a:rPr lang="en-NL" dirty="0"/>
-              <a:t>Tools</a:t>
+              <a:t>Goal</a:t>
             </a:r>
           </a:p>
         </p:txBody>
@@ -3606,15 +4334,25 @@
             </a:pPr>
             <a:r>
               <a:rPr lang="en-NL" dirty="0"/>
-              <a:t>Azure D</a:t>
-            </a:r>
-            <a:r>
-              <a:rPr lang="en-GB" dirty="0"/>
-              <a:t>a</a:t>
-            </a:r>
-            <a:r>
-              <a:rPr lang="en-NL" dirty="0"/>
-              <a:t>ta Factory</a:t>
+              <a:t>In a low code manner:</a:t>
+            </a:r>
+          </a:p>
+          <a:p>
+            <a:pPr marL="971550" lvl="1" indent="-514350">
+              <a:buAutoNum type="arabicPeriod"/>
+            </a:pPr>
+            <a:r>
+              <a:rPr lang="en-NL" sz="2800" dirty="0"/>
+              <a:t>Combine the files using Azure Data Factory (ADF)</a:t>
+            </a:r>
+          </a:p>
+          <a:p>
+            <a:pPr marL="971550" lvl="1" indent="-514350">
+              <a:buAutoNum type="arabicPeriod"/>
+            </a:pPr>
+            <a:r>
+              <a:rPr lang="en-NL" sz="2800" dirty="0"/>
+              <a:t>Create a usable dataset using ADF</a:t>
             </a:r>
           </a:p>
           <a:p>
@@ -3623,7 +4361,7 @@
             </a:pPr>
             <a:r>
               <a:rPr lang="en-NL" dirty="0"/>
-              <a:t>SQL Server Management Studio</a:t>
+              <a:t>Perform analyses using SQL querying</a:t>
             </a:r>
           </a:p>
         </p:txBody>
@@ -3631,7 +4369,7 @@
     </p:spTree>
     <p:extLst>
       <p:ext uri="{BB962C8B-B14F-4D97-AF65-F5344CB8AC3E}">
-        <p14:creationId xmlns:p14="http://schemas.microsoft.com/office/powerpoint/2010/main" val="644094540"/>
+        <p14:creationId xmlns:p14="http://schemas.microsoft.com/office/powerpoint/2010/main" val="35454300"/>
       </p:ext>
     </p:extLst>
   </p:cSld>
@@ -3663,7 +4401,7 @@
           <p:cNvPr id="2" name="Title 1">
             <a:extLst>
               <a:ext uri="{FF2B5EF4-FFF2-40B4-BE49-F238E27FC236}">
-                <a16:creationId xmlns:a16="http://schemas.microsoft.com/office/drawing/2014/main" id="{183D4777-7777-4E14-B951-0EF6C348AA91}"/>
+                <a16:creationId xmlns:a16="http://schemas.microsoft.com/office/drawing/2014/main" id="{B7EF00B9-0674-AF22-A121-53BF81BF6111}"/>
               </a:ext>
             </a:extLst>
           </p:cNvPr>
@@ -3674,19 +4412,64 @@
             <p:ph type="title"/>
           </p:nvPr>
         </p:nvSpPr>
-        <p:spPr>
-          <a:xfrm>
-            <a:off x="838200" y="2766218"/>
-            <a:ext cx="10515600" cy="1325563"/>
-          </a:xfrm>
-        </p:spPr>
+        <p:spPr/>
         <p:txBody>
           <a:bodyPr/>
           <a:lstStyle/>
           <a:p>
             <a:r>
               <a:rPr lang="en-NL" dirty="0"/>
-              <a:t>Step-by-step</a:t>
+              <a:t>Tools</a:t>
+            </a:r>
+          </a:p>
+        </p:txBody>
+      </p:sp>
+      <p:sp>
+        <p:nvSpPr>
+          <p:cNvPr id="3" name="Content Placeholder 2">
+            <a:extLst>
+              <a:ext uri="{FF2B5EF4-FFF2-40B4-BE49-F238E27FC236}">
+                <a16:creationId xmlns:a16="http://schemas.microsoft.com/office/drawing/2014/main" id="{8FABFDE2-59C9-A470-ED29-1B31C2981CF0}"/>
+              </a:ext>
+            </a:extLst>
+          </p:cNvPr>
+          <p:cNvSpPr>
+            <a:spLocks noGrp="1"/>
+          </p:cNvSpPr>
+          <p:nvPr>
+            <p:ph idx="1"/>
+          </p:nvPr>
+        </p:nvSpPr>
+        <p:spPr/>
+        <p:txBody>
+          <a:bodyPr>
+            <a:normAutofit/>
+          </a:bodyPr>
+          <a:lstStyle/>
+          <a:p>
+            <a:pPr marL="514350" indent="-514350">
+              <a:buAutoNum type="arabicPeriod"/>
+            </a:pPr>
+            <a:r>
+              <a:rPr lang="en-NL" dirty="0"/>
+              <a:t>Azure D</a:t>
+            </a:r>
+            <a:r>
+              <a:rPr lang="en-GB" dirty="0"/>
+              <a:t>a</a:t>
+            </a:r>
+            <a:r>
+              <a:rPr lang="en-NL" dirty="0"/>
+              <a:t>ta Factory</a:t>
+            </a:r>
+          </a:p>
+          <a:p>
+            <a:pPr marL="514350" indent="-514350">
+              <a:buAutoNum type="arabicPeriod"/>
+            </a:pPr>
+            <a:r>
+              <a:rPr lang="en-NL" dirty="0"/>
+              <a:t>Azure Data Studio</a:t>
             </a:r>
           </a:p>
         </p:txBody>
@@ -3694,7 +4477,7 @@
     </p:spTree>
     <p:extLst>
       <p:ext uri="{BB962C8B-B14F-4D97-AF65-F5344CB8AC3E}">
-        <p14:creationId xmlns:p14="http://schemas.microsoft.com/office/powerpoint/2010/main" val="353866049"/>
+        <p14:creationId xmlns:p14="http://schemas.microsoft.com/office/powerpoint/2010/main" val="644094540"/>
       </p:ext>
     </p:extLst>
   </p:cSld>
@@ -3723,6 +4506,1263 @@
       </p:grpSpPr>
       <p:sp>
         <p:nvSpPr>
+          <p:cNvPr id="2" name="Title 1">
+            <a:extLst>
+              <a:ext uri="{FF2B5EF4-FFF2-40B4-BE49-F238E27FC236}">
+                <a16:creationId xmlns:a16="http://schemas.microsoft.com/office/drawing/2014/main" id="{183D4777-7777-4E14-B951-0EF6C348AA91}"/>
+              </a:ext>
+            </a:extLst>
+          </p:cNvPr>
+          <p:cNvSpPr>
+            <a:spLocks noGrp="1"/>
+          </p:cNvSpPr>
+          <p:nvPr>
+            <p:ph type="title"/>
+          </p:nvPr>
+        </p:nvSpPr>
+        <p:spPr>
+          <a:xfrm>
+            <a:off x="838200" y="2766218"/>
+            <a:ext cx="10515600" cy="1325563"/>
+          </a:xfrm>
+        </p:spPr>
+        <p:txBody>
+          <a:bodyPr/>
+          <a:lstStyle/>
+          <a:p>
+            <a:r>
+              <a:rPr lang="en-NL" dirty="0"/>
+              <a:t>Solution Workflow</a:t>
+            </a:r>
+          </a:p>
+        </p:txBody>
+      </p:sp>
+    </p:spTree>
+    <p:extLst>
+      <p:ext uri="{BB962C8B-B14F-4D97-AF65-F5344CB8AC3E}">
+        <p14:creationId xmlns:p14="http://schemas.microsoft.com/office/powerpoint/2010/main" val="353866049"/>
+      </p:ext>
+    </p:extLst>
+  </p:cSld>
+  <p:clrMapOvr>
+    <a:masterClrMapping/>
+  </p:clrMapOvr>
+</p:sld>
+</file>
+
+<file path=ppt/slides/slide6.xml><?xml version="1.0" encoding="utf-8"?>
+<p:sld xmlns:a="http://schemas.openxmlformats.org/drawingml/2006/main" xmlns:r="http://schemas.openxmlformats.org/officeDocument/2006/relationships" xmlns:p="http://schemas.openxmlformats.org/presentationml/2006/main">
+  <p:cSld>
+    <p:spTree>
+      <p:nvGrpSpPr>
+        <p:cNvPr id="1" name=""/>
+        <p:cNvGrpSpPr/>
+        <p:nvPr/>
+      </p:nvGrpSpPr>
+      <p:grpSpPr>
+        <a:xfrm>
+          <a:off x="0" y="0"/>
+          <a:ext cx="0" cy="0"/>
+          <a:chOff x="0" y="0"/>
+          <a:chExt cx="0" cy="0"/>
+        </a:xfrm>
+      </p:grpSpPr>
+      <p:sp>
+        <p:nvSpPr>
+          <p:cNvPr id="48" name="Rectangle 47">
+            <a:extLst>
+              <a:ext uri="{FF2B5EF4-FFF2-40B4-BE49-F238E27FC236}">
+                <a16:creationId xmlns:a16="http://schemas.microsoft.com/office/drawing/2014/main" id="{D77D389C-1456-A01A-4EC6-43562B7B126A}"/>
+              </a:ext>
+            </a:extLst>
+          </p:cNvPr>
+          <p:cNvSpPr/>
+          <p:nvPr/>
+        </p:nvSpPr>
+        <p:spPr>
+          <a:xfrm>
+            <a:off x="5099050" y="250519"/>
+            <a:ext cx="1739213" cy="825986"/>
+          </a:xfrm>
+          <a:prstGeom prst="rect">
+            <a:avLst/>
+          </a:prstGeom>
+          <a:solidFill>
+            <a:schemeClr val="bg1"/>
+          </a:solidFill>
+          <a:ln>
+            <a:solidFill>
+              <a:schemeClr val="tx1"/>
+            </a:solidFill>
+          </a:ln>
+        </p:spPr>
+        <p:style>
+          <a:lnRef idx="2">
+            <a:schemeClr val="accent1">
+              <a:shade val="15000"/>
+            </a:schemeClr>
+          </a:lnRef>
+          <a:fillRef idx="1">
+            <a:schemeClr val="accent1"/>
+          </a:fillRef>
+          <a:effectRef idx="0">
+            <a:schemeClr val="accent1"/>
+          </a:effectRef>
+          <a:fontRef idx="minor">
+            <a:schemeClr val="lt1"/>
+          </a:fontRef>
+        </p:style>
+        <p:txBody>
+          <a:bodyPr rtlCol="0" anchor="ctr"/>
+          <a:lstStyle/>
+          <a:p>
+            <a:pPr algn="ctr"/>
+            <a:endParaRPr lang="en-NL"/>
+          </a:p>
+        </p:txBody>
+      </p:sp>
+      <p:sp>
+        <p:nvSpPr>
+          <p:cNvPr id="47" name="Rectangle 46">
+            <a:extLst>
+              <a:ext uri="{FF2B5EF4-FFF2-40B4-BE49-F238E27FC236}">
+                <a16:creationId xmlns:a16="http://schemas.microsoft.com/office/drawing/2014/main" id="{13019A6E-D2D5-D1A3-0585-0141AD0121D3}"/>
+              </a:ext>
+            </a:extLst>
+          </p:cNvPr>
+          <p:cNvSpPr/>
+          <p:nvPr/>
+        </p:nvSpPr>
+        <p:spPr>
+          <a:xfrm>
+            <a:off x="2590942" y="1065607"/>
+            <a:ext cx="7048500" cy="790572"/>
+          </a:xfrm>
+          <a:prstGeom prst="rect">
+            <a:avLst/>
+          </a:prstGeom>
+          <a:solidFill>
+            <a:schemeClr val="bg1"/>
+          </a:solidFill>
+          <a:ln>
+            <a:solidFill>
+              <a:schemeClr val="tx1"/>
+            </a:solidFill>
+          </a:ln>
+        </p:spPr>
+        <p:style>
+          <a:lnRef idx="2">
+            <a:schemeClr val="accent1">
+              <a:shade val="15000"/>
+            </a:schemeClr>
+          </a:lnRef>
+          <a:fillRef idx="1">
+            <a:schemeClr val="accent1"/>
+          </a:fillRef>
+          <a:effectRef idx="0">
+            <a:schemeClr val="accent1"/>
+          </a:effectRef>
+          <a:fontRef idx="minor">
+            <a:schemeClr val="lt1"/>
+          </a:fontRef>
+        </p:style>
+        <p:txBody>
+          <a:bodyPr rtlCol="0" anchor="ctr"/>
+          <a:lstStyle/>
+          <a:p>
+            <a:pPr algn="ctr"/>
+            <a:endParaRPr lang="en-NL"/>
+          </a:p>
+        </p:txBody>
+      </p:sp>
+      <p:sp>
+        <p:nvSpPr>
+          <p:cNvPr id="46" name="Rectangle 45">
+            <a:extLst>
+              <a:ext uri="{FF2B5EF4-FFF2-40B4-BE49-F238E27FC236}">
+                <a16:creationId xmlns:a16="http://schemas.microsoft.com/office/drawing/2014/main" id="{4F57E201-8AF2-42AF-6413-5EE75C4C223D}"/>
+              </a:ext>
+            </a:extLst>
+          </p:cNvPr>
+          <p:cNvSpPr/>
+          <p:nvPr/>
+        </p:nvSpPr>
+        <p:spPr>
+          <a:xfrm>
+            <a:off x="1395579" y="1855781"/>
+            <a:ext cx="9393071" cy="858048"/>
+          </a:xfrm>
+          <a:prstGeom prst="rect">
+            <a:avLst/>
+          </a:prstGeom>
+          <a:solidFill>
+            <a:schemeClr val="bg1"/>
+          </a:solidFill>
+          <a:ln>
+            <a:solidFill>
+              <a:schemeClr val="tx1"/>
+            </a:solidFill>
+          </a:ln>
+        </p:spPr>
+        <p:style>
+          <a:lnRef idx="2">
+            <a:schemeClr val="accent1">
+              <a:shade val="15000"/>
+            </a:schemeClr>
+          </a:lnRef>
+          <a:fillRef idx="1">
+            <a:schemeClr val="accent1"/>
+          </a:fillRef>
+          <a:effectRef idx="0">
+            <a:schemeClr val="accent1"/>
+          </a:effectRef>
+          <a:fontRef idx="minor">
+            <a:schemeClr val="lt1"/>
+          </a:fontRef>
+        </p:style>
+        <p:txBody>
+          <a:bodyPr rtlCol="0" anchor="ctr"/>
+          <a:lstStyle/>
+          <a:p>
+            <a:pPr algn="ctr"/>
+            <a:endParaRPr lang="en-NL"/>
+          </a:p>
+        </p:txBody>
+      </p:sp>
+      <p:sp>
+        <p:nvSpPr>
+          <p:cNvPr id="45" name="Rectangle 44">
+            <a:extLst>
+              <a:ext uri="{FF2B5EF4-FFF2-40B4-BE49-F238E27FC236}">
+                <a16:creationId xmlns:a16="http://schemas.microsoft.com/office/drawing/2014/main" id="{21688F22-6244-AC98-DBE9-17EFD1EA2FB9}"/>
+              </a:ext>
+            </a:extLst>
+          </p:cNvPr>
+          <p:cNvSpPr/>
+          <p:nvPr/>
+        </p:nvSpPr>
+        <p:spPr>
+          <a:xfrm>
+            <a:off x="463550" y="2713829"/>
+            <a:ext cx="11264900" cy="3750471"/>
+          </a:xfrm>
+          <a:prstGeom prst="rect">
+            <a:avLst/>
+          </a:prstGeom>
+          <a:solidFill>
+            <a:schemeClr val="bg1"/>
+          </a:solidFill>
+          <a:ln>
+            <a:solidFill>
+              <a:schemeClr val="tx1"/>
+            </a:solidFill>
+          </a:ln>
+        </p:spPr>
+        <p:style>
+          <a:lnRef idx="2">
+            <a:schemeClr val="accent1">
+              <a:shade val="15000"/>
+            </a:schemeClr>
+          </a:lnRef>
+          <a:fillRef idx="1">
+            <a:schemeClr val="accent1"/>
+          </a:fillRef>
+          <a:effectRef idx="0">
+            <a:schemeClr val="accent1"/>
+          </a:effectRef>
+          <a:fontRef idx="minor">
+            <a:schemeClr val="lt1"/>
+          </a:fontRef>
+        </p:style>
+        <p:txBody>
+          <a:bodyPr rtlCol="0" anchor="ctr"/>
+          <a:lstStyle/>
+          <a:p>
+            <a:pPr algn="ctr"/>
+            <a:endParaRPr lang="en-NL"/>
+          </a:p>
+        </p:txBody>
+      </p:sp>
+      <p:sp>
+        <p:nvSpPr>
+          <p:cNvPr id="5" name="Rounded Rectangle 4">
+            <a:extLst>
+              <a:ext uri="{FF2B5EF4-FFF2-40B4-BE49-F238E27FC236}">
+                <a16:creationId xmlns:a16="http://schemas.microsoft.com/office/drawing/2014/main" id="{A0790FED-E3F3-D005-E697-F1409F50F313}"/>
+              </a:ext>
+            </a:extLst>
+          </p:cNvPr>
+          <p:cNvSpPr/>
+          <p:nvPr/>
+        </p:nvSpPr>
+        <p:spPr>
+          <a:xfrm>
+            <a:off x="571993" y="2765033"/>
+            <a:ext cx="823586" cy="780803"/>
+          </a:xfrm>
+          <a:prstGeom prst="roundRect">
+            <a:avLst/>
+          </a:prstGeom>
+        </p:spPr>
+        <p:style>
+          <a:lnRef idx="2">
+            <a:schemeClr val="accent1">
+              <a:shade val="15000"/>
+            </a:schemeClr>
+          </a:lnRef>
+          <a:fillRef idx="1">
+            <a:schemeClr val="accent1"/>
+          </a:fillRef>
+          <a:effectRef idx="0">
+            <a:schemeClr val="accent1"/>
+          </a:effectRef>
+          <a:fontRef idx="minor">
+            <a:schemeClr val="lt1"/>
+          </a:fontRef>
+        </p:style>
+        <p:txBody>
+          <a:bodyPr rtlCol="0" anchor="ctr"/>
+          <a:lstStyle/>
+          <a:p>
+            <a:pPr algn="ctr"/>
+            <a:r>
+              <a:rPr lang="en-NL" sz="1400" dirty="0"/>
+              <a:t>CSV</a:t>
+            </a:r>
+          </a:p>
+          <a:p>
+            <a:pPr algn="ctr"/>
+            <a:r>
+              <a:rPr lang="en-NL" sz="1400" dirty="0"/>
+              <a:t>Source Files</a:t>
+            </a:r>
+          </a:p>
+        </p:txBody>
+      </p:sp>
+      <p:sp>
+        <p:nvSpPr>
+          <p:cNvPr id="8" name="Rounded Rectangle 7">
+            <a:extLst>
+              <a:ext uri="{FF2B5EF4-FFF2-40B4-BE49-F238E27FC236}">
+                <a16:creationId xmlns:a16="http://schemas.microsoft.com/office/drawing/2014/main" id="{05413EF1-C2F0-E849-AC27-88E3054E86C2}"/>
+              </a:ext>
+            </a:extLst>
+          </p:cNvPr>
+          <p:cNvSpPr/>
+          <p:nvPr/>
+        </p:nvSpPr>
+        <p:spPr>
+          <a:xfrm>
+            <a:off x="578263" y="3700215"/>
+            <a:ext cx="823586" cy="780803"/>
+          </a:xfrm>
+          <a:prstGeom prst="roundRect">
+            <a:avLst/>
+          </a:prstGeom>
+        </p:spPr>
+        <p:style>
+          <a:lnRef idx="2">
+            <a:schemeClr val="accent1">
+              <a:shade val="15000"/>
+            </a:schemeClr>
+          </a:lnRef>
+          <a:fillRef idx="1">
+            <a:schemeClr val="accent1"/>
+          </a:fillRef>
+          <a:effectRef idx="0">
+            <a:schemeClr val="accent1"/>
+          </a:effectRef>
+          <a:fontRef idx="minor">
+            <a:schemeClr val="lt1"/>
+          </a:fontRef>
+        </p:style>
+        <p:txBody>
+          <a:bodyPr rtlCol="0" anchor="ctr"/>
+          <a:lstStyle/>
+          <a:p>
+            <a:pPr algn="ctr"/>
+            <a:r>
+              <a:rPr lang="en-NL" sz="1400" dirty="0"/>
+              <a:t>JSON</a:t>
+            </a:r>
+          </a:p>
+          <a:p>
+            <a:pPr algn="ctr"/>
+            <a:r>
+              <a:rPr lang="en-NL" sz="1400" dirty="0"/>
+              <a:t>Source Files</a:t>
+            </a:r>
+          </a:p>
+        </p:txBody>
+      </p:sp>
+      <p:sp>
+        <p:nvSpPr>
+          <p:cNvPr id="9" name="Rounded Rectangle 8">
+            <a:extLst>
+              <a:ext uri="{FF2B5EF4-FFF2-40B4-BE49-F238E27FC236}">
+                <a16:creationId xmlns:a16="http://schemas.microsoft.com/office/drawing/2014/main" id="{94EE7DFC-C7D1-FDD8-B71B-292464679775}"/>
+              </a:ext>
+            </a:extLst>
+          </p:cNvPr>
+          <p:cNvSpPr/>
+          <p:nvPr/>
+        </p:nvSpPr>
+        <p:spPr>
+          <a:xfrm>
+            <a:off x="571993" y="4635397"/>
+            <a:ext cx="823586" cy="780803"/>
+          </a:xfrm>
+          <a:prstGeom prst="roundRect">
+            <a:avLst/>
+          </a:prstGeom>
+        </p:spPr>
+        <p:style>
+          <a:lnRef idx="2">
+            <a:schemeClr val="accent1">
+              <a:shade val="15000"/>
+            </a:schemeClr>
+          </a:lnRef>
+          <a:fillRef idx="1">
+            <a:schemeClr val="accent1"/>
+          </a:fillRef>
+          <a:effectRef idx="0">
+            <a:schemeClr val="accent1"/>
+          </a:effectRef>
+          <a:fontRef idx="minor">
+            <a:schemeClr val="lt1"/>
+          </a:fontRef>
+        </p:style>
+        <p:txBody>
+          <a:bodyPr rtlCol="0" anchor="ctr"/>
+          <a:lstStyle/>
+          <a:p>
+            <a:pPr algn="ctr"/>
+            <a:r>
+              <a:rPr lang="en-NL" sz="1400" dirty="0"/>
+              <a:t>AVRO</a:t>
+            </a:r>
+          </a:p>
+          <a:p>
+            <a:pPr algn="ctr"/>
+            <a:r>
+              <a:rPr lang="en-NL" sz="1400" dirty="0"/>
+              <a:t>Source Files</a:t>
+            </a:r>
+          </a:p>
+        </p:txBody>
+      </p:sp>
+      <p:pic>
+        <p:nvPicPr>
+          <p:cNvPr id="1026" name="Picture 2" descr="Azure Data Factory Templates with Data Lake - Altis - AU">
+            <a:extLst>
+              <a:ext uri="{FF2B5EF4-FFF2-40B4-BE49-F238E27FC236}">
+                <a16:creationId xmlns:a16="http://schemas.microsoft.com/office/drawing/2014/main" id="{DD06AFCF-D034-48D0-F5D9-99B449B7C232}"/>
+              </a:ext>
+            </a:extLst>
+          </p:cNvPr>
+          <p:cNvPicPr>
+            <a:picLocks noChangeAspect="1" noChangeArrowheads="1"/>
+          </p:cNvPicPr>
+          <p:nvPr/>
+        </p:nvPicPr>
+        <p:blipFill rotWithShape="1">
+          <a:blip r:embed="rId3">
+            <a:extLst>
+              <a:ext uri="{28A0092B-C50C-407E-A947-70E740481C1C}">
+                <a14:useLocalDpi xmlns:a14="http://schemas.microsoft.com/office/drawing/2010/main" val="0"/>
+              </a:ext>
+            </a:extLst>
+          </a:blip>
+          <a:srcRect l="26944" r="23007"/>
+          <a:stretch/>
+        </p:blipFill>
+        <p:spPr bwMode="auto">
+          <a:xfrm>
+            <a:off x="2055012" y="3948316"/>
+            <a:ext cx="1077580" cy="1130364"/>
+          </a:xfrm>
+          <a:prstGeom prst="rect">
+            <a:avLst/>
+          </a:prstGeom>
+          <a:noFill/>
+          <a:extLst>
+            <a:ext uri="{909E8E84-426E-40DD-AFC4-6F175D3DCCD1}">
+              <a14:hiddenFill xmlns:a14="http://schemas.microsoft.com/office/drawing/2010/main">
+                <a:solidFill>
+                  <a:srgbClr val="FFFFFF"/>
+                </a:solidFill>
+              </a14:hiddenFill>
+            </a:ext>
+          </a:extLst>
+        </p:spPr>
+      </p:pic>
+      <p:pic>
+        <p:nvPicPr>
+          <p:cNvPr id="1028" name="Picture 4" descr="Azure Data Factory | element61">
+            <a:extLst>
+              <a:ext uri="{FF2B5EF4-FFF2-40B4-BE49-F238E27FC236}">
+                <a16:creationId xmlns:a16="http://schemas.microsoft.com/office/drawing/2014/main" id="{D8AF45A7-254D-CCFB-92A1-026BB52260BE}"/>
+              </a:ext>
+            </a:extLst>
+          </p:cNvPr>
+          <p:cNvPicPr>
+            <a:picLocks noChangeAspect="1" noChangeArrowheads="1"/>
+          </p:cNvPicPr>
+          <p:nvPr/>
+        </p:nvPicPr>
+        <p:blipFill>
+          <a:blip r:embed="rId4">
+            <a:extLst>
+              <a:ext uri="{28A0092B-C50C-407E-A947-70E740481C1C}">
+                <a14:useLocalDpi xmlns:a14="http://schemas.microsoft.com/office/drawing/2010/main" val="0"/>
+              </a:ext>
+            </a:extLst>
+          </a:blip>
+          <a:srcRect/>
+          <a:stretch>
+            <a:fillRect/>
+          </a:stretch>
+        </p:blipFill>
+        <p:spPr bwMode="auto">
+          <a:xfrm>
+            <a:off x="3817835" y="3545836"/>
+            <a:ext cx="3020428" cy="1585725"/>
+          </a:xfrm>
+          <a:prstGeom prst="rect">
+            <a:avLst/>
+          </a:prstGeom>
+          <a:noFill/>
+          <a:extLst>
+            <a:ext uri="{909E8E84-426E-40DD-AFC4-6F175D3DCCD1}">
+              <a14:hiddenFill xmlns:a14="http://schemas.microsoft.com/office/drawing/2010/main">
+                <a:solidFill>
+                  <a:srgbClr val="FFFFFF"/>
+                </a:solidFill>
+              </a14:hiddenFill>
+            </a:ext>
+          </a:extLst>
+        </p:spPr>
+      </p:pic>
+      <p:pic>
+        <p:nvPicPr>
+          <p:cNvPr id="1030" name="Picture 6" descr="Microsoft BI Tools: ADF Release - Update Linked Service while deploying">
+            <a:extLst>
+              <a:ext uri="{FF2B5EF4-FFF2-40B4-BE49-F238E27FC236}">
+                <a16:creationId xmlns:a16="http://schemas.microsoft.com/office/drawing/2014/main" id="{69489609-A58A-D0FE-52B4-BEA8E333CD43}"/>
+              </a:ext>
+            </a:extLst>
+          </p:cNvPr>
+          <p:cNvPicPr>
+            <a:picLocks noChangeAspect="1" noChangeArrowheads="1"/>
+          </p:cNvPicPr>
+          <p:nvPr/>
+        </p:nvPicPr>
+        <p:blipFill rotWithShape="1">
+          <a:blip r:embed="rId5">
+            <a:extLst>
+              <a:ext uri="{28A0092B-C50C-407E-A947-70E740481C1C}">
+                <a14:useLocalDpi xmlns:a14="http://schemas.microsoft.com/office/drawing/2010/main" val="0"/>
+              </a:ext>
+            </a:extLst>
+          </a:blip>
+          <a:srcRect r="-1587"/>
+          <a:stretch/>
+        </p:blipFill>
+        <p:spPr bwMode="auto">
+          <a:xfrm>
+            <a:off x="3525550" y="4606800"/>
+            <a:ext cx="455814" cy="422393"/>
+          </a:xfrm>
+          <a:prstGeom prst="rect">
+            <a:avLst/>
+          </a:prstGeom>
+          <a:noFill/>
+          <a:extLst>
+            <a:ext uri="{909E8E84-426E-40DD-AFC4-6F175D3DCCD1}">
+              <a14:hiddenFill xmlns:a14="http://schemas.microsoft.com/office/drawing/2010/main">
+                <a:solidFill>
+                  <a:srgbClr val="FFFFFF"/>
+                </a:solidFill>
+              </a14:hiddenFill>
+            </a:ext>
+          </a:extLst>
+        </p:spPr>
+      </p:pic>
+      <p:cxnSp>
+        <p:nvCxnSpPr>
+          <p:cNvPr id="20" name="Straight Arrow Connector 19">
+            <a:extLst>
+              <a:ext uri="{FF2B5EF4-FFF2-40B4-BE49-F238E27FC236}">
+                <a16:creationId xmlns:a16="http://schemas.microsoft.com/office/drawing/2014/main" id="{6079CDC8-CC2D-245F-D8D0-58E0FA2DE879}"/>
+              </a:ext>
+            </a:extLst>
+          </p:cNvPr>
+          <p:cNvCxnSpPr>
+            <a:cxnSpLocks/>
+            <a:stCxn id="1026" idx="3"/>
+          </p:cNvCxnSpPr>
+          <p:nvPr/>
+        </p:nvCxnSpPr>
+        <p:spPr>
+          <a:xfrm>
+            <a:off x="3132592" y="4513498"/>
+            <a:ext cx="1242558" cy="0"/>
+          </a:xfrm>
+          <a:prstGeom prst="straightConnector1">
+            <a:avLst/>
+          </a:prstGeom>
+          <a:ln>
+            <a:solidFill>
+              <a:srgbClr val="FFC000"/>
+            </a:solidFill>
+            <a:tailEnd type="triangle"/>
+          </a:ln>
+        </p:spPr>
+        <p:style>
+          <a:lnRef idx="2">
+            <a:schemeClr val="accent1"/>
+          </a:lnRef>
+          <a:fillRef idx="0">
+            <a:schemeClr val="accent1"/>
+          </a:fillRef>
+          <a:effectRef idx="1">
+            <a:schemeClr val="accent1"/>
+          </a:effectRef>
+          <a:fontRef idx="minor">
+            <a:schemeClr val="tx1"/>
+          </a:fontRef>
+        </p:style>
+      </p:cxnSp>
+      <p:pic>
+        <p:nvPicPr>
+          <p:cNvPr id="1036" name="Picture 12" descr="SQL Database (SQL Azure)&quot; Icon - Download for free – Iconduck">
+            <a:extLst>
+              <a:ext uri="{FF2B5EF4-FFF2-40B4-BE49-F238E27FC236}">
+                <a16:creationId xmlns:a16="http://schemas.microsoft.com/office/drawing/2014/main" id="{36600789-541A-3309-676E-B3391CE61D19}"/>
+              </a:ext>
+            </a:extLst>
+          </p:cNvPr>
+          <p:cNvPicPr>
+            <a:picLocks noChangeAspect="1" noChangeArrowheads="1"/>
+          </p:cNvPicPr>
+          <p:nvPr/>
+        </p:nvPicPr>
+        <p:blipFill>
+          <a:blip r:embed="rId6">
+            <a:extLst>
+              <a:ext uri="{28A0092B-C50C-407E-A947-70E740481C1C}">
+                <a14:useLocalDpi xmlns:a14="http://schemas.microsoft.com/office/drawing/2010/main" val="0"/>
+              </a:ext>
+            </a:extLst>
+          </a:blip>
+          <a:srcRect/>
+          <a:stretch>
+            <a:fillRect/>
+          </a:stretch>
+        </p:blipFill>
+        <p:spPr bwMode="auto">
+          <a:xfrm>
+            <a:off x="7939087" y="4001200"/>
+            <a:ext cx="1079076" cy="1130361"/>
+          </a:xfrm>
+          <a:prstGeom prst="rect">
+            <a:avLst/>
+          </a:prstGeom>
+          <a:noFill/>
+          <a:extLst>
+            <a:ext uri="{909E8E84-426E-40DD-AFC4-6F175D3DCCD1}">
+              <a14:hiddenFill xmlns:a14="http://schemas.microsoft.com/office/drawing/2010/main">
+                <a:solidFill>
+                  <a:srgbClr val="FFFFFF"/>
+                </a:solidFill>
+              </a14:hiddenFill>
+            </a:ext>
+          </a:extLst>
+        </p:spPr>
+      </p:pic>
+      <p:pic>
+        <p:nvPicPr>
+          <p:cNvPr id="29" name="Picture 6" descr="Microsoft BI Tools: ADF Release - Update Linked Service while deploying">
+            <a:extLst>
+              <a:ext uri="{FF2B5EF4-FFF2-40B4-BE49-F238E27FC236}">
+                <a16:creationId xmlns:a16="http://schemas.microsoft.com/office/drawing/2014/main" id="{175AC6F8-9981-987F-D84F-3F40E1F05BB2}"/>
+              </a:ext>
+            </a:extLst>
+          </p:cNvPr>
+          <p:cNvPicPr>
+            <a:picLocks noChangeAspect="1" noChangeArrowheads="1"/>
+          </p:cNvPicPr>
+          <p:nvPr/>
+        </p:nvPicPr>
+        <p:blipFill rotWithShape="1">
+          <a:blip r:embed="rId5">
+            <a:extLst>
+              <a:ext uri="{28A0092B-C50C-407E-A947-70E740481C1C}">
+                <a14:useLocalDpi xmlns:a14="http://schemas.microsoft.com/office/drawing/2010/main" val="0"/>
+              </a:ext>
+            </a:extLst>
+          </a:blip>
+          <a:srcRect r="-1587"/>
+          <a:stretch/>
+        </p:blipFill>
+        <p:spPr bwMode="auto">
+          <a:xfrm>
+            <a:off x="6874689" y="4611290"/>
+            <a:ext cx="455814" cy="422393"/>
+          </a:xfrm>
+          <a:prstGeom prst="rect">
+            <a:avLst/>
+          </a:prstGeom>
+          <a:noFill/>
+          <a:extLst>
+            <a:ext uri="{909E8E84-426E-40DD-AFC4-6F175D3DCCD1}">
+              <a14:hiddenFill xmlns:a14="http://schemas.microsoft.com/office/drawing/2010/main">
+                <a:solidFill>
+                  <a:srgbClr val="FFFFFF"/>
+                </a:solidFill>
+              </a14:hiddenFill>
+            </a:ext>
+          </a:extLst>
+        </p:spPr>
+      </p:pic>
+      <p:cxnSp>
+        <p:nvCxnSpPr>
+          <p:cNvPr id="30" name="Straight Arrow Connector 29">
+            <a:extLst>
+              <a:ext uri="{FF2B5EF4-FFF2-40B4-BE49-F238E27FC236}">
+                <a16:creationId xmlns:a16="http://schemas.microsoft.com/office/drawing/2014/main" id="{9000F665-7533-6ED6-F7F3-1DAB1CFDF5D8}"/>
+              </a:ext>
+            </a:extLst>
+          </p:cNvPr>
+          <p:cNvCxnSpPr>
+            <a:cxnSpLocks/>
+          </p:cNvCxnSpPr>
+          <p:nvPr/>
+        </p:nvCxnSpPr>
+        <p:spPr>
+          <a:xfrm>
+            <a:off x="6481731" y="4517988"/>
+            <a:ext cx="1242558" cy="0"/>
+          </a:xfrm>
+          <a:prstGeom prst="straightConnector1">
+            <a:avLst/>
+          </a:prstGeom>
+          <a:ln>
+            <a:solidFill>
+              <a:srgbClr val="FFC000"/>
+            </a:solidFill>
+            <a:tailEnd type="triangle"/>
+          </a:ln>
+        </p:spPr>
+        <p:style>
+          <a:lnRef idx="2">
+            <a:schemeClr val="accent1"/>
+          </a:lnRef>
+          <a:fillRef idx="0">
+            <a:schemeClr val="accent1"/>
+          </a:fillRef>
+          <a:effectRef idx="1">
+            <a:schemeClr val="accent1"/>
+          </a:effectRef>
+          <a:fontRef idx="minor">
+            <a:schemeClr val="tx1"/>
+          </a:fontRef>
+        </p:style>
+      </p:cxnSp>
+      <p:pic>
+        <p:nvPicPr>
+          <p:cNvPr id="1038" name="Picture 14" descr="Giving Azure Data Studio a Second Look">
+            <a:extLst>
+              <a:ext uri="{FF2B5EF4-FFF2-40B4-BE49-F238E27FC236}">
+                <a16:creationId xmlns:a16="http://schemas.microsoft.com/office/drawing/2014/main" id="{CC674F55-9542-FBCF-74D9-BC2AC559811B}"/>
+              </a:ext>
+            </a:extLst>
+          </p:cNvPr>
+          <p:cNvPicPr>
+            <a:picLocks noChangeAspect="1" noChangeArrowheads="1"/>
+          </p:cNvPicPr>
+          <p:nvPr/>
+        </p:nvPicPr>
+        <p:blipFill rotWithShape="1">
+          <a:blip r:embed="rId7">
+            <a:extLst>
+              <a:ext uri="{28A0092B-C50C-407E-A947-70E740481C1C}">
+                <a14:useLocalDpi xmlns:a14="http://schemas.microsoft.com/office/drawing/2010/main" val="0"/>
+              </a:ext>
+            </a:extLst>
+          </a:blip>
+          <a:srcRect l="28949" t="6649" r="25201" b="6346"/>
+          <a:stretch/>
+        </p:blipFill>
+        <p:spPr bwMode="auto">
+          <a:xfrm>
+            <a:off x="10388185" y="3786181"/>
+            <a:ext cx="1146300" cy="1243012"/>
+          </a:xfrm>
+          <a:prstGeom prst="rect">
+            <a:avLst/>
+          </a:prstGeom>
+          <a:noFill/>
+          <a:extLst>
+            <a:ext uri="{909E8E84-426E-40DD-AFC4-6F175D3DCCD1}">
+              <a14:hiddenFill xmlns:a14="http://schemas.microsoft.com/office/drawing/2010/main">
+                <a:solidFill>
+                  <a:srgbClr val="FFFFFF"/>
+                </a:solidFill>
+              </a14:hiddenFill>
+            </a:ext>
+          </a:extLst>
+        </p:spPr>
+      </p:pic>
+      <p:cxnSp>
+        <p:nvCxnSpPr>
+          <p:cNvPr id="31" name="Straight Arrow Connector 30">
+            <a:extLst>
+              <a:ext uri="{FF2B5EF4-FFF2-40B4-BE49-F238E27FC236}">
+                <a16:creationId xmlns:a16="http://schemas.microsoft.com/office/drawing/2014/main" id="{5457D054-6113-B7DE-C69A-FC012DBADBFF}"/>
+              </a:ext>
+            </a:extLst>
+          </p:cNvPr>
+          <p:cNvCxnSpPr>
+            <a:cxnSpLocks/>
+          </p:cNvCxnSpPr>
+          <p:nvPr/>
+        </p:nvCxnSpPr>
+        <p:spPr>
+          <a:xfrm>
+            <a:off x="9018163" y="4533899"/>
+            <a:ext cx="1242558" cy="0"/>
+          </a:xfrm>
+          <a:prstGeom prst="straightConnector1">
+            <a:avLst/>
+          </a:prstGeom>
+          <a:ln>
+            <a:solidFill>
+              <a:srgbClr val="FFC000"/>
+            </a:solidFill>
+            <a:tailEnd type="triangle"/>
+          </a:ln>
+        </p:spPr>
+        <p:style>
+          <a:lnRef idx="2">
+            <a:schemeClr val="accent1"/>
+          </a:lnRef>
+          <a:fillRef idx="0">
+            <a:schemeClr val="accent1"/>
+          </a:fillRef>
+          <a:effectRef idx="1">
+            <a:schemeClr val="accent1"/>
+          </a:effectRef>
+          <a:fontRef idx="minor">
+            <a:schemeClr val="tx1"/>
+          </a:fontRef>
+        </p:style>
+      </p:cxnSp>
+      <p:sp>
+        <p:nvSpPr>
+          <p:cNvPr id="32" name="Rounded Rectangle 31">
+            <a:extLst>
+              <a:ext uri="{FF2B5EF4-FFF2-40B4-BE49-F238E27FC236}">
+                <a16:creationId xmlns:a16="http://schemas.microsoft.com/office/drawing/2014/main" id="{58AAD920-0735-7148-745E-84EB75EE9B1A}"/>
+              </a:ext>
+            </a:extLst>
+          </p:cNvPr>
+          <p:cNvSpPr/>
+          <p:nvPr/>
+        </p:nvSpPr>
+        <p:spPr>
+          <a:xfrm>
+            <a:off x="571993" y="5570579"/>
+            <a:ext cx="823586" cy="780803"/>
+          </a:xfrm>
+          <a:prstGeom prst="roundRect">
+            <a:avLst/>
+          </a:prstGeom>
+        </p:spPr>
+        <p:style>
+          <a:lnRef idx="2">
+            <a:schemeClr val="accent1">
+              <a:shade val="15000"/>
+            </a:schemeClr>
+          </a:lnRef>
+          <a:fillRef idx="1">
+            <a:schemeClr val="accent1"/>
+          </a:fillRef>
+          <a:effectRef idx="0">
+            <a:schemeClr val="accent1"/>
+          </a:effectRef>
+          <a:fontRef idx="minor">
+            <a:schemeClr val="lt1"/>
+          </a:fontRef>
+        </p:style>
+        <p:txBody>
+          <a:bodyPr rtlCol="0" anchor="ctr"/>
+          <a:lstStyle/>
+          <a:p>
+            <a:pPr algn="ctr"/>
+            <a:r>
+              <a:rPr lang="en-NL" sz="1400" dirty="0"/>
+              <a:t>Excel</a:t>
+            </a:r>
+          </a:p>
+          <a:p>
+            <a:pPr algn="ctr"/>
+            <a:r>
+              <a:rPr lang="en-NL" sz="1400" dirty="0"/>
+              <a:t>Source Files</a:t>
+            </a:r>
+          </a:p>
+        </p:txBody>
+      </p:sp>
+      <p:cxnSp>
+        <p:nvCxnSpPr>
+          <p:cNvPr id="34" name="Straight Arrow Connector 33">
+            <a:extLst>
+              <a:ext uri="{FF2B5EF4-FFF2-40B4-BE49-F238E27FC236}">
+                <a16:creationId xmlns:a16="http://schemas.microsoft.com/office/drawing/2014/main" id="{262A7AB0-404A-FEF4-AE66-A3A63183360D}"/>
+              </a:ext>
+            </a:extLst>
+          </p:cNvPr>
+          <p:cNvCxnSpPr/>
+          <p:nvPr/>
+        </p:nvCxnSpPr>
+        <p:spPr>
+          <a:xfrm>
+            <a:off x="1395579" y="3175000"/>
+            <a:ext cx="659433" cy="952500"/>
+          </a:xfrm>
+          <a:prstGeom prst="straightConnector1">
+            <a:avLst/>
+          </a:prstGeom>
+          <a:ln>
+            <a:solidFill>
+              <a:srgbClr val="FFC000"/>
+            </a:solidFill>
+            <a:tailEnd type="triangle"/>
+          </a:ln>
+        </p:spPr>
+        <p:style>
+          <a:lnRef idx="2">
+            <a:schemeClr val="accent1"/>
+          </a:lnRef>
+          <a:fillRef idx="0">
+            <a:schemeClr val="accent1"/>
+          </a:fillRef>
+          <a:effectRef idx="1">
+            <a:schemeClr val="accent1"/>
+          </a:effectRef>
+          <a:fontRef idx="minor">
+            <a:schemeClr val="tx1"/>
+          </a:fontRef>
+        </p:style>
+      </p:cxnSp>
+      <p:cxnSp>
+        <p:nvCxnSpPr>
+          <p:cNvPr id="36" name="Straight Arrow Connector 35">
+            <a:extLst>
+              <a:ext uri="{FF2B5EF4-FFF2-40B4-BE49-F238E27FC236}">
+                <a16:creationId xmlns:a16="http://schemas.microsoft.com/office/drawing/2014/main" id="{143CE368-2E81-CA3D-4361-65714DEC0F25}"/>
+              </a:ext>
+            </a:extLst>
+          </p:cNvPr>
+          <p:cNvCxnSpPr>
+            <a:cxnSpLocks/>
+            <a:stCxn id="8" idx="3"/>
+          </p:cNvCxnSpPr>
+          <p:nvPr/>
+        </p:nvCxnSpPr>
+        <p:spPr>
+          <a:xfrm>
+            <a:off x="1401849" y="4090617"/>
+            <a:ext cx="656298" cy="315067"/>
+          </a:xfrm>
+          <a:prstGeom prst="straightConnector1">
+            <a:avLst/>
+          </a:prstGeom>
+          <a:ln>
+            <a:solidFill>
+              <a:srgbClr val="FFC000"/>
+            </a:solidFill>
+            <a:tailEnd type="triangle"/>
+          </a:ln>
+        </p:spPr>
+        <p:style>
+          <a:lnRef idx="2">
+            <a:schemeClr val="accent1"/>
+          </a:lnRef>
+          <a:fillRef idx="0">
+            <a:schemeClr val="accent1"/>
+          </a:fillRef>
+          <a:effectRef idx="1">
+            <a:schemeClr val="accent1"/>
+          </a:effectRef>
+          <a:fontRef idx="minor">
+            <a:schemeClr val="tx1"/>
+          </a:fontRef>
+        </p:style>
+      </p:cxnSp>
+      <p:cxnSp>
+        <p:nvCxnSpPr>
+          <p:cNvPr id="38" name="Straight Arrow Connector 37">
+            <a:extLst>
+              <a:ext uri="{FF2B5EF4-FFF2-40B4-BE49-F238E27FC236}">
+                <a16:creationId xmlns:a16="http://schemas.microsoft.com/office/drawing/2014/main" id="{05FC5C2F-A41B-1642-C2D4-AAA19E9BED70}"/>
+              </a:ext>
+            </a:extLst>
+          </p:cNvPr>
+          <p:cNvCxnSpPr>
+            <a:cxnSpLocks/>
+            <a:stCxn id="9" idx="3"/>
+          </p:cNvCxnSpPr>
+          <p:nvPr/>
+        </p:nvCxnSpPr>
+        <p:spPr>
+          <a:xfrm flipV="1">
+            <a:off x="1395579" y="4662116"/>
+            <a:ext cx="653163" cy="363683"/>
+          </a:xfrm>
+          <a:prstGeom prst="straightConnector1">
+            <a:avLst/>
+          </a:prstGeom>
+          <a:ln>
+            <a:solidFill>
+              <a:srgbClr val="FFC000"/>
+            </a:solidFill>
+            <a:tailEnd type="triangle"/>
+          </a:ln>
+        </p:spPr>
+        <p:style>
+          <a:lnRef idx="2">
+            <a:schemeClr val="accent1"/>
+          </a:lnRef>
+          <a:fillRef idx="0">
+            <a:schemeClr val="accent1"/>
+          </a:fillRef>
+          <a:effectRef idx="1">
+            <a:schemeClr val="accent1"/>
+          </a:effectRef>
+          <a:fontRef idx="minor">
+            <a:schemeClr val="tx1"/>
+          </a:fontRef>
+        </p:style>
+      </p:cxnSp>
+      <p:cxnSp>
+        <p:nvCxnSpPr>
+          <p:cNvPr id="44" name="Straight Arrow Connector 43">
+            <a:extLst>
+              <a:ext uri="{FF2B5EF4-FFF2-40B4-BE49-F238E27FC236}">
+                <a16:creationId xmlns:a16="http://schemas.microsoft.com/office/drawing/2014/main" id="{05951DBB-C9EE-E826-BECE-0574E246BA69}"/>
+              </a:ext>
+            </a:extLst>
+          </p:cNvPr>
+          <p:cNvCxnSpPr>
+            <a:stCxn id="32" idx="3"/>
+          </p:cNvCxnSpPr>
+          <p:nvPr/>
+        </p:nvCxnSpPr>
+        <p:spPr>
+          <a:xfrm flipV="1">
+            <a:off x="1395579" y="4889500"/>
+            <a:ext cx="662568" cy="1071481"/>
+          </a:xfrm>
+          <a:prstGeom prst="straightConnector1">
+            <a:avLst/>
+          </a:prstGeom>
+          <a:ln>
+            <a:solidFill>
+              <a:srgbClr val="FFC000"/>
+            </a:solidFill>
+            <a:tailEnd type="triangle"/>
+          </a:ln>
+        </p:spPr>
+        <p:style>
+          <a:lnRef idx="2">
+            <a:schemeClr val="accent1"/>
+          </a:lnRef>
+          <a:fillRef idx="0">
+            <a:schemeClr val="accent1"/>
+          </a:fillRef>
+          <a:effectRef idx="1">
+            <a:schemeClr val="accent1"/>
+          </a:effectRef>
+          <a:fontRef idx="minor">
+            <a:schemeClr val="tx1"/>
+          </a:fontRef>
+        </p:style>
+      </p:cxnSp>
+      <p:pic>
+        <p:nvPicPr>
+          <p:cNvPr id="1040" name="Picture 16" descr="Azure Resources - Visual Studio Marketplace">
+            <a:extLst>
+              <a:ext uri="{FF2B5EF4-FFF2-40B4-BE49-F238E27FC236}">
+                <a16:creationId xmlns:a16="http://schemas.microsoft.com/office/drawing/2014/main" id="{B5C218DB-D427-5AF0-9A96-0A2290BA6761}"/>
+              </a:ext>
+            </a:extLst>
+          </p:cNvPr>
+          <p:cNvPicPr>
+            <a:picLocks noChangeAspect="1" noChangeArrowheads="1"/>
+          </p:cNvPicPr>
+          <p:nvPr/>
+        </p:nvPicPr>
+        <p:blipFill>
+          <a:blip r:embed="rId8">
+            <a:extLst>
+              <a:ext uri="{28A0092B-C50C-407E-A947-70E740481C1C}">
+                <a14:useLocalDpi xmlns:a14="http://schemas.microsoft.com/office/drawing/2010/main" val="0"/>
+              </a:ext>
+            </a:extLst>
+          </a:blip>
+          <a:srcRect/>
+          <a:stretch>
+            <a:fillRect/>
+          </a:stretch>
+        </p:blipFill>
+        <p:spPr bwMode="auto">
+          <a:xfrm>
+            <a:off x="5721608" y="2030462"/>
+            <a:ext cx="558284" cy="558284"/>
+          </a:xfrm>
+          <a:prstGeom prst="rect">
+            <a:avLst/>
+          </a:prstGeom>
+          <a:noFill/>
+          <a:extLst>
+            <a:ext uri="{909E8E84-426E-40DD-AFC4-6F175D3DCCD1}">
+              <a14:hiddenFill xmlns:a14="http://schemas.microsoft.com/office/drawing/2010/main">
+                <a:solidFill>
+                  <a:srgbClr val="FFFFFF"/>
+                </a:solidFill>
+              </a14:hiddenFill>
+            </a:ext>
+          </a:extLst>
+        </p:spPr>
+      </p:pic>
+      <p:pic>
+        <p:nvPicPr>
+          <p:cNvPr id="1042" name="Picture 18" descr="Accessing Azure Key Vault From Python Functions By James, 41% OFF">
+            <a:extLst>
+              <a:ext uri="{FF2B5EF4-FFF2-40B4-BE49-F238E27FC236}">
+                <a16:creationId xmlns:a16="http://schemas.microsoft.com/office/drawing/2014/main" id="{4F51DD09-5C33-5E51-769B-49128038F417}"/>
+              </a:ext>
+            </a:extLst>
+          </p:cNvPr>
+          <p:cNvPicPr>
+            <a:picLocks noChangeAspect="1" noChangeArrowheads="1"/>
+          </p:cNvPicPr>
+          <p:nvPr/>
+        </p:nvPicPr>
+        <p:blipFill>
+          <a:blip r:embed="rId9">
+            <a:extLst>
+              <a:ext uri="{28A0092B-C50C-407E-A947-70E740481C1C}">
+                <a14:useLocalDpi xmlns:a14="http://schemas.microsoft.com/office/drawing/2010/main" val="0"/>
+              </a:ext>
+            </a:extLst>
+          </a:blip>
+          <a:srcRect/>
+          <a:stretch>
+            <a:fillRect/>
+          </a:stretch>
+        </p:blipFill>
+        <p:spPr bwMode="auto">
+          <a:xfrm>
+            <a:off x="5710828" y="1163646"/>
+            <a:ext cx="579844" cy="579844"/>
+          </a:xfrm>
+          <a:prstGeom prst="rect">
+            <a:avLst/>
+          </a:prstGeom>
+          <a:noFill/>
+          <a:extLst>
+            <a:ext uri="{909E8E84-426E-40DD-AFC4-6F175D3DCCD1}">
+              <a14:hiddenFill xmlns:a14="http://schemas.microsoft.com/office/drawing/2010/main">
+                <a:solidFill>
+                  <a:srgbClr val="FFFFFF"/>
+                </a:solidFill>
+              </a14:hiddenFill>
+            </a:ext>
+          </a:extLst>
+        </p:spPr>
+      </p:pic>
+      <p:pic>
+        <p:nvPicPr>
+          <p:cNvPr id="1044" name="Picture 20" descr="The Azure Cloud Shell Connector in Windows Terminal - Windows Command Line">
+            <a:extLst>
+              <a:ext uri="{FF2B5EF4-FFF2-40B4-BE49-F238E27FC236}">
+                <a16:creationId xmlns:a16="http://schemas.microsoft.com/office/drawing/2014/main" id="{D6944C8F-FFEA-6473-4AC2-5F6794DACC8D}"/>
+              </a:ext>
+            </a:extLst>
+          </p:cNvPr>
+          <p:cNvPicPr>
+            <a:picLocks noChangeAspect="1" noChangeArrowheads="1"/>
+          </p:cNvPicPr>
+          <p:nvPr/>
+        </p:nvPicPr>
+        <p:blipFill>
+          <a:blip r:embed="rId10">
+            <a:extLst>
+              <a:ext uri="{28A0092B-C50C-407E-A947-70E740481C1C}">
+                <a14:useLocalDpi xmlns:a14="http://schemas.microsoft.com/office/drawing/2010/main" val="0"/>
+              </a:ext>
+            </a:extLst>
+          </a:blip>
+          <a:srcRect/>
+          <a:stretch>
+            <a:fillRect/>
+          </a:stretch>
+        </p:blipFill>
+        <p:spPr bwMode="auto">
+          <a:xfrm>
+            <a:off x="5665205" y="387609"/>
+            <a:ext cx="671090" cy="503317"/>
+          </a:xfrm>
+          <a:prstGeom prst="rect">
+            <a:avLst/>
+          </a:prstGeom>
+          <a:noFill/>
+          <a:extLst>
+            <a:ext uri="{909E8E84-426E-40DD-AFC4-6F175D3DCCD1}">
+              <a14:hiddenFill xmlns:a14="http://schemas.microsoft.com/office/drawing/2010/main">
+                <a:solidFill>
+                  <a:srgbClr val="FFFFFF"/>
+                </a:solidFill>
+              </a14:hiddenFill>
+            </a:ext>
+          </a:extLst>
+        </p:spPr>
+      </p:pic>
+    </p:spTree>
+    <p:extLst>
+      <p:ext uri="{BB962C8B-B14F-4D97-AF65-F5344CB8AC3E}">
+        <p14:creationId xmlns:p14="http://schemas.microsoft.com/office/powerpoint/2010/main" val="703332370"/>
+      </p:ext>
+    </p:extLst>
+  </p:cSld>
+  <p:clrMapOvr>
+    <a:masterClrMapping/>
+  </p:clrMapOvr>
+</p:sld>
+</file>
+
+<file path=ppt/slides/slide7.xml><?xml version="1.0" encoding="utf-8"?>
+<p:sld xmlns:a="http://schemas.openxmlformats.org/drawingml/2006/main" xmlns:r="http://schemas.openxmlformats.org/officeDocument/2006/relationships" xmlns:p="http://schemas.openxmlformats.org/presentationml/2006/main" show="0">
+  <p:cSld>
+    <p:spTree>
+      <p:nvGrpSpPr>
+        <p:cNvPr id="1" name=""/>
+        <p:cNvGrpSpPr/>
+        <p:nvPr/>
+      </p:nvGrpSpPr>
+      <p:grpSpPr>
+        <a:xfrm>
+          <a:off x="0" y="0"/>
+          <a:ext cx="0" cy="0"/>
+          <a:chOff x="0" y="0"/>
+          <a:chExt cx="0" cy="0"/>
+        </a:xfrm>
+      </p:grpSpPr>
+      <p:sp>
+        <p:nvSpPr>
           <p:cNvPr id="3" name="Content Placeholder 2">
             <a:extLst>
               <a:ext uri="{FF2B5EF4-FFF2-40B4-BE49-F238E27FC236}">
@@ -3925,7 +5965,475 @@
 </p:sld>
 </file>
 
+<file path=ppt/slides/slide8.xml><?xml version="1.0" encoding="utf-8"?>
+<p:sld xmlns:a="http://schemas.openxmlformats.org/drawingml/2006/main" xmlns:r="http://schemas.openxmlformats.org/officeDocument/2006/relationships" xmlns:p="http://schemas.openxmlformats.org/presentationml/2006/main">
+  <p:cSld>
+    <p:spTree>
+      <p:nvGrpSpPr>
+        <p:cNvPr id="1" name=""/>
+        <p:cNvGrpSpPr/>
+        <p:nvPr/>
+      </p:nvGrpSpPr>
+      <p:grpSpPr>
+        <a:xfrm>
+          <a:off x="0" y="0"/>
+          <a:ext cx="0" cy="0"/>
+          <a:chOff x="0" y="0"/>
+          <a:chExt cx="0" cy="0"/>
+        </a:xfrm>
+      </p:grpSpPr>
+      <p:sp>
+        <p:nvSpPr>
+          <p:cNvPr id="2" name="Title 1">
+            <a:extLst>
+              <a:ext uri="{FF2B5EF4-FFF2-40B4-BE49-F238E27FC236}">
+                <a16:creationId xmlns:a16="http://schemas.microsoft.com/office/drawing/2014/main" id="{183D4777-7777-4E14-B951-0EF6C348AA91}"/>
+              </a:ext>
+            </a:extLst>
+          </p:cNvPr>
+          <p:cNvSpPr>
+            <a:spLocks noGrp="1"/>
+          </p:cNvSpPr>
+          <p:nvPr>
+            <p:ph type="title"/>
+          </p:nvPr>
+        </p:nvSpPr>
+        <p:spPr>
+          <a:xfrm>
+            <a:off x="838200" y="2766218"/>
+            <a:ext cx="10515600" cy="1325563"/>
+          </a:xfrm>
+        </p:spPr>
+        <p:txBody>
+          <a:bodyPr/>
+          <a:lstStyle/>
+          <a:p>
+            <a:r>
+              <a:rPr lang="en-NL" dirty="0"/>
+              <a:t>Issues when creating the resources</a:t>
+            </a:r>
+          </a:p>
+        </p:txBody>
+      </p:sp>
+    </p:spTree>
+    <p:extLst>
+      <p:ext uri="{BB962C8B-B14F-4D97-AF65-F5344CB8AC3E}">
+        <p14:creationId xmlns:p14="http://schemas.microsoft.com/office/powerpoint/2010/main" val="2804647168"/>
+      </p:ext>
+    </p:extLst>
+  </p:cSld>
+  <p:clrMapOvr>
+    <a:masterClrMapping/>
+  </p:clrMapOvr>
+</p:sld>
+</file>
+
+<file path=ppt/slides/slide9.xml><?xml version="1.0" encoding="utf-8"?>
+<p:sld xmlns:a="http://schemas.openxmlformats.org/drawingml/2006/main" xmlns:r="http://schemas.openxmlformats.org/officeDocument/2006/relationships" xmlns:p="http://schemas.openxmlformats.org/presentationml/2006/main">
+  <p:cSld>
+    <p:spTree>
+      <p:nvGrpSpPr>
+        <p:cNvPr id="1" name=""/>
+        <p:cNvGrpSpPr/>
+        <p:nvPr/>
+      </p:nvGrpSpPr>
+      <p:grpSpPr>
+        <a:xfrm>
+          <a:off x="0" y="0"/>
+          <a:ext cx="0" cy="0"/>
+          <a:chOff x="0" y="0"/>
+          <a:chExt cx="0" cy="0"/>
+        </a:xfrm>
+      </p:grpSpPr>
+      <p:pic>
+        <p:nvPicPr>
+          <p:cNvPr id="6" name="Picture 5" descr="A close-up of a message&#10;&#10;Description automatically generated">
+            <a:extLst>
+              <a:ext uri="{FF2B5EF4-FFF2-40B4-BE49-F238E27FC236}">
+                <a16:creationId xmlns:a16="http://schemas.microsoft.com/office/drawing/2014/main" id="{C503E0C9-43E3-DDCB-5816-A979D2BE0B70}"/>
+              </a:ext>
+            </a:extLst>
+          </p:cNvPr>
+          <p:cNvPicPr>
+            <a:picLocks noChangeAspect="1"/>
+          </p:cNvPicPr>
+          <p:nvPr/>
+        </p:nvPicPr>
+        <p:blipFill>
+          <a:blip r:embed="rId3"/>
+          <a:stretch>
+            <a:fillRect/>
+          </a:stretch>
+        </p:blipFill>
+        <p:spPr>
+          <a:xfrm>
+            <a:off x="342900" y="673100"/>
+            <a:ext cx="5753100" cy="1397000"/>
+          </a:xfrm>
+          <a:prstGeom prst="rect">
+            <a:avLst/>
+          </a:prstGeom>
+        </p:spPr>
+      </p:pic>
+      <p:pic>
+        <p:nvPicPr>
+          <p:cNvPr id="8" name="Picture 7" descr="A screenshot of a computer&#10;&#10;Description automatically generated">
+            <a:extLst>
+              <a:ext uri="{FF2B5EF4-FFF2-40B4-BE49-F238E27FC236}">
+                <a16:creationId xmlns:a16="http://schemas.microsoft.com/office/drawing/2014/main" id="{7CBBEE00-74E1-F03D-89D9-5EB7CBC6EBFB}"/>
+              </a:ext>
+            </a:extLst>
+          </p:cNvPr>
+          <p:cNvPicPr>
+            <a:picLocks noChangeAspect="1"/>
+          </p:cNvPicPr>
+          <p:nvPr/>
+        </p:nvPicPr>
+        <p:blipFill>
+          <a:blip r:embed="rId4"/>
+          <a:stretch>
+            <a:fillRect/>
+          </a:stretch>
+        </p:blipFill>
+        <p:spPr>
+          <a:xfrm>
+            <a:off x="5994400" y="3111500"/>
+            <a:ext cx="5318234" cy="2921000"/>
+          </a:xfrm>
+          <a:prstGeom prst="rect">
+            <a:avLst/>
+          </a:prstGeom>
+        </p:spPr>
+      </p:pic>
+    </p:spTree>
+    <p:extLst>
+      <p:ext uri="{BB962C8B-B14F-4D97-AF65-F5344CB8AC3E}">
+        <p14:creationId xmlns:p14="http://schemas.microsoft.com/office/powerpoint/2010/main" val="1150184129"/>
+      </p:ext>
+    </p:extLst>
+  </p:cSld>
+  <p:clrMapOvr>
+    <a:masterClrMapping/>
+  </p:clrMapOvr>
+</p:sld>
+</file>
+
 <file path=ppt/theme/theme1.xml><?xml version="1.0" encoding="utf-8"?>
+<a:theme xmlns:a="http://schemas.openxmlformats.org/drawingml/2006/main" name="Office Theme">
+  <a:themeElements>
+    <a:clrScheme name="Office">
+      <a:dk1>
+        <a:sysClr val="windowText" lastClr="000000"/>
+      </a:dk1>
+      <a:lt1>
+        <a:sysClr val="window" lastClr="FFFFFF"/>
+      </a:lt1>
+      <a:dk2>
+        <a:srgbClr val="0E2841"/>
+      </a:dk2>
+      <a:lt2>
+        <a:srgbClr val="E8E8E8"/>
+      </a:lt2>
+      <a:accent1>
+        <a:srgbClr val="156082"/>
+      </a:accent1>
+      <a:accent2>
+        <a:srgbClr val="E97132"/>
+      </a:accent2>
+      <a:accent3>
+        <a:srgbClr val="196B24"/>
+      </a:accent3>
+      <a:accent4>
+        <a:srgbClr val="0F9ED5"/>
+      </a:accent4>
+      <a:accent5>
+        <a:srgbClr val="A02B93"/>
+      </a:accent5>
+      <a:accent6>
+        <a:srgbClr val="4EA72E"/>
+      </a:accent6>
+      <a:hlink>
+        <a:srgbClr val="467886"/>
+      </a:hlink>
+      <a:folHlink>
+        <a:srgbClr val="96607D"/>
+      </a:folHlink>
+    </a:clrScheme>
+    <a:fontScheme name="Office">
+      <a:majorFont>
+        <a:latin typeface="Aptos Display" panose="02110004020202020204"/>
+        <a:ea typeface=""/>
+        <a:cs typeface=""/>
+        <a:font script="Jpan" typeface="游ゴシック Light"/>
+        <a:font script="Hang" typeface="맑은 고딕"/>
+        <a:font script="Hans" typeface="等线 Light"/>
+        <a:font script="Hant" typeface="新細明體"/>
+        <a:font script="Arab" typeface="Times New Roman"/>
+        <a:font script="Hebr" typeface="Times New Roman"/>
+        <a:font script="Thai" typeface="Angsana New"/>
+        <a:font script="Ethi" typeface="Nyala"/>
+        <a:font script="Beng" typeface="Vrinda"/>
+        <a:font script="Gujr" typeface="Shruti"/>
+        <a:font script="Khmr" typeface="MoolBoran"/>
+        <a:font script="Knda" typeface="Tunga"/>
+        <a:font script="Guru" typeface="Raavi"/>
+        <a:font script="Cans" typeface="Euphemia"/>
+        <a:font script="Cher" typeface="Plantagenet Cherokee"/>
+        <a:font script="Yiii" typeface="Microsoft Yi Baiti"/>
+        <a:font script="Tibt" typeface="Microsoft Himalaya"/>
+        <a:font script="Thaa" typeface="MV Boli"/>
+        <a:font script="Deva" typeface="Mangal"/>
+        <a:font script="Telu" typeface="Gautami"/>
+        <a:font script="Taml" typeface="Latha"/>
+        <a:font script="Syrc" typeface="Estrangelo Edessa"/>
+        <a:font script="Orya" typeface="Kalinga"/>
+        <a:font script="Mlym" typeface="Kartika"/>
+        <a:font script="Laoo" typeface="DokChampa"/>
+        <a:font script="Sinh" typeface="Iskoola Pota"/>
+        <a:font script="Mong" typeface="Mongolian Baiti"/>
+        <a:font script="Viet" typeface="Times New Roman"/>
+        <a:font script="Uigh" typeface="Microsoft Uighur"/>
+        <a:font script="Geor" typeface="Sylfaen"/>
+        <a:font script="Armn" typeface="Arial"/>
+        <a:font script="Bugi" typeface="Leelawadee UI"/>
+        <a:font script="Bopo" typeface="Microsoft JhengHei"/>
+        <a:font script="Java" typeface="Javanese Text"/>
+        <a:font script="Lisu" typeface="Segoe UI"/>
+        <a:font script="Mymr" typeface="Myanmar Text"/>
+        <a:font script="Nkoo" typeface="Ebrima"/>
+        <a:font script="Olck" typeface="Nirmala UI"/>
+        <a:font script="Osma" typeface="Ebrima"/>
+        <a:font script="Phag" typeface="Phagspa"/>
+        <a:font script="Syrn" typeface="Estrangelo Edessa"/>
+        <a:font script="Syrj" typeface="Estrangelo Edessa"/>
+        <a:font script="Syre" typeface="Estrangelo Edessa"/>
+        <a:font script="Sora" typeface="Nirmala UI"/>
+        <a:font script="Tale" typeface="Microsoft Tai Le"/>
+        <a:font script="Talu" typeface="Microsoft New Tai Lue"/>
+        <a:font script="Tfng" typeface="Ebrima"/>
+      </a:majorFont>
+      <a:minorFont>
+        <a:latin typeface="Aptos" panose="02110004020202020204"/>
+        <a:ea typeface=""/>
+        <a:cs typeface=""/>
+        <a:font script="Jpan" typeface="游ゴシック"/>
+        <a:font script="Hang" typeface="맑은 고딕"/>
+        <a:font script="Hans" typeface="等线"/>
+        <a:font script="Hant" typeface="新細明體"/>
+        <a:font script="Arab" typeface="Arial"/>
+        <a:font script="Hebr" typeface="Arial"/>
+        <a:font script="Thai" typeface="Cordia New"/>
+        <a:font script="Ethi" typeface="Nyala"/>
+        <a:font script="Beng" typeface="Vrinda"/>
+        <a:font script="Gujr" typeface="Shruti"/>
+        <a:font script="Khmr" typeface="DaunPenh"/>
+        <a:font script="Knda" typeface="Tunga"/>
+        <a:font script="Guru" typeface="Raavi"/>
+        <a:font script="Cans" typeface="Euphemia"/>
+        <a:font script="Cher" typeface="Plantagenet Cherokee"/>
+        <a:font script="Yiii" typeface="Microsoft Yi Baiti"/>
+        <a:font script="Tibt" typeface="Microsoft Himalaya"/>
+        <a:font script="Thaa" typeface="MV Boli"/>
+        <a:font script="Deva" typeface="Mangal"/>
+        <a:font script="Telu" typeface="Gautami"/>
+        <a:font script="Taml" typeface="Latha"/>
+        <a:font script="Syrc" typeface="Estrangelo Edessa"/>
+        <a:font script="Orya" typeface="Kalinga"/>
+        <a:font script="Mlym" typeface="Kartika"/>
+        <a:font script="Laoo" typeface="DokChampa"/>
+        <a:font script="Sinh" typeface="Iskoola Pota"/>
+        <a:font script="Mong" typeface="Mongolian Baiti"/>
+        <a:font script="Viet" typeface="Arial"/>
+        <a:font script="Uigh" typeface="Microsoft Uighur"/>
+        <a:font script="Geor" typeface="Sylfaen"/>
+        <a:font script="Armn" typeface="Arial"/>
+        <a:font script="Bugi" typeface="Leelawadee UI"/>
+        <a:font script="Bopo" typeface="Microsoft JhengHei"/>
+        <a:font script="Java" typeface="Javanese Text"/>
+        <a:font script="Lisu" typeface="Segoe UI"/>
+        <a:font script="Mymr" typeface="Myanmar Text"/>
+        <a:font script="Nkoo" typeface="Ebrima"/>
+        <a:font script="Olck" typeface="Nirmala UI"/>
+        <a:font script="Osma" typeface="Ebrima"/>
+        <a:font script="Phag" typeface="Phagspa"/>
+        <a:font script="Syrn" typeface="Estrangelo Edessa"/>
+        <a:font script="Syrj" typeface="Estrangelo Edessa"/>
+        <a:font script="Syre" typeface="Estrangelo Edessa"/>
+        <a:font script="Sora" typeface="Nirmala UI"/>
+        <a:font script="Tale" typeface="Microsoft Tai Le"/>
+        <a:font script="Talu" typeface="Microsoft New Tai Lue"/>
+        <a:font script="Tfng" typeface="Ebrima"/>
+      </a:minorFont>
+    </a:fontScheme>
+    <a:fmtScheme name="Office">
+      <a:fillStyleLst>
+        <a:solidFill>
+          <a:schemeClr val="phClr"/>
+        </a:solidFill>
+        <a:gradFill rotWithShape="1">
+          <a:gsLst>
+            <a:gs pos="0">
+              <a:schemeClr val="phClr">
+                <a:lumMod val="110000"/>
+                <a:satMod val="105000"/>
+                <a:tint val="67000"/>
+              </a:schemeClr>
+            </a:gs>
+            <a:gs pos="50000">
+              <a:schemeClr val="phClr">
+                <a:lumMod val="105000"/>
+                <a:satMod val="103000"/>
+                <a:tint val="73000"/>
+              </a:schemeClr>
+            </a:gs>
+            <a:gs pos="100000">
+              <a:schemeClr val="phClr">
+                <a:lumMod val="105000"/>
+                <a:satMod val="109000"/>
+                <a:tint val="81000"/>
+              </a:schemeClr>
+            </a:gs>
+          </a:gsLst>
+          <a:lin ang="5400000" scaled="0"/>
+        </a:gradFill>
+        <a:gradFill rotWithShape="1">
+          <a:gsLst>
+            <a:gs pos="0">
+              <a:schemeClr val="phClr">
+                <a:satMod val="103000"/>
+                <a:lumMod val="102000"/>
+                <a:tint val="94000"/>
+              </a:schemeClr>
+            </a:gs>
+            <a:gs pos="50000">
+              <a:schemeClr val="phClr">
+                <a:satMod val="110000"/>
+                <a:lumMod val="100000"/>
+                <a:shade val="100000"/>
+              </a:schemeClr>
+            </a:gs>
+            <a:gs pos="100000">
+              <a:schemeClr val="phClr">
+                <a:lumMod val="99000"/>
+                <a:satMod val="120000"/>
+                <a:shade val="78000"/>
+              </a:schemeClr>
+            </a:gs>
+          </a:gsLst>
+          <a:lin ang="5400000" scaled="0"/>
+        </a:gradFill>
+      </a:fillStyleLst>
+      <a:lnStyleLst>
+        <a:ln w="12700" cap="flat" cmpd="sng" algn="ctr">
+          <a:solidFill>
+            <a:schemeClr val="phClr"/>
+          </a:solidFill>
+          <a:prstDash val="solid"/>
+          <a:miter lim="800000"/>
+        </a:ln>
+        <a:ln w="19050" cap="flat" cmpd="sng" algn="ctr">
+          <a:solidFill>
+            <a:schemeClr val="phClr"/>
+          </a:solidFill>
+          <a:prstDash val="solid"/>
+          <a:miter lim="800000"/>
+        </a:ln>
+        <a:ln w="25400" cap="flat" cmpd="sng" algn="ctr">
+          <a:solidFill>
+            <a:schemeClr val="phClr"/>
+          </a:solidFill>
+          <a:prstDash val="solid"/>
+          <a:miter lim="800000"/>
+        </a:ln>
+      </a:lnStyleLst>
+      <a:effectStyleLst>
+        <a:effectStyle>
+          <a:effectLst/>
+        </a:effectStyle>
+        <a:effectStyle>
+          <a:effectLst/>
+        </a:effectStyle>
+        <a:effectStyle>
+          <a:effectLst>
+            <a:outerShdw blurRad="57150" dist="19050" dir="5400000" algn="ctr" rotWithShape="0">
+              <a:srgbClr val="000000">
+                <a:alpha val="63000"/>
+              </a:srgbClr>
+            </a:outerShdw>
+          </a:effectLst>
+        </a:effectStyle>
+      </a:effectStyleLst>
+      <a:bgFillStyleLst>
+        <a:solidFill>
+          <a:schemeClr val="phClr"/>
+        </a:solidFill>
+        <a:solidFill>
+          <a:schemeClr val="phClr">
+            <a:tint val="95000"/>
+            <a:satMod val="170000"/>
+          </a:schemeClr>
+        </a:solidFill>
+        <a:gradFill rotWithShape="1">
+          <a:gsLst>
+            <a:gs pos="0">
+              <a:schemeClr val="phClr">
+                <a:tint val="93000"/>
+                <a:satMod val="150000"/>
+                <a:shade val="98000"/>
+                <a:lumMod val="102000"/>
+              </a:schemeClr>
+            </a:gs>
+            <a:gs pos="50000">
+              <a:schemeClr val="phClr">
+                <a:tint val="98000"/>
+                <a:satMod val="130000"/>
+                <a:shade val="90000"/>
+                <a:lumMod val="103000"/>
+              </a:schemeClr>
+            </a:gs>
+            <a:gs pos="100000">
+              <a:schemeClr val="phClr">
+                <a:shade val="63000"/>
+                <a:satMod val="120000"/>
+              </a:schemeClr>
+            </a:gs>
+          </a:gsLst>
+          <a:lin ang="5400000" scaled="0"/>
+        </a:gradFill>
+      </a:bgFillStyleLst>
+    </a:fmtScheme>
+  </a:themeElements>
+  <a:objectDefaults>
+    <a:lnDef>
+      <a:spPr/>
+      <a:bodyPr/>
+      <a:lstStyle/>
+      <a:style>
+        <a:lnRef idx="2">
+          <a:schemeClr val="accent1"/>
+        </a:lnRef>
+        <a:fillRef idx="0">
+          <a:schemeClr val="accent1"/>
+        </a:fillRef>
+        <a:effectRef idx="1">
+          <a:schemeClr val="accent1"/>
+        </a:effectRef>
+        <a:fontRef idx="minor">
+          <a:schemeClr val="tx1"/>
+        </a:fontRef>
+      </a:style>
+    </a:lnDef>
+  </a:objectDefaults>
+  <a:extraClrSchemeLst/>
+  <a:extLst>
+    <a:ext uri="{05A4C25C-085E-4340-85A3-A5531E510DB2}">
+      <thm15:themeFamily xmlns:thm15="http://schemas.microsoft.com/office/thememl/2012/main" name="Office Theme" id="{2E142A2C-CD16-42D6-873A-C26D2A0506FA}" vid="{1BDDFF52-6CD6-40A5-AB3C-68EB2F1E4D0A}"/>
+    </a:ext>
+  </a:extLst>
+</a:theme>
+</file>
+
+<file path=ppt/theme/theme2.xml><?xml version="1.0" encoding="utf-8"?>
 <a:theme xmlns:a="http://schemas.openxmlformats.org/drawingml/2006/main" name="Office Theme">
   <a:themeElements>
     <a:clrScheme name="Office">

--- a/DEA_solution.pptx
+++ b/DEA_solution.pptx
@@ -205,7 +205,7 @@
           <a:p>
             <a:fld id="{BD1286F7-7B60-504A-AD35-40AFA39E89D0}" type="datetimeFigureOut">
               <a:rPr lang="en-NL" smtClean="0"/>
-              <a:t>23/04/2024</a:t>
+              <a:t>25/04/2024</a:t>
             </a:fld>
             <a:endParaRPr lang="en-NL"/>
           </a:p>
@@ -562,6 +562,15 @@
               <a:t>ervices within the resource group</a:t>
             </a:r>
           </a:p>
+          <a:p>
+            <a:pPr marL="228600" indent="-228600">
+              <a:buAutoNum type="arabicPeriod"/>
+            </a:pPr>
+            <a:r>
+              <a:rPr lang="en-NL" dirty="0"/>
+              <a:t>SQL querying in Azure Data Studio/SQL Server Management Studio</a:t>
+            </a:r>
+          </a:p>
         </p:txBody>
       </p:sp>
       <p:sp>
@@ -978,7 +987,7 @@
           <a:p>
             <a:fld id="{E9623B3B-8358-DB47-8619-EAC663A38D2D}" type="datetimeFigureOut">
               <a:rPr lang="en-NL" smtClean="0"/>
-              <a:t>23/04/2024</a:t>
+              <a:t>25/04/2024</a:t>
             </a:fld>
             <a:endParaRPr lang="en-NL"/>
           </a:p>
@@ -1178,7 +1187,7 @@
           <a:p>
             <a:fld id="{E9623B3B-8358-DB47-8619-EAC663A38D2D}" type="datetimeFigureOut">
               <a:rPr lang="en-NL" smtClean="0"/>
-              <a:t>23/04/2024</a:t>
+              <a:t>25/04/2024</a:t>
             </a:fld>
             <a:endParaRPr lang="en-NL"/>
           </a:p>
@@ -1388,7 +1397,7 @@
           <a:p>
             <a:fld id="{E9623B3B-8358-DB47-8619-EAC663A38D2D}" type="datetimeFigureOut">
               <a:rPr lang="en-NL" smtClean="0"/>
-              <a:t>23/04/2024</a:t>
+              <a:t>25/04/2024</a:t>
             </a:fld>
             <a:endParaRPr lang="en-NL"/>
           </a:p>
@@ -1588,7 +1597,7 @@
           <a:p>
             <a:fld id="{E9623B3B-8358-DB47-8619-EAC663A38D2D}" type="datetimeFigureOut">
               <a:rPr lang="en-NL" smtClean="0"/>
-              <a:t>23/04/2024</a:t>
+              <a:t>25/04/2024</a:t>
             </a:fld>
             <a:endParaRPr lang="en-NL"/>
           </a:p>
@@ -1864,7 +1873,7 @@
           <a:p>
             <a:fld id="{E9623B3B-8358-DB47-8619-EAC663A38D2D}" type="datetimeFigureOut">
               <a:rPr lang="en-NL" smtClean="0"/>
-              <a:t>23/04/2024</a:t>
+              <a:t>25/04/2024</a:t>
             </a:fld>
             <a:endParaRPr lang="en-NL"/>
           </a:p>
@@ -2132,7 +2141,7 @@
           <a:p>
             <a:fld id="{E9623B3B-8358-DB47-8619-EAC663A38D2D}" type="datetimeFigureOut">
               <a:rPr lang="en-NL" smtClean="0"/>
-              <a:t>23/04/2024</a:t>
+              <a:t>25/04/2024</a:t>
             </a:fld>
             <a:endParaRPr lang="en-NL"/>
           </a:p>
@@ -2547,7 +2556,7 @@
           <a:p>
             <a:fld id="{E9623B3B-8358-DB47-8619-EAC663A38D2D}" type="datetimeFigureOut">
               <a:rPr lang="en-NL" smtClean="0"/>
-              <a:t>23/04/2024</a:t>
+              <a:t>25/04/2024</a:t>
             </a:fld>
             <a:endParaRPr lang="en-NL"/>
           </a:p>
@@ -2689,7 +2698,7 @@
           <a:p>
             <a:fld id="{E9623B3B-8358-DB47-8619-EAC663A38D2D}" type="datetimeFigureOut">
               <a:rPr lang="en-NL" smtClean="0"/>
-              <a:t>23/04/2024</a:t>
+              <a:t>25/04/2024</a:t>
             </a:fld>
             <a:endParaRPr lang="en-NL"/>
           </a:p>
@@ -2802,7 +2811,7 @@
           <a:p>
             <a:fld id="{E9623B3B-8358-DB47-8619-EAC663A38D2D}" type="datetimeFigureOut">
               <a:rPr lang="en-NL" smtClean="0"/>
-              <a:t>23/04/2024</a:t>
+              <a:t>25/04/2024</a:t>
             </a:fld>
             <a:endParaRPr lang="en-NL"/>
           </a:p>
@@ -3115,7 +3124,7 @@
           <a:p>
             <a:fld id="{E9623B3B-8358-DB47-8619-EAC663A38D2D}" type="datetimeFigureOut">
               <a:rPr lang="en-NL" smtClean="0"/>
-              <a:t>23/04/2024</a:t>
+              <a:t>25/04/2024</a:t>
             </a:fld>
             <a:endParaRPr lang="en-NL"/>
           </a:p>
@@ -3404,7 +3413,7 @@
           <a:p>
             <a:fld id="{E9623B3B-8358-DB47-8619-EAC663A38D2D}" type="datetimeFigureOut">
               <a:rPr lang="en-NL" smtClean="0"/>
-              <a:t>23/04/2024</a:t>
+              <a:t>25/04/2024</a:t>
             </a:fld>
             <a:endParaRPr lang="en-NL"/>
           </a:p>
@@ -3647,7 +3656,7 @@
           <a:p>
             <a:fld id="{E9623B3B-8358-DB47-8619-EAC663A38D2D}" type="datetimeFigureOut">
               <a:rPr lang="en-NL" smtClean="0"/>
-              <a:t>23/04/2024</a:t>
+              <a:t>25/04/2024</a:t>
             </a:fld>
             <a:endParaRPr lang="en-NL"/>
           </a:p>
@@ -4569,20 +4578,22 @@
       </p:grpSpPr>
       <p:sp>
         <p:nvSpPr>
-          <p:cNvPr id="48" name="Rectangle 47">
-            <a:extLst>
-              <a:ext uri="{FF2B5EF4-FFF2-40B4-BE49-F238E27FC236}">
-                <a16:creationId xmlns:a16="http://schemas.microsoft.com/office/drawing/2014/main" id="{D77D389C-1456-A01A-4EC6-43562B7B126A}"/>
-              </a:ext>
-            </a:extLst>
-          </p:cNvPr>
-          <p:cNvSpPr/>
+          <p:cNvPr id="12" name="Rectangle 11">
+            <a:extLst>
+              <a:ext uri="{FF2B5EF4-FFF2-40B4-BE49-F238E27FC236}">
+                <a16:creationId xmlns:a16="http://schemas.microsoft.com/office/drawing/2014/main" id="{A76D5F3E-AEBB-EE7E-3D7A-6D1FEE95AACE}"/>
+              </a:ext>
+            </a:extLst>
+          </p:cNvPr>
+          <p:cNvSpPr>
+            <a:spLocks/>
+          </p:cNvSpPr>
           <p:nvPr/>
         </p:nvSpPr>
         <p:spPr>
           <a:xfrm>
-            <a:off x="5099050" y="250519"/>
-            <a:ext cx="1739213" cy="825986"/>
+            <a:off x="538241" y="510257"/>
+            <a:ext cx="8776581" cy="5748762"/>
           </a:xfrm>
           <a:prstGeom prst="rect">
             <a:avLst/>
@@ -4590,11 +4601,6 @@
           <a:solidFill>
             <a:schemeClr val="bg1"/>
           </a:solidFill>
-          <a:ln>
-            <a:solidFill>
-              <a:schemeClr val="tx1"/>
-            </a:solidFill>
-          </a:ln>
         </p:spPr>
         <p:style>
           <a:lnRef idx="2">
@@ -4623,10 +4629,10 @@
       </p:sp>
       <p:sp>
         <p:nvSpPr>
-          <p:cNvPr id="47" name="Rectangle 46">
-            <a:extLst>
-              <a:ext uri="{FF2B5EF4-FFF2-40B4-BE49-F238E27FC236}">
-                <a16:creationId xmlns:a16="http://schemas.microsoft.com/office/drawing/2014/main" id="{13019A6E-D2D5-D1A3-0585-0141AD0121D3}"/>
+          <p:cNvPr id="14" name="Rectangle 13">
+            <a:extLst>
+              <a:ext uri="{FF2B5EF4-FFF2-40B4-BE49-F238E27FC236}">
+                <a16:creationId xmlns:a16="http://schemas.microsoft.com/office/drawing/2014/main" id="{8254C9A3-F0CF-D1DA-3CF2-0856322C7E8F}"/>
               </a:ext>
             </a:extLst>
           </p:cNvPr>
@@ -4635,8 +4641,8 @@
         </p:nvSpPr>
         <p:spPr>
           <a:xfrm>
-            <a:off x="2590942" y="1065607"/>
-            <a:ext cx="7048500" cy="790572"/>
+            <a:off x="1339480" y="1165691"/>
+            <a:ext cx="7432732" cy="4828041"/>
           </a:xfrm>
           <a:prstGeom prst="rect">
             <a:avLst/>
@@ -4644,11 +4650,6 @@
           <a:solidFill>
             <a:schemeClr val="bg1"/>
           </a:solidFill>
-          <a:ln>
-            <a:solidFill>
-              <a:schemeClr val="tx1"/>
-            </a:solidFill>
-          </a:ln>
         </p:spPr>
         <p:style>
           <a:lnRef idx="2">
@@ -4677,10 +4678,10 @@
       </p:sp>
       <p:sp>
         <p:nvSpPr>
-          <p:cNvPr id="46" name="Rectangle 45">
-            <a:extLst>
-              <a:ext uri="{FF2B5EF4-FFF2-40B4-BE49-F238E27FC236}">
-                <a16:creationId xmlns:a16="http://schemas.microsoft.com/office/drawing/2014/main" id="{4F57E201-8AF2-42AF-6413-5EE75C4C223D}"/>
+          <p:cNvPr id="13" name="Rectangle 12">
+            <a:extLst>
+              <a:ext uri="{FF2B5EF4-FFF2-40B4-BE49-F238E27FC236}">
+                <a16:creationId xmlns:a16="http://schemas.microsoft.com/office/drawing/2014/main" id="{A8E933A9-D2CA-5E4B-72D0-9D32718724A3}"/>
               </a:ext>
             </a:extLst>
           </p:cNvPr>
@@ -4689,8 +4690,8 @@
         </p:nvSpPr>
         <p:spPr>
           <a:xfrm>
-            <a:off x="1395579" y="1855781"/>
-            <a:ext cx="9393071" cy="858048"/>
+            <a:off x="2000316" y="1721256"/>
+            <a:ext cx="6339816" cy="4026401"/>
           </a:xfrm>
           <a:prstGeom prst="rect">
             <a:avLst/>
@@ -4698,11 +4699,6 @@
           <a:solidFill>
             <a:schemeClr val="bg1"/>
           </a:solidFill>
-          <a:ln>
-            <a:solidFill>
-              <a:schemeClr val="tx1"/>
-            </a:solidFill>
-          </a:ln>
         </p:spPr>
         <p:style>
           <a:lnRef idx="2">
@@ -4729,66 +4725,427 @@
           </a:p>
         </p:txBody>
       </p:sp>
-      <p:sp>
-        <p:nvSpPr>
-          <p:cNvPr id="45" name="Rectangle 44">
-            <a:extLst>
-              <a:ext uri="{FF2B5EF4-FFF2-40B4-BE49-F238E27FC236}">
-                <a16:creationId xmlns:a16="http://schemas.microsoft.com/office/drawing/2014/main" id="{21688F22-6244-AC98-DBE9-17EFD1EA2FB9}"/>
-              </a:ext>
-            </a:extLst>
-          </p:cNvPr>
-          <p:cNvSpPr/>
+      <p:pic>
+        <p:nvPicPr>
+          <p:cNvPr id="1026" name="Picture 2" descr="Azure Data Factory Templates with Data Lake - Altis - AU">
+            <a:extLst>
+              <a:ext uri="{FF2B5EF4-FFF2-40B4-BE49-F238E27FC236}">
+                <a16:creationId xmlns:a16="http://schemas.microsoft.com/office/drawing/2014/main" id="{DD06AFCF-D034-48D0-F5D9-99B449B7C232}"/>
+              </a:ext>
+            </a:extLst>
+          </p:cNvPr>
+          <p:cNvPicPr>
+            <a:picLocks noChangeAspect="1" noChangeArrowheads="1"/>
+          </p:cNvPicPr>
           <p:nvPr/>
-        </p:nvSpPr>
-        <p:spPr>
+        </p:nvPicPr>
+        <p:blipFill rotWithShape="1">
+          <a:blip r:embed="rId3">
+            <a:extLst>
+              <a:ext uri="{28A0092B-C50C-407E-A947-70E740481C1C}">
+                <a14:useLocalDpi xmlns:a14="http://schemas.microsoft.com/office/drawing/2010/main" val="0"/>
+              </a:ext>
+            </a:extLst>
+          </a:blip>
+          <a:srcRect l="26944" r="23007"/>
+          <a:stretch/>
+        </p:blipFill>
+        <p:spPr bwMode="auto">
           <a:xfrm>
-            <a:off x="463550" y="2713829"/>
-            <a:ext cx="11264900" cy="3750471"/>
+            <a:off x="4155544" y="3677095"/>
+            <a:ext cx="507827" cy="532702"/>
           </a:xfrm>
           <a:prstGeom prst="rect">
             <a:avLst/>
           </a:prstGeom>
-          <a:solidFill>
-            <a:schemeClr val="bg1"/>
-          </a:solidFill>
-          <a:ln>
-            <a:solidFill>
-              <a:schemeClr val="tx1"/>
-            </a:solidFill>
-          </a:ln>
+          <a:noFill/>
+          <a:extLst>
+            <a:ext uri="{909E8E84-426E-40DD-AFC4-6F175D3DCCD1}">
+              <a14:hiddenFill xmlns:a14="http://schemas.microsoft.com/office/drawing/2010/main">
+                <a:solidFill>
+                  <a:srgbClr val="FFFFFF"/>
+                </a:solidFill>
+              </a14:hiddenFill>
+            </a:ext>
+          </a:extLst>
         </p:spPr>
-        <p:style>
-          <a:lnRef idx="2">
-            <a:schemeClr val="accent1">
-              <a:shade val="15000"/>
-            </a:schemeClr>
-          </a:lnRef>
-          <a:fillRef idx="1">
-            <a:schemeClr val="accent1"/>
-          </a:fillRef>
-          <a:effectRef idx="0">
-            <a:schemeClr val="accent1"/>
-          </a:effectRef>
-          <a:fontRef idx="minor">
-            <a:schemeClr val="lt1"/>
-          </a:fontRef>
-        </p:style>
-        <p:txBody>
-          <a:bodyPr rtlCol="0" anchor="ctr"/>
-          <a:lstStyle/>
-          <a:p>
-            <a:pPr algn="ctr"/>
-            <a:endParaRPr lang="en-NL"/>
-          </a:p>
-        </p:txBody>
-      </p:sp>
-      <p:sp>
-        <p:nvSpPr>
-          <p:cNvPr id="5" name="Rounded Rectangle 4">
-            <a:extLst>
-              <a:ext uri="{FF2B5EF4-FFF2-40B4-BE49-F238E27FC236}">
-                <a16:creationId xmlns:a16="http://schemas.microsoft.com/office/drawing/2014/main" id="{A0790FED-E3F3-D005-E697-F1409F50F313}"/>
+      </p:pic>
+      <p:pic>
+        <p:nvPicPr>
+          <p:cNvPr id="1028" name="Picture 4" descr="Azure Data Factory | element61">
+            <a:extLst>
+              <a:ext uri="{FF2B5EF4-FFF2-40B4-BE49-F238E27FC236}">
+                <a16:creationId xmlns:a16="http://schemas.microsoft.com/office/drawing/2014/main" id="{D8AF45A7-254D-CCFB-92A1-026BB52260BE}"/>
+              </a:ext>
+            </a:extLst>
+          </p:cNvPr>
+          <p:cNvPicPr>
+            <a:picLocks noChangeAspect="1" noChangeArrowheads="1"/>
+          </p:cNvPicPr>
+          <p:nvPr/>
+        </p:nvPicPr>
+        <p:blipFill>
+          <a:blip r:embed="rId4">
+            <a:extLst>
+              <a:ext uri="{28A0092B-C50C-407E-A947-70E740481C1C}">
+                <a14:useLocalDpi xmlns:a14="http://schemas.microsoft.com/office/drawing/2010/main" val="0"/>
+              </a:ext>
+            </a:extLst>
+          </a:blip>
+          <a:srcRect/>
+          <a:stretch>
+            <a:fillRect/>
+          </a:stretch>
+        </p:blipFill>
+        <p:spPr bwMode="auto">
+          <a:xfrm>
+            <a:off x="5197109" y="3523498"/>
+            <a:ext cx="1293600" cy="679140"/>
+          </a:xfrm>
+          <a:prstGeom prst="rect">
+            <a:avLst/>
+          </a:prstGeom>
+          <a:noFill/>
+          <a:extLst>
+            <a:ext uri="{909E8E84-426E-40DD-AFC4-6F175D3DCCD1}">
+              <a14:hiddenFill xmlns:a14="http://schemas.microsoft.com/office/drawing/2010/main">
+                <a:solidFill>
+                  <a:srgbClr val="FFFFFF"/>
+                </a:solidFill>
+              </a14:hiddenFill>
+            </a:ext>
+          </a:extLst>
+        </p:spPr>
+      </p:pic>
+      <p:pic>
+        <p:nvPicPr>
+          <p:cNvPr id="1036" name="Picture 12" descr="SQL Database (SQL Azure)&quot; Icon - Download for free – Iconduck">
+            <a:extLst>
+              <a:ext uri="{FF2B5EF4-FFF2-40B4-BE49-F238E27FC236}">
+                <a16:creationId xmlns:a16="http://schemas.microsoft.com/office/drawing/2014/main" id="{36600789-541A-3309-676E-B3391CE61D19}"/>
+              </a:ext>
+            </a:extLst>
+          </p:cNvPr>
+          <p:cNvPicPr>
+            <a:picLocks noChangeAspect="1" noChangeArrowheads="1"/>
+          </p:cNvPicPr>
+          <p:nvPr/>
+        </p:nvPicPr>
+        <p:blipFill>
+          <a:blip r:embed="rId5">
+            <a:extLst>
+              <a:ext uri="{28A0092B-C50C-407E-A947-70E740481C1C}">
+                <a14:useLocalDpi xmlns:a14="http://schemas.microsoft.com/office/drawing/2010/main" val="0"/>
+              </a:ext>
+            </a:extLst>
+          </a:blip>
+          <a:srcRect/>
+          <a:stretch>
+            <a:fillRect/>
+          </a:stretch>
+        </p:blipFill>
+        <p:spPr bwMode="auto">
+          <a:xfrm>
+            <a:off x="7217248" y="3651816"/>
+            <a:ext cx="648327" cy="679140"/>
+          </a:xfrm>
+          <a:prstGeom prst="rect">
+            <a:avLst/>
+          </a:prstGeom>
+          <a:noFill/>
+          <a:extLst>
+            <a:ext uri="{909E8E84-426E-40DD-AFC4-6F175D3DCCD1}">
+              <a14:hiddenFill xmlns:a14="http://schemas.microsoft.com/office/drawing/2010/main">
+                <a:solidFill>
+                  <a:srgbClr val="FFFFFF"/>
+                </a:solidFill>
+              </a14:hiddenFill>
+            </a:ext>
+          </a:extLst>
+        </p:spPr>
+      </p:pic>
+      <p:pic>
+        <p:nvPicPr>
+          <p:cNvPr id="29" name="Picture 6" descr="Microsoft BI Tools: ADF Release - Update Linked Service while deploying">
+            <a:extLst>
+              <a:ext uri="{FF2B5EF4-FFF2-40B4-BE49-F238E27FC236}">
+                <a16:creationId xmlns:a16="http://schemas.microsoft.com/office/drawing/2014/main" id="{175AC6F8-9981-987F-D84F-3F40E1F05BB2}"/>
+              </a:ext>
+            </a:extLst>
+          </p:cNvPr>
+          <p:cNvPicPr>
+            <a:picLocks noChangeAspect="1" noChangeArrowheads="1"/>
+          </p:cNvPicPr>
+          <p:nvPr/>
+        </p:nvPicPr>
+        <p:blipFill rotWithShape="1">
+          <a:blip r:embed="rId6">
+            <a:extLst>
+              <a:ext uri="{28A0092B-C50C-407E-A947-70E740481C1C}">
+                <a14:useLocalDpi xmlns:a14="http://schemas.microsoft.com/office/drawing/2010/main" val="0"/>
+              </a:ext>
+            </a:extLst>
+          </a:blip>
+          <a:srcRect r="-1587"/>
+          <a:stretch/>
+        </p:blipFill>
+        <p:spPr bwMode="auto">
+          <a:xfrm>
+            <a:off x="6582262" y="4021296"/>
+            <a:ext cx="230281" cy="213396"/>
+          </a:xfrm>
+          <a:prstGeom prst="rect">
+            <a:avLst/>
+          </a:prstGeom>
+          <a:noFill/>
+          <a:extLst>
+            <a:ext uri="{909E8E84-426E-40DD-AFC4-6F175D3DCCD1}">
+              <a14:hiddenFill xmlns:a14="http://schemas.microsoft.com/office/drawing/2010/main">
+                <a:solidFill>
+                  <a:srgbClr val="FFFFFF"/>
+                </a:solidFill>
+              </a14:hiddenFill>
+            </a:ext>
+          </a:extLst>
+        </p:spPr>
+      </p:pic>
+      <p:pic>
+        <p:nvPicPr>
+          <p:cNvPr id="1038" name="Picture 14" descr="Giving Azure Data Studio a Second Look">
+            <a:extLst>
+              <a:ext uri="{FF2B5EF4-FFF2-40B4-BE49-F238E27FC236}">
+                <a16:creationId xmlns:a16="http://schemas.microsoft.com/office/drawing/2014/main" id="{CC674F55-9542-FBCF-74D9-BC2AC559811B}"/>
+              </a:ext>
+            </a:extLst>
+          </p:cNvPr>
+          <p:cNvPicPr>
+            <a:picLocks noChangeAspect="1" noChangeArrowheads="1"/>
+          </p:cNvPicPr>
+          <p:nvPr/>
+        </p:nvPicPr>
+        <p:blipFill rotWithShape="1">
+          <a:blip r:embed="rId7">
+            <a:extLst>
+              <a:ext uri="{28A0092B-C50C-407E-A947-70E740481C1C}">
+                <a14:useLocalDpi xmlns:a14="http://schemas.microsoft.com/office/drawing/2010/main" val="0"/>
+              </a:ext>
+            </a:extLst>
+          </a:blip>
+          <a:srcRect l="28949" t="6649" r="25201" b="6346"/>
+          <a:stretch/>
+        </p:blipFill>
+        <p:spPr bwMode="auto">
+          <a:xfrm>
+            <a:off x="10495360" y="3344006"/>
+            <a:ext cx="968188" cy="1049873"/>
+          </a:xfrm>
+          <a:prstGeom prst="rect">
+            <a:avLst/>
+          </a:prstGeom>
+          <a:noFill/>
+          <a:extLst>
+            <a:ext uri="{909E8E84-426E-40DD-AFC4-6F175D3DCCD1}">
+              <a14:hiddenFill xmlns:a14="http://schemas.microsoft.com/office/drawing/2010/main">
+                <a:solidFill>
+                  <a:srgbClr val="FFFFFF"/>
+                </a:solidFill>
+              </a14:hiddenFill>
+            </a:ext>
+          </a:extLst>
+        </p:spPr>
+      </p:pic>
+      <p:pic>
+        <p:nvPicPr>
+          <p:cNvPr id="1040" name="Picture 16" descr="Azure Resources - Visual Studio Marketplace">
+            <a:extLst>
+              <a:ext uri="{FF2B5EF4-FFF2-40B4-BE49-F238E27FC236}">
+                <a16:creationId xmlns:a16="http://schemas.microsoft.com/office/drawing/2014/main" id="{B5C218DB-D427-5AF0-9A96-0A2290BA6761}"/>
+              </a:ext>
+            </a:extLst>
+          </p:cNvPr>
+          <p:cNvPicPr>
+            <a:picLocks noChangeAspect="1" noChangeArrowheads="1"/>
+          </p:cNvPicPr>
+          <p:nvPr/>
+        </p:nvPicPr>
+        <p:blipFill>
+          <a:blip r:embed="rId8">
+            <a:extLst>
+              <a:ext uri="{28A0092B-C50C-407E-A947-70E740481C1C}">
+                <a14:useLocalDpi xmlns:a14="http://schemas.microsoft.com/office/drawing/2010/main" val="0"/>
+              </a:ext>
+            </a:extLst>
+          </a:blip>
+          <a:srcRect/>
+          <a:stretch>
+            <a:fillRect/>
+          </a:stretch>
+        </p:blipFill>
+        <p:spPr bwMode="auto">
+          <a:xfrm>
+            <a:off x="1773192" y="1455969"/>
+            <a:ext cx="558284" cy="558284"/>
+          </a:xfrm>
+          <a:prstGeom prst="rect">
+            <a:avLst/>
+          </a:prstGeom>
+          <a:noFill/>
+          <a:extLst>
+            <a:ext uri="{909E8E84-426E-40DD-AFC4-6F175D3DCCD1}">
+              <a14:hiddenFill xmlns:a14="http://schemas.microsoft.com/office/drawing/2010/main">
+                <a:solidFill>
+                  <a:srgbClr val="FFFFFF"/>
+                </a:solidFill>
+              </a14:hiddenFill>
+            </a:ext>
+          </a:extLst>
+        </p:spPr>
+      </p:pic>
+      <p:pic>
+        <p:nvPicPr>
+          <p:cNvPr id="1042" name="Picture 18" descr="Accessing Azure Key Vault From Python Functions By James, 41% OFF">
+            <a:extLst>
+              <a:ext uri="{FF2B5EF4-FFF2-40B4-BE49-F238E27FC236}">
+                <a16:creationId xmlns:a16="http://schemas.microsoft.com/office/drawing/2014/main" id="{4F51DD09-5C33-5E51-769B-49128038F417}"/>
+              </a:ext>
+            </a:extLst>
+          </p:cNvPr>
+          <p:cNvPicPr>
+            <a:picLocks noChangeAspect="1" noChangeArrowheads="1"/>
+          </p:cNvPicPr>
+          <p:nvPr/>
+        </p:nvPicPr>
+        <p:blipFill>
+          <a:blip r:embed="rId9">
+            <a:extLst>
+              <a:ext uri="{28A0092B-C50C-407E-A947-70E740481C1C}">
+                <a14:useLocalDpi xmlns:a14="http://schemas.microsoft.com/office/drawing/2010/main" val="0"/>
+              </a:ext>
+            </a:extLst>
+          </a:blip>
+          <a:srcRect/>
+          <a:stretch>
+            <a:fillRect/>
+          </a:stretch>
+        </p:blipFill>
+        <p:spPr bwMode="auto">
+          <a:xfrm>
+            <a:off x="996725" y="873992"/>
+            <a:ext cx="775142" cy="775142"/>
+          </a:xfrm>
+          <a:prstGeom prst="rect">
+            <a:avLst/>
+          </a:prstGeom>
+          <a:noFill/>
+          <a:extLst>
+            <a:ext uri="{909E8E84-426E-40DD-AFC4-6F175D3DCCD1}">
+              <a14:hiddenFill xmlns:a14="http://schemas.microsoft.com/office/drawing/2010/main">
+                <a:solidFill>
+                  <a:srgbClr val="FFFFFF"/>
+                </a:solidFill>
+              </a14:hiddenFill>
+            </a:ext>
+          </a:extLst>
+        </p:spPr>
+      </p:pic>
+      <p:pic>
+        <p:nvPicPr>
+          <p:cNvPr id="11" name="Picture 4" descr="Getting started with Microsoft Azure Cloud|Digital Transformation Hub">
+            <a:extLst>
+              <a:ext uri="{FF2B5EF4-FFF2-40B4-BE49-F238E27FC236}">
+                <a16:creationId xmlns:a16="http://schemas.microsoft.com/office/drawing/2014/main" id="{3A1BE799-5FC3-8C06-C0CA-178282B8E7EF}"/>
+              </a:ext>
+            </a:extLst>
+          </p:cNvPr>
+          <p:cNvPicPr>
+            <a:picLocks noChangeAspect="1" noChangeArrowheads="1"/>
+          </p:cNvPicPr>
+          <p:nvPr/>
+        </p:nvPicPr>
+        <p:blipFill>
+          <a:blip r:embed="rId10">
+            <a:extLst>
+              <a:ext uri="{28A0092B-C50C-407E-A947-70E740481C1C}">
+                <a14:useLocalDpi xmlns:a14="http://schemas.microsoft.com/office/drawing/2010/main" val="0"/>
+              </a:ext>
+            </a:extLst>
+          </a:blip>
+          <a:srcRect/>
+          <a:stretch>
+            <a:fillRect/>
+          </a:stretch>
+        </p:blipFill>
+        <p:spPr bwMode="auto">
+          <a:xfrm>
+            <a:off x="38029" y="146522"/>
+            <a:ext cx="1161049" cy="727470"/>
+          </a:xfrm>
+          <a:prstGeom prst="rect">
+            <a:avLst/>
+          </a:prstGeom>
+          <a:noFill/>
+          <a:extLst>
+            <a:ext uri="{909E8E84-426E-40DD-AFC4-6F175D3DCCD1}">
+              <a14:hiddenFill xmlns:a14="http://schemas.microsoft.com/office/drawing/2010/main">
+                <a:solidFill>
+                  <a:srgbClr val="FFFFFF"/>
+                </a:solidFill>
+              </a14:hiddenFill>
+            </a:ext>
+          </a:extLst>
+        </p:spPr>
+      </p:pic>
+      <p:pic>
+        <p:nvPicPr>
+          <p:cNvPr id="15" name="Picture 6" descr="Microsoft BI Tools: ADF Release - Update Linked Service while deploying">
+            <a:extLst>
+              <a:ext uri="{FF2B5EF4-FFF2-40B4-BE49-F238E27FC236}">
+                <a16:creationId xmlns:a16="http://schemas.microsoft.com/office/drawing/2014/main" id="{12097983-14C8-2547-C20B-81F181748792}"/>
+              </a:ext>
+            </a:extLst>
+          </p:cNvPr>
+          <p:cNvPicPr>
+            <a:picLocks noChangeAspect="1" noChangeArrowheads="1"/>
+          </p:cNvPicPr>
+          <p:nvPr/>
+        </p:nvPicPr>
+        <p:blipFill rotWithShape="1">
+          <a:blip r:embed="rId6">
+            <a:extLst>
+              <a:ext uri="{28A0092B-C50C-407E-A947-70E740481C1C}">
+                <a14:useLocalDpi xmlns:a14="http://schemas.microsoft.com/office/drawing/2010/main" val="0"/>
+              </a:ext>
+            </a:extLst>
+          </a:blip>
+          <a:srcRect r="-1587"/>
+          <a:stretch/>
+        </p:blipFill>
+        <p:spPr bwMode="auto">
+          <a:xfrm>
+            <a:off x="4926531" y="3988170"/>
+            <a:ext cx="230281" cy="213396"/>
+          </a:xfrm>
+          <a:prstGeom prst="rect">
+            <a:avLst/>
+          </a:prstGeom>
+          <a:noFill/>
+          <a:extLst>
+            <a:ext uri="{909E8E84-426E-40DD-AFC4-6F175D3DCCD1}">
+              <a14:hiddenFill xmlns:a14="http://schemas.microsoft.com/office/drawing/2010/main">
+                <a:solidFill>
+                  <a:srgbClr val="FFFFFF"/>
+                </a:solidFill>
+              </a14:hiddenFill>
+            </a:ext>
+          </a:extLst>
+        </p:spPr>
+      </p:pic>
+      <p:sp>
+        <p:nvSpPr>
+          <p:cNvPr id="16" name="Rounded Rectangle 15">
+            <a:extLst>
+              <a:ext uri="{FF2B5EF4-FFF2-40B4-BE49-F238E27FC236}">
+                <a16:creationId xmlns:a16="http://schemas.microsoft.com/office/drawing/2014/main" id="{633757DA-388B-2BB0-ED13-80B55C4991E5}"/>
               </a:ext>
             </a:extLst>
           </p:cNvPr>
@@ -4797,8 +5154,8 @@
         </p:nvSpPr>
         <p:spPr>
           <a:xfrm>
-            <a:off x="571993" y="2765033"/>
-            <a:ext cx="823586" cy="780803"/>
+            <a:off x="2792416" y="2680518"/>
+            <a:ext cx="561890" cy="532702"/>
           </a:xfrm>
           <a:prstGeom prst="roundRect">
             <a:avLst/>
@@ -4826,14 +5183,14 @@
           <a:p>
             <a:pPr algn="ctr"/>
             <a:r>
-              <a:rPr lang="en-NL" sz="1400" dirty="0"/>
+              <a:rPr lang="en-NL" sz="800" dirty="0"/>
               <a:t>CSV</a:t>
             </a:r>
           </a:p>
           <a:p>
             <a:pPr algn="ctr"/>
             <a:r>
-              <a:rPr lang="en-NL" sz="1400" dirty="0"/>
+              <a:rPr lang="en-NL" sz="800" dirty="0"/>
               <a:t>Source Files</a:t>
             </a:r>
           </a:p>
@@ -4841,10 +5198,10 @@
       </p:sp>
       <p:sp>
         <p:nvSpPr>
-          <p:cNvPr id="8" name="Rounded Rectangle 7">
-            <a:extLst>
-              <a:ext uri="{FF2B5EF4-FFF2-40B4-BE49-F238E27FC236}">
-                <a16:creationId xmlns:a16="http://schemas.microsoft.com/office/drawing/2014/main" id="{05413EF1-C2F0-E849-AC27-88E3054E86C2}"/>
+          <p:cNvPr id="17" name="Rounded Rectangle 16">
+            <a:extLst>
+              <a:ext uri="{FF2B5EF4-FFF2-40B4-BE49-F238E27FC236}">
+                <a16:creationId xmlns:a16="http://schemas.microsoft.com/office/drawing/2014/main" id="{A46AA8F9-5FB8-858D-3FEB-05EBE620B3F5}"/>
               </a:ext>
             </a:extLst>
           </p:cNvPr>
@@ -4853,8 +5210,8 @@
         </p:nvSpPr>
         <p:spPr>
           <a:xfrm>
-            <a:off x="578263" y="3700215"/>
-            <a:ext cx="823586" cy="780803"/>
+            <a:off x="2792416" y="3335952"/>
+            <a:ext cx="561890" cy="532702"/>
           </a:xfrm>
           <a:prstGeom prst="roundRect">
             <a:avLst/>
@@ -4882,14 +5239,14 @@
           <a:p>
             <a:pPr algn="ctr"/>
             <a:r>
-              <a:rPr lang="en-NL" sz="1400" dirty="0"/>
+              <a:rPr lang="en-NL" sz="800" dirty="0"/>
               <a:t>JSON</a:t>
             </a:r>
           </a:p>
           <a:p>
             <a:pPr algn="ctr"/>
             <a:r>
-              <a:rPr lang="en-NL" sz="1400" dirty="0"/>
+              <a:rPr lang="en-NL" sz="800" dirty="0"/>
               <a:t>Source Files</a:t>
             </a:r>
           </a:p>
@@ -4897,10 +5254,10 @@
       </p:sp>
       <p:sp>
         <p:nvSpPr>
-          <p:cNvPr id="9" name="Rounded Rectangle 8">
-            <a:extLst>
-              <a:ext uri="{FF2B5EF4-FFF2-40B4-BE49-F238E27FC236}">
-                <a16:creationId xmlns:a16="http://schemas.microsoft.com/office/drawing/2014/main" id="{94EE7DFC-C7D1-FDD8-B71B-292464679775}"/>
+          <p:cNvPr id="18" name="Rounded Rectangle 17">
+            <a:extLst>
+              <a:ext uri="{FF2B5EF4-FFF2-40B4-BE49-F238E27FC236}">
+                <a16:creationId xmlns:a16="http://schemas.microsoft.com/office/drawing/2014/main" id="{AFDEDB75-7A08-CDDC-6737-521EC8905544}"/>
               </a:ext>
             </a:extLst>
           </p:cNvPr>
@@ -4909,8 +5266,8 @@
         </p:nvSpPr>
         <p:spPr>
           <a:xfrm>
-            <a:off x="571993" y="4635397"/>
-            <a:ext cx="823586" cy="780803"/>
+            <a:off x="2792416" y="3991386"/>
+            <a:ext cx="561890" cy="532702"/>
           </a:xfrm>
           <a:prstGeom prst="roundRect">
             <a:avLst/>
@@ -4938,442 +5295,35 @@
           <a:p>
             <a:pPr algn="ctr"/>
             <a:r>
-              <a:rPr lang="en-NL" sz="1400" dirty="0"/>
+              <a:rPr lang="en-NL" sz="800" dirty="0"/>
               <a:t>AVRO</a:t>
             </a:r>
           </a:p>
           <a:p>
             <a:pPr algn="ctr"/>
             <a:r>
-              <a:rPr lang="en-NL" sz="1400" dirty="0"/>
+              <a:rPr lang="en-NL" sz="800" dirty="0"/>
               <a:t>Source Files</a:t>
             </a:r>
           </a:p>
         </p:txBody>
       </p:sp>
-      <p:pic>
-        <p:nvPicPr>
-          <p:cNvPr id="1026" name="Picture 2" descr="Azure Data Factory Templates with Data Lake - Altis - AU">
-            <a:extLst>
-              <a:ext uri="{FF2B5EF4-FFF2-40B4-BE49-F238E27FC236}">
-                <a16:creationId xmlns:a16="http://schemas.microsoft.com/office/drawing/2014/main" id="{DD06AFCF-D034-48D0-F5D9-99B449B7C232}"/>
-              </a:ext>
-            </a:extLst>
-          </p:cNvPr>
-          <p:cNvPicPr>
-            <a:picLocks noChangeAspect="1" noChangeArrowheads="1"/>
-          </p:cNvPicPr>
+      <p:sp>
+        <p:nvSpPr>
+          <p:cNvPr id="19" name="Rounded Rectangle 18">
+            <a:extLst>
+              <a:ext uri="{FF2B5EF4-FFF2-40B4-BE49-F238E27FC236}">
+                <a16:creationId xmlns:a16="http://schemas.microsoft.com/office/drawing/2014/main" id="{BD7D8FB6-5295-808E-85AE-4AFCD3D7A8A2}"/>
+              </a:ext>
+            </a:extLst>
+          </p:cNvPr>
+          <p:cNvSpPr/>
           <p:nvPr/>
-        </p:nvPicPr>
-        <p:blipFill rotWithShape="1">
-          <a:blip r:embed="rId3">
-            <a:extLst>
-              <a:ext uri="{28A0092B-C50C-407E-A947-70E740481C1C}">
-                <a14:useLocalDpi xmlns:a14="http://schemas.microsoft.com/office/drawing/2010/main" val="0"/>
-              </a:ext>
-            </a:extLst>
-          </a:blip>
-          <a:srcRect l="26944" r="23007"/>
-          <a:stretch/>
-        </p:blipFill>
-        <p:spPr bwMode="auto">
-          <a:xfrm>
-            <a:off x="2055012" y="3948316"/>
-            <a:ext cx="1077580" cy="1130364"/>
-          </a:xfrm>
-          <a:prstGeom prst="rect">
-            <a:avLst/>
-          </a:prstGeom>
-          <a:noFill/>
-          <a:extLst>
-            <a:ext uri="{909E8E84-426E-40DD-AFC4-6F175D3DCCD1}">
-              <a14:hiddenFill xmlns:a14="http://schemas.microsoft.com/office/drawing/2010/main">
-                <a:solidFill>
-                  <a:srgbClr val="FFFFFF"/>
-                </a:solidFill>
-              </a14:hiddenFill>
-            </a:ext>
-          </a:extLst>
-        </p:spPr>
-      </p:pic>
-      <p:pic>
-        <p:nvPicPr>
-          <p:cNvPr id="1028" name="Picture 4" descr="Azure Data Factory | element61">
-            <a:extLst>
-              <a:ext uri="{FF2B5EF4-FFF2-40B4-BE49-F238E27FC236}">
-                <a16:creationId xmlns:a16="http://schemas.microsoft.com/office/drawing/2014/main" id="{D8AF45A7-254D-CCFB-92A1-026BB52260BE}"/>
-              </a:ext>
-            </a:extLst>
-          </p:cNvPr>
-          <p:cNvPicPr>
-            <a:picLocks noChangeAspect="1" noChangeArrowheads="1"/>
-          </p:cNvPicPr>
-          <p:nvPr/>
-        </p:nvPicPr>
-        <p:blipFill>
-          <a:blip r:embed="rId4">
-            <a:extLst>
-              <a:ext uri="{28A0092B-C50C-407E-A947-70E740481C1C}">
-                <a14:useLocalDpi xmlns:a14="http://schemas.microsoft.com/office/drawing/2010/main" val="0"/>
-              </a:ext>
-            </a:extLst>
-          </a:blip>
-          <a:srcRect/>
-          <a:stretch>
-            <a:fillRect/>
-          </a:stretch>
-        </p:blipFill>
-        <p:spPr bwMode="auto">
-          <a:xfrm>
-            <a:off x="3817835" y="3545836"/>
-            <a:ext cx="3020428" cy="1585725"/>
-          </a:xfrm>
-          <a:prstGeom prst="rect">
-            <a:avLst/>
-          </a:prstGeom>
-          <a:noFill/>
-          <a:extLst>
-            <a:ext uri="{909E8E84-426E-40DD-AFC4-6F175D3DCCD1}">
-              <a14:hiddenFill xmlns:a14="http://schemas.microsoft.com/office/drawing/2010/main">
-                <a:solidFill>
-                  <a:srgbClr val="FFFFFF"/>
-                </a:solidFill>
-              </a14:hiddenFill>
-            </a:ext>
-          </a:extLst>
-        </p:spPr>
-      </p:pic>
-      <p:pic>
-        <p:nvPicPr>
-          <p:cNvPr id="1030" name="Picture 6" descr="Microsoft BI Tools: ADF Release - Update Linked Service while deploying">
-            <a:extLst>
-              <a:ext uri="{FF2B5EF4-FFF2-40B4-BE49-F238E27FC236}">
-                <a16:creationId xmlns:a16="http://schemas.microsoft.com/office/drawing/2014/main" id="{69489609-A58A-D0FE-52B4-BEA8E333CD43}"/>
-              </a:ext>
-            </a:extLst>
-          </p:cNvPr>
-          <p:cNvPicPr>
-            <a:picLocks noChangeAspect="1" noChangeArrowheads="1"/>
-          </p:cNvPicPr>
-          <p:nvPr/>
-        </p:nvPicPr>
-        <p:blipFill rotWithShape="1">
-          <a:blip r:embed="rId5">
-            <a:extLst>
-              <a:ext uri="{28A0092B-C50C-407E-A947-70E740481C1C}">
-                <a14:useLocalDpi xmlns:a14="http://schemas.microsoft.com/office/drawing/2010/main" val="0"/>
-              </a:ext>
-            </a:extLst>
-          </a:blip>
-          <a:srcRect r="-1587"/>
-          <a:stretch/>
-        </p:blipFill>
-        <p:spPr bwMode="auto">
-          <a:xfrm>
-            <a:off x="3525550" y="4606800"/>
-            <a:ext cx="455814" cy="422393"/>
-          </a:xfrm>
-          <a:prstGeom prst="rect">
-            <a:avLst/>
-          </a:prstGeom>
-          <a:noFill/>
-          <a:extLst>
-            <a:ext uri="{909E8E84-426E-40DD-AFC4-6F175D3DCCD1}">
-              <a14:hiddenFill xmlns:a14="http://schemas.microsoft.com/office/drawing/2010/main">
-                <a:solidFill>
-                  <a:srgbClr val="FFFFFF"/>
-                </a:solidFill>
-              </a14:hiddenFill>
-            </a:ext>
-          </a:extLst>
-        </p:spPr>
-      </p:pic>
-      <p:cxnSp>
-        <p:nvCxnSpPr>
-          <p:cNvPr id="20" name="Straight Arrow Connector 19">
-            <a:extLst>
-              <a:ext uri="{FF2B5EF4-FFF2-40B4-BE49-F238E27FC236}">
-                <a16:creationId xmlns:a16="http://schemas.microsoft.com/office/drawing/2014/main" id="{6079CDC8-CC2D-245F-D8D0-58E0FA2DE879}"/>
-              </a:ext>
-            </a:extLst>
-          </p:cNvPr>
-          <p:cNvCxnSpPr>
-            <a:cxnSpLocks/>
-            <a:stCxn id="1026" idx="3"/>
-          </p:cNvCxnSpPr>
-          <p:nvPr/>
-        </p:nvCxnSpPr>
+        </p:nvSpPr>
         <p:spPr>
           <a:xfrm>
-            <a:off x="3132592" y="4513498"/>
-            <a:ext cx="1242558" cy="0"/>
-          </a:xfrm>
-          <a:prstGeom prst="straightConnector1">
-            <a:avLst/>
-          </a:prstGeom>
-          <a:ln>
-            <a:solidFill>
-              <a:srgbClr val="FFC000"/>
-            </a:solidFill>
-            <a:tailEnd type="triangle"/>
-          </a:ln>
-        </p:spPr>
-        <p:style>
-          <a:lnRef idx="2">
-            <a:schemeClr val="accent1"/>
-          </a:lnRef>
-          <a:fillRef idx="0">
-            <a:schemeClr val="accent1"/>
-          </a:fillRef>
-          <a:effectRef idx="1">
-            <a:schemeClr val="accent1"/>
-          </a:effectRef>
-          <a:fontRef idx="minor">
-            <a:schemeClr val="tx1"/>
-          </a:fontRef>
-        </p:style>
-      </p:cxnSp>
-      <p:pic>
-        <p:nvPicPr>
-          <p:cNvPr id="1036" name="Picture 12" descr="SQL Database (SQL Azure)&quot; Icon - Download for free – Iconduck">
-            <a:extLst>
-              <a:ext uri="{FF2B5EF4-FFF2-40B4-BE49-F238E27FC236}">
-                <a16:creationId xmlns:a16="http://schemas.microsoft.com/office/drawing/2014/main" id="{36600789-541A-3309-676E-B3391CE61D19}"/>
-              </a:ext>
-            </a:extLst>
-          </p:cNvPr>
-          <p:cNvPicPr>
-            <a:picLocks noChangeAspect="1" noChangeArrowheads="1"/>
-          </p:cNvPicPr>
-          <p:nvPr/>
-        </p:nvPicPr>
-        <p:blipFill>
-          <a:blip r:embed="rId6">
-            <a:extLst>
-              <a:ext uri="{28A0092B-C50C-407E-A947-70E740481C1C}">
-                <a14:useLocalDpi xmlns:a14="http://schemas.microsoft.com/office/drawing/2010/main" val="0"/>
-              </a:ext>
-            </a:extLst>
-          </a:blip>
-          <a:srcRect/>
-          <a:stretch>
-            <a:fillRect/>
-          </a:stretch>
-        </p:blipFill>
-        <p:spPr bwMode="auto">
-          <a:xfrm>
-            <a:off x="7939087" y="4001200"/>
-            <a:ext cx="1079076" cy="1130361"/>
-          </a:xfrm>
-          <a:prstGeom prst="rect">
-            <a:avLst/>
-          </a:prstGeom>
-          <a:noFill/>
-          <a:extLst>
-            <a:ext uri="{909E8E84-426E-40DD-AFC4-6F175D3DCCD1}">
-              <a14:hiddenFill xmlns:a14="http://schemas.microsoft.com/office/drawing/2010/main">
-                <a:solidFill>
-                  <a:srgbClr val="FFFFFF"/>
-                </a:solidFill>
-              </a14:hiddenFill>
-            </a:ext>
-          </a:extLst>
-        </p:spPr>
-      </p:pic>
-      <p:pic>
-        <p:nvPicPr>
-          <p:cNvPr id="29" name="Picture 6" descr="Microsoft BI Tools: ADF Release - Update Linked Service while deploying">
-            <a:extLst>
-              <a:ext uri="{FF2B5EF4-FFF2-40B4-BE49-F238E27FC236}">
-                <a16:creationId xmlns:a16="http://schemas.microsoft.com/office/drawing/2014/main" id="{175AC6F8-9981-987F-D84F-3F40E1F05BB2}"/>
-              </a:ext>
-            </a:extLst>
-          </p:cNvPr>
-          <p:cNvPicPr>
-            <a:picLocks noChangeAspect="1" noChangeArrowheads="1"/>
-          </p:cNvPicPr>
-          <p:nvPr/>
-        </p:nvPicPr>
-        <p:blipFill rotWithShape="1">
-          <a:blip r:embed="rId5">
-            <a:extLst>
-              <a:ext uri="{28A0092B-C50C-407E-A947-70E740481C1C}">
-                <a14:useLocalDpi xmlns:a14="http://schemas.microsoft.com/office/drawing/2010/main" val="0"/>
-              </a:ext>
-            </a:extLst>
-          </a:blip>
-          <a:srcRect r="-1587"/>
-          <a:stretch/>
-        </p:blipFill>
-        <p:spPr bwMode="auto">
-          <a:xfrm>
-            <a:off x="6874689" y="4611290"/>
-            <a:ext cx="455814" cy="422393"/>
-          </a:xfrm>
-          <a:prstGeom prst="rect">
-            <a:avLst/>
-          </a:prstGeom>
-          <a:noFill/>
-          <a:extLst>
-            <a:ext uri="{909E8E84-426E-40DD-AFC4-6F175D3DCCD1}">
-              <a14:hiddenFill xmlns:a14="http://schemas.microsoft.com/office/drawing/2010/main">
-                <a:solidFill>
-                  <a:srgbClr val="FFFFFF"/>
-                </a:solidFill>
-              </a14:hiddenFill>
-            </a:ext>
-          </a:extLst>
-        </p:spPr>
-      </p:pic>
-      <p:cxnSp>
-        <p:nvCxnSpPr>
-          <p:cNvPr id="30" name="Straight Arrow Connector 29">
-            <a:extLst>
-              <a:ext uri="{FF2B5EF4-FFF2-40B4-BE49-F238E27FC236}">
-                <a16:creationId xmlns:a16="http://schemas.microsoft.com/office/drawing/2014/main" id="{9000F665-7533-6ED6-F7F3-1DAB1CFDF5D8}"/>
-              </a:ext>
-            </a:extLst>
-          </p:cNvPr>
-          <p:cNvCxnSpPr>
-            <a:cxnSpLocks/>
-          </p:cNvCxnSpPr>
-          <p:nvPr/>
-        </p:nvCxnSpPr>
-        <p:spPr>
-          <a:xfrm>
-            <a:off x="6481731" y="4517988"/>
-            <a:ext cx="1242558" cy="0"/>
-          </a:xfrm>
-          <a:prstGeom prst="straightConnector1">
-            <a:avLst/>
-          </a:prstGeom>
-          <a:ln>
-            <a:solidFill>
-              <a:srgbClr val="FFC000"/>
-            </a:solidFill>
-            <a:tailEnd type="triangle"/>
-          </a:ln>
-        </p:spPr>
-        <p:style>
-          <a:lnRef idx="2">
-            <a:schemeClr val="accent1"/>
-          </a:lnRef>
-          <a:fillRef idx="0">
-            <a:schemeClr val="accent1"/>
-          </a:fillRef>
-          <a:effectRef idx="1">
-            <a:schemeClr val="accent1"/>
-          </a:effectRef>
-          <a:fontRef idx="minor">
-            <a:schemeClr val="tx1"/>
-          </a:fontRef>
-        </p:style>
-      </p:cxnSp>
-      <p:pic>
-        <p:nvPicPr>
-          <p:cNvPr id="1038" name="Picture 14" descr="Giving Azure Data Studio a Second Look">
-            <a:extLst>
-              <a:ext uri="{FF2B5EF4-FFF2-40B4-BE49-F238E27FC236}">
-                <a16:creationId xmlns:a16="http://schemas.microsoft.com/office/drawing/2014/main" id="{CC674F55-9542-FBCF-74D9-BC2AC559811B}"/>
-              </a:ext>
-            </a:extLst>
-          </p:cNvPr>
-          <p:cNvPicPr>
-            <a:picLocks noChangeAspect="1" noChangeArrowheads="1"/>
-          </p:cNvPicPr>
-          <p:nvPr/>
-        </p:nvPicPr>
-        <p:blipFill rotWithShape="1">
-          <a:blip r:embed="rId7">
-            <a:extLst>
-              <a:ext uri="{28A0092B-C50C-407E-A947-70E740481C1C}">
-                <a14:useLocalDpi xmlns:a14="http://schemas.microsoft.com/office/drawing/2010/main" val="0"/>
-              </a:ext>
-            </a:extLst>
-          </a:blip>
-          <a:srcRect l="28949" t="6649" r="25201" b="6346"/>
-          <a:stretch/>
-        </p:blipFill>
-        <p:spPr bwMode="auto">
-          <a:xfrm>
-            <a:off x="10388185" y="3786181"/>
-            <a:ext cx="1146300" cy="1243012"/>
-          </a:xfrm>
-          <a:prstGeom prst="rect">
-            <a:avLst/>
-          </a:prstGeom>
-          <a:noFill/>
-          <a:extLst>
-            <a:ext uri="{909E8E84-426E-40DD-AFC4-6F175D3DCCD1}">
-              <a14:hiddenFill xmlns:a14="http://schemas.microsoft.com/office/drawing/2010/main">
-                <a:solidFill>
-                  <a:srgbClr val="FFFFFF"/>
-                </a:solidFill>
-              </a14:hiddenFill>
-            </a:ext>
-          </a:extLst>
-        </p:spPr>
-      </p:pic>
-      <p:cxnSp>
-        <p:nvCxnSpPr>
-          <p:cNvPr id="31" name="Straight Arrow Connector 30">
-            <a:extLst>
-              <a:ext uri="{FF2B5EF4-FFF2-40B4-BE49-F238E27FC236}">
-                <a16:creationId xmlns:a16="http://schemas.microsoft.com/office/drawing/2014/main" id="{5457D054-6113-B7DE-C69A-FC012DBADBFF}"/>
-              </a:ext>
-            </a:extLst>
-          </p:cNvPr>
-          <p:cNvCxnSpPr>
-            <a:cxnSpLocks/>
-          </p:cNvCxnSpPr>
-          <p:nvPr/>
-        </p:nvCxnSpPr>
-        <p:spPr>
-          <a:xfrm>
-            <a:off x="9018163" y="4533899"/>
-            <a:ext cx="1242558" cy="0"/>
-          </a:xfrm>
-          <a:prstGeom prst="straightConnector1">
-            <a:avLst/>
-          </a:prstGeom>
-          <a:ln>
-            <a:solidFill>
-              <a:srgbClr val="FFC000"/>
-            </a:solidFill>
-            <a:tailEnd type="triangle"/>
-          </a:ln>
-        </p:spPr>
-        <p:style>
-          <a:lnRef idx="2">
-            <a:schemeClr val="accent1"/>
-          </a:lnRef>
-          <a:fillRef idx="0">
-            <a:schemeClr val="accent1"/>
-          </a:fillRef>
-          <a:effectRef idx="1">
-            <a:schemeClr val="accent1"/>
-          </a:effectRef>
-          <a:fontRef idx="minor">
-            <a:schemeClr val="tx1"/>
-          </a:fontRef>
-        </p:style>
-      </p:cxnSp>
-      <p:sp>
-        <p:nvSpPr>
-          <p:cNvPr id="32" name="Rounded Rectangle 31">
-            <a:extLst>
-              <a:ext uri="{FF2B5EF4-FFF2-40B4-BE49-F238E27FC236}">
-                <a16:creationId xmlns:a16="http://schemas.microsoft.com/office/drawing/2014/main" id="{58AAD920-0735-7148-745E-84EB75EE9B1A}"/>
-              </a:ext>
-            </a:extLst>
-          </p:cNvPr>
-          <p:cNvSpPr/>
-          <p:nvPr/>
-        </p:nvSpPr>
-        <p:spPr>
-          <a:xfrm>
-            <a:off x="571993" y="5570579"/>
-            <a:ext cx="823586" cy="780803"/>
+            <a:off x="2792416" y="4642890"/>
+            <a:ext cx="561890" cy="532702"/>
           </a:xfrm>
           <a:prstGeom prst="roundRect">
             <a:avLst/>
@@ -5401,14 +5351,14 @@
           <a:p>
             <a:pPr algn="ctr"/>
             <a:r>
-              <a:rPr lang="en-NL" sz="1400" dirty="0"/>
+              <a:rPr lang="en-NL" sz="800" dirty="0"/>
               <a:t>Excel</a:t>
             </a:r>
           </a:p>
           <a:p>
             <a:pPr algn="ctr"/>
             <a:r>
-              <a:rPr lang="en-NL" sz="1400" dirty="0"/>
+              <a:rPr lang="en-NL" sz="800" dirty="0"/>
               <a:t>Source Files</a:t>
             </a:r>
           </a:p>
@@ -5416,20 +5366,22 @@
       </p:sp>
       <p:cxnSp>
         <p:nvCxnSpPr>
-          <p:cNvPr id="34" name="Straight Arrow Connector 33">
-            <a:extLst>
-              <a:ext uri="{FF2B5EF4-FFF2-40B4-BE49-F238E27FC236}">
-                <a16:creationId xmlns:a16="http://schemas.microsoft.com/office/drawing/2014/main" id="{262A7AB0-404A-FEF4-AE66-A3A63183360D}"/>
-              </a:ext>
-            </a:extLst>
-          </p:cNvPr>
-          <p:cNvCxnSpPr/>
+          <p:cNvPr id="22" name="Straight Arrow Connector 21">
+            <a:extLst>
+              <a:ext uri="{FF2B5EF4-FFF2-40B4-BE49-F238E27FC236}">
+                <a16:creationId xmlns:a16="http://schemas.microsoft.com/office/drawing/2014/main" id="{88CCE7D7-5E3D-7F49-7584-1BC7A0FFD8E1}"/>
+              </a:ext>
+            </a:extLst>
+          </p:cNvPr>
+          <p:cNvCxnSpPr>
+            <a:cxnSpLocks/>
+          </p:cNvCxnSpPr>
           <p:nvPr/>
         </p:nvCxnSpPr>
         <p:spPr>
           <a:xfrm>
-            <a:off x="1395579" y="3175000"/>
-            <a:ext cx="659433" cy="952500"/>
+            <a:off x="3354306" y="2981049"/>
+            <a:ext cx="792100" cy="681515"/>
           </a:xfrm>
           <a:prstGeom prst="straightConnector1">
             <a:avLst/>
@@ -5458,23 +5410,22 @@
       </p:cxnSp>
       <p:cxnSp>
         <p:nvCxnSpPr>
-          <p:cNvPr id="36" name="Straight Arrow Connector 35">
-            <a:extLst>
-              <a:ext uri="{FF2B5EF4-FFF2-40B4-BE49-F238E27FC236}">
-                <a16:creationId xmlns:a16="http://schemas.microsoft.com/office/drawing/2014/main" id="{143CE368-2E81-CA3D-4361-65714DEC0F25}"/>
+          <p:cNvPr id="24" name="Straight Arrow Connector 23">
+            <a:extLst>
+              <a:ext uri="{FF2B5EF4-FFF2-40B4-BE49-F238E27FC236}">
+                <a16:creationId xmlns:a16="http://schemas.microsoft.com/office/drawing/2014/main" id="{3067B901-7A41-9B75-F670-D61529EDA6C0}"/>
               </a:ext>
             </a:extLst>
           </p:cNvPr>
           <p:cNvCxnSpPr>
             <a:cxnSpLocks/>
-            <a:stCxn id="8" idx="3"/>
           </p:cNvCxnSpPr>
           <p:nvPr/>
         </p:nvCxnSpPr>
         <p:spPr>
           <a:xfrm>
-            <a:off x="1401849" y="4090617"/>
-            <a:ext cx="656298" cy="315067"/>
+            <a:off x="3354306" y="3602303"/>
+            <a:ext cx="783344" cy="259676"/>
           </a:xfrm>
           <a:prstGeom prst="straightConnector1">
             <a:avLst/>
@@ -5503,23 +5454,23 @@
       </p:cxnSp>
       <p:cxnSp>
         <p:nvCxnSpPr>
-          <p:cNvPr id="38" name="Straight Arrow Connector 37">
-            <a:extLst>
-              <a:ext uri="{FF2B5EF4-FFF2-40B4-BE49-F238E27FC236}">
-                <a16:creationId xmlns:a16="http://schemas.microsoft.com/office/drawing/2014/main" id="{05FC5C2F-A41B-1642-C2D4-AAA19E9BED70}"/>
+          <p:cNvPr id="26" name="Straight Arrow Connector 25">
+            <a:extLst>
+              <a:ext uri="{FF2B5EF4-FFF2-40B4-BE49-F238E27FC236}">
+                <a16:creationId xmlns:a16="http://schemas.microsoft.com/office/drawing/2014/main" id="{B169601C-8AFD-6C24-F789-6CA51EB30CB7}"/>
               </a:ext>
             </a:extLst>
           </p:cNvPr>
           <p:cNvCxnSpPr>
             <a:cxnSpLocks/>
-            <a:stCxn id="9" idx="3"/>
+            <a:stCxn id="18" idx="3"/>
           </p:cNvCxnSpPr>
           <p:nvPr/>
         </p:nvCxnSpPr>
         <p:spPr>
           <a:xfrm flipV="1">
-            <a:off x="1395579" y="4662116"/>
-            <a:ext cx="653163" cy="363683"/>
+            <a:off x="3354306" y="4021296"/>
+            <a:ext cx="783344" cy="236441"/>
           </a:xfrm>
           <a:prstGeom prst="straightConnector1">
             <a:avLst/>
@@ -5548,22 +5499,23 @@
       </p:cxnSp>
       <p:cxnSp>
         <p:nvCxnSpPr>
-          <p:cNvPr id="44" name="Straight Arrow Connector 43">
-            <a:extLst>
-              <a:ext uri="{FF2B5EF4-FFF2-40B4-BE49-F238E27FC236}">
-                <a16:creationId xmlns:a16="http://schemas.microsoft.com/office/drawing/2014/main" id="{05951DBB-C9EE-E826-BECE-0574E246BA69}"/>
+          <p:cNvPr id="28" name="Straight Arrow Connector 27">
+            <a:extLst>
+              <a:ext uri="{FF2B5EF4-FFF2-40B4-BE49-F238E27FC236}">
+                <a16:creationId xmlns:a16="http://schemas.microsoft.com/office/drawing/2014/main" id="{8834F963-E521-20F3-E0CA-418D57A974B5}"/>
               </a:ext>
             </a:extLst>
           </p:cNvPr>
           <p:cNvCxnSpPr>
-            <a:stCxn id="32" idx="3"/>
+            <a:cxnSpLocks/>
+            <a:stCxn id="19" idx="3"/>
           </p:cNvCxnSpPr>
           <p:nvPr/>
         </p:nvCxnSpPr>
         <p:spPr>
           <a:xfrm flipV="1">
-            <a:off x="1395579" y="4889500"/>
-            <a:ext cx="662568" cy="1071481"/>
+            <a:off x="3354306" y="4221877"/>
+            <a:ext cx="801238" cy="687364"/>
           </a:xfrm>
           <a:prstGeom prst="straightConnector1">
             <a:avLst/>
@@ -5590,147 +5542,137 @@
           </a:fontRef>
         </p:style>
       </p:cxnSp>
-      <p:pic>
-        <p:nvPicPr>
-          <p:cNvPr id="1040" name="Picture 16" descr="Azure Resources - Visual Studio Marketplace">
-            <a:extLst>
-              <a:ext uri="{FF2B5EF4-FFF2-40B4-BE49-F238E27FC236}">
-                <a16:creationId xmlns:a16="http://schemas.microsoft.com/office/drawing/2014/main" id="{B5C218DB-D427-5AF0-9A96-0A2290BA6761}"/>
-              </a:ext>
-            </a:extLst>
-          </p:cNvPr>
-          <p:cNvPicPr>
-            <a:picLocks noChangeAspect="1" noChangeArrowheads="1"/>
-          </p:cNvPicPr>
+      <p:cxnSp>
+        <p:nvCxnSpPr>
+          <p:cNvPr id="41" name="Straight Arrow Connector 40">
+            <a:extLst>
+              <a:ext uri="{FF2B5EF4-FFF2-40B4-BE49-F238E27FC236}">
+                <a16:creationId xmlns:a16="http://schemas.microsoft.com/office/drawing/2014/main" id="{1362BCE5-BD94-377A-297F-F9426A69DEBC}"/>
+              </a:ext>
+            </a:extLst>
+          </p:cNvPr>
+          <p:cNvCxnSpPr>
+            <a:stCxn id="1026" idx="3"/>
+          </p:cNvCxnSpPr>
           <p:nvPr/>
-        </p:nvPicPr>
-        <p:blipFill>
-          <a:blip r:embed="rId8">
-            <a:extLst>
-              <a:ext uri="{28A0092B-C50C-407E-A947-70E740481C1C}">
-                <a14:useLocalDpi xmlns:a14="http://schemas.microsoft.com/office/drawing/2010/main" val="0"/>
-              </a:ext>
-            </a:extLst>
-          </a:blip>
-          <a:srcRect/>
-          <a:stretch>
-            <a:fillRect/>
-          </a:stretch>
-        </p:blipFill>
-        <p:spPr bwMode="auto">
+        </p:nvCxnSpPr>
+        <p:spPr>
           <a:xfrm>
-            <a:off x="5721608" y="2030462"/>
-            <a:ext cx="558284" cy="558284"/>
+            <a:off x="4663371" y="3943446"/>
+            <a:ext cx="789162" cy="0"/>
           </a:xfrm>
-          <a:prstGeom prst="rect">
+          <a:prstGeom prst="straightConnector1">
             <a:avLst/>
           </a:prstGeom>
-          <a:noFill/>
-          <a:extLst>
-            <a:ext uri="{909E8E84-426E-40DD-AFC4-6F175D3DCCD1}">
-              <a14:hiddenFill xmlns:a14="http://schemas.microsoft.com/office/drawing/2010/main">
-                <a:solidFill>
-                  <a:srgbClr val="FFFFFF"/>
-                </a:solidFill>
-              </a14:hiddenFill>
-            </a:ext>
-          </a:extLst>
+          <a:ln>
+            <a:solidFill>
+              <a:srgbClr val="FFC000"/>
+            </a:solidFill>
+            <a:tailEnd type="triangle"/>
+          </a:ln>
         </p:spPr>
-      </p:pic>
-      <p:pic>
-        <p:nvPicPr>
-          <p:cNvPr id="1042" name="Picture 18" descr="Accessing Azure Key Vault From Python Functions By James, 41% OFF">
-            <a:extLst>
-              <a:ext uri="{FF2B5EF4-FFF2-40B4-BE49-F238E27FC236}">
-                <a16:creationId xmlns:a16="http://schemas.microsoft.com/office/drawing/2014/main" id="{4F51DD09-5C33-5E51-769B-49128038F417}"/>
-              </a:ext>
-            </a:extLst>
-          </p:cNvPr>
-          <p:cNvPicPr>
-            <a:picLocks noChangeAspect="1" noChangeArrowheads="1"/>
-          </p:cNvPicPr>
+        <p:style>
+          <a:lnRef idx="2">
+            <a:schemeClr val="accent1"/>
+          </a:lnRef>
+          <a:fillRef idx="0">
+            <a:schemeClr val="accent1"/>
+          </a:fillRef>
+          <a:effectRef idx="1">
+            <a:schemeClr val="accent1"/>
+          </a:effectRef>
+          <a:fontRef idx="minor">
+            <a:schemeClr val="tx1"/>
+          </a:fontRef>
+        </p:style>
+      </p:cxnSp>
+      <p:cxnSp>
+        <p:nvCxnSpPr>
+          <p:cNvPr id="43" name="Straight Arrow Connector 42">
+            <a:extLst>
+              <a:ext uri="{FF2B5EF4-FFF2-40B4-BE49-F238E27FC236}">
+                <a16:creationId xmlns:a16="http://schemas.microsoft.com/office/drawing/2014/main" id="{193D54ED-E0EA-A737-4CCB-09E0F51F6A64}"/>
+              </a:ext>
+            </a:extLst>
+          </p:cNvPr>
+          <p:cNvCxnSpPr/>
           <p:nvPr/>
-        </p:nvPicPr>
-        <p:blipFill>
-          <a:blip r:embed="rId9">
-            <a:extLst>
-              <a:ext uri="{28A0092B-C50C-407E-A947-70E740481C1C}">
-                <a14:useLocalDpi xmlns:a14="http://schemas.microsoft.com/office/drawing/2010/main" val="0"/>
-              </a:ext>
-            </a:extLst>
-          </a:blip>
-          <a:srcRect/>
-          <a:stretch>
-            <a:fillRect/>
-          </a:stretch>
-        </p:blipFill>
-        <p:spPr bwMode="auto">
+        </p:nvCxnSpPr>
+        <p:spPr>
           <a:xfrm>
-            <a:off x="5710828" y="1163646"/>
-            <a:ext cx="579844" cy="579844"/>
+            <a:off x="6289252" y="3975989"/>
+            <a:ext cx="806027" cy="0"/>
           </a:xfrm>
-          <a:prstGeom prst="rect">
+          <a:prstGeom prst="straightConnector1">
             <a:avLst/>
           </a:prstGeom>
-          <a:noFill/>
-          <a:extLst>
-            <a:ext uri="{909E8E84-426E-40DD-AFC4-6F175D3DCCD1}">
-              <a14:hiddenFill xmlns:a14="http://schemas.microsoft.com/office/drawing/2010/main">
-                <a:solidFill>
-                  <a:srgbClr val="FFFFFF"/>
-                </a:solidFill>
-              </a14:hiddenFill>
-            </a:ext>
-          </a:extLst>
+          <a:ln>
+            <a:solidFill>
+              <a:srgbClr val="FFC000"/>
+            </a:solidFill>
+            <a:tailEnd type="triangle"/>
+          </a:ln>
         </p:spPr>
-      </p:pic>
-      <p:pic>
-        <p:nvPicPr>
-          <p:cNvPr id="1044" name="Picture 20" descr="The Azure Cloud Shell Connector in Windows Terminal - Windows Command Line">
-            <a:extLst>
-              <a:ext uri="{FF2B5EF4-FFF2-40B4-BE49-F238E27FC236}">
-                <a16:creationId xmlns:a16="http://schemas.microsoft.com/office/drawing/2014/main" id="{D6944C8F-FFEA-6473-4AC2-5F6794DACC8D}"/>
-              </a:ext>
-            </a:extLst>
-          </p:cNvPr>
-          <p:cNvPicPr>
-            <a:picLocks noChangeAspect="1" noChangeArrowheads="1"/>
-          </p:cNvPicPr>
+        <p:style>
+          <a:lnRef idx="2">
+            <a:schemeClr val="accent1"/>
+          </a:lnRef>
+          <a:fillRef idx="0">
+            <a:schemeClr val="accent1"/>
+          </a:fillRef>
+          <a:effectRef idx="1">
+            <a:schemeClr val="accent1"/>
+          </a:effectRef>
+          <a:fontRef idx="minor">
+            <a:schemeClr val="tx1"/>
+          </a:fontRef>
+        </p:style>
+      </p:cxnSp>
+      <p:cxnSp>
+        <p:nvCxnSpPr>
+          <p:cNvPr id="50" name="Straight Arrow Connector 49">
+            <a:extLst>
+              <a:ext uri="{FF2B5EF4-FFF2-40B4-BE49-F238E27FC236}">
+                <a16:creationId xmlns:a16="http://schemas.microsoft.com/office/drawing/2014/main" id="{27BD8DB9-E432-F598-7B9A-9CB7E97E8CE2}"/>
+              </a:ext>
+            </a:extLst>
+          </p:cNvPr>
+          <p:cNvCxnSpPr/>
           <p:nvPr/>
-        </p:nvPicPr>
-        <p:blipFill>
-          <a:blip r:embed="rId10">
-            <a:extLst>
-              <a:ext uri="{28A0092B-C50C-407E-A947-70E740481C1C}">
-                <a14:useLocalDpi xmlns:a14="http://schemas.microsoft.com/office/drawing/2010/main" val="0"/>
-              </a:ext>
-            </a:extLst>
-          </a:blip>
-          <a:srcRect/>
-          <a:stretch>
-            <a:fillRect/>
-          </a:stretch>
-        </p:blipFill>
-        <p:spPr bwMode="auto">
+        </p:nvCxnSpPr>
+        <p:spPr>
           <a:xfrm>
-            <a:off x="5665205" y="387609"/>
-            <a:ext cx="671090" cy="503317"/>
+            <a:off x="7998106" y="3975989"/>
+            <a:ext cx="2326512" cy="0"/>
           </a:xfrm>
-          <a:prstGeom prst="rect">
+          <a:prstGeom prst="straightConnector1">
             <a:avLst/>
           </a:prstGeom>
-          <a:noFill/>
-          <a:extLst>
-            <a:ext uri="{909E8E84-426E-40DD-AFC4-6F175D3DCCD1}">
-              <a14:hiddenFill xmlns:a14="http://schemas.microsoft.com/office/drawing/2010/main">
-                <a:solidFill>
-                  <a:srgbClr val="FFFFFF"/>
-                </a:solidFill>
-              </a14:hiddenFill>
-            </a:ext>
-          </a:extLst>
+          <a:ln w="19050" cap="flat" cmpd="sng" algn="ctr">
+            <a:solidFill>
+              <a:srgbClr val="FFC000"/>
+            </a:solidFill>
+            <a:prstDash val="sysDot"/>
+            <a:round/>
+            <a:headEnd type="none" w="med" len="med"/>
+            <a:tailEnd type="arrow" w="med" len="med"/>
+          </a:ln>
         </p:spPr>
-      </p:pic>
+        <p:style>
+          <a:lnRef idx="0">
+            <a:scrgbClr r="0" g="0" b="0"/>
+          </a:lnRef>
+          <a:fillRef idx="0">
+            <a:scrgbClr r="0" g="0" b="0"/>
+          </a:fillRef>
+          <a:effectRef idx="0">
+            <a:scrgbClr r="0" g="0" b="0"/>
+          </a:effectRef>
+          <a:fontRef idx="minor">
+            <a:schemeClr val="tx1"/>
+          </a:fontRef>
+        </p:style>
+      </p:cxnSp>
     </p:spTree>
     <p:extLst>
       <p:ext uri="{BB962C8B-B14F-4D97-AF65-F5344CB8AC3E}">

--- a/DEA_solution.pptx
+++ b/DEA_solution.pptx
@@ -5,7 +5,7 @@
     <p:sldMasterId id="2147483648" r:id="rId1"/>
   </p:sldMasterIdLst>
   <p:notesMasterIdLst>
-    <p:notesMasterId r:id="rId11"/>
+    <p:notesMasterId r:id="rId16"/>
   </p:notesMasterIdLst>
   <p:sldIdLst>
     <p:sldId id="256" r:id="rId2"/>
@@ -17,6 +17,11 @@
     <p:sldId id="259" r:id="rId8"/>
     <p:sldId id="263" r:id="rId9"/>
     <p:sldId id="264" r:id="rId10"/>
+    <p:sldId id="265" r:id="rId11"/>
+    <p:sldId id="266" r:id="rId12"/>
+    <p:sldId id="267" r:id="rId13"/>
+    <p:sldId id="268" r:id="rId14"/>
+    <p:sldId id="269" r:id="rId15"/>
   </p:sldIdLst>
   <p:sldSz cx="12192000" cy="6858000"/>
   <p:notesSz cx="6858000" cy="9144000"/>
@@ -519,56 +524,19 @@
           <a:p>
             <a:r>
               <a:rPr lang="en-NL" dirty="0"/>
-              <a:t>The hierarchy: </a:t>
-            </a:r>
-          </a:p>
-          <a:p>
-            <a:pPr marL="228600" indent="-228600">
-              <a:buAutoNum type="arabicPeriod"/>
-            </a:pPr>
+              <a:t>I opted for Azure Data Factory because this tool is primarily focused on data integration and processing, which is ideal for ETL/ELT workflows. </a:t>
+            </a:r>
+          </a:p>
+          <a:p>
             <a:r>
               <a:rPr lang="en-NL" dirty="0"/>
-              <a:t>Azure portal</a:t>
-            </a:r>
-          </a:p>
-          <a:p>
-            <a:pPr marL="228600" indent="-228600">
-              <a:buAutoNum type="arabicPeriod"/>
-            </a:pPr>
+              <a:t>ETL = Extract Transform Load, </a:t>
+            </a:r>
+          </a:p>
+          <a:p>
             <a:r>
               <a:rPr lang="en-NL" dirty="0"/>
-              <a:t>Azure subscription</a:t>
-            </a:r>
-          </a:p>
-          <a:p>
-            <a:pPr marL="228600" indent="-228600">
-              <a:buAutoNum type="arabicPeriod"/>
-            </a:pPr>
-            <a:r>
-              <a:rPr lang="en-NL" dirty="0"/>
-              <a:t>Resource group</a:t>
-            </a:r>
-          </a:p>
-          <a:p>
-            <a:pPr marL="228600" indent="-228600">
-              <a:buAutoNum type="arabicPeriod"/>
-            </a:pPr>
-            <a:r>
-              <a:rPr lang="en-GB" dirty="0"/>
-              <a:t>S</a:t>
-            </a:r>
-            <a:r>
-              <a:rPr lang="en-NL" dirty="0"/>
-              <a:t>ervices within the resource group</a:t>
-            </a:r>
-          </a:p>
-          <a:p>
-            <a:pPr marL="228600" indent="-228600">
-              <a:buAutoNum type="arabicPeriod"/>
-            </a:pPr>
-            <a:r>
-              <a:rPr lang="en-NL" dirty="0"/>
-              <a:t>SQL querying in Azure Data Studio/SQL Server Management Studio</a:t>
+              <a:t>ELT = Extract Load Transform </a:t>
             </a:r>
           </a:p>
         </p:txBody>
@@ -590,7 +558,7 @@
           <a:p>
             <a:fld id="{C55E4414-EB4E-5644-A11D-E0224F375D2C}" type="slidenum">
               <a:rPr lang="en-NL" smtClean="0"/>
-              <a:t>6</a:t>
+              <a:t>4</a:t>
             </a:fld>
             <a:endParaRPr lang="en-NL"/>
           </a:p>
@@ -599,7 +567,7 @@
     </p:spTree>
     <p:extLst>
       <p:ext uri="{BB962C8B-B14F-4D97-AF65-F5344CB8AC3E}">
-        <p14:creationId xmlns:p14="http://schemas.microsoft.com/office/powerpoint/2010/main" val="112299393"/>
+        <p14:creationId xmlns:p14="http://schemas.microsoft.com/office/powerpoint/2010/main" val="2456139372"/>
       </p:ext>
     </p:extLst>
   </p:cSld>
@@ -653,7 +621,91 @@
           <a:bodyPr/>
           <a:lstStyle/>
           <a:p>
-            <a:endParaRPr lang="en-NL" dirty="0"/>
+            <a:r>
+              <a:rPr lang="en-NL" dirty="0"/>
+              <a:t>The hierarchy: </a:t>
+            </a:r>
+          </a:p>
+          <a:p>
+            <a:pPr marL="228600" indent="-228600">
+              <a:buAutoNum type="arabicPeriod"/>
+            </a:pPr>
+            <a:r>
+              <a:rPr lang="en-NL" dirty="0"/>
+              <a:t>Azure portal</a:t>
+            </a:r>
+          </a:p>
+          <a:p>
+            <a:pPr marL="228600" indent="-228600">
+              <a:buAutoNum type="arabicPeriod"/>
+            </a:pPr>
+            <a:r>
+              <a:rPr lang="en-NL" dirty="0"/>
+              <a:t>Azure subscription</a:t>
+            </a:r>
+          </a:p>
+          <a:p>
+            <a:pPr marL="228600" indent="-228600">
+              <a:buAutoNum type="arabicPeriod"/>
+            </a:pPr>
+            <a:r>
+              <a:rPr lang="en-NL" dirty="0"/>
+              <a:t>Resource group</a:t>
+            </a:r>
+          </a:p>
+          <a:p>
+            <a:pPr marL="228600" indent="-228600">
+              <a:buAutoNum type="arabicPeriod"/>
+            </a:pPr>
+            <a:r>
+              <a:rPr lang="en-NL" dirty="0"/>
+              <a:t>Services within the resource group</a:t>
+            </a:r>
+          </a:p>
+          <a:p>
+            <a:pPr marL="685800" lvl="1" indent="-228600">
+              <a:buAutoNum type="arabicPeriod"/>
+            </a:pPr>
+            <a:r>
+              <a:rPr lang="en-NL" dirty="0"/>
+              <a:t>Storage account (data lake) within the resource group</a:t>
+            </a:r>
+          </a:p>
+          <a:p>
+            <a:pPr marL="685800" lvl="1" indent="-228600">
+              <a:buAutoNum type="arabicPeriod"/>
+            </a:pPr>
+            <a:r>
+              <a:rPr lang="en-NL" dirty="0"/>
+              <a:t>Linked service to define the connection information needed for ADF to connect to the data lake</a:t>
+            </a:r>
+          </a:p>
+          <a:p>
+            <a:pPr marL="685800" lvl="1" indent="-228600">
+              <a:buAutoNum type="arabicPeriod"/>
+            </a:pPr>
+            <a:r>
+              <a:rPr lang="en-NL" dirty="0"/>
+              <a:t>ADF</a:t>
+            </a:r>
+          </a:p>
+          <a:p>
+            <a:pPr marL="685800" lvl="1" indent="-228600">
+              <a:buAutoNum type="arabicPeriod"/>
+            </a:pPr>
+            <a:r>
+              <a:rPr lang="en-NL" dirty="0"/>
+              <a:t>Linked service to define the connection information needed for ADF to connect to the SQL Database/SQL Server</a:t>
+            </a:r>
+          </a:p>
+          <a:p>
+            <a:pPr marL="228600" indent="-228600">
+              <a:buAutoNum type="arabicPeriod"/>
+            </a:pPr>
+            <a:r>
+              <a:rPr lang="en-NL" dirty="0"/>
+              <a:t>Azure Data Studio/SQL Server Management Studio for further data analyses through SQL querying</a:t>
+            </a:r>
           </a:p>
         </p:txBody>
       </p:sp>
@@ -674,7 +726,7 @@
           <a:p>
             <a:fld id="{C55E4414-EB4E-5644-A11D-E0224F375D2C}" type="slidenum">
               <a:rPr lang="en-NL" smtClean="0"/>
-              <a:t>7</a:t>
+              <a:t>6</a:t>
             </a:fld>
             <a:endParaRPr lang="en-NL"/>
           </a:p>
@@ -683,7 +735,7 @@
     </p:spTree>
     <p:extLst>
       <p:ext uri="{BB962C8B-B14F-4D97-AF65-F5344CB8AC3E}">
-        <p14:creationId xmlns:p14="http://schemas.microsoft.com/office/powerpoint/2010/main" val="2205418483"/>
+        <p14:creationId xmlns:p14="http://schemas.microsoft.com/office/powerpoint/2010/main" val="112299393"/>
       </p:ext>
     </p:extLst>
   </p:cSld>
@@ -737,6 +789,90 @@
           <a:bodyPr/>
           <a:lstStyle/>
           <a:p>
+            <a:endParaRPr lang="en-NL" dirty="0"/>
+          </a:p>
+        </p:txBody>
+      </p:sp>
+      <p:sp>
+        <p:nvSpPr>
+          <p:cNvPr id="4" name="Slide Number Placeholder 3"/>
+          <p:cNvSpPr>
+            <a:spLocks noGrp="1"/>
+          </p:cNvSpPr>
+          <p:nvPr>
+            <p:ph type="sldNum" sz="quarter" idx="5"/>
+          </p:nvPr>
+        </p:nvSpPr>
+        <p:spPr/>
+        <p:txBody>
+          <a:bodyPr/>
+          <a:lstStyle/>
+          <a:p>
+            <a:fld id="{C55E4414-EB4E-5644-A11D-E0224F375D2C}" type="slidenum">
+              <a:rPr lang="en-NL" smtClean="0"/>
+              <a:t>7</a:t>
+            </a:fld>
+            <a:endParaRPr lang="en-NL"/>
+          </a:p>
+        </p:txBody>
+      </p:sp>
+    </p:spTree>
+    <p:extLst>
+      <p:ext uri="{BB962C8B-B14F-4D97-AF65-F5344CB8AC3E}">
+        <p14:creationId xmlns:p14="http://schemas.microsoft.com/office/powerpoint/2010/main" val="2205418483"/>
+      </p:ext>
+    </p:extLst>
+  </p:cSld>
+  <p:clrMapOvr>
+    <a:masterClrMapping/>
+  </p:clrMapOvr>
+</p:notes>
+</file>
+
+<file path=ppt/notesSlides/notesSlide4.xml><?xml version="1.0" encoding="utf-8"?>
+<p:notes xmlns:a="http://schemas.openxmlformats.org/drawingml/2006/main" xmlns:r="http://schemas.openxmlformats.org/officeDocument/2006/relationships" xmlns:p="http://schemas.openxmlformats.org/presentationml/2006/main">
+  <p:cSld>
+    <p:spTree>
+      <p:nvGrpSpPr>
+        <p:cNvPr id="1" name=""/>
+        <p:cNvGrpSpPr/>
+        <p:nvPr/>
+      </p:nvGrpSpPr>
+      <p:grpSpPr>
+        <a:xfrm>
+          <a:off x="0" y="0"/>
+          <a:ext cx="0" cy="0"/>
+          <a:chOff x="0" y="0"/>
+          <a:chExt cx="0" cy="0"/>
+        </a:xfrm>
+      </p:grpSpPr>
+      <p:sp>
+        <p:nvSpPr>
+          <p:cNvPr id="2" name="Slide Image Placeholder 1"/>
+          <p:cNvSpPr>
+            <a:spLocks noGrp="1" noRot="1" noChangeAspect="1"/>
+          </p:cNvSpPr>
+          <p:nvPr>
+            <p:ph type="sldImg"/>
+          </p:nvPr>
+        </p:nvSpPr>
+        <p:spPr/>
+      </p:sp>
+      <p:sp>
+        <p:nvSpPr>
+          <p:cNvPr id="3" name="Notes Placeholder 2"/>
+          <p:cNvSpPr>
+            <a:spLocks noGrp="1"/>
+          </p:cNvSpPr>
+          <p:nvPr>
+            <p:ph type="body" idx="1"/>
+          </p:nvPr>
+        </p:nvSpPr>
+        <p:spPr/>
+        <p:txBody>
+          <a:bodyPr/>
+          <a:lstStyle/>
+          <a:p>
             <a:r>
               <a:rPr lang="en-NL" dirty="0"/>
               <a:t>Region issues:</a:t>
@@ -829,6 +965,414 @@
     <p:extLst>
       <p:ext uri="{BB962C8B-B14F-4D97-AF65-F5344CB8AC3E}">
         <p14:creationId xmlns:p14="http://schemas.microsoft.com/office/powerpoint/2010/main" val="2005483652"/>
+      </p:ext>
+    </p:extLst>
+  </p:cSld>
+  <p:clrMapOvr>
+    <a:masterClrMapping/>
+  </p:clrMapOvr>
+</p:notes>
+</file>
+
+<file path=ppt/notesSlides/notesSlide5.xml><?xml version="1.0" encoding="utf-8"?>
+<p:notes xmlns:a="http://schemas.openxmlformats.org/drawingml/2006/main" xmlns:r="http://schemas.openxmlformats.org/officeDocument/2006/relationships" xmlns:p="http://schemas.openxmlformats.org/presentationml/2006/main">
+  <p:cSld>
+    <p:spTree>
+      <p:nvGrpSpPr>
+        <p:cNvPr id="1" name=""/>
+        <p:cNvGrpSpPr/>
+        <p:nvPr/>
+      </p:nvGrpSpPr>
+      <p:grpSpPr>
+        <a:xfrm>
+          <a:off x="0" y="0"/>
+          <a:ext cx="0" cy="0"/>
+          <a:chOff x="0" y="0"/>
+          <a:chExt cx="0" cy="0"/>
+        </a:xfrm>
+      </p:grpSpPr>
+      <p:sp>
+        <p:nvSpPr>
+          <p:cNvPr id="2" name="Slide Image Placeholder 1"/>
+          <p:cNvSpPr>
+            <a:spLocks noGrp="1" noRot="1" noChangeAspect="1"/>
+          </p:cNvSpPr>
+          <p:nvPr>
+            <p:ph type="sldImg"/>
+          </p:nvPr>
+        </p:nvSpPr>
+        <p:spPr/>
+      </p:sp>
+      <p:sp>
+        <p:nvSpPr>
+          <p:cNvPr id="3" name="Notes Placeholder 2"/>
+          <p:cNvSpPr>
+            <a:spLocks noGrp="1"/>
+          </p:cNvSpPr>
+          <p:nvPr>
+            <p:ph type="body" idx="1"/>
+          </p:nvPr>
+        </p:nvSpPr>
+        <p:spPr/>
+        <p:txBody>
+          <a:bodyPr/>
+          <a:lstStyle/>
+          <a:p>
+            <a:endParaRPr lang="en-NL" dirty="0"/>
+          </a:p>
+        </p:txBody>
+      </p:sp>
+      <p:sp>
+        <p:nvSpPr>
+          <p:cNvPr id="4" name="Slide Number Placeholder 3"/>
+          <p:cNvSpPr>
+            <a:spLocks noGrp="1"/>
+          </p:cNvSpPr>
+          <p:nvPr>
+            <p:ph type="sldNum" sz="quarter" idx="5"/>
+          </p:nvPr>
+        </p:nvSpPr>
+        <p:spPr/>
+        <p:txBody>
+          <a:bodyPr/>
+          <a:lstStyle/>
+          <a:p>
+            <a:fld id="{C55E4414-EB4E-5644-A11D-E0224F375D2C}" type="slidenum">
+              <a:rPr lang="en-NL" smtClean="0"/>
+              <a:t>10</a:t>
+            </a:fld>
+            <a:endParaRPr lang="en-NL"/>
+          </a:p>
+        </p:txBody>
+      </p:sp>
+    </p:spTree>
+    <p:extLst>
+      <p:ext uri="{BB962C8B-B14F-4D97-AF65-F5344CB8AC3E}">
+        <p14:creationId xmlns:p14="http://schemas.microsoft.com/office/powerpoint/2010/main" val="925456207"/>
+      </p:ext>
+    </p:extLst>
+  </p:cSld>
+  <p:clrMapOvr>
+    <a:masterClrMapping/>
+  </p:clrMapOvr>
+</p:notes>
+</file>
+
+<file path=ppt/notesSlides/notesSlide6.xml><?xml version="1.0" encoding="utf-8"?>
+<p:notes xmlns:a="http://schemas.openxmlformats.org/drawingml/2006/main" xmlns:r="http://schemas.openxmlformats.org/officeDocument/2006/relationships" xmlns:p="http://schemas.openxmlformats.org/presentationml/2006/main">
+  <p:cSld>
+    <p:spTree>
+      <p:nvGrpSpPr>
+        <p:cNvPr id="1" name=""/>
+        <p:cNvGrpSpPr/>
+        <p:nvPr/>
+      </p:nvGrpSpPr>
+      <p:grpSpPr>
+        <a:xfrm>
+          <a:off x="0" y="0"/>
+          <a:ext cx="0" cy="0"/>
+          <a:chOff x="0" y="0"/>
+          <a:chExt cx="0" cy="0"/>
+        </a:xfrm>
+      </p:grpSpPr>
+      <p:sp>
+        <p:nvSpPr>
+          <p:cNvPr id="2" name="Slide Image Placeholder 1"/>
+          <p:cNvSpPr>
+            <a:spLocks noGrp="1" noRot="1" noChangeAspect="1"/>
+          </p:cNvSpPr>
+          <p:nvPr>
+            <p:ph type="sldImg"/>
+          </p:nvPr>
+        </p:nvSpPr>
+        <p:spPr/>
+      </p:sp>
+      <p:sp>
+        <p:nvSpPr>
+          <p:cNvPr id="3" name="Notes Placeholder 2"/>
+          <p:cNvSpPr>
+            <a:spLocks noGrp="1"/>
+          </p:cNvSpPr>
+          <p:nvPr>
+            <p:ph type="body" idx="1"/>
+          </p:nvPr>
+        </p:nvSpPr>
+        <p:spPr/>
+        <p:txBody>
+          <a:bodyPr/>
+          <a:lstStyle/>
+          <a:p>
+            <a:r>
+              <a:rPr lang="en-GB" dirty="0"/>
+              <a:t>F</a:t>
+            </a:r>
+            <a:r>
+              <a:rPr lang="en-NL" dirty="0"/>
+              <a:t>or each dataset, I add parameters to make them flexible. For example, parameteres can be used to dynamically change file paths, file names, or file types based on runtime inputs. </a:t>
+            </a:r>
+          </a:p>
+          <a:p>
+            <a:endParaRPr lang="en-NL" dirty="0"/>
+          </a:p>
+          <a:p>
+            <a:endParaRPr lang="en-NL" dirty="0"/>
+          </a:p>
+        </p:txBody>
+      </p:sp>
+      <p:sp>
+        <p:nvSpPr>
+          <p:cNvPr id="4" name="Slide Number Placeholder 3"/>
+          <p:cNvSpPr>
+            <a:spLocks noGrp="1"/>
+          </p:cNvSpPr>
+          <p:nvPr>
+            <p:ph type="sldNum" sz="quarter" idx="5"/>
+          </p:nvPr>
+        </p:nvSpPr>
+        <p:spPr/>
+        <p:txBody>
+          <a:bodyPr/>
+          <a:lstStyle/>
+          <a:p>
+            <a:fld id="{C55E4414-EB4E-5644-A11D-E0224F375D2C}" type="slidenum">
+              <a:rPr lang="en-NL" smtClean="0"/>
+              <a:t>12</a:t>
+            </a:fld>
+            <a:endParaRPr lang="en-NL"/>
+          </a:p>
+        </p:txBody>
+      </p:sp>
+    </p:spTree>
+    <p:extLst>
+      <p:ext uri="{BB962C8B-B14F-4D97-AF65-F5344CB8AC3E}">
+        <p14:creationId xmlns:p14="http://schemas.microsoft.com/office/powerpoint/2010/main" val="549548844"/>
+      </p:ext>
+    </p:extLst>
+  </p:cSld>
+  <p:clrMapOvr>
+    <a:masterClrMapping/>
+  </p:clrMapOvr>
+</p:notes>
+</file>
+
+<file path=ppt/notesSlides/notesSlide7.xml><?xml version="1.0" encoding="utf-8"?>
+<p:notes xmlns:a="http://schemas.openxmlformats.org/drawingml/2006/main" xmlns:r="http://schemas.openxmlformats.org/officeDocument/2006/relationships" xmlns:p="http://schemas.openxmlformats.org/presentationml/2006/main">
+  <p:cSld>
+    <p:spTree>
+      <p:nvGrpSpPr>
+        <p:cNvPr id="1" name=""/>
+        <p:cNvGrpSpPr/>
+        <p:nvPr/>
+      </p:nvGrpSpPr>
+      <p:grpSpPr>
+        <a:xfrm>
+          <a:off x="0" y="0"/>
+          <a:ext cx="0" cy="0"/>
+          <a:chOff x="0" y="0"/>
+          <a:chExt cx="0" cy="0"/>
+        </a:xfrm>
+      </p:grpSpPr>
+      <p:sp>
+        <p:nvSpPr>
+          <p:cNvPr id="2" name="Slide Image Placeholder 1"/>
+          <p:cNvSpPr>
+            <a:spLocks noGrp="1" noRot="1" noChangeAspect="1"/>
+          </p:cNvSpPr>
+          <p:nvPr>
+            <p:ph type="sldImg"/>
+          </p:nvPr>
+        </p:nvSpPr>
+        <p:spPr/>
+      </p:sp>
+      <p:sp>
+        <p:nvSpPr>
+          <p:cNvPr id="3" name="Notes Placeholder 2"/>
+          <p:cNvSpPr>
+            <a:spLocks noGrp="1"/>
+          </p:cNvSpPr>
+          <p:nvPr>
+            <p:ph type="body" idx="1"/>
+          </p:nvPr>
+        </p:nvSpPr>
+        <p:spPr/>
+        <p:txBody>
+          <a:bodyPr/>
+          <a:lstStyle/>
+          <a:p>
+            <a:endParaRPr lang="en-NL" dirty="0"/>
+          </a:p>
+          <a:p>
+            <a:endParaRPr lang="en-NL" dirty="0"/>
+          </a:p>
+        </p:txBody>
+      </p:sp>
+      <p:sp>
+        <p:nvSpPr>
+          <p:cNvPr id="4" name="Slide Number Placeholder 3"/>
+          <p:cNvSpPr>
+            <a:spLocks noGrp="1"/>
+          </p:cNvSpPr>
+          <p:nvPr>
+            <p:ph type="sldNum" sz="quarter" idx="5"/>
+          </p:nvPr>
+        </p:nvSpPr>
+        <p:spPr/>
+        <p:txBody>
+          <a:bodyPr/>
+          <a:lstStyle/>
+          <a:p>
+            <a:fld id="{C55E4414-EB4E-5644-A11D-E0224F375D2C}" type="slidenum">
+              <a:rPr lang="en-NL" smtClean="0"/>
+              <a:t>13</a:t>
+            </a:fld>
+            <a:endParaRPr lang="en-NL"/>
+          </a:p>
+        </p:txBody>
+      </p:sp>
+    </p:spTree>
+    <p:extLst>
+      <p:ext uri="{BB962C8B-B14F-4D97-AF65-F5344CB8AC3E}">
+        <p14:creationId xmlns:p14="http://schemas.microsoft.com/office/powerpoint/2010/main" val="143888261"/>
+      </p:ext>
+    </p:extLst>
+  </p:cSld>
+  <p:clrMapOvr>
+    <a:masterClrMapping/>
+  </p:clrMapOvr>
+</p:notes>
+</file>
+
+<file path=ppt/notesSlides/notesSlide8.xml><?xml version="1.0" encoding="utf-8"?>
+<p:notes xmlns:a="http://schemas.openxmlformats.org/drawingml/2006/main" xmlns:r="http://schemas.openxmlformats.org/officeDocument/2006/relationships" xmlns:p="http://schemas.openxmlformats.org/presentationml/2006/main">
+  <p:cSld>
+    <p:spTree>
+      <p:nvGrpSpPr>
+        <p:cNvPr id="1" name=""/>
+        <p:cNvGrpSpPr/>
+        <p:nvPr/>
+      </p:nvGrpSpPr>
+      <p:grpSpPr>
+        <a:xfrm>
+          <a:off x="0" y="0"/>
+          <a:ext cx="0" cy="0"/>
+          <a:chOff x="0" y="0"/>
+          <a:chExt cx="0" cy="0"/>
+        </a:xfrm>
+      </p:grpSpPr>
+      <p:sp>
+        <p:nvSpPr>
+          <p:cNvPr id="2" name="Slide Image Placeholder 1"/>
+          <p:cNvSpPr>
+            <a:spLocks noGrp="1" noRot="1" noChangeAspect="1"/>
+          </p:cNvSpPr>
+          <p:nvPr>
+            <p:ph type="sldImg"/>
+          </p:nvPr>
+        </p:nvSpPr>
+        <p:spPr/>
+      </p:sp>
+      <p:sp>
+        <p:nvSpPr>
+          <p:cNvPr id="3" name="Notes Placeholder 2"/>
+          <p:cNvSpPr>
+            <a:spLocks noGrp="1"/>
+          </p:cNvSpPr>
+          <p:nvPr>
+            <p:ph type="body" idx="1"/>
+          </p:nvPr>
+        </p:nvSpPr>
+        <p:spPr/>
+        <p:txBody>
+          <a:bodyPr/>
+          <a:lstStyle/>
+          <a:p>
+            <a:r>
+              <a:rPr lang="en-NL" dirty="0"/>
+              <a:t>Without cleaning just yet:</a:t>
+            </a:r>
+          </a:p>
+          <a:p>
+            <a:r>
+              <a:rPr lang="en-NL" dirty="0"/>
+              <a:t>1. Create a dataset called “csvFiles” that has a connection to the container stored in the data lake with the appropriate linked service</a:t>
+            </a:r>
+          </a:p>
+          <a:p>
+            <a:r>
+              <a:rPr lang="en-NL" dirty="0"/>
+              <a:t>2. Create a new pipeline where the first step would be a “Copy data” activity named “Extract and Merge csv Tables” that would extract all the relevant csv files that was loaded into the csvFiles data set, merge them, and sink it to a table in SQL Database. This means that I have to create a new empty table first in SQL Database that will store the results of the transformed csv table, json table, and avro table. </a:t>
+            </a:r>
+          </a:p>
+          <a:p>
+            <a:endParaRPr lang="en-NL" dirty="0"/>
+          </a:p>
+          <a:p>
+            <a:endParaRPr lang="en-NL" dirty="0"/>
+          </a:p>
+          <a:p>
+            <a:endParaRPr lang="en-NL" dirty="0"/>
+          </a:p>
+          <a:p>
+            <a:r>
+              <a:rPr lang="en-NL" dirty="0"/>
+              <a:t>Why use copy data activities? </a:t>
+            </a:r>
+          </a:p>
+          <a:p>
+            <a:pPr marL="171450" indent="-171450">
+              <a:buFontTx/>
+              <a:buChar char="-"/>
+            </a:pPr>
+            <a:r>
+              <a:rPr lang="en-GB" dirty="0"/>
+              <a:t>I</a:t>
+            </a:r>
+            <a:r>
+              <a:rPr lang="en-NL" dirty="0"/>
+              <a:t>t is designed for data movement between different data stores, making it suitable for ingesting data files from a dataset and store it in a target data set.</a:t>
+            </a:r>
+          </a:p>
+          <a:p>
+            <a:endParaRPr lang="en-NL" dirty="0"/>
+          </a:p>
+          <a:p>
+            <a:endParaRPr lang="en-NL" dirty="0"/>
+          </a:p>
+          <a:p>
+            <a:endParaRPr lang="en-NL" dirty="0"/>
+          </a:p>
+          <a:p>
+            <a:endParaRPr lang="en-NL" dirty="0"/>
+          </a:p>
+        </p:txBody>
+      </p:sp>
+      <p:sp>
+        <p:nvSpPr>
+          <p:cNvPr id="4" name="Slide Number Placeholder 3"/>
+          <p:cNvSpPr>
+            <a:spLocks noGrp="1"/>
+          </p:cNvSpPr>
+          <p:nvPr>
+            <p:ph type="sldNum" sz="quarter" idx="5"/>
+          </p:nvPr>
+        </p:nvSpPr>
+        <p:spPr/>
+        <p:txBody>
+          <a:bodyPr/>
+          <a:lstStyle/>
+          <a:p>
+            <a:fld id="{C55E4414-EB4E-5644-A11D-E0224F375D2C}" type="slidenum">
+              <a:rPr lang="en-NL" smtClean="0"/>
+              <a:t>14</a:t>
+            </a:fld>
+            <a:endParaRPr lang="en-NL"/>
+          </a:p>
+        </p:txBody>
+      </p:sp>
+    </p:spTree>
+    <p:extLst>
+      <p:ext uri="{BB962C8B-B14F-4D97-AF65-F5344CB8AC3E}">
+        <p14:creationId xmlns:p14="http://schemas.microsoft.com/office/powerpoint/2010/main" val="2902180872"/>
       </p:ext>
     </p:extLst>
   </p:cSld>
@@ -4095,7 +4639,7 @@
           <a:lstStyle/>
           <a:p>
             <a:r>
-              <a:rPr lang="en-NL" dirty="0"/>
+              <a:rPr lang="en-NL" b="1" dirty="0"/>
               <a:t>Data Engineering Assessment Solution</a:t>
             </a:r>
           </a:p>
@@ -4133,6 +4677,744 @@
     <p:extLst>
       <p:ext uri="{BB962C8B-B14F-4D97-AF65-F5344CB8AC3E}">
         <p14:creationId xmlns:p14="http://schemas.microsoft.com/office/powerpoint/2010/main" val="698946844"/>
+      </p:ext>
+    </p:extLst>
+  </p:cSld>
+  <p:clrMapOvr>
+    <a:masterClrMapping/>
+  </p:clrMapOvr>
+</p:sld>
+</file>
+
+<file path=ppt/slides/slide10.xml><?xml version="1.0" encoding="utf-8"?>
+<p:sld xmlns:a="http://schemas.openxmlformats.org/drawingml/2006/main" xmlns:r="http://schemas.openxmlformats.org/officeDocument/2006/relationships" xmlns:p="http://schemas.openxmlformats.org/presentationml/2006/main">
+  <p:cSld>
+    <p:spTree>
+      <p:nvGrpSpPr>
+        <p:cNvPr id="1" name=""/>
+        <p:cNvGrpSpPr/>
+        <p:nvPr/>
+      </p:nvGrpSpPr>
+      <p:grpSpPr>
+        <a:xfrm>
+          <a:off x="0" y="0"/>
+          <a:ext cx="0" cy="0"/>
+          <a:chOff x="0" y="0"/>
+          <a:chExt cx="0" cy="0"/>
+        </a:xfrm>
+      </p:grpSpPr>
+      <p:sp>
+        <p:nvSpPr>
+          <p:cNvPr id="2" name="TextBox 1">
+            <a:extLst>
+              <a:ext uri="{FF2B5EF4-FFF2-40B4-BE49-F238E27FC236}">
+                <a16:creationId xmlns:a16="http://schemas.microsoft.com/office/drawing/2014/main" id="{7809A52B-76A5-8C92-0D21-772E58854238}"/>
+              </a:ext>
+            </a:extLst>
+          </p:cNvPr>
+          <p:cNvSpPr txBox="1"/>
+          <p:nvPr/>
+        </p:nvSpPr>
+        <p:spPr>
+          <a:xfrm>
+            <a:off x="536027" y="472965"/>
+            <a:ext cx="4424855" cy="369332"/>
+          </a:xfrm>
+          <a:prstGeom prst="rect">
+            <a:avLst/>
+          </a:prstGeom>
+          <a:noFill/>
+        </p:spPr>
+        <p:txBody>
+          <a:bodyPr wrap="square" rtlCol="0">
+            <a:spAutoFit/>
+          </a:bodyPr>
+          <a:lstStyle/>
+          <a:p>
+            <a:r>
+              <a:rPr lang="en-NL" dirty="0"/>
+              <a:t>Blob Storage vs. Data Lake</a:t>
+            </a:r>
+          </a:p>
+        </p:txBody>
+      </p:sp>
+    </p:spTree>
+    <p:extLst>
+      <p:ext uri="{BB962C8B-B14F-4D97-AF65-F5344CB8AC3E}">
+        <p14:creationId xmlns:p14="http://schemas.microsoft.com/office/powerpoint/2010/main" val="2792908546"/>
+      </p:ext>
+    </p:extLst>
+  </p:cSld>
+  <p:clrMapOvr>
+    <a:masterClrMapping/>
+  </p:clrMapOvr>
+</p:sld>
+</file>
+
+<file path=ppt/slides/slide11.xml><?xml version="1.0" encoding="utf-8"?>
+<p:sld xmlns:a="http://schemas.openxmlformats.org/drawingml/2006/main" xmlns:r="http://schemas.openxmlformats.org/officeDocument/2006/relationships" xmlns:p="http://schemas.openxmlformats.org/presentationml/2006/main">
+  <p:cSld>
+    <p:spTree>
+      <p:nvGrpSpPr>
+        <p:cNvPr id="1" name=""/>
+        <p:cNvGrpSpPr/>
+        <p:nvPr/>
+      </p:nvGrpSpPr>
+      <p:grpSpPr>
+        <a:xfrm>
+          <a:off x="0" y="0"/>
+          <a:ext cx="0" cy="0"/>
+          <a:chOff x="0" y="0"/>
+          <a:chExt cx="0" cy="0"/>
+        </a:xfrm>
+      </p:grpSpPr>
+      <p:sp>
+        <p:nvSpPr>
+          <p:cNvPr id="2" name="Title 1">
+            <a:extLst>
+              <a:ext uri="{FF2B5EF4-FFF2-40B4-BE49-F238E27FC236}">
+                <a16:creationId xmlns:a16="http://schemas.microsoft.com/office/drawing/2014/main" id="{183D4777-7777-4E14-B951-0EF6C348AA91}"/>
+              </a:ext>
+            </a:extLst>
+          </p:cNvPr>
+          <p:cNvSpPr>
+            <a:spLocks noGrp="1"/>
+          </p:cNvSpPr>
+          <p:nvPr>
+            <p:ph type="title"/>
+          </p:nvPr>
+        </p:nvSpPr>
+        <p:spPr>
+          <a:xfrm>
+            <a:off x="838200" y="2766218"/>
+            <a:ext cx="10515600" cy="1325563"/>
+          </a:xfrm>
+        </p:spPr>
+        <p:txBody>
+          <a:bodyPr/>
+          <a:lstStyle/>
+          <a:p>
+            <a:r>
+              <a:rPr lang="en-NL" b="1" dirty="0"/>
+              <a:t>Data Ingestion into ADF</a:t>
+            </a:r>
+          </a:p>
+        </p:txBody>
+      </p:sp>
+    </p:spTree>
+    <p:extLst>
+      <p:ext uri="{BB962C8B-B14F-4D97-AF65-F5344CB8AC3E}">
+        <p14:creationId xmlns:p14="http://schemas.microsoft.com/office/powerpoint/2010/main" val="377263618"/>
+      </p:ext>
+    </p:extLst>
+  </p:cSld>
+  <p:clrMapOvr>
+    <a:masterClrMapping/>
+  </p:clrMapOvr>
+</p:sld>
+</file>
+
+<file path=ppt/slides/slide12.xml><?xml version="1.0" encoding="utf-8"?>
+<p:sld xmlns:a="http://schemas.openxmlformats.org/drawingml/2006/main" xmlns:r="http://schemas.openxmlformats.org/officeDocument/2006/relationships" xmlns:p="http://schemas.openxmlformats.org/presentationml/2006/main">
+  <p:cSld>
+    <p:spTree>
+      <p:nvGrpSpPr>
+        <p:cNvPr id="1" name=""/>
+        <p:cNvGrpSpPr/>
+        <p:nvPr/>
+      </p:nvGrpSpPr>
+      <p:grpSpPr>
+        <a:xfrm>
+          <a:off x="0" y="0"/>
+          <a:ext cx="0" cy="0"/>
+          <a:chOff x="0" y="0"/>
+          <a:chExt cx="0" cy="0"/>
+        </a:xfrm>
+      </p:grpSpPr>
+      <p:pic>
+        <p:nvPicPr>
+          <p:cNvPr id="3" name="Picture 2" descr="A screenshot of a computer&#10;&#10;Description automatically generated">
+            <a:extLst>
+              <a:ext uri="{FF2B5EF4-FFF2-40B4-BE49-F238E27FC236}">
+                <a16:creationId xmlns:a16="http://schemas.microsoft.com/office/drawing/2014/main" id="{85CF173A-DD5D-F167-18D0-CFC3128E0B25}"/>
+              </a:ext>
+            </a:extLst>
+          </p:cNvPr>
+          <p:cNvPicPr>
+            <a:picLocks noChangeAspect="1"/>
+          </p:cNvPicPr>
+          <p:nvPr/>
+        </p:nvPicPr>
+        <p:blipFill>
+          <a:blip r:embed="rId3"/>
+          <a:stretch>
+            <a:fillRect/>
+          </a:stretch>
+        </p:blipFill>
+        <p:spPr>
+          <a:xfrm>
+            <a:off x="993058" y="598731"/>
+            <a:ext cx="7177580" cy="3344005"/>
+          </a:xfrm>
+          <a:prstGeom prst="rect">
+            <a:avLst/>
+          </a:prstGeom>
+        </p:spPr>
+      </p:pic>
+    </p:spTree>
+    <p:extLst>
+      <p:ext uri="{BB962C8B-B14F-4D97-AF65-F5344CB8AC3E}">
+        <p14:creationId xmlns:p14="http://schemas.microsoft.com/office/powerpoint/2010/main" val="1520398992"/>
+      </p:ext>
+    </p:extLst>
+  </p:cSld>
+  <p:clrMapOvr>
+    <a:masterClrMapping/>
+  </p:clrMapOvr>
+</p:sld>
+</file>
+
+<file path=ppt/slides/slide13.xml><?xml version="1.0" encoding="utf-8"?>
+<p:sld xmlns:a="http://schemas.openxmlformats.org/drawingml/2006/main" xmlns:r="http://schemas.openxmlformats.org/officeDocument/2006/relationships" xmlns:p="http://schemas.openxmlformats.org/presentationml/2006/main">
+  <p:cSld>
+    <p:spTree>
+      <p:nvGrpSpPr>
+        <p:cNvPr id="1" name=""/>
+        <p:cNvGrpSpPr/>
+        <p:nvPr/>
+      </p:nvGrpSpPr>
+      <p:grpSpPr>
+        <a:xfrm>
+          <a:off x="0" y="0"/>
+          <a:ext cx="0" cy="0"/>
+          <a:chOff x="0" y="0"/>
+          <a:chExt cx="0" cy="0"/>
+        </a:xfrm>
+      </p:grpSpPr>
+      <p:sp>
+        <p:nvSpPr>
+          <p:cNvPr id="2" name="TextBox 1">
+            <a:extLst>
+              <a:ext uri="{FF2B5EF4-FFF2-40B4-BE49-F238E27FC236}">
+                <a16:creationId xmlns:a16="http://schemas.microsoft.com/office/drawing/2014/main" id="{A5304B5A-7A1D-29B5-9BA5-289C433B2E6B}"/>
+              </a:ext>
+            </a:extLst>
+          </p:cNvPr>
+          <p:cNvSpPr txBox="1"/>
+          <p:nvPr/>
+        </p:nvSpPr>
+        <p:spPr>
+          <a:xfrm>
+            <a:off x="324464" y="452283"/>
+            <a:ext cx="10117393" cy="5078313"/>
+          </a:xfrm>
+          <a:prstGeom prst="rect">
+            <a:avLst/>
+          </a:prstGeom>
+          <a:noFill/>
+        </p:spPr>
+        <p:txBody>
+          <a:bodyPr wrap="square" rtlCol="0">
+            <a:spAutoFit/>
+          </a:bodyPr>
+          <a:lstStyle/>
+          <a:p>
+            <a:r>
+              <a:rPr lang="en-NL" dirty="0"/>
+              <a:t>Bulk copy with Lookup and ForEach</a:t>
+            </a:r>
+          </a:p>
+          <a:p>
+            <a:endParaRPr lang="en-NL" dirty="0"/>
+          </a:p>
+          <a:p>
+            <a:pPr marL="285750" indent="-285750">
+              <a:buFontTx/>
+              <a:buChar char="-"/>
+            </a:pPr>
+            <a:r>
+              <a:rPr lang="en-NL" dirty="0"/>
+              <a:t>Lookup: </a:t>
+            </a:r>
+          </a:p>
+          <a:p>
+            <a:pPr marL="742950" lvl="1" indent="-285750">
+              <a:buFontTx/>
+              <a:buChar char="-"/>
+            </a:pPr>
+            <a:r>
+              <a:rPr lang="en-NL" dirty="0"/>
+              <a:t>Retrieve dataset action (content of file or table) </a:t>
+            </a:r>
+          </a:p>
+          <a:p>
+            <a:pPr marL="742950" lvl="1" indent="-285750">
+              <a:buFontTx/>
+              <a:buChar char="-"/>
+            </a:pPr>
+            <a:r>
+              <a:rPr lang="en-NL" dirty="0"/>
+              <a:t>Used to dynamically determine list of objects</a:t>
+            </a:r>
+          </a:p>
+          <a:p>
+            <a:pPr marL="742950" lvl="1" indent="-285750">
+              <a:buFontTx/>
+              <a:buChar char="-"/>
+            </a:pPr>
+            <a:r>
+              <a:rPr lang="en-NL" dirty="0"/>
+              <a:t>Supports most data factory data sources</a:t>
+            </a:r>
+          </a:p>
+          <a:p>
+            <a:pPr marL="742950" lvl="1" indent="-285750">
+              <a:buFontTx/>
+              <a:buChar char="-"/>
+            </a:pPr>
+            <a:r>
+              <a:rPr lang="en-GB" dirty="0"/>
+              <a:t>T</a:t>
+            </a:r>
+            <a:r>
+              <a:rPr lang="en-NL" dirty="0"/>
+              <a:t>he Loopup returns list or first row of data</a:t>
+            </a:r>
+          </a:p>
+          <a:p>
+            <a:pPr marL="742950" lvl="1" indent="-285750">
+              <a:buFontTx/>
+              <a:buChar char="-"/>
+            </a:pPr>
+            <a:r>
+              <a:rPr lang="en-NL" dirty="0"/>
+              <a:t>Maximum of 2MB of data</a:t>
+            </a:r>
+          </a:p>
+          <a:p>
+            <a:pPr marL="742950" lvl="1" indent="-285750">
+              <a:buFontTx/>
+              <a:buChar char="-"/>
+            </a:pPr>
+            <a:r>
+              <a:rPr lang="en-NL" dirty="0"/>
+              <a:t>Maximum of 5000 rows of data</a:t>
+            </a:r>
+          </a:p>
+          <a:p>
+            <a:pPr marL="285750" indent="-285750">
+              <a:buFontTx/>
+              <a:buChar char="-"/>
+            </a:pPr>
+            <a:r>
+              <a:rPr lang="en-NL" dirty="0"/>
+              <a:t>ForEach: </a:t>
+            </a:r>
+          </a:p>
+          <a:p>
+            <a:pPr marL="742950" lvl="1" indent="-285750">
+              <a:buFontTx/>
+              <a:buChar char="-"/>
+            </a:pPr>
+            <a:r>
+              <a:rPr lang="en-GB" dirty="0"/>
+              <a:t>E</a:t>
+            </a:r>
+            <a:r>
+              <a:rPr lang="en-NL" dirty="0"/>
+              <a:t>xecute set of activities for each object in the list</a:t>
+            </a:r>
+          </a:p>
+          <a:p>
+            <a:pPr marL="742950" lvl="1" indent="-285750">
+              <a:buFontTx/>
+              <a:buChar char="-"/>
+            </a:pPr>
+            <a:r>
+              <a:rPr lang="en-NL" dirty="0"/>
+              <a:t>ForEach iterates over list of objects from previous steps</a:t>
+            </a:r>
+          </a:p>
+          <a:p>
+            <a:pPr marL="742950" lvl="1" indent="-285750">
+              <a:buFontTx/>
+              <a:buChar char="-"/>
+            </a:pPr>
+            <a:r>
+              <a:rPr lang="en-GB" dirty="0"/>
+              <a:t>C</a:t>
+            </a:r>
+            <a:r>
+              <a:rPr lang="en-NL" dirty="0"/>
+              <a:t>an’t nest Foreach, use pipelines instead</a:t>
+            </a:r>
+          </a:p>
+          <a:p>
+            <a:pPr marL="742950" lvl="1" indent="-285750">
+              <a:buFontTx/>
+              <a:buChar char="-"/>
+            </a:pPr>
+            <a:endParaRPr lang="en-NL" dirty="0"/>
+          </a:p>
+          <a:p>
+            <a:pPr marL="285750" indent="-285750">
+              <a:buFontTx/>
+              <a:buChar char="-"/>
+            </a:pPr>
+            <a:r>
+              <a:rPr lang="en-GB" dirty="0"/>
+              <a:t>T</a:t>
+            </a:r>
+            <a:r>
+              <a:rPr lang="en-NL" dirty="0"/>
+              <a:t>o merge csv files, json files, and avro files to one another, we can use copy activity because they have same columns in ADF</a:t>
+            </a:r>
+          </a:p>
+          <a:p>
+            <a:pPr marL="285750" indent="-285750">
+              <a:buFontTx/>
+              <a:buChar char="-"/>
+            </a:pPr>
+            <a:r>
+              <a:rPr lang="en-NL" dirty="0"/>
+              <a:t>But I will need to use data flows to merge tables together that have different column names</a:t>
+            </a:r>
+          </a:p>
+          <a:p>
+            <a:pPr marL="285750" indent="-285750">
+              <a:buFontTx/>
+              <a:buChar char="-"/>
+            </a:pPr>
+            <a:r>
+              <a:rPr lang="en-NL" dirty="0"/>
+              <a:t>With the Wildcard file path I can select all the files in a particular container</a:t>
+            </a:r>
+          </a:p>
+        </p:txBody>
+      </p:sp>
+    </p:spTree>
+    <p:extLst>
+      <p:ext uri="{BB962C8B-B14F-4D97-AF65-F5344CB8AC3E}">
+        <p14:creationId xmlns:p14="http://schemas.microsoft.com/office/powerpoint/2010/main" val="3313498520"/>
+      </p:ext>
+    </p:extLst>
+  </p:cSld>
+  <p:clrMapOvr>
+    <a:masterClrMapping/>
+  </p:clrMapOvr>
+</p:sld>
+</file>
+
+<file path=ppt/slides/slide14.xml><?xml version="1.0" encoding="utf-8"?>
+<p:sld xmlns:a="http://schemas.openxmlformats.org/drawingml/2006/main" xmlns:r="http://schemas.openxmlformats.org/officeDocument/2006/relationships" xmlns:p="http://schemas.openxmlformats.org/presentationml/2006/main">
+  <p:cSld>
+    <p:spTree>
+      <p:nvGrpSpPr>
+        <p:cNvPr id="1" name=""/>
+        <p:cNvGrpSpPr/>
+        <p:nvPr/>
+      </p:nvGrpSpPr>
+      <p:grpSpPr>
+        <a:xfrm>
+          <a:off x="0" y="0"/>
+          <a:ext cx="0" cy="0"/>
+          <a:chOff x="0" y="0"/>
+          <a:chExt cx="0" cy="0"/>
+        </a:xfrm>
+      </p:grpSpPr>
+      <p:sp>
+        <p:nvSpPr>
+          <p:cNvPr id="10" name="Rectangle 9">
+            <a:extLst>
+              <a:ext uri="{FF2B5EF4-FFF2-40B4-BE49-F238E27FC236}">
+                <a16:creationId xmlns:a16="http://schemas.microsoft.com/office/drawing/2014/main" id="{40977CF2-5F16-8903-8A81-292C32D449B6}"/>
+              </a:ext>
+            </a:extLst>
+          </p:cNvPr>
+          <p:cNvSpPr/>
+          <p:nvPr/>
+        </p:nvSpPr>
+        <p:spPr>
+          <a:xfrm>
+            <a:off x="1535189" y="1541560"/>
+            <a:ext cx="1627365" cy="1370412"/>
+          </a:xfrm>
+          <a:prstGeom prst="rect">
+            <a:avLst/>
+          </a:prstGeom>
+        </p:spPr>
+        <p:style>
+          <a:lnRef idx="2">
+            <a:schemeClr val="accent1">
+              <a:shade val="15000"/>
+            </a:schemeClr>
+          </a:lnRef>
+          <a:fillRef idx="1">
+            <a:schemeClr val="accent1"/>
+          </a:fillRef>
+          <a:effectRef idx="0">
+            <a:schemeClr val="accent1"/>
+          </a:effectRef>
+          <a:fontRef idx="minor">
+            <a:schemeClr val="lt1"/>
+          </a:fontRef>
+        </p:style>
+        <p:txBody>
+          <a:bodyPr rtlCol="0" anchor="ctr"/>
+          <a:lstStyle/>
+          <a:p>
+            <a:pPr algn="ctr"/>
+            <a:r>
+              <a:rPr lang="en-NL" sz="1400" u="sng" dirty="0"/>
+              <a:t>Copy data</a:t>
+            </a:r>
+          </a:p>
+          <a:p>
+            <a:pPr algn="ctr"/>
+            <a:r>
+              <a:rPr lang="en-NL" sz="1400" dirty="0"/>
+              <a:t>Extract and Merge Tables</a:t>
+            </a:r>
+          </a:p>
+        </p:txBody>
+      </p:sp>
+      <p:pic>
+        <p:nvPicPr>
+          <p:cNvPr id="12" name="Picture 11">
+            <a:extLst>
+              <a:ext uri="{FF2B5EF4-FFF2-40B4-BE49-F238E27FC236}">
+                <a16:creationId xmlns:a16="http://schemas.microsoft.com/office/drawing/2014/main" id="{52A8AEEA-F2EC-E0A2-7BC2-3360DCBF6BEE}"/>
+              </a:ext>
+            </a:extLst>
+          </p:cNvPr>
+          <p:cNvPicPr>
+            <a:picLocks noChangeAspect="1"/>
+          </p:cNvPicPr>
+          <p:nvPr/>
+        </p:nvPicPr>
+        <p:blipFill>
+          <a:blip r:embed="rId3"/>
+          <a:stretch>
+            <a:fillRect/>
+          </a:stretch>
+        </p:blipFill>
+        <p:spPr>
+          <a:xfrm>
+            <a:off x="1995607" y="4709758"/>
+            <a:ext cx="7772400" cy="606682"/>
+          </a:xfrm>
+          <a:prstGeom prst="rect">
+            <a:avLst/>
+          </a:prstGeom>
+        </p:spPr>
+      </p:pic>
+      <p:sp>
+        <p:nvSpPr>
+          <p:cNvPr id="2" name="Rectangle 1">
+            <a:extLst>
+              <a:ext uri="{FF2B5EF4-FFF2-40B4-BE49-F238E27FC236}">
+                <a16:creationId xmlns:a16="http://schemas.microsoft.com/office/drawing/2014/main" id="{63B7D8D3-DC26-2437-5829-52EDD64549C7}"/>
+              </a:ext>
+            </a:extLst>
+          </p:cNvPr>
+          <p:cNvSpPr/>
+          <p:nvPr/>
+        </p:nvSpPr>
+        <p:spPr>
+          <a:xfrm>
+            <a:off x="4836540" y="1541560"/>
+            <a:ext cx="1627365" cy="1370412"/>
+          </a:xfrm>
+          <a:prstGeom prst="rect">
+            <a:avLst/>
+          </a:prstGeom>
+        </p:spPr>
+        <p:style>
+          <a:lnRef idx="2">
+            <a:schemeClr val="accent1">
+              <a:shade val="15000"/>
+            </a:schemeClr>
+          </a:lnRef>
+          <a:fillRef idx="1">
+            <a:schemeClr val="accent1"/>
+          </a:fillRef>
+          <a:effectRef idx="0">
+            <a:schemeClr val="accent1"/>
+          </a:effectRef>
+          <a:fontRef idx="minor">
+            <a:schemeClr val="lt1"/>
+          </a:fontRef>
+        </p:style>
+        <p:txBody>
+          <a:bodyPr rtlCol="0" anchor="ctr"/>
+          <a:lstStyle/>
+          <a:p>
+            <a:pPr algn="ctr"/>
+            <a:r>
+              <a:rPr lang="en-NL" sz="1400" u="sng" dirty="0"/>
+              <a:t>Data flow</a:t>
+            </a:r>
+          </a:p>
+          <a:p>
+            <a:pPr algn="ctr"/>
+            <a:r>
+              <a:rPr lang="en-NL" sz="1400" dirty="0"/>
+              <a:t>Data cleaning by removing duplicates</a:t>
+            </a:r>
+          </a:p>
+        </p:txBody>
+      </p:sp>
+      <p:sp>
+        <p:nvSpPr>
+          <p:cNvPr id="3" name="Rectangle 2">
+            <a:extLst>
+              <a:ext uri="{FF2B5EF4-FFF2-40B4-BE49-F238E27FC236}">
+                <a16:creationId xmlns:a16="http://schemas.microsoft.com/office/drawing/2014/main" id="{C3C938A9-E47E-4DE8-0E29-4B576F051101}"/>
+              </a:ext>
+            </a:extLst>
+          </p:cNvPr>
+          <p:cNvSpPr/>
+          <p:nvPr/>
+        </p:nvSpPr>
+        <p:spPr>
+          <a:xfrm>
+            <a:off x="8271600" y="1541560"/>
+            <a:ext cx="1627365" cy="1370412"/>
+          </a:xfrm>
+          <a:prstGeom prst="rect">
+            <a:avLst/>
+          </a:prstGeom>
+        </p:spPr>
+        <p:style>
+          <a:lnRef idx="2">
+            <a:schemeClr val="accent1">
+              <a:shade val="15000"/>
+            </a:schemeClr>
+          </a:lnRef>
+          <a:fillRef idx="1">
+            <a:schemeClr val="accent1"/>
+          </a:fillRef>
+          <a:effectRef idx="0">
+            <a:schemeClr val="accent1"/>
+          </a:effectRef>
+          <a:fontRef idx="minor">
+            <a:schemeClr val="lt1"/>
+          </a:fontRef>
+        </p:style>
+        <p:txBody>
+          <a:bodyPr rtlCol="0" anchor="ctr"/>
+          <a:lstStyle/>
+          <a:p>
+            <a:pPr algn="ctr"/>
+            <a:r>
+              <a:rPr lang="en-NL" sz="1400" u="sng" dirty="0"/>
+              <a:t>Copy data</a:t>
+            </a:r>
+          </a:p>
+          <a:p>
+            <a:pPr algn="ctr"/>
+            <a:r>
+              <a:rPr lang="en-NL" sz="1400" u="sng" dirty="0"/>
+              <a:t>Load the transformed data into a table in SQL Database</a:t>
+            </a:r>
+            <a:endParaRPr lang="en-NL" sz="1400" dirty="0"/>
+          </a:p>
+        </p:txBody>
+      </p:sp>
+      <p:cxnSp>
+        <p:nvCxnSpPr>
+          <p:cNvPr id="5" name="Straight Arrow Connector 4">
+            <a:extLst>
+              <a:ext uri="{FF2B5EF4-FFF2-40B4-BE49-F238E27FC236}">
+                <a16:creationId xmlns:a16="http://schemas.microsoft.com/office/drawing/2014/main" id="{0F353E57-61D0-8931-599C-9FCE39E700E1}"/>
+              </a:ext>
+            </a:extLst>
+          </p:cNvPr>
+          <p:cNvCxnSpPr>
+            <a:stCxn id="10" idx="3"/>
+            <a:endCxn id="2" idx="1"/>
+          </p:cNvCxnSpPr>
+          <p:nvPr/>
+        </p:nvCxnSpPr>
+        <p:spPr>
+          <a:xfrm>
+            <a:off x="3162554" y="2226766"/>
+            <a:ext cx="1673986" cy="0"/>
+          </a:xfrm>
+          <a:prstGeom prst="straightConnector1">
+            <a:avLst/>
+          </a:prstGeom>
+          <a:ln>
+            <a:solidFill>
+              <a:srgbClr val="FFC000"/>
+            </a:solidFill>
+            <a:tailEnd type="triangle"/>
+          </a:ln>
+        </p:spPr>
+        <p:style>
+          <a:lnRef idx="2">
+            <a:schemeClr val="accent1"/>
+          </a:lnRef>
+          <a:fillRef idx="0">
+            <a:schemeClr val="accent1"/>
+          </a:fillRef>
+          <a:effectRef idx="1">
+            <a:schemeClr val="accent1"/>
+          </a:effectRef>
+          <a:fontRef idx="minor">
+            <a:schemeClr val="tx1"/>
+          </a:fontRef>
+        </p:style>
+      </p:cxnSp>
+      <p:cxnSp>
+        <p:nvCxnSpPr>
+          <p:cNvPr id="8" name="Straight Arrow Connector 7">
+            <a:extLst>
+              <a:ext uri="{FF2B5EF4-FFF2-40B4-BE49-F238E27FC236}">
+                <a16:creationId xmlns:a16="http://schemas.microsoft.com/office/drawing/2014/main" id="{02AA77F1-1285-20D4-8536-9958E6448F03}"/>
+              </a:ext>
+            </a:extLst>
+          </p:cNvPr>
+          <p:cNvCxnSpPr>
+            <a:stCxn id="2" idx="3"/>
+            <a:endCxn id="3" idx="1"/>
+          </p:cNvCxnSpPr>
+          <p:nvPr/>
+        </p:nvCxnSpPr>
+        <p:spPr>
+          <a:xfrm>
+            <a:off x="6463905" y="2226766"/>
+            <a:ext cx="1807695" cy="0"/>
+          </a:xfrm>
+          <a:prstGeom prst="straightConnector1">
+            <a:avLst/>
+          </a:prstGeom>
+          <a:ln>
+            <a:solidFill>
+              <a:srgbClr val="FFC000"/>
+            </a:solidFill>
+            <a:tailEnd type="triangle"/>
+          </a:ln>
+        </p:spPr>
+        <p:style>
+          <a:lnRef idx="2">
+            <a:schemeClr val="accent1"/>
+          </a:lnRef>
+          <a:fillRef idx="0">
+            <a:schemeClr val="accent1"/>
+          </a:fillRef>
+          <a:effectRef idx="1">
+            <a:schemeClr val="accent1"/>
+          </a:effectRef>
+          <a:fontRef idx="minor">
+            <a:schemeClr val="tx1"/>
+          </a:fontRef>
+        </p:style>
+      </p:cxnSp>
+    </p:spTree>
+    <p:extLst>
+      <p:ext uri="{BB962C8B-B14F-4D97-AF65-F5344CB8AC3E}">
+        <p14:creationId xmlns:p14="http://schemas.microsoft.com/office/powerpoint/2010/main" val="1678326039"/>
       </p:ext>
     </p:extLst>
   </p:cSld>
@@ -4181,7 +5463,7 @@
           <a:lstStyle/>
           <a:p>
             <a:r>
-              <a:rPr lang="en-NL" dirty="0"/>
+              <a:rPr lang="en-NL" b="1" dirty="0"/>
               <a:t>Table of Contents</a:t>
             </a:r>
           </a:p>
@@ -4241,6 +5523,42 @@
             <a:r>
               <a:rPr lang="en-NL" dirty="0"/>
               <a:t>Remarks when creating the resources</a:t>
+            </a:r>
+          </a:p>
+          <a:p>
+            <a:pPr marL="971550" lvl="1" indent="-514350">
+              <a:buAutoNum type="arabicPeriod"/>
+            </a:pPr>
+            <a:r>
+              <a:rPr lang="en-NL" sz="2800" dirty="0"/>
+              <a:t>Region</a:t>
+            </a:r>
+          </a:p>
+          <a:p>
+            <a:pPr marL="971550" lvl="1" indent="-514350">
+              <a:buAutoNum type="arabicPeriod"/>
+            </a:pPr>
+            <a:r>
+              <a:rPr lang="en-NL" sz="2800" dirty="0"/>
+              <a:t>SQL Database compute configuration</a:t>
+            </a:r>
+          </a:p>
+          <a:p>
+            <a:pPr marL="971550" lvl="1" indent="-514350">
+              <a:buAutoNum type="arabicPeriod"/>
+            </a:pPr>
+            <a:r>
+              <a:rPr lang="en-NL" sz="2800" dirty="0"/>
+              <a:t>Blob storage vs. Data lake</a:t>
+            </a:r>
+          </a:p>
+          <a:p>
+            <a:pPr marL="514350" indent="-514350">
+              <a:buAutoNum type="arabicPeriod"/>
+            </a:pPr>
+            <a:r>
+              <a:rPr lang="en-NL" dirty="0"/>
+              <a:t>Data ingestion to ADF</a:t>
             </a:r>
           </a:p>
           <a:p>
@@ -4309,7 +5627,7 @@
           <a:lstStyle/>
           <a:p>
             <a:r>
-              <a:rPr lang="en-NL" dirty="0"/>
+              <a:rPr lang="en-NL" b="1" dirty="0"/>
               <a:t>Goal</a:t>
             </a:r>
           </a:p>
@@ -4427,7 +5745,7 @@
           <a:lstStyle/>
           <a:p>
             <a:r>
-              <a:rPr lang="en-NL" dirty="0"/>
+              <a:rPr lang="en-NL" b="1" dirty="0"/>
               <a:t>Tools</a:t>
             </a:r>
           </a:p>
@@ -4540,7 +5858,7 @@
           <a:lstStyle/>
           <a:p>
             <a:r>
-              <a:rPr lang="en-NL" dirty="0"/>
+              <a:rPr lang="en-NL" b="1" dirty="0"/>
               <a:t>Solution Workflow</a:t>
             </a:r>
           </a:p>
@@ -5951,8 +7269,8 @@
           <a:lstStyle/>
           <a:p>
             <a:r>
-              <a:rPr lang="en-NL" dirty="0"/>
-              <a:t>Issues when creating the resources</a:t>
+              <a:rPr lang="en-NL" b="1" dirty="0"/>
+              <a:t>Remarks when creating the resources</a:t>
             </a:r>
           </a:p>
         </p:txBody>

--- a/DEA_solution.pptx
+++ b/DEA_solution.pptx
@@ -5136,7 +5136,7 @@
         </p:nvSpPr>
         <p:spPr>
           <a:xfrm>
-            <a:off x="1535189" y="1541560"/>
+            <a:off x="1577230" y="1793808"/>
             <a:ext cx="1627365" cy="1370412"/>
           </a:xfrm>
           <a:prstGeom prst="rect">
@@ -5222,7 +5222,7 @@
         </p:nvSpPr>
         <p:spPr>
           <a:xfrm>
-            <a:off x="4836540" y="1541560"/>
+            <a:off x="4878581" y="1793808"/>
             <a:ext cx="1627365" cy="1370412"/>
           </a:xfrm>
           <a:prstGeom prst="rect">
@@ -5278,7 +5278,7 @@
         </p:nvSpPr>
         <p:spPr>
           <a:xfrm>
-            <a:off x="8271600" y="1541560"/>
+            <a:off x="8313641" y="1793808"/>
             <a:ext cx="1627365" cy="1370412"/>
           </a:xfrm>
           <a:prstGeom prst="rect">
@@ -5314,10 +5314,9 @@
           <a:p>
             <a:pPr algn="ctr"/>
             <a:r>
-              <a:rPr lang="en-NL" sz="1400" u="sng" dirty="0"/>
+              <a:rPr lang="en-NL" sz="1400" dirty="0"/>
               <a:t>Load the transformed data into a table in SQL Database</a:t>
             </a:r>
-            <a:endParaRPr lang="en-NL" sz="1400" dirty="0"/>
           </a:p>
         </p:txBody>
       </p:sp>
@@ -5338,7 +5337,7 @@
         </p:nvCxnSpPr>
         <p:spPr>
           <a:xfrm>
-            <a:off x="3162554" y="2226766"/>
+            <a:off x="3204595" y="2479014"/>
             <a:ext cx="1673986" cy="0"/>
           </a:xfrm>
           <a:prstGeom prst="straightConnector1">
@@ -5383,7 +5382,7 @@
         </p:nvCxnSpPr>
         <p:spPr>
           <a:xfrm>
-            <a:off x="6463905" y="2226766"/>
+            <a:off x="6505946" y="2479014"/>
             <a:ext cx="1807695" cy="0"/>
           </a:xfrm>
           <a:prstGeom prst="straightConnector1">

--- a/DEA_solution.pptx
+++ b/DEA_solution.pptx
@@ -5,7 +5,7 @@
     <p:sldMasterId id="2147483648" r:id="rId1"/>
   </p:sldMasterIdLst>
   <p:notesMasterIdLst>
-    <p:notesMasterId r:id="rId16"/>
+    <p:notesMasterId r:id="rId23"/>
   </p:notesMasterIdLst>
   <p:sldIdLst>
     <p:sldId id="256" r:id="rId2"/>
@@ -20,8 +20,15 @@
     <p:sldId id="265" r:id="rId11"/>
     <p:sldId id="266" r:id="rId12"/>
     <p:sldId id="267" r:id="rId13"/>
-    <p:sldId id="268" r:id="rId14"/>
-    <p:sldId id="269" r:id="rId15"/>
+    <p:sldId id="269" r:id="rId14"/>
+    <p:sldId id="270" r:id="rId15"/>
+    <p:sldId id="271" r:id="rId16"/>
+    <p:sldId id="272" r:id="rId17"/>
+    <p:sldId id="273" r:id="rId18"/>
+    <p:sldId id="274" r:id="rId19"/>
+    <p:sldId id="275" r:id="rId20"/>
+    <p:sldId id="276" r:id="rId21"/>
+    <p:sldId id="277" r:id="rId22"/>
   </p:sldIdLst>
   <p:sldSz cx="12192000" cy="6858000"/>
   <p:notesSz cx="6858000" cy="9144000"/>
@@ -210,7 +217,7 @@
           <a:p>
             <a:fld id="{BD1286F7-7B60-504A-AD35-40AFA39E89D0}" type="datetimeFigureOut">
               <a:rPr lang="en-NL" smtClean="0"/>
-              <a:t>25/04/2024</a:t>
+              <a:t>29/04/2024</a:t>
             </a:fld>
             <a:endParaRPr lang="en-NL"/>
           </a:p>
@@ -577,6 +584,797 @@
 </p:notes>
 </file>
 
+<file path=ppt/notesSlides/notesSlide10.xml><?xml version="1.0" encoding="utf-8"?>
+<p:notes xmlns:a="http://schemas.openxmlformats.org/drawingml/2006/main" xmlns:r="http://schemas.openxmlformats.org/officeDocument/2006/relationships" xmlns:p="http://schemas.openxmlformats.org/presentationml/2006/main">
+  <p:cSld>
+    <p:spTree>
+      <p:nvGrpSpPr>
+        <p:cNvPr id="1" name=""/>
+        <p:cNvGrpSpPr/>
+        <p:nvPr/>
+      </p:nvGrpSpPr>
+      <p:grpSpPr>
+        <a:xfrm>
+          <a:off x="0" y="0"/>
+          <a:ext cx="0" cy="0"/>
+          <a:chOff x="0" y="0"/>
+          <a:chExt cx="0" cy="0"/>
+        </a:xfrm>
+      </p:grpSpPr>
+      <p:sp>
+        <p:nvSpPr>
+          <p:cNvPr id="2" name="Slide Image Placeholder 1"/>
+          <p:cNvSpPr>
+            <a:spLocks noGrp="1" noRot="1" noChangeAspect="1"/>
+          </p:cNvSpPr>
+          <p:nvPr>
+            <p:ph type="sldImg"/>
+          </p:nvPr>
+        </p:nvSpPr>
+        <p:spPr/>
+      </p:sp>
+      <p:sp>
+        <p:nvSpPr>
+          <p:cNvPr id="3" name="Notes Placeholder 2"/>
+          <p:cNvSpPr>
+            <a:spLocks noGrp="1"/>
+          </p:cNvSpPr>
+          <p:nvPr>
+            <p:ph type="body" idx="1"/>
+          </p:nvPr>
+        </p:nvSpPr>
+        <p:spPr/>
+        <p:txBody>
+          <a:bodyPr/>
+          <a:lstStyle/>
+          <a:p>
+            <a:pPr marL="228600" indent="-228600">
+              <a:buAutoNum type="arabicPeriod"/>
+            </a:pPr>
+            <a:r>
+              <a:rPr lang="en-GB" dirty="0"/>
+              <a:t>W</a:t>
+            </a:r>
+            <a:r>
+              <a:rPr lang="en-NL" dirty="0"/>
+              <a:t>ithin the copy data activity, I make sure that the source dataset is the one that stores all the relevant files to merge and set the file path type to ’Wildcard file path’, to extract ALL of the files with the same format stored in that dataset. </a:t>
+            </a:r>
+          </a:p>
+          <a:p>
+            <a:pPr marL="228600" indent="-228600">
+              <a:buAutoNum type="arabicPeriod"/>
+            </a:pPr>
+            <a:r>
+              <a:rPr lang="en-NL" dirty="0"/>
+              <a:t>Then, I also ensure that the copy behaviour is set to ’Merge files’ because I want to merge all the extracted files together into one single data set, where I also set the sink dataset to be the right dataset which would store the merged table. </a:t>
+            </a:r>
+          </a:p>
+          <a:p>
+            <a:endParaRPr lang="en-NL" dirty="0"/>
+          </a:p>
+          <a:p>
+            <a:r>
+              <a:rPr lang="en-NL" dirty="0"/>
+              <a:t>Notably, this is the same for all file types. </a:t>
+            </a:r>
+          </a:p>
+          <a:p>
+            <a:endParaRPr lang="en-NL" dirty="0"/>
+          </a:p>
+        </p:txBody>
+      </p:sp>
+      <p:sp>
+        <p:nvSpPr>
+          <p:cNvPr id="4" name="Slide Number Placeholder 3"/>
+          <p:cNvSpPr>
+            <a:spLocks noGrp="1"/>
+          </p:cNvSpPr>
+          <p:nvPr>
+            <p:ph type="sldNum" sz="quarter" idx="5"/>
+          </p:nvPr>
+        </p:nvSpPr>
+        <p:spPr/>
+        <p:txBody>
+          <a:bodyPr/>
+          <a:lstStyle/>
+          <a:p>
+            <a:fld id="{C55E4414-EB4E-5644-A11D-E0224F375D2C}" type="slidenum">
+              <a:rPr lang="en-NL" smtClean="0"/>
+              <a:t>16</a:t>
+            </a:fld>
+            <a:endParaRPr lang="en-NL"/>
+          </a:p>
+        </p:txBody>
+      </p:sp>
+    </p:spTree>
+    <p:extLst>
+      <p:ext uri="{BB962C8B-B14F-4D97-AF65-F5344CB8AC3E}">
+        <p14:creationId xmlns:p14="http://schemas.microsoft.com/office/powerpoint/2010/main" val="1023102256"/>
+      </p:ext>
+    </p:extLst>
+  </p:cSld>
+  <p:clrMapOvr>
+    <a:masterClrMapping/>
+  </p:clrMapOvr>
+</p:notes>
+</file>
+
+<file path=ppt/notesSlides/notesSlide11.xml><?xml version="1.0" encoding="utf-8"?>
+<p:notes xmlns:a="http://schemas.openxmlformats.org/drawingml/2006/main" xmlns:r="http://schemas.openxmlformats.org/officeDocument/2006/relationships" xmlns:p="http://schemas.openxmlformats.org/presentationml/2006/main">
+  <p:cSld>
+    <p:spTree>
+      <p:nvGrpSpPr>
+        <p:cNvPr id="1" name=""/>
+        <p:cNvGrpSpPr/>
+        <p:nvPr/>
+      </p:nvGrpSpPr>
+      <p:grpSpPr>
+        <a:xfrm>
+          <a:off x="0" y="0"/>
+          <a:ext cx="0" cy="0"/>
+          <a:chOff x="0" y="0"/>
+          <a:chExt cx="0" cy="0"/>
+        </a:xfrm>
+      </p:grpSpPr>
+      <p:sp>
+        <p:nvSpPr>
+          <p:cNvPr id="2" name="Slide Image Placeholder 1"/>
+          <p:cNvSpPr>
+            <a:spLocks noGrp="1" noRot="1" noChangeAspect="1"/>
+          </p:cNvSpPr>
+          <p:nvPr>
+            <p:ph type="sldImg"/>
+          </p:nvPr>
+        </p:nvSpPr>
+        <p:spPr/>
+      </p:sp>
+      <p:sp>
+        <p:nvSpPr>
+          <p:cNvPr id="3" name="Notes Placeholder 2"/>
+          <p:cNvSpPr>
+            <a:spLocks noGrp="1"/>
+          </p:cNvSpPr>
+          <p:nvPr>
+            <p:ph type="body" idx="1"/>
+          </p:nvPr>
+        </p:nvSpPr>
+        <p:spPr/>
+        <p:txBody>
+          <a:bodyPr/>
+          <a:lstStyle/>
+          <a:p>
+            <a:r>
+              <a:rPr lang="en-NL" dirty="0"/>
+              <a:t>1. Within the data flow activity, the duplicates removal process is performed. </a:t>
+            </a:r>
+          </a:p>
+          <a:p>
+            <a:r>
+              <a:rPr lang="en-NL" dirty="0"/>
+              <a:t>2. There are 5 steps in this data flow activity: 1. Source, 2. Window, 3. Filter, 4. Select, 5. Sink</a:t>
+            </a:r>
+          </a:p>
+          <a:p>
+            <a:r>
+              <a:rPr lang="en-NL" dirty="0"/>
+              <a:t>3. In the first activity, is the source activity. In this activity, the source dataset is defined and extracted, selecting the relevant dataset that stores the mergedCSVtable after the copy data activity in the main pipeline. </a:t>
+            </a:r>
+          </a:p>
+          <a:p>
+            <a:r>
+              <a:rPr lang="en-NL" dirty="0"/>
+              <a:t>4. Notably, I also check the Validate schema tick box to ensure that the data flow will fail if the column defined in the projection does not match with the discovered schema of the source dataset. This will ensure that the incoming data matches a predefined schema before processing it further. </a:t>
+            </a:r>
+          </a:p>
+          <a:p>
+            <a:r>
+              <a:rPr lang="en-NL" dirty="0"/>
+              <a:t>5. So, the projection of the csv table should like the image above. </a:t>
+            </a:r>
+          </a:p>
+        </p:txBody>
+      </p:sp>
+      <p:sp>
+        <p:nvSpPr>
+          <p:cNvPr id="4" name="Slide Number Placeholder 3"/>
+          <p:cNvSpPr>
+            <a:spLocks noGrp="1"/>
+          </p:cNvSpPr>
+          <p:nvPr>
+            <p:ph type="sldNum" sz="quarter" idx="5"/>
+          </p:nvPr>
+        </p:nvSpPr>
+        <p:spPr/>
+        <p:txBody>
+          <a:bodyPr/>
+          <a:lstStyle/>
+          <a:p>
+            <a:fld id="{C55E4414-EB4E-5644-A11D-E0224F375D2C}" type="slidenum">
+              <a:rPr lang="en-NL" smtClean="0"/>
+              <a:t>17</a:t>
+            </a:fld>
+            <a:endParaRPr lang="en-NL"/>
+          </a:p>
+        </p:txBody>
+      </p:sp>
+    </p:spTree>
+    <p:extLst>
+      <p:ext uri="{BB962C8B-B14F-4D97-AF65-F5344CB8AC3E}">
+        <p14:creationId xmlns:p14="http://schemas.microsoft.com/office/powerpoint/2010/main" val="3578233096"/>
+      </p:ext>
+    </p:extLst>
+  </p:cSld>
+  <p:clrMapOvr>
+    <a:masterClrMapping/>
+  </p:clrMapOvr>
+</p:notes>
+</file>
+
+<file path=ppt/notesSlides/notesSlide12.xml><?xml version="1.0" encoding="utf-8"?>
+<p:notes xmlns:a="http://schemas.openxmlformats.org/drawingml/2006/main" xmlns:r="http://schemas.openxmlformats.org/officeDocument/2006/relationships" xmlns:p="http://schemas.openxmlformats.org/presentationml/2006/main">
+  <p:cSld>
+    <p:spTree>
+      <p:nvGrpSpPr>
+        <p:cNvPr id="1" name=""/>
+        <p:cNvGrpSpPr/>
+        <p:nvPr/>
+      </p:nvGrpSpPr>
+      <p:grpSpPr>
+        <a:xfrm>
+          <a:off x="0" y="0"/>
+          <a:ext cx="0" cy="0"/>
+          <a:chOff x="0" y="0"/>
+          <a:chExt cx="0" cy="0"/>
+        </a:xfrm>
+      </p:grpSpPr>
+      <p:sp>
+        <p:nvSpPr>
+          <p:cNvPr id="2" name="Slide Image Placeholder 1"/>
+          <p:cNvSpPr>
+            <a:spLocks noGrp="1" noRot="1" noChangeAspect="1"/>
+          </p:cNvSpPr>
+          <p:nvPr>
+            <p:ph type="sldImg"/>
+          </p:nvPr>
+        </p:nvSpPr>
+        <p:spPr/>
+      </p:sp>
+      <p:sp>
+        <p:nvSpPr>
+          <p:cNvPr id="3" name="Notes Placeholder 2"/>
+          <p:cNvSpPr>
+            <a:spLocks noGrp="1"/>
+          </p:cNvSpPr>
+          <p:nvPr>
+            <p:ph type="body" idx="1"/>
+          </p:nvPr>
+        </p:nvSpPr>
+        <p:spPr/>
+        <p:txBody>
+          <a:bodyPr/>
+          <a:lstStyle/>
+          <a:p>
+            <a:r>
+              <a:rPr lang="en-NL" dirty="0"/>
+              <a:t>1. Then, I use the window function activity in the data flow that would take in the data from source1, </a:t>
+            </a:r>
+          </a:p>
+          <a:p>
+            <a:r>
+              <a:rPr lang="en-NL" dirty="0"/>
+              <a:t>2. Select the relevant columns, sort based on all of the columns accordingly, </a:t>
+            </a:r>
+          </a:p>
+          <a:p>
+            <a:r>
+              <a:rPr lang="en-NL" dirty="0"/>
+              <a:t>3. Then create a new column in the dataset that utilize the rowNumber() expression. </a:t>
+            </a:r>
+          </a:p>
+          <a:p>
+            <a:r>
+              <a:rPr lang="en-NL" dirty="0"/>
+              <a:t>4. Where the rowNumber() function would specify for each distinct row, the row number. So if there are duplicates, the first occur</a:t>
+            </a:r>
+            <a:r>
+              <a:rPr lang="en-GB" dirty="0"/>
+              <a:t>r</a:t>
+            </a:r>
+            <a:r>
+              <a:rPr lang="en-NL" dirty="0"/>
+              <a:t>ence of that row would have row_number of 1, but the second occur</a:t>
+            </a:r>
+            <a:r>
+              <a:rPr lang="en-GB" dirty="0"/>
+              <a:t>r</a:t>
+            </a:r>
+            <a:r>
+              <a:rPr lang="en-NL" dirty="0"/>
+              <a:t>ence would have row_number of 2. </a:t>
+            </a:r>
+          </a:p>
+          <a:p>
+            <a:endParaRPr lang="en-NL" dirty="0"/>
+          </a:p>
+        </p:txBody>
+      </p:sp>
+      <p:sp>
+        <p:nvSpPr>
+          <p:cNvPr id="4" name="Slide Number Placeholder 3"/>
+          <p:cNvSpPr>
+            <a:spLocks noGrp="1"/>
+          </p:cNvSpPr>
+          <p:nvPr>
+            <p:ph type="sldNum" sz="quarter" idx="5"/>
+          </p:nvPr>
+        </p:nvSpPr>
+        <p:spPr/>
+        <p:txBody>
+          <a:bodyPr/>
+          <a:lstStyle/>
+          <a:p>
+            <a:fld id="{C55E4414-EB4E-5644-A11D-E0224F375D2C}" type="slidenum">
+              <a:rPr lang="en-NL" smtClean="0"/>
+              <a:t>18</a:t>
+            </a:fld>
+            <a:endParaRPr lang="en-NL"/>
+          </a:p>
+        </p:txBody>
+      </p:sp>
+    </p:spTree>
+    <p:extLst>
+      <p:ext uri="{BB962C8B-B14F-4D97-AF65-F5344CB8AC3E}">
+        <p14:creationId xmlns:p14="http://schemas.microsoft.com/office/powerpoint/2010/main" val="2089111041"/>
+      </p:ext>
+    </p:extLst>
+  </p:cSld>
+  <p:clrMapOvr>
+    <a:masterClrMapping/>
+  </p:clrMapOvr>
+</p:notes>
+</file>
+
+<file path=ppt/notesSlides/notesSlide13.xml><?xml version="1.0" encoding="utf-8"?>
+<p:notes xmlns:a="http://schemas.openxmlformats.org/drawingml/2006/main" xmlns:r="http://schemas.openxmlformats.org/officeDocument/2006/relationships" xmlns:p="http://schemas.openxmlformats.org/presentationml/2006/main">
+  <p:cSld>
+    <p:spTree>
+      <p:nvGrpSpPr>
+        <p:cNvPr id="1" name=""/>
+        <p:cNvGrpSpPr/>
+        <p:nvPr/>
+      </p:nvGrpSpPr>
+      <p:grpSpPr>
+        <a:xfrm>
+          <a:off x="0" y="0"/>
+          <a:ext cx="0" cy="0"/>
+          <a:chOff x="0" y="0"/>
+          <a:chExt cx="0" cy="0"/>
+        </a:xfrm>
+      </p:grpSpPr>
+      <p:sp>
+        <p:nvSpPr>
+          <p:cNvPr id="2" name="Slide Image Placeholder 1"/>
+          <p:cNvSpPr>
+            <a:spLocks noGrp="1" noRot="1" noChangeAspect="1"/>
+          </p:cNvSpPr>
+          <p:nvPr>
+            <p:ph type="sldImg"/>
+          </p:nvPr>
+        </p:nvSpPr>
+        <p:spPr/>
+      </p:sp>
+      <p:sp>
+        <p:nvSpPr>
+          <p:cNvPr id="3" name="Notes Placeholder 2"/>
+          <p:cNvSpPr>
+            <a:spLocks noGrp="1"/>
+          </p:cNvSpPr>
+          <p:nvPr>
+            <p:ph type="body" idx="1"/>
+          </p:nvPr>
+        </p:nvSpPr>
+        <p:spPr/>
+        <p:txBody>
+          <a:bodyPr/>
+          <a:lstStyle/>
+          <a:p>
+            <a:pPr marL="228600" indent="-228600">
+              <a:buAutoNum type="arabicPeriod"/>
+            </a:pPr>
+            <a:r>
+              <a:rPr lang="en-NL" dirty="0"/>
+              <a:t>Then, I filter out the duplicate rows by keeping only those observations in which row_number == 1 so that the first occur</a:t>
+            </a:r>
+            <a:r>
+              <a:rPr lang="en-GB" dirty="0"/>
+              <a:t>r</a:t>
+            </a:r>
+            <a:r>
+              <a:rPr lang="en-NL" dirty="0"/>
+              <a:t>ence of each row are kept only. </a:t>
+            </a:r>
+          </a:p>
+          <a:p>
+            <a:pPr marL="228600" indent="-228600">
+              <a:buAutoNum type="arabicPeriod"/>
+            </a:pPr>
+            <a:endParaRPr lang="en-NL" dirty="0"/>
+          </a:p>
+        </p:txBody>
+      </p:sp>
+      <p:sp>
+        <p:nvSpPr>
+          <p:cNvPr id="4" name="Slide Number Placeholder 3"/>
+          <p:cNvSpPr>
+            <a:spLocks noGrp="1"/>
+          </p:cNvSpPr>
+          <p:nvPr>
+            <p:ph type="sldNum" sz="quarter" idx="5"/>
+          </p:nvPr>
+        </p:nvSpPr>
+        <p:spPr/>
+        <p:txBody>
+          <a:bodyPr/>
+          <a:lstStyle/>
+          <a:p>
+            <a:fld id="{C55E4414-EB4E-5644-A11D-E0224F375D2C}" type="slidenum">
+              <a:rPr lang="en-NL" smtClean="0"/>
+              <a:t>19</a:t>
+            </a:fld>
+            <a:endParaRPr lang="en-NL"/>
+          </a:p>
+        </p:txBody>
+      </p:sp>
+    </p:spTree>
+    <p:extLst>
+      <p:ext uri="{BB962C8B-B14F-4D97-AF65-F5344CB8AC3E}">
+        <p14:creationId xmlns:p14="http://schemas.microsoft.com/office/powerpoint/2010/main" val="3109256488"/>
+      </p:ext>
+    </p:extLst>
+  </p:cSld>
+  <p:clrMapOvr>
+    <a:masterClrMapping/>
+  </p:clrMapOvr>
+</p:notes>
+</file>
+
+<file path=ppt/notesSlides/notesSlide14.xml><?xml version="1.0" encoding="utf-8"?>
+<p:notes xmlns:a="http://schemas.openxmlformats.org/drawingml/2006/main" xmlns:r="http://schemas.openxmlformats.org/officeDocument/2006/relationships" xmlns:p="http://schemas.openxmlformats.org/presentationml/2006/main">
+  <p:cSld>
+    <p:spTree>
+      <p:nvGrpSpPr>
+        <p:cNvPr id="1" name=""/>
+        <p:cNvGrpSpPr/>
+        <p:nvPr/>
+      </p:nvGrpSpPr>
+      <p:grpSpPr>
+        <a:xfrm>
+          <a:off x="0" y="0"/>
+          <a:ext cx="0" cy="0"/>
+          <a:chOff x="0" y="0"/>
+          <a:chExt cx="0" cy="0"/>
+        </a:xfrm>
+      </p:grpSpPr>
+      <p:sp>
+        <p:nvSpPr>
+          <p:cNvPr id="2" name="Slide Image Placeholder 1"/>
+          <p:cNvSpPr>
+            <a:spLocks noGrp="1" noRot="1" noChangeAspect="1"/>
+          </p:cNvSpPr>
+          <p:nvPr>
+            <p:ph type="sldImg"/>
+          </p:nvPr>
+        </p:nvSpPr>
+        <p:spPr/>
+      </p:sp>
+      <p:sp>
+        <p:nvSpPr>
+          <p:cNvPr id="3" name="Notes Placeholder 2"/>
+          <p:cNvSpPr>
+            <a:spLocks noGrp="1"/>
+          </p:cNvSpPr>
+          <p:nvPr>
+            <p:ph type="body" idx="1"/>
+          </p:nvPr>
+        </p:nvSpPr>
+        <p:spPr/>
+        <p:txBody>
+          <a:bodyPr/>
+          <a:lstStyle/>
+          <a:p>
+            <a:pPr marL="228600" indent="-228600">
+              <a:buAutoNum type="arabicPeriod"/>
+            </a:pPr>
+            <a:r>
+              <a:rPr lang="nl-NL" dirty="0" err="1"/>
+              <a:t>Subsequently</a:t>
+            </a:r>
+            <a:r>
+              <a:rPr lang="nl-NL" dirty="0"/>
+              <a:t>, </a:t>
+            </a:r>
+            <a:r>
+              <a:rPr lang="nl-NL" dirty="0" err="1"/>
+              <a:t>because</a:t>
+            </a:r>
+            <a:r>
+              <a:rPr lang="nl-NL" dirty="0"/>
+              <a:t> we are </a:t>
+            </a:r>
+            <a:r>
+              <a:rPr lang="nl-NL" dirty="0" err="1"/>
+              <a:t>not</a:t>
+            </a:r>
+            <a:r>
+              <a:rPr lang="nl-NL" dirty="0"/>
+              <a:t> </a:t>
+            </a:r>
+            <a:r>
+              <a:rPr lang="nl-NL" dirty="0" err="1"/>
+              <a:t>interested</a:t>
+            </a:r>
+            <a:r>
+              <a:rPr lang="nl-NL" dirty="0"/>
+              <a:t> in </a:t>
+            </a:r>
+            <a:r>
+              <a:rPr lang="nl-NL" dirty="0" err="1"/>
+              <a:t>the</a:t>
+            </a:r>
+            <a:r>
+              <a:rPr lang="nl-NL" dirty="0"/>
+              <a:t> </a:t>
+            </a:r>
+            <a:r>
+              <a:rPr lang="nl-NL" dirty="0" err="1"/>
+              <a:t>row_number</a:t>
+            </a:r>
+            <a:r>
+              <a:rPr lang="nl-NL" dirty="0"/>
+              <a:t> column, I </a:t>
+            </a:r>
+            <a:r>
+              <a:rPr lang="nl-NL" dirty="0" err="1"/>
+              <a:t>use</a:t>
+            </a:r>
+            <a:r>
+              <a:rPr lang="nl-NL" dirty="0"/>
+              <a:t> </a:t>
+            </a:r>
+            <a:r>
+              <a:rPr lang="nl-NL" dirty="0" err="1"/>
+              <a:t>the</a:t>
+            </a:r>
+            <a:r>
+              <a:rPr lang="nl-NL" dirty="0"/>
+              <a:t> select </a:t>
+            </a:r>
+            <a:r>
+              <a:rPr lang="nl-NL" dirty="0" err="1"/>
+              <a:t>activity</a:t>
+            </a:r>
+            <a:r>
+              <a:rPr lang="nl-NL" dirty="0"/>
+              <a:t> </a:t>
+            </a:r>
+            <a:r>
+              <a:rPr lang="nl-NL" dirty="0" err="1"/>
+              <a:t>to</a:t>
+            </a:r>
+            <a:r>
+              <a:rPr lang="nl-NL" dirty="0"/>
+              <a:t> select </a:t>
+            </a:r>
+            <a:r>
+              <a:rPr lang="nl-NL" dirty="0" err="1"/>
+              <a:t>the</a:t>
+            </a:r>
+            <a:r>
+              <a:rPr lang="nl-NL" dirty="0"/>
+              <a:t> relevant columns </a:t>
+            </a:r>
+            <a:r>
+              <a:rPr lang="nl-NL" dirty="0" err="1"/>
+              <a:t>from</a:t>
+            </a:r>
+            <a:r>
+              <a:rPr lang="nl-NL" dirty="0"/>
+              <a:t> </a:t>
+            </a:r>
+            <a:r>
+              <a:rPr lang="nl-NL" dirty="0" err="1"/>
+              <a:t>the</a:t>
+            </a:r>
+            <a:r>
+              <a:rPr lang="nl-NL" dirty="0"/>
+              <a:t> </a:t>
+            </a:r>
+            <a:r>
+              <a:rPr lang="nl-NL" dirty="0" err="1"/>
+              <a:t>filtered</a:t>
+            </a:r>
+            <a:r>
+              <a:rPr lang="nl-NL" dirty="0"/>
+              <a:t> dataframe, </a:t>
+            </a:r>
+            <a:r>
+              <a:rPr lang="nl-NL" dirty="0" err="1"/>
+              <a:t>excluding</a:t>
+            </a:r>
+            <a:r>
+              <a:rPr lang="nl-NL" dirty="0"/>
+              <a:t> </a:t>
+            </a:r>
+            <a:r>
+              <a:rPr lang="nl-NL" dirty="0" err="1"/>
+              <a:t>the</a:t>
+            </a:r>
+            <a:r>
+              <a:rPr lang="nl-NL" dirty="0"/>
+              <a:t> </a:t>
+            </a:r>
+            <a:r>
+              <a:rPr lang="nl-NL" dirty="0" err="1"/>
+              <a:t>row_number</a:t>
+            </a:r>
+            <a:r>
+              <a:rPr lang="nl-NL" dirty="0"/>
+              <a:t> column, </a:t>
+            </a:r>
+            <a:r>
+              <a:rPr lang="nl-NL" dirty="0" err="1"/>
+              <a:t>by</a:t>
+            </a:r>
+            <a:r>
+              <a:rPr lang="nl-NL" dirty="0"/>
+              <a:t> </a:t>
+            </a:r>
+            <a:r>
+              <a:rPr lang="nl-NL" dirty="0" err="1"/>
+              <a:t>clicking</a:t>
+            </a:r>
+            <a:r>
+              <a:rPr lang="nl-NL" dirty="0"/>
+              <a:t> on </a:t>
+            </a:r>
+            <a:r>
+              <a:rPr lang="nl-NL" dirty="0" err="1"/>
+              <a:t>the</a:t>
+            </a:r>
+            <a:r>
+              <a:rPr lang="nl-NL" dirty="0"/>
+              <a:t> bin icon. </a:t>
+            </a:r>
+            <a:endParaRPr lang="en-NL" dirty="0"/>
+          </a:p>
+          <a:p>
+            <a:endParaRPr lang="en-NL" dirty="0"/>
+          </a:p>
+        </p:txBody>
+      </p:sp>
+      <p:sp>
+        <p:nvSpPr>
+          <p:cNvPr id="4" name="Slide Number Placeholder 3"/>
+          <p:cNvSpPr>
+            <a:spLocks noGrp="1"/>
+          </p:cNvSpPr>
+          <p:nvPr>
+            <p:ph type="sldNum" sz="quarter" idx="5"/>
+          </p:nvPr>
+        </p:nvSpPr>
+        <p:spPr/>
+        <p:txBody>
+          <a:bodyPr/>
+          <a:lstStyle/>
+          <a:p>
+            <a:fld id="{C55E4414-EB4E-5644-A11D-E0224F375D2C}" type="slidenum">
+              <a:rPr lang="en-NL" smtClean="0"/>
+              <a:t>20</a:t>
+            </a:fld>
+            <a:endParaRPr lang="en-NL"/>
+          </a:p>
+        </p:txBody>
+      </p:sp>
+    </p:spTree>
+    <p:extLst>
+      <p:ext uri="{BB962C8B-B14F-4D97-AF65-F5344CB8AC3E}">
+        <p14:creationId xmlns:p14="http://schemas.microsoft.com/office/powerpoint/2010/main" val="2465695513"/>
+      </p:ext>
+    </p:extLst>
+  </p:cSld>
+  <p:clrMapOvr>
+    <a:masterClrMapping/>
+  </p:clrMapOvr>
+</p:notes>
+</file>
+
+<file path=ppt/notesSlides/notesSlide15.xml><?xml version="1.0" encoding="utf-8"?>
+<p:notes xmlns:a="http://schemas.openxmlformats.org/drawingml/2006/main" xmlns:r="http://schemas.openxmlformats.org/officeDocument/2006/relationships" xmlns:p="http://schemas.openxmlformats.org/presentationml/2006/main">
+  <p:cSld>
+    <p:spTree>
+      <p:nvGrpSpPr>
+        <p:cNvPr id="1" name=""/>
+        <p:cNvGrpSpPr/>
+        <p:nvPr/>
+      </p:nvGrpSpPr>
+      <p:grpSpPr>
+        <a:xfrm>
+          <a:off x="0" y="0"/>
+          <a:ext cx="0" cy="0"/>
+          <a:chOff x="0" y="0"/>
+          <a:chExt cx="0" cy="0"/>
+        </a:xfrm>
+      </p:grpSpPr>
+      <p:sp>
+        <p:nvSpPr>
+          <p:cNvPr id="2" name="Slide Image Placeholder 1"/>
+          <p:cNvSpPr>
+            <a:spLocks noGrp="1" noRot="1" noChangeAspect="1"/>
+          </p:cNvSpPr>
+          <p:nvPr>
+            <p:ph type="sldImg"/>
+          </p:nvPr>
+        </p:nvSpPr>
+        <p:spPr/>
+      </p:sp>
+      <p:sp>
+        <p:nvSpPr>
+          <p:cNvPr id="3" name="Notes Placeholder 2"/>
+          <p:cNvSpPr>
+            <a:spLocks noGrp="1"/>
+          </p:cNvSpPr>
+          <p:nvPr>
+            <p:ph type="body" idx="1"/>
+          </p:nvPr>
+        </p:nvSpPr>
+        <p:spPr/>
+        <p:txBody>
+          <a:bodyPr/>
+          <a:lstStyle/>
+          <a:p>
+            <a:r>
+              <a:rPr lang="en-NL" dirty="0"/>
+              <a:t>1. Ultimately, I complete the whole data flow activity by sinking/loading the transformed dataset onto the appropriate table in the SQL database using the relevant SQL server that is connected to the correct linked servce. </a:t>
+            </a:r>
+          </a:p>
+        </p:txBody>
+      </p:sp>
+      <p:sp>
+        <p:nvSpPr>
+          <p:cNvPr id="4" name="Slide Number Placeholder 3"/>
+          <p:cNvSpPr>
+            <a:spLocks noGrp="1"/>
+          </p:cNvSpPr>
+          <p:nvPr>
+            <p:ph type="sldNum" sz="quarter" idx="5"/>
+          </p:nvPr>
+        </p:nvSpPr>
+        <p:spPr/>
+        <p:txBody>
+          <a:bodyPr/>
+          <a:lstStyle/>
+          <a:p>
+            <a:fld id="{C55E4414-EB4E-5644-A11D-E0224F375D2C}" type="slidenum">
+              <a:rPr lang="en-NL" smtClean="0"/>
+              <a:t>21</a:t>
+            </a:fld>
+            <a:endParaRPr lang="en-NL"/>
+          </a:p>
+        </p:txBody>
+      </p:sp>
+    </p:spTree>
+    <p:extLst>
+      <p:ext uri="{BB962C8B-B14F-4D97-AF65-F5344CB8AC3E}">
+        <p14:creationId xmlns:p14="http://schemas.microsoft.com/office/powerpoint/2010/main" val="2468434614"/>
+      </p:ext>
+    </p:extLst>
+  </p:cSld>
+  <p:clrMapOvr>
+    <a:masterClrMapping/>
+  </p:clrMapOvr>
+</p:notes>
+</file>
+
 <file path=ppt/notesSlides/notesSlide2.xml><?xml version="1.0" encoding="utf-8"?>
 <p:notes xmlns:a="http://schemas.openxmlformats.org/drawingml/2006/main" xmlns:r="http://schemas.openxmlformats.org/officeDocument/2006/relationships" xmlns:p="http://schemas.openxmlformats.org/presentationml/2006/main">
   <p:cSld>
@@ -1199,6 +1997,59 @@
           <a:bodyPr/>
           <a:lstStyle/>
           <a:p>
+            <a:r>
+              <a:rPr lang="en-NL" dirty="0"/>
+              <a:t>Without cleaning just yet:</a:t>
+            </a:r>
+          </a:p>
+          <a:p>
+            <a:r>
+              <a:rPr lang="en-NL" dirty="0"/>
+              <a:t>1. Create a dataset called “csvFiles” that has a connection to the container stored in the data lake with the appropriate linked service</a:t>
+            </a:r>
+          </a:p>
+          <a:p>
+            <a:r>
+              <a:rPr lang="en-NL" dirty="0"/>
+              <a:t>2. Create a new pipeline where the first step would be a “Copy data” activity named “Extract and Merge csv Tables” that would extract all the relevant csv files that was loaded into the csvFiles data set, merge them, and sink it to a table in SQL Database. This means that I have to create a new empty table first in SQL Database that will store the results of the transformed csv table, json table, and avro table. </a:t>
+            </a:r>
+          </a:p>
+          <a:p>
+            <a:endParaRPr lang="en-NL" dirty="0"/>
+          </a:p>
+          <a:p>
+            <a:endParaRPr lang="en-NL" dirty="0"/>
+          </a:p>
+          <a:p>
+            <a:endParaRPr lang="en-NL" dirty="0"/>
+          </a:p>
+          <a:p>
+            <a:r>
+              <a:rPr lang="en-NL" dirty="0"/>
+              <a:t>Why use copy data activities? </a:t>
+            </a:r>
+          </a:p>
+          <a:p>
+            <a:pPr marL="171450" indent="-171450">
+              <a:buFontTx/>
+              <a:buChar char="-"/>
+            </a:pPr>
+            <a:r>
+              <a:rPr lang="en-GB" dirty="0"/>
+              <a:t>I</a:t>
+            </a:r>
+            <a:r>
+              <a:rPr lang="en-NL" dirty="0"/>
+              <a:t>t is designed for data movement between different data stores, making it suitable for ingesting data files from a dataset and store it in a target data set.</a:t>
+            </a:r>
+          </a:p>
+          <a:p>
+            <a:endParaRPr lang="en-NL" dirty="0"/>
+          </a:p>
+          <a:p>
+            <a:endParaRPr lang="en-NL" dirty="0"/>
+          </a:p>
+          <a:p>
             <a:endParaRPr lang="en-NL" dirty="0"/>
           </a:p>
           <a:p>
@@ -1232,7 +2083,7 @@
     </p:spTree>
     <p:extLst>
       <p:ext uri="{BB962C8B-B14F-4D97-AF65-F5344CB8AC3E}">
-        <p14:creationId xmlns:p14="http://schemas.microsoft.com/office/powerpoint/2010/main" val="143888261"/>
+        <p14:creationId xmlns:p14="http://schemas.microsoft.com/office/powerpoint/2010/main" val="2902180872"/>
       </p:ext>
     </p:extLst>
   </p:cSld>
@@ -1286,62 +2137,6 @@
           <a:bodyPr/>
           <a:lstStyle/>
           <a:p>
-            <a:r>
-              <a:rPr lang="en-NL" dirty="0"/>
-              <a:t>Without cleaning just yet:</a:t>
-            </a:r>
-          </a:p>
-          <a:p>
-            <a:r>
-              <a:rPr lang="en-NL" dirty="0"/>
-              <a:t>1. Create a dataset called “csvFiles” that has a connection to the container stored in the data lake with the appropriate linked service</a:t>
-            </a:r>
-          </a:p>
-          <a:p>
-            <a:r>
-              <a:rPr lang="en-NL" dirty="0"/>
-              <a:t>2. Create a new pipeline where the first step would be a “Copy data” activity named “Extract and Merge csv Tables” that would extract all the relevant csv files that was loaded into the csvFiles data set, merge them, and sink it to a table in SQL Database. This means that I have to create a new empty table first in SQL Database that will store the results of the transformed csv table, json table, and avro table. </a:t>
-            </a:r>
-          </a:p>
-          <a:p>
-            <a:endParaRPr lang="en-NL" dirty="0"/>
-          </a:p>
-          <a:p>
-            <a:endParaRPr lang="en-NL" dirty="0"/>
-          </a:p>
-          <a:p>
-            <a:endParaRPr lang="en-NL" dirty="0"/>
-          </a:p>
-          <a:p>
-            <a:r>
-              <a:rPr lang="en-NL" dirty="0"/>
-              <a:t>Why use copy data activities? </a:t>
-            </a:r>
-          </a:p>
-          <a:p>
-            <a:pPr marL="171450" indent="-171450">
-              <a:buFontTx/>
-              <a:buChar char="-"/>
-            </a:pPr>
-            <a:r>
-              <a:rPr lang="en-GB" dirty="0"/>
-              <a:t>I</a:t>
-            </a:r>
-            <a:r>
-              <a:rPr lang="en-NL" dirty="0"/>
-              <a:t>t is designed for data movement between different data stores, making it suitable for ingesting data files from a dataset and store it in a target data set.</a:t>
-            </a:r>
-          </a:p>
-          <a:p>
-            <a:endParaRPr lang="en-NL" dirty="0"/>
-          </a:p>
-          <a:p>
-            <a:endParaRPr lang="en-NL" dirty="0"/>
-          </a:p>
-          <a:p>
-            <a:endParaRPr lang="en-NL" dirty="0"/>
-          </a:p>
-          <a:p>
             <a:endParaRPr lang="en-NL" dirty="0"/>
           </a:p>
         </p:txBody>
@@ -1372,7 +2167,130 @@
     </p:spTree>
     <p:extLst>
       <p:ext uri="{BB962C8B-B14F-4D97-AF65-F5344CB8AC3E}">
-        <p14:creationId xmlns:p14="http://schemas.microsoft.com/office/powerpoint/2010/main" val="2902180872"/>
+        <p14:creationId xmlns:p14="http://schemas.microsoft.com/office/powerpoint/2010/main" val="3015896750"/>
+      </p:ext>
+    </p:extLst>
+  </p:cSld>
+  <p:clrMapOvr>
+    <a:masterClrMapping/>
+  </p:clrMapOvr>
+</p:notes>
+</file>
+
+<file path=ppt/notesSlides/notesSlide9.xml><?xml version="1.0" encoding="utf-8"?>
+<p:notes xmlns:a="http://schemas.openxmlformats.org/drawingml/2006/main" xmlns:r="http://schemas.openxmlformats.org/officeDocument/2006/relationships" xmlns:p="http://schemas.openxmlformats.org/presentationml/2006/main">
+  <p:cSld>
+    <p:spTree>
+      <p:nvGrpSpPr>
+        <p:cNvPr id="1" name=""/>
+        <p:cNvGrpSpPr/>
+        <p:nvPr/>
+      </p:nvGrpSpPr>
+      <p:grpSpPr>
+        <a:xfrm>
+          <a:off x="0" y="0"/>
+          <a:ext cx="0" cy="0"/>
+          <a:chOff x="0" y="0"/>
+          <a:chExt cx="0" cy="0"/>
+        </a:xfrm>
+      </p:grpSpPr>
+      <p:sp>
+        <p:nvSpPr>
+          <p:cNvPr id="2" name="Slide Image Placeholder 1"/>
+          <p:cNvSpPr>
+            <a:spLocks noGrp="1" noRot="1" noChangeAspect="1"/>
+          </p:cNvSpPr>
+          <p:nvPr>
+            <p:ph type="sldImg"/>
+          </p:nvPr>
+        </p:nvSpPr>
+        <p:spPr/>
+      </p:sp>
+      <p:sp>
+        <p:nvSpPr>
+          <p:cNvPr id="3" name="Notes Placeholder 2"/>
+          <p:cNvSpPr>
+            <a:spLocks noGrp="1"/>
+          </p:cNvSpPr>
+          <p:nvPr>
+            <p:ph type="body" idx="1"/>
+          </p:nvPr>
+        </p:nvSpPr>
+        <p:spPr/>
+        <p:txBody>
+          <a:bodyPr/>
+          <a:lstStyle/>
+          <a:p>
+            <a:r>
+              <a:rPr lang="en-NL" dirty="0"/>
+              <a:t>For all of the merged files, I create the following ETL pipeline</a:t>
+            </a:r>
+          </a:p>
+          <a:p>
+            <a:r>
+              <a:rPr lang="en-NL" dirty="0"/>
+              <a:t>1. Copy data activity (for extracting all the files of the same type, merge them together into one single table)</a:t>
+            </a:r>
+          </a:p>
+          <a:p>
+            <a:r>
+              <a:rPr lang="en-NL" dirty="0"/>
+              <a:t>2. Data flow activity (extract the merged table of one file format, perform the transformation, and load the transformed data table onto a specific table in the relevant SQL database)</a:t>
+            </a:r>
+          </a:p>
+          <a:p>
+            <a:endParaRPr lang="en-NL" dirty="0"/>
+          </a:p>
+          <a:p>
+            <a:endParaRPr lang="en-NL" dirty="0"/>
+          </a:p>
+          <a:p>
+            <a:endParaRPr lang="en-NL" dirty="0"/>
+          </a:p>
+          <a:p>
+            <a:endParaRPr lang="en-NL" dirty="0"/>
+          </a:p>
+          <a:p>
+            <a:endParaRPr lang="en-NL" dirty="0"/>
+          </a:p>
+          <a:p>
+            <a:endParaRPr lang="en-NL" dirty="0"/>
+          </a:p>
+          <a:p>
+            <a:endParaRPr lang="en-NL" dirty="0"/>
+          </a:p>
+          <a:p>
+            <a:endParaRPr lang="en-NL" dirty="0"/>
+          </a:p>
+        </p:txBody>
+      </p:sp>
+      <p:sp>
+        <p:nvSpPr>
+          <p:cNvPr id="4" name="Slide Number Placeholder 3"/>
+          <p:cNvSpPr>
+            <a:spLocks noGrp="1"/>
+          </p:cNvSpPr>
+          <p:nvPr>
+            <p:ph type="sldNum" sz="quarter" idx="5"/>
+          </p:nvPr>
+        </p:nvSpPr>
+        <p:spPr/>
+        <p:txBody>
+          <a:bodyPr/>
+          <a:lstStyle/>
+          <a:p>
+            <a:fld id="{C55E4414-EB4E-5644-A11D-E0224F375D2C}" type="slidenum">
+              <a:rPr lang="en-NL" smtClean="0"/>
+              <a:t>15</a:t>
+            </a:fld>
+            <a:endParaRPr lang="en-NL"/>
+          </a:p>
+        </p:txBody>
+      </p:sp>
+    </p:spTree>
+    <p:extLst>
+      <p:ext uri="{BB962C8B-B14F-4D97-AF65-F5344CB8AC3E}">
+        <p14:creationId xmlns:p14="http://schemas.microsoft.com/office/powerpoint/2010/main" val="1742621917"/>
       </p:ext>
     </p:extLst>
   </p:cSld>
@@ -1531,7 +2449,7 @@
           <a:p>
             <a:fld id="{E9623B3B-8358-DB47-8619-EAC663A38D2D}" type="datetimeFigureOut">
               <a:rPr lang="en-NL" smtClean="0"/>
-              <a:t>25/04/2024</a:t>
+              <a:t>29/04/2024</a:t>
             </a:fld>
             <a:endParaRPr lang="en-NL"/>
           </a:p>
@@ -1731,7 +2649,7 @@
           <a:p>
             <a:fld id="{E9623B3B-8358-DB47-8619-EAC663A38D2D}" type="datetimeFigureOut">
               <a:rPr lang="en-NL" smtClean="0"/>
-              <a:t>25/04/2024</a:t>
+              <a:t>29/04/2024</a:t>
             </a:fld>
             <a:endParaRPr lang="en-NL"/>
           </a:p>
@@ -1941,7 +2859,7 @@
           <a:p>
             <a:fld id="{E9623B3B-8358-DB47-8619-EAC663A38D2D}" type="datetimeFigureOut">
               <a:rPr lang="en-NL" smtClean="0"/>
-              <a:t>25/04/2024</a:t>
+              <a:t>29/04/2024</a:t>
             </a:fld>
             <a:endParaRPr lang="en-NL"/>
           </a:p>
@@ -2141,7 +3059,7 @@
           <a:p>
             <a:fld id="{E9623B3B-8358-DB47-8619-EAC663A38D2D}" type="datetimeFigureOut">
               <a:rPr lang="en-NL" smtClean="0"/>
-              <a:t>25/04/2024</a:t>
+              <a:t>29/04/2024</a:t>
             </a:fld>
             <a:endParaRPr lang="en-NL"/>
           </a:p>
@@ -2417,7 +3335,7 @@
           <a:p>
             <a:fld id="{E9623B3B-8358-DB47-8619-EAC663A38D2D}" type="datetimeFigureOut">
               <a:rPr lang="en-NL" smtClean="0"/>
-              <a:t>25/04/2024</a:t>
+              <a:t>29/04/2024</a:t>
             </a:fld>
             <a:endParaRPr lang="en-NL"/>
           </a:p>
@@ -2685,7 +3603,7 @@
           <a:p>
             <a:fld id="{E9623B3B-8358-DB47-8619-EAC663A38D2D}" type="datetimeFigureOut">
               <a:rPr lang="en-NL" smtClean="0"/>
-              <a:t>25/04/2024</a:t>
+              <a:t>29/04/2024</a:t>
             </a:fld>
             <a:endParaRPr lang="en-NL"/>
           </a:p>
@@ -3100,7 +4018,7 @@
           <a:p>
             <a:fld id="{E9623B3B-8358-DB47-8619-EAC663A38D2D}" type="datetimeFigureOut">
               <a:rPr lang="en-NL" smtClean="0"/>
-              <a:t>25/04/2024</a:t>
+              <a:t>29/04/2024</a:t>
             </a:fld>
             <a:endParaRPr lang="en-NL"/>
           </a:p>
@@ -3242,7 +4160,7 @@
           <a:p>
             <a:fld id="{E9623B3B-8358-DB47-8619-EAC663A38D2D}" type="datetimeFigureOut">
               <a:rPr lang="en-NL" smtClean="0"/>
-              <a:t>25/04/2024</a:t>
+              <a:t>29/04/2024</a:t>
             </a:fld>
             <a:endParaRPr lang="en-NL"/>
           </a:p>
@@ -3355,7 +4273,7 @@
           <a:p>
             <a:fld id="{E9623B3B-8358-DB47-8619-EAC663A38D2D}" type="datetimeFigureOut">
               <a:rPr lang="en-NL" smtClean="0"/>
-              <a:t>25/04/2024</a:t>
+              <a:t>29/04/2024</a:t>
             </a:fld>
             <a:endParaRPr lang="en-NL"/>
           </a:p>
@@ -3668,7 +4586,7 @@
           <a:p>
             <a:fld id="{E9623B3B-8358-DB47-8619-EAC663A38D2D}" type="datetimeFigureOut">
               <a:rPr lang="en-NL" smtClean="0"/>
-              <a:t>25/04/2024</a:t>
+              <a:t>29/04/2024</a:t>
             </a:fld>
             <a:endParaRPr lang="en-NL"/>
           </a:p>
@@ -3957,7 +4875,7 @@
           <a:p>
             <a:fld id="{E9623B3B-8358-DB47-8619-EAC663A38D2D}" type="datetimeFigureOut">
               <a:rPr lang="en-NL" smtClean="0"/>
-              <a:t>25/04/2024</a:t>
+              <a:t>29/04/2024</a:t>
             </a:fld>
             <a:endParaRPr lang="en-NL"/>
           </a:p>
@@ -4200,7 +5118,7 @@
           <a:p>
             <a:fld id="{E9623B3B-8358-DB47-8619-EAC663A38D2D}" type="datetimeFigureOut">
               <a:rPr lang="en-NL" smtClean="0"/>
-              <a:t>25/04/2024</a:t>
+              <a:t>29/04/2024</a:t>
             </a:fld>
             <a:endParaRPr lang="en-NL"/>
           </a:p>
@@ -4891,211 +5809,40 @@
           <a:chExt cx="0" cy="0"/>
         </a:xfrm>
       </p:grpSpPr>
-      <p:sp>
-        <p:nvSpPr>
-          <p:cNvPr id="2" name="TextBox 1">
-            <a:extLst>
-              <a:ext uri="{FF2B5EF4-FFF2-40B4-BE49-F238E27FC236}">
-                <a16:creationId xmlns:a16="http://schemas.microsoft.com/office/drawing/2014/main" id="{A5304B5A-7A1D-29B5-9BA5-289C433B2E6B}"/>
-              </a:ext>
-            </a:extLst>
-          </p:cNvPr>
-          <p:cNvSpPr txBox="1"/>
+      <p:pic>
+        <p:nvPicPr>
+          <p:cNvPr id="12" name="Picture 11">
+            <a:extLst>
+              <a:ext uri="{FF2B5EF4-FFF2-40B4-BE49-F238E27FC236}">
+                <a16:creationId xmlns:a16="http://schemas.microsoft.com/office/drawing/2014/main" id="{52A8AEEA-F2EC-E0A2-7BC2-3360DCBF6BEE}"/>
+              </a:ext>
+            </a:extLst>
+          </p:cNvPr>
+          <p:cNvPicPr>
+            <a:picLocks noChangeAspect="1"/>
+          </p:cNvPicPr>
           <p:nvPr/>
-        </p:nvSpPr>
+        </p:nvPicPr>
+        <p:blipFill>
+          <a:blip r:embed="rId3"/>
+          <a:stretch>
+            <a:fillRect/>
+          </a:stretch>
+        </p:blipFill>
         <p:spPr>
           <a:xfrm>
-            <a:off x="324464" y="452283"/>
-            <a:ext cx="10117393" cy="5078313"/>
+            <a:off x="1742219" y="3429000"/>
+            <a:ext cx="7772400" cy="606682"/>
           </a:xfrm>
           <a:prstGeom prst="rect">
             <a:avLst/>
           </a:prstGeom>
-          <a:noFill/>
         </p:spPr>
-        <p:txBody>
-          <a:bodyPr wrap="square" rtlCol="0">
-            <a:spAutoFit/>
-          </a:bodyPr>
-          <a:lstStyle/>
-          <a:p>
-            <a:r>
-              <a:rPr lang="en-NL" dirty="0"/>
-              <a:t>Bulk copy with Lookup and ForEach</a:t>
-            </a:r>
-          </a:p>
-          <a:p>
-            <a:endParaRPr lang="en-NL" dirty="0"/>
-          </a:p>
-          <a:p>
-            <a:pPr marL="285750" indent="-285750">
-              <a:buFontTx/>
-              <a:buChar char="-"/>
-            </a:pPr>
-            <a:r>
-              <a:rPr lang="en-NL" dirty="0"/>
-              <a:t>Lookup: </a:t>
-            </a:r>
-          </a:p>
-          <a:p>
-            <a:pPr marL="742950" lvl="1" indent="-285750">
-              <a:buFontTx/>
-              <a:buChar char="-"/>
-            </a:pPr>
-            <a:r>
-              <a:rPr lang="en-NL" dirty="0"/>
-              <a:t>Retrieve dataset action (content of file or table) </a:t>
-            </a:r>
-          </a:p>
-          <a:p>
-            <a:pPr marL="742950" lvl="1" indent="-285750">
-              <a:buFontTx/>
-              <a:buChar char="-"/>
-            </a:pPr>
-            <a:r>
-              <a:rPr lang="en-NL" dirty="0"/>
-              <a:t>Used to dynamically determine list of objects</a:t>
-            </a:r>
-          </a:p>
-          <a:p>
-            <a:pPr marL="742950" lvl="1" indent="-285750">
-              <a:buFontTx/>
-              <a:buChar char="-"/>
-            </a:pPr>
-            <a:r>
-              <a:rPr lang="en-NL" dirty="0"/>
-              <a:t>Supports most data factory data sources</a:t>
-            </a:r>
-          </a:p>
-          <a:p>
-            <a:pPr marL="742950" lvl="1" indent="-285750">
-              <a:buFontTx/>
-              <a:buChar char="-"/>
-            </a:pPr>
-            <a:r>
-              <a:rPr lang="en-GB" dirty="0"/>
-              <a:t>T</a:t>
-            </a:r>
-            <a:r>
-              <a:rPr lang="en-NL" dirty="0"/>
-              <a:t>he Loopup returns list or first row of data</a:t>
-            </a:r>
-          </a:p>
-          <a:p>
-            <a:pPr marL="742950" lvl="1" indent="-285750">
-              <a:buFontTx/>
-              <a:buChar char="-"/>
-            </a:pPr>
-            <a:r>
-              <a:rPr lang="en-NL" dirty="0"/>
-              <a:t>Maximum of 2MB of data</a:t>
-            </a:r>
-          </a:p>
-          <a:p>
-            <a:pPr marL="742950" lvl="1" indent="-285750">
-              <a:buFontTx/>
-              <a:buChar char="-"/>
-            </a:pPr>
-            <a:r>
-              <a:rPr lang="en-NL" dirty="0"/>
-              <a:t>Maximum of 5000 rows of data</a:t>
-            </a:r>
-          </a:p>
-          <a:p>
-            <a:pPr marL="285750" indent="-285750">
-              <a:buFontTx/>
-              <a:buChar char="-"/>
-            </a:pPr>
-            <a:r>
-              <a:rPr lang="en-NL" dirty="0"/>
-              <a:t>ForEach: </a:t>
-            </a:r>
-          </a:p>
-          <a:p>
-            <a:pPr marL="742950" lvl="1" indent="-285750">
-              <a:buFontTx/>
-              <a:buChar char="-"/>
-            </a:pPr>
-            <a:r>
-              <a:rPr lang="en-GB" dirty="0"/>
-              <a:t>E</a:t>
-            </a:r>
-            <a:r>
-              <a:rPr lang="en-NL" dirty="0"/>
-              <a:t>xecute set of activities for each object in the list</a:t>
-            </a:r>
-          </a:p>
-          <a:p>
-            <a:pPr marL="742950" lvl="1" indent="-285750">
-              <a:buFontTx/>
-              <a:buChar char="-"/>
-            </a:pPr>
-            <a:r>
-              <a:rPr lang="en-NL" dirty="0"/>
-              <a:t>ForEach iterates over list of objects from previous steps</a:t>
-            </a:r>
-          </a:p>
-          <a:p>
-            <a:pPr marL="742950" lvl="1" indent="-285750">
-              <a:buFontTx/>
-              <a:buChar char="-"/>
-            </a:pPr>
-            <a:r>
-              <a:rPr lang="en-GB" dirty="0"/>
-              <a:t>C</a:t>
-            </a:r>
-            <a:r>
-              <a:rPr lang="en-NL" dirty="0"/>
-              <a:t>an’t nest Foreach, use pipelines instead</a:t>
-            </a:r>
-          </a:p>
-          <a:p>
-            <a:pPr marL="742950" lvl="1" indent="-285750">
-              <a:buFontTx/>
-              <a:buChar char="-"/>
-            </a:pPr>
-            <a:endParaRPr lang="en-NL" dirty="0"/>
-          </a:p>
-          <a:p>
-            <a:pPr marL="285750" indent="-285750">
-              <a:buFontTx/>
-              <a:buChar char="-"/>
-            </a:pPr>
-            <a:r>
-              <a:rPr lang="en-GB" dirty="0"/>
-              <a:t>T</a:t>
-            </a:r>
-            <a:r>
-              <a:rPr lang="en-NL" dirty="0"/>
-              <a:t>o merge csv files, json files, and avro files to one another, we can use copy activity because they have same columns in ADF</a:t>
-            </a:r>
-          </a:p>
-          <a:p>
-            <a:pPr marL="285750" indent="-285750">
-              <a:buFontTx/>
-              <a:buChar char="-"/>
-            </a:pPr>
-            <a:r>
-              <a:rPr lang="en-NL" dirty="0"/>
-              <a:t>But I will need to use data flows to merge tables together that have different column names</a:t>
-            </a:r>
-          </a:p>
-          <a:p>
-            <a:pPr marL="285750" indent="-285750">
-              <a:buFontTx/>
-              <a:buChar char="-"/>
-            </a:pPr>
-            <a:r>
-              <a:rPr lang="en-NL" dirty="0"/>
-              <a:t>With the Wildcard file path I can select all the files in a particular container</a:t>
-            </a:r>
-          </a:p>
-        </p:txBody>
-      </p:sp>
+      </p:pic>
     </p:spTree>
     <p:extLst>
       <p:ext uri="{BB962C8B-B14F-4D97-AF65-F5344CB8AC3E}">
-        <p14:creationId xmlns:p14="http://schemas.microsoft.com/office/powerpoint/2010/main" val="3313498520"/>
+        <p14:creationId xmlns:p14="http://schemas.microsoft.com/office/powerpoint/2010/main" val="1678326039"/>
       </p:ext>
     </p:extLst>
   </p:cSld>
@@ -5124,10 +5871,264 @@
       </p:grpSpPr>
       <p:sp>
         <p:nvSpPr>
-          <p:cNvPr id="10" name="Rectangle 9">
-            <a:extLst>
-              <a:ext uri="{FF2B5EF4-FFF2-40B4-BE49-F238E27FC236}">
-                <a16:creationId xmlns:a16="http://schemas.microsoft.com/office/drawing/2014/main" id="{40977CF2-5F16-8903-8A81-292C32D449B6}"/>
+          <p:cNvPr id="2" name="Title 1">
+            <a:extLst>
+              <a:ext uri="{FF2B5EF4-FFF2-40B4-BE49-F238E27FC236}">
+                <a16:creationId xmlns:a16="http://schemas.microsoft.com/office/drawing/2014/main" id="{183D4777-7777-4E14-B951-0EF6C348AA91}"/>
+              </a:ext>
+            </a:extLst>
+          </p:cNvPr>
+          <p:cNvSpPr>
+            <a:spLocks noGrp="1"/>
+          </p:cNvSpPr>
+          <p:nvPr>
+            <p:ph type="title"/>
+          </p:nvPr>
+        </p:nvSpPr>
+        <p:spPr>
+          <a:xfrm>
+            <a:off x="838200" y="2766218"/>
+            <a:ext cx="10515600" cy="1325563"/>
+          </a:xfrm>
+        </p:spPr>
+        <p:txBody>
+          <a:bodyPr/>
+          <a:lstStyle/>
+          <a:p>
+            <a:r>
+              <a:rPr lang="en-NL" b="1" dirty="0"/>
+              <a:t>The Pipelines</a:t>
+            </a:r>
+          </a:p>
+        </p:txBody>
+      </p:sp>
+    </p:spTree>
+    <p:extLst>
+      <p:ext uri="{BB962C8B-B14F-4D97-AF65-F5344CB8AC3E}">
+        <p14:creationId xmlns:p14="http://schemas.microsoft.com/office/powerpoint/2010/main" val="1258934312"/>
+      </p:ext>
+    </p:extLst>
+  </p:cSld>
+  <p:clrMapOvr>
+    <a:masterClrMapping/>
+  </p:clrMapOvr>
+</p:sld>
+</file>
+
+<file path=ppt/slides/slide15.xml><?xml version="1.0" encoding="utf-8"?>
+<p:sld xmlns:a="http://schemas.openxmlformats.org/drawingml/2006/main" xmlns:r="http://schemas.openxmlformats.org/officeDocument/2006/relationships" xmlns:p="http://schemas.openxmlformats.org/presentationml/2006/main">
+  <p:cSld>
+    <p:spTree>
+      <p:nvGrpSpPr>
+        <p:cNvPr id="1" name=""/>
+        <p:cNvGrpSpPr/>
+        <p:nvPr/>
+      </p:nvGrpSpPr>
+      <p:grpSpPr>
+        <a:xfrm>
+          <a:off x="0" y="0"/>
+          <a:ext cx="0" cy="0"/>
+          <a:chOff x="0" y="0"/>
+          <a:chExt cx="0" cy="0"/>
+        </a:xfrm>
+      </p:grpSpPr>
+      <p:pic>
+        <p:nvPicPr>
+          <p:cNvPr id="6" name="Picture 5" descr="A diagram of data processing&#10;&#10;Description automatically generated">
+            <a:extLst>
+              <a:ext uri="{FF2B5EF4-FFF2-40B4-BE49-F238E27FC236}">
+                <a16:creationId xmlns:a16="http://schemas.microsoft.com/office/drawing/2014/main" id="{128E97A3-2D54-CA0D-5B42-26DC3FEE66BC}"/>
+              </a:ext>
+            </a:extLst>
+          </p:cNvPr>
+          <p:cNvPicPr>
+            <a:picLocks noChangeAspect="1"/>
+          </p:cNvPicPr>
+          <p:nvPr/>
+        </p:nvPicPr>
+        <p:blipFill>
+          <a:blip r:embed="rId3"/>
+          <a:stretch>
+            <a:fillRect/>
+          </a:stretch>
+        </p:blipFill>
+        <p:spPr>
+          <a:xfrm>
+            <a:off x="235979" y="622128"/>
+            <a:ext cx="6159500" cy="1511300"/>
+          </a:xfrm>
+          <a:prstGeom prst="rect">
+            <a:avLst/>
+          </a:prstGeom>
+        </p:spPr>
+      </p:pic>
+      <p:pic>
+        <p:nvPicPr>
+          <p:cNvPr id="9" name="Picture 8">
+            <a:extLst>
+              <a:ext uri="{FF2B5EF4-FFF2-40B4-BE49-F238E27FC236}">
+                <a16:creationId xmlns:a16="http://schemas.microsoft.com/office/drawing/2014/main" id="{C30013D7-5411-0B86-A135-B10638A5552D}"/>
+              </a:ext>
+            </a:extLst>
+          </p:cNvPr>
+          <p:cNvPicPr>
+            <a:picLocks noChangeAspect="1"/>
+          </p:cNvPicPr>
+          <p:nvPr/>
+        </p:nvPicPr>
+        <p:blipFill>
+          <a:blip r:embed="rId4"/>
+          <a:stretch>
+            <a:fillRect/>
+          </a:stretch>
+        </p:blipFill>
+        <p:spPr>
+          <a:xfrm>
+            <a:off x="891822" y="3429000"/>
+            <a:ext cx="10408356" cy="1101160"/>
+          </a:xfrm>
+          <a:prstGeom prst="rect">
+            <a:avLst/>
+          </a:prstGeom>
+        </p:spPr>
+      </p:pic>
+      <p:cxnSp>
+        <p:nvCxnSpPr>
+          <p:cNvPr id="13" name="Straight Arrow Connector 12">
+            <a:extLst>
+              <a:ext uri="{FF2B5EF4-FFF2-40B4-BE49-F238E27FC236}">
+                <a16:creationId xmlns:a16="http://schemas.microsoft.com/office/drawing/2014/main" id="{B25175F4-2758-AD32-45FC-0BAA9B3AA379}"/>
+              </a:ext>
+            </a:extLst>
+          </p:cNvPr>
+          <p:cNvCxnSpPr>
+            <a:cxnSpLocks/>
+          </p:cNvCxnSpPr>
+          <p:nvPr/>
+        </p:nvCxnSpPr>
+        <p:spPr>
+          <a:xfrm>
+            <a:off x="4819135" y="1964724"/>
+            <a:ext cx="0" cy="1252201"/>
+          </a:xfrm>
+          <a:prstGeom prst="straightConnector1">
+            <a:avLst/>
+          </a:prstGeom>
+          <a:ln>
+            <a:tailEnd type="triangle"/>
+          </a:ln>
+        </p:spPr>
+        <p:style>
+          <a:lnRef idx="1">
+            <a:schemeClr val="accent6"/>
+          </a:lnRef>
+          <a:fillRef idx="0">
+            <a:schemeClr val="accent6"/>
+          </a:fillRef>
+          <a:effectRef idx="0">
+            <a:schemeClr val="accent6"/>
+          </a:effectRef>
+          <a:fontRef idx="minor">
+            <a:schemeClr val="tx1"/>
+          </a:fontRef>
+        </p:style>
+      </p:cxnSp>
+    </p:spTree>
+    <p:extLst>
+      <p:ext uri="{BB962C8B-B14F-4D97-AF65-F5344CB8AC3E}">
+        <p14:creationId xmlns:p14="http://schemas.microsoft.com/office/powerpoint/2010/main" val="4162815486"/>
+      </p:ext>
+    </p:extLst>
+  </p:cSld>
+  <p:clrMapOvr>
+    <a:masterClrMapping/>
+  </p:clrMapOvr>
+</p:sld>
+</file>
+
+<file path=ppt/slides/slide16.xml><?xml version="1.0" encoding="utf-8"?>
+<p:sld xmlns:a="http://schemas.openxmlformats.org/drawingml/2006/main" xmlns:r="http://schemas.openxmlformats.org/officeDocument/2006/relationships" xmlns:p="http://schemas.openxmlformats.org/presentationml/2006/main">
+  <p:cSld>
+    <p:spTree>
+      <p:nvGrpSpPr>
+        <p:cNvPr id="1" name=""/>
+        <p:cNvGrpSpPr/>
+        <p:nvPr/>
+      </p:nvGrpSpPr>
+      <p:grpSpPr>
+        <a:xfrm>
+          <a:off x="0" y="0"/>
+          <a:ext cx="0" cy="0"/>
+          <a:chOff x="0" y="0"/>
+          <a:chExt cx="0" cy="0"/>
+        </a:xfrm>
+      </p:grpSpPr>
+      <p:pic>
+        <p:nvPicPr>
+          <p:cNvPr id="3" name="Picture 2" descr="A screenshot of a computer&#10;&#10;Description automatically generated">
+            <a:extLst>
+              <a:ext uri="{FF2B5EF4-FFF2-40B4-BE49-F238E27FC236}">
+                <a16:creationId xmlns:a16="http://schemas.microsoft.com/office/drawing/2014/main" id="{4F69C05F-24F4-E19D-1123-EEE022E00752}"/>
+              </a:ext>
+            </a:extLst>
+          </p:cNvPr>
+          <p:cNvPicPr>
+            <a:picLocks noChangeAspect="1"/>
+          </p:cNvPicPr>
+          <p:nvPr/>
+        </p:nvPicPr>
+        <p:blipFill>
+          <a:blip r:embed="rId3"/>
+          <a:stretch>
+            <a:fillRect/>
+          </a:stretch>
+        </p:blipFill>
+        <p:spPr>
+          <a:xfrm>
+            <a:off x="4323450" y="148948"/>
+            <a:ext cx="2717800" cy="1625600"/>
+          </a:xfrm>
+          <a:prstGeom prst="rect">
+            <a:avLst/>
+          </a:prstGeom>
+        </p:spPr>
+      </p:pic>
+      <p:pic>
+        <p:nvPicPr>
+          <p:cNvPr id="5" name="Picture 4" descr="A screenshot of a computer&#10;&#10;Description automatically generated">
+            <a:extLst>
+              <a:ext uri="{FF2B5EF4-FFF2-40B4-BE49-F238E27FC236}">
+                <a16:creationId xmlns:a16="http://schemas.microsoft.com/office/drawing/2014/main" id="{9D271B1E-337F-BCB3-5943-8C0D60A10466}"/>
+              </a:ext>
+            </a:extLst>
+          </p:cNvPr>
+          <p:cNvPicPr>
+            <a:picLocks noChangeAspect="1"/>
+          </p:cNvPicPr>
+          <p:nvPr/>
+        </p:nvPicPr>
+        <p:blipFill>
+          <a:blip r:embed="rId4"/>
+          <a:stretch>
+            <a:fillRect/>
+          </a:stretch>
+        </p:blipFill>
+        <p:spPr>
+          <a:xfrm>
+            <a:off x="385818" y="2228192"/>
+            <a:ext cx="5132836" cy="2212429"/>
+          </a:xfrm>
+          <a:prstGeom prst="rect">
+            <a:avLst/>
+          </a:prstGeom>
+        </p:spPr>
+      </p:pic>
+      <p:sp>
+        <p:nvSpPr>
+          <p:cNvPr id="7" name="Oval 6">
+            <a:extLst>
+              <a:ext uri="{FF2B5EF4-FFF2-40B4-BE49-F238E27FC236}">
+                <a16:creationId xmlns:a16="http://schemas.microsoft.com/office/drawing/2014/main" id="{2112DFB2-7E09-F1D5-437A-2BF63BF2B1E4}"/>
               </a:ext>
             </a:extLst>
           </p:cNvPr>
@@ -5136,10 +6137,10 @@
         </p:nvSpPr>
         <p:spPr>
           <a:xfrm>
-            <a:off x="1577230" y="1793808"/>
-            <a:ext cx="1627365" cy="1370412"/>
+            <a:off x="5303978" y="2039007"/>
+            <a:ext cx="378372" cy="378372"/>
           </a:xfrm>
-          <a:prstGeom prst="rect">
+          <a:prstGeom prst="ellipse">
             <a:avLst/>
           </a:prstGeom>
         </p:spPr>
@@ -5165,25 +6166,18 @@
           <a:p>
             <a:pPr algn="ctr"/>
             <a:r>
-              <a:rPr lang="en-NL" sz="1400" u="sng" dirty="0"/>
-              <a:t>Copy data</a:t>
-            </a:r>
-          </a:p>
-          <a:p>
-            <a:pPr algn="ctr"/>
-            <a:r>
-              <a:rPr lang="en-NL" sz="1400" dirty="0"/>
-              <a:t>Extract and Merge Tables</a:t>
+              <a:rPr lang="en-NL" dirty="0"/>
+              <a:t>1</a:t>
             </a:r>
           </a:p>
         </p:txBody>
       </p:sp>
       <p:pic>
         <p:nvPicPr>
-          <p:cNvPr id="12" name="Picture 11">
-            <a:extLst>
-              <a:ext uri="{FF2B5EF4-FFF2-40B4-BE49-F238E27FC236}">
-                <a16:creationId xmlns:a16="http://schemas.microsoft.com/office/drawing/2014/main" id="{52A8AEEA-F2EC-E0A2-7BC2-3360DCBF6BEE}"/>
+          <p:cNvPr id="10" name="Picture 9" descr="A screenshot of a computer&#10;&#10;Description automatically generated">
+            <a:extLst>
+              <a:ext uri="{FF2B5EF4-FFF2-40B4-BE49-F238E27FC236}">
+                <a16:creationId xmlns:a16="http://schemas.microsoft.com/office/drawing/2014/main" id="{DB425D1D-D873-594B-7112-25DD56CF8528}"/>
               </a:ext>
             </a:extLst>
           </p:cNvPr>
@@ -5193,15 +6187,15 @@
           <p:nvPr/>
         </p:nvPicPr>
         <p:blipFill>
-          <a:blip r:embed="rId3"/>
+          <a:blip r:embed="rId5"/>
           <a:stretch>
             <a:fillRect/>
           </a:stretch>
         </p:blipFill>
         <p:spPr>
           <a:xfrm>
-            <a:off x="1995607" y="4709758"/>
-            <a:ext cx="7772400" cy="606682"/>
+            <a:off x="5702835" y="2228192"/>
+            <a:ext cx="6236683" cy="2343807"/>
           </a:xfrm>
           <a:prstGeom prst="rect">
             <a:avLst/>
@@ -5210,10 +6204,10 @@
       </p:pic>
       <p:sp>
         <p:nvSpPr>
-          <p:cNvPr id="2" name="Rectangle 1">
-            <a:extLst>
-              <a:ext uri="{FF2B5EF4-FFF2-40B4-BE49-F238E27FC236}">
-                <a16:creationId xmlns:a16="http://schemas.microsoft.com/office/drawing/2014/main" id="{63B7D8D3-DC26-2437-5829-52EDD64549C7}"/>
+          <p:cNvPr id="11" name="Oval 10">
+            <a:extLst>
+              <a:ext uri="{FF2B5EF4-FFF2-40B4-BE49-F238E27FC236}">
+                <a16:creationId xmlns:a16="http://schemas.microsoft.com/office/drawing/2014/main" id="{7EE2CB9B-FC4D-BC29-FA18-444CD9AA426F}"/>
               </a:ext>
             </a:extLst>
           </p:cNvPr>
@@ -5222,10 +6216,10 @@
         </p:nvSpPr>
         <p:spPr>
           <a:xfrm>
-            <a:off x="4878581" y="1793808"/>
-            <a:ext cx="1627365" cy="1370412"/>
+            <a:off x="11750332" y="2039006"/>
+            <a:ext cx="378372" cy="378372"/>
           </a:xfrm>
-          <a:prstGeom prst="rect">
+          <a:prstGeom prst="ellipse">
             <a:avLst/>
           </a:prstGeom>
         </p:spPr>
@@ -5251,96 +6245,182 @@
           <a:p>
             <a:pPr algn="ctr"/>
             <a:r>
-              <a:rPr lang="en-NL" sz="1400" u="sng" dirty="0"/>
-              <a:t>Data flow</a:t>
-            </a:r>
-          </a:p>
-          <a:p>
-            <a:pPr algn="ctr"/>
-            <a:r>
-              <a:rPr lang="en-NL" sz="1400" dirty="0"/>
-              <a:t>Data cleaning by removing duplicates</a:t>
-            </a:r>
-          </a:p>
-        </p:txBody>
-      </p:sp>
-      <p:sp>
-        <p:nvSpPr>
-          <p:cNvPr id="3" name="Rectangle 2">
-            <a:extLst>
-              <a:ext uri="{FF2B5EF4-FFF2-40B4-BE49-F238E27FC236}">
-                <a16:creationId xmlns:a16="http://schemas.microsoft.com/office/drawing/2014/main" id="{C3C938A9-E47E-4DE8-0E29-4B576F051101}"/>
-              </a:ext>
-            </a:extLst>
-          </p:cNvPr>
-          <p:cNvSpPr/>
+              <a:rPr lang="en-NL" dirty="0"/>
+              <a:t>2</a:t>
+            </a:r>
+          </a:p>
+        </p:txBody>
+      </p:sp>
+    </p:spTree>
+    <p:extLst>
+      <p:ext uri="{BB962C8B-B14F-4D97-AF65-F5344CB8AC3E}">
+        <p14:creationId xmlns:p14="http://schemas.microsoft.com/office/powerpoint/2010/main" val="487265049"/>
+      </p:ext>
+    </p:extLst>
+  </p:cSld>
+  <p:clrMapOvr>
+    <a:masterClrMapping/>
+  </p:clrMapOvr>
+</p:sld>
+</file>
+
+<file path=ppt/slides/slide17.xml><?xml version="1.0" encoding="utf-8"?>
+<p:sld xmlns:a="http://schemas.openxmlformats.org/drawingml/2006/main" xmlns:r="http://schemas.openxmlformats.org/officeDocument/2006/relationships" xmlns:p="http://schemas.openxmlformats.org/presentationml/2006/main">
+  <p:cSld>
+    <p:spTree>
+      <p:nvGrpSpPr>
+        <p:cNvPr id="1" name=""/>
+        <p:cNvGrpSpPr/>
+        <p:nvPr/>
+      </p:nvGrpSpPr>
+      <p:grpSpPr>
+        <a:xfrm>
+          <a:off x="0" y="0"/>
+          <a:ext cx="0" cy="0"/>
+          <a:chOff x="0" y="0"/>
+          <a:chExt cx="0" cy="0"/>
+        </a:xfrm>
+      </p:grpSpPr>
+      <p:pic>
+        <p:nvPicPr>
+          <p:cNvPr id="12" name="Picture 11" descr="A screenshot of a computer&#10;&#10;Description automatically generated">
+            <a:extLst>
+              <a:ext uri="{FF2B5EF4-FFF2-40B4-BE49-F238E27FC236}">
+                <a16:creationId xmlns:a16="http://schemas.microsoft.com/office/drawing/2014/main" id="{32BC976B-27A7-3716-5BC6-355941B58771}"/>
+              </a:ext>
+            </a:extLst>
+          </p:cNvPr>
+          <p:cNvPicPr>
+            <a:picLocks noChangeAspect="1"/>
+          </p:cNvPicPr>
           <p:nvPr/>
-        </p:nvSpPr>
+        </p:nvPicPr>
+        <p:blipFill>
+          <a:blip r:embed="rId3"/>
+          <a:stretch>
+            <a:fillRect/>
+          </a:stretch>
+        </p:blipFill>
         <p:spPr>
           <a:xfrm>
-            <a:off x="8313641" y="1793808"/>
-            <a:ext cx="1627365" cy="1370412"/>
+            <a:off x="4727384" y="1843516"/>
+            <a:ext cx="2561410" cy="1298249"/>
           </a:xfrm>
           <a:prstGeom prst="rect">
             <a:avLst/>
           </a:prstGeom>
         </p:spPr>
-        <p:style>
-          <a:lnRef idx="2">
-            <a:schemeClr val="accent1">
-              <a:shade val="15000"/>
-            </a:schemeClr>
-          </a:lnRef>
-          <a:fillRef idx="1">
-            <a:schemeClr val="accent1"/>
-          </a:fillRef>
-          <a:effectRef idx="0">
-            <a:schemeClr val="accent1"/>
-          </a:effectRef>
-          <a:fontRef idx="minor">
-            <a:schemeClr val="lt1"/>
-          </a:fontRef>
-        </p:style>
-        <p:txBody>
-          <a:bodyPr rtlCol="0" anchor="ctr"/>
-          <a:lstStyle/>
-          <a:p>
-            <a:pPr algn="ctr"/>
-            <a:r>
-              <a:rPr lang="en-NL" sz="1400" u="sng" dirty="0"/>
-              <a:t>Copy data</a:t>
-            </a:r>
-          </a:p>
-          <a:p>
-            <a:pPr algn="ctr"/>
-            <a:r>
-              <a:rPr lang="en-NL" sz="1400" dirty="0"/>
-              <a:t>Load the transformed data into a table in SQL Database</a:t>
-            </a:r>
-          </a:p>
-        </p:txBody>
-      </p:sp>
+      </p:pic>
+      <p:pic>
+        <p:nvPicPr>
+          <p:cNvPr id="14" name="Picture 13" descr="A screenshot of a computer&#10;&#10;Description automatically generated">
+            <a:extLst>
+              <a:ext uri="{FF2B5EF4-FFF2-40B4-BE49-F238E27FC236}">
+                <a16:creationId xmlns:a16="http://schemas.microsoft.com/office/drawing/2014/main" id="{07E9AD55-F2BA-165D-4E65-B0DA2A256E37}"/>
+              </a:ext>
+            </a:extLst>
+          </p:cNvPr>
+          <p:cNvPicPr>
+            <a:picLocks noChangeAspect="1"/>
+          </p:cNvPicPr>
+          <p:nvPr/>
+        </p:nvPicPr>
+        <p:blipFill rotWithShape="1">
+          <a:blip r:embed="rId4"/>
+          <a:srcRect r="31161"/>
+          <a:stretch/>
+        </p:blipFill>
+        <p:spPr>
+          <a:xfrm>
+            <a:off x="531341" y="3429000"/>
+            <a:ext cx="5350475" cy="2973609"/>
+          </a:xfrm>
+          <a:prstGeom prst="rect">
+            <a:avLst/>
+          </a:prstGeom>
+        </p:spPr>
+      </p:pic>
+      <p:pic>
+        <p:nvPicPr>
+          <p:cNvPr id="16" name="Picture 15" descr="A screenshot of a computer&#10;&#10;Description automatically generated">
+            <a:extLst>
+              <a:ext uri="{FF2B5EF4-FFF2-40B4-BE49-F238E27FC236}">
+                <a16:creationId xmlns:a16="http://schemas.microsoft.com/office/drawing/2014/main" id="{CF695D2D-4C90-864F-220F-78223891BE71}"/>
+              </a:ext>
+            </a:extLst>
+          </p:cNvPr>
+          <p:cNvPicPr>
+            <a:picLocks noChangeAspect="1"/>
+          </p:cNvPicPr>
+          <p:nvPr/>
+        </p:nvPicPr>
+        <p:blipFill>
+          <a:blip r:embed="rId5"/>
+          <a:stretch>
+            <a:fillRect/>
+          </a:stretch>
+        </p:blipFill>
+        <p:spPr>
+          <a:xfrm>
+            <a:off x="6310186" y="4266679"/>
+            <a:ext cx="5714303" cy="1298249"/>
+          </a:xfrm>
+          <a:prstGeom prst="rect">
+            <a:avLst/>
+          </a:prstGeom>
+        </p:spPr>
+      </p:pic>
+      <p:pic>
+        <p:nvPicPr>
+          <p:cNvPr id="18" name="Picture 17" descr="A screenshot of a computer&#10;&#10;Description automatically generated">
+            <a:extLst>
+              <a:ext uri="{FF2B5EF4-FFF2-40B4-BE49-F238E27FC236}">
+                <a16:creationId xmlns:a16="http://schemas.microsoft.com/office/drawing/2014/main" id="{CDCF9F0F-ECB0-286A-0678-5287551DDE5C}"/>
+              </a:ext>
+            </a:extLst>
+          </p:cNvPr>
+          <p:cNvPicPr>
+            <a:picLocks noChangeAspect="1"/>
+          </p:cNvPicPr>
+          <p:nvPr/>
+        </p:nvPicPr>
+        <p:blipFill>
+          <a:blip r:embed="rId6"/>
+          <a:stretch>
+            <a:fillRect/>
+          </a:stretch>
+        </p:blipFill>
+        <p:spPr>
+          <a:xfrm>
+            <a:off x="4846000" y="239933"/>
+            <a:ext cx="2324177" cy="1316348"/>
+          </a:xfrm>
+          <a:prstGeom prst="rect">
+            <a:avLst/>
+          </a:prstGeom>
+        </p:spPr>
+      </p:pic>
       <p:cxnSp>
         <p:nvCxnSpPr>
-          <p:cNvPr id="5" name="Straight Arrow Connector 4">
-            <a:extLst>
-              <a:ext uri="{FF2B5EF4-FFF2-40B4-BE49-F238E27FC236}">
-                <a16:creationId xmlns:a16="http://schemas.microsoft.com/office/drawing/2014/main" id="{0F353E57-61D0-8931-599C-9FCE39E700E1}"/>
+          <p:cNvPr id="20" name="Elbow Connector 19">
+            <a:extLst>
+              <a:ext uri="{FF2B5EF4-FFF2-40B4-BE49-F238E27FC236}">
+                <a16:creationId xmlns:a16="http://schemas.microsoft.com/office/drawing/2014/main" id="{BBA73F1D-E177-8C33-D582-7C95BCD421BE}"/>
               </a:ext>
             </a:extLst>
           </p:cNvPr>
           <p:cNvCxnSpPr>
-            <a:stCxn id="10" idx="3"/>
-            <a:endCxn id="2" idx="1"/>
+            <a:stCxn id="12" idx="1"/>
+            <a:endCxn id="14" idx="0"/>
           </p:cNvCxnSpPr>
           <p:nvPr/>
         </p:nvCxnSpPr>
         <p:spPr>
-          <a:xfrm>
-            <a:off x="3204595" y="2479014"/>
-            <a:ext cx="1673986" cy="0"/>
+          <a:xfrm rot="10800000" flipV="1">
+            <a:off x="3206580" y="2492640"/>
+            <a:ext cx="1520805" cy="936359"/>
           </a:xfrm>
-          <a:prstGeom prst="straightConnector1">
+          <a:prstGeom prst="bentConnector2">
             <a:avLst/>
           </a:prstGeom>
           <a:ln>
@@ -5367,23 +6447,68 @@
       </p:cxnSp>
       <p:cxnSp>
         <p:nvCxnSpPr>
-          <p:cNvPr id="8" name="Straight Arrow Connector 7">
-            <a:extLst>
-              <a:ext uri="{FF2B5EF4-FFF2-40B4-BE49-F238E27FC236}">
-                <a16:creationId xmlns:a16="http://schemas.microsoft.com/office/drawing/2014/main" id="{02AA77F1-1285-20D4-8536-9958E6448F03}"/>
+          <p:cNvPr id="22" name="Elbow Connector 21">
+            <a:extLst>
+              <a:ext uri="{FF2B5EF4-FFF2-40B4-BE49-F238E27FC236}">
+                <a16:creationId xmlns:a16="http://schemas.microsoft.com/office/drawing/2014/main" id="{12B2B2A6-47DE-7919-BA3F-83FB9EDD47FB}"/>
               </a:ext>
             </a:extLst>
           </p:cNvPr>
           <p:cNvCxnSpPr>
-            <a:stCxn id="2" idx="3"/>
-            <a:endCxn id="3" idx="1"/>
+            <a:stCxn id="12" idx="3"/>
+            <a:endCxn id="16" idx="0"/>
           </p:cNvCxnSpPr>
           <p:nvPr/>
         </p:nvCxnSpPr>
         <p:spPr>
           <a:xfrm>
-            <a:off x="6505946" y="2479014"/>
-            <a:ext cx="1807695" cy="0"/>
+            <a:off x="7288794" y="2492641"/>
+            <a:ext cx="1878544" cy="1774038"/>
+          </a:xfrm>
+          <a:prstGeom prst="bentConnector2">
+            <a:avLst/>
+          </a:prstGeom>
+          <a:ln>
+            <a:solidFill>
+              <a:srgbClr val="FFC000"/>
+            </a:solidFill>
+            <a:tailEnd type="triangle"/>
+          </a:ln>
+        </p:spPr>
+        <p:style>
+          <a:lnRef idx="2">
+            <a:schemeClr val="accent1"/>
+          </a:lnRef>
+          <a:fillRef idx="0">
+            <a:schemeClr val="accent1"/>
+          </a:fillRef>
+          <a:effectRef idx="1">
+            <a:schemeClr val="accent1"/>
+          </a:effectRef>
+          <a:fontRef idx="minor">
+            <a:schemeClr val="tx1"/>
+          </a:fontRef>
+        </p:style>
+      </p:cxnSp>
+      <p:cxnSp>
+        <p:nvCxnSpPr>
+          <p:cNvPr id="24" name="Straight Arrow Connector 23">
+            <a:extLst>
+              <a:ext uri="{FF2B5EF4-FFF2-40B4-BE49-F238E27FC236}">
+                <a16:creationId xmlns:a16="http://schemas.microsoft.com/office/drawing/2014/main" id="{E0CE7A5D-9374-BD5A-B581-95CCC784533E}"/>
+              </a:ext>
+            </a:extLst>
+          </p:cNvPr>
+          <p:cNvCxnSpPr>
+            <a:stCxn id="18" idx="2"/>
+            <a:endCxn id="12" idx="0"/>
+          </p:cNvCxnSpPr>
+          <p:nvPr/>
+        </p:nvCxnSpPr>
+        <p:spPr>
+          <a:xfrm>
+            <a:off x="6008089" y="1556281"/>
+            <a:ext cx="0" cy="287235"/>
           </a:xfrm>
           <a:prstGeom prst="straightConnector1">
             <a:avLst/>
@@ -5413,7 +6538,589 @@
     </p:spTree>
     <p:extLst>
       <p:ext uri="{BB962C8B-B14F-4D97-AF65-F5344CB8AC3E}">
-        <p14:creationId xmlns:p14="http://schemas.microsoft.com/office/powerpoint/2010/main" val="1678326039"/>
+        <p14:creationId xmlns:p14="http://schemas.microsoft.com/office/powerpoint/2010/main" val="2016760441"/>
+      </p:ext>
+    </p:extLst>
+  </p:cSld>
+  <p:clrMapOvr>
+    <a:masterClrMapping/>
+  </p:clrMapOvr>
+</p:sld>
+</file>
+
+<file path=ppt/slides/slide18.xml><?xml version="1.0" encoding="utf-8"?>
+<p:sld xmlns:a="http://schemas.openxmlformats.org/drawingml/2006/main" xmlns:r="http://schemas.openxmlformats.org/officeDocument/2006/relationships" xmlns:p="http://schemas.openxmlformats.org/presentationml/2006/main">
+  <p:cSld>
+    <p:spTree>
+      <p:nvGrpSpPr>
+        <p:cNvPr id="1" name=""/>
+        <p:cNvGrpSpPr/>
+        <p:nvPr/>
+      </p:nvGrpSpPr>
+      <p:grpSpPr>
+        <a:xfrm>
+          <a:off x="0" y="0"/>
+          <a:ext cx="0" cy="0"/>
+          <a:chOff x="0" y="0"/>
+          <a:chExt cx="0" cy="0"/>
+        </a:xfrm>
+      </p:grpSpPr>
+      <p:pic>
+        <p:nvPicPr>
+          <p:cNvPr id="18" name="Picture 17" descr="A screenshot of a computer&#10;&#10;Description automatically generated">
+            <a:extLst>
+              <a:ext uri="{FF2B5EF4-FFF2-40B4-BE49-F238E27FC236}">
+                <a16:creationId xmlns:a16="http://schemas.microsoft.com/office/drawing/2014/main" id="{CDCF9F0F-ECB0-286A-0678-5287551DDE5C}"/>
+              </a:ext>
+            </a:extLst>
+          </p:cNvPr>
+          <p:cNvPicPr>
+            <a:picLocks noChangeAspect="1"/>
+          </p:cNvPicPr>
+          <p:nvPr/>
+        </p:nvPicPr>
+        <p:blipFill>
+          <a:blip r:embed="rId3"/>
+          <a:stretch>
+            <a:fillRect/>
+          </a:stretch>
+        </p:blipFill>
+        <p:spPr>
+          <a:xfrm>
+            <a:off x="315498" y="173831"/>
+            <a:ext cx="2324177" cy="1316348"/>
+          </a:xfrm>
+          <a:prstGeom prst="rect">
+            <a:avLst/>
+          </a:prstGeom>
+        </p:spPr>
+      </p:pic>
+      <p:cxnSp>
+        <p:nvCxnSpPr>
+          <p:cNvPr id="24" name="Straight Arrow Connector 23">
+            <a:extLst>
+              <a:ext uri="{FF2B5EF4-FFF2-40B4-BE49-F238E27FC236}">
+                <a16:creationId xmlns:a16="http://schemas.microsoft.com/office/drawing/2014/main" id="{E0CE7A5D-9374-BD5A-B581-95CCC784533E}"/>
+              </a:ext>
+            </a:extLst>
+          </p:cNvPr>
+          <p:cNvCxnSpPr>
+            <a:cxnSpLocks/>
+            <a:stCxn id="18" idx="2"/>
+          </p:cNvCxnSpPr>
+          <p:nvPr/>
+        </p:nvCxnSpPr>
+        <p:spPr>
+          <a:xfrm>
+            <a:off x="1477587" y="1490179"/>
+            <a:ext cx="0" cy="366312"/>
+          </a:xfrm>
+          <a:prstGeom prst="straightConnector1">
+            <a:avLst/>
+          </a:prstGeom>
+          <a:ln>
+            <a:solidFill>
+              <a:srgbClr val="FFC000"/>
+            </a:solidFill>
+            <a:tailEnd type="triangle"/>
+          </a:ln>
+        </p:spPr>
+        <p:style>
+          <a:lnRef idx="2">
+            <a:schemeClr val="accent1"/>
+          </a:lnRef>
+          <a:fillRef idx="0">
+            <a:schemeClr val="accent1"/>
+          </a:fillRef>
+          <a:effectRef idx="1">
+            <a:schemeClr val="accent1"/>
+          </a:effectRef>
+          <a:fontRef idx="minor">
+            <a:schemeClr val="tx1"/>
+          </a:fontRef>
+        </p:style>
+      </p:cxnSp>
+      <p:pic>
+        <p:nvPicPr>
+          <p:cNvPr id="8" name="Picture 7" descr="A diagram of a diagram&#10;&#10;Description automatically generated">
+            <a:extLst>
+              <a:ext uri="{FF2B5EF4-FFF2-40B4-BE49-F238E27FC236}">
+                <a16:creationId xmlns:a16="http://schemas.microsoft.com/office/drawing/2014/main" id="{EFB4C66C-91B3-A599-0610-5ACEEAD20455}"/>
+              </a:ext>
+            </a:extLst>
+          </p:cNvPr>
+          <p:cNvPicPr>
+            <a:picLocks noChangeAspect="1"/>
+          </p:cNvPicPr>
+          <p:nvPr/>
+        </p:nvPicPr>
+        <p:blipFill>
+          <a:blip r:embed="rId4"/>
+          <a:stretch>
+            <a:fillRect/>
+          </a:stretch>
+        </p:blipFill>
+        <p:spPr>
+          <a:xfrm>
+            <a:off x="315498" y="1856491"/>
+            <a:ext cx="4667975" cy="1222818"/>
+          </a:xfrm>
+          <a:prstGeom prst="rect">
+            <a:avLst/>
+          </a:prstGeom>
+        </p:spPr>
+      </p:pic>
+      <p:pic>
+        <p:nvPicPr>
+          <p:cNvPr id="10" name="Picture 9" descr="A screenshot of a computer&#10;&#10;Description automatically generated">
+            <a:extLst>
+              <a:ext uri="{FF2B5EF4-FFF2-40B4-BE49-F238E27FC236}">
+                <a16:creationId xmlns:a16="http://schemas.microsoft.com/office/drawing/2014/main" id="{AF3BB0F1-65E4-05DF-1E8A-B3B24352DB81}"/>
+              </a:ext>
+            </a:extLst>
+          </p:cNvPr>
+          <p:cNvPicPr>
+            <a:picLocks noChangeAspect="1"/>
+          </p:cNvPicPr>
+          <p:nvPr/>
+        </p:nvPicPr>
+        <p:blipFill>
+          <a:blip r:embed="rId5"/>
+          <a:stretch>
+            <a:fillRect/>
+          </a:stretch>
+        </p:blipFill>
+        <p:spPr>
+          <a:xfrm>
+            <a:off x="6683247" y="605957"/>
+            <a:ext cx="4640067" cy="2501068"/>
+          </a:xfrm>
+          <a:prstGeom prst="rect">
+            <a:avLst/>
+          </a:prstGeom>
+        </p:spPr>
+      </p:pic>
+      <p:pic>
+        <p:nvPicPr>
+          <p:cNvPr id="13" name="Picture 12" descr="A screenshot of a computer&#10;&#10;Description automatically generated">
+            <a:extLst>
+              <a:ext uri="{FF2B5EF4-FFF2-40B4-BE49-F238E27FC236}">
+                <a16:creationId xmlns:a16="http://schemas.microsoft.com/office/drawing/2014/main" id="{0A8269DE-7D91-FEAF-3B29-9638AD7148AC}"/>
+              </a:ext>
+            </a:extLst>
+          </p:cNvPr>
+          <p:cNvPicPr>
+            <a:picLocks noChangeAspect="1"/>
+          </p:cNvPicPr>
+          <p:nvPr/>
+        </p:nvPicPr>
+        <p:blipFill>
+          <a:blip r:embed="rId6"/>
+          <a:stretch>
+            <a:fillRect/>
+          </a:stretch>
+        </p:blipFill>
+        <p:spPr>
+          <a:xfrm>
+            <a:off x="355101" y="3635473"/>
+            <a:ext cx="4029612" cy="2868217"/>
+          </a:xfrm>
+          <a:prstGeom prst="rect">
+            <a:avLst/>
+          </a:prstGeom>
+        </p:spPr>
+      </p:pic>
+      <p:pic>
+        <p:nvPicPr>
+          <p:cNvPr id="17" name="Picture 16" descr="A screenshot of a computer&#10;&#10;Description automatically generated">
+            <a:extLst>
+              <a:ext uri="{FF2B5EF4-FFF2-40B4-BE49-F238E27FC236}">
+                <a16:creationId xmlns:a16="http://schemas.microsoft.com/office/drawing/2014/main" id="{F0031E85-CBEF-7961-8CBE-48083291D0F9}"/>
+              </a:ext>
+            </a:extLst>
+          </p:cNvPr>
+          <p:cNvPicPr>
+            <a:picLocks noChangeAspect="1"/>
+          </p:cNvPicPr>
+          <p:nvPr/>
+        </p:nvPicPr>
+        <p:blipFill>
+          <a:blip r:embed="rId7"/>
+          <a:stretch>
+            <a:fillRect/>
+          </a:stretch>
+        </p:blipFill>
+        <p:spPr>
+          <a:xfrm>
+            <a:off x="4983473" y="3923780"/>
+            <a:ext cx="5085473" cy="2291602"/>
+          </a:xfrm>
+          <a:prstGeom prst="rect">
+            <a:avLst/>
+          </a:prstGeom>
+        </p:spPr>
+      </p:pic>
+      <p:sp>
+        <p:nvSpPr>
+          <p:cNvPr id="19" name="Oval 18">
+            <a:extLst>
+              <a:ext uri="{FF2B5EF4-FFF2-40B4-BE49-F238E27FC236}">
+                <a16:creationId xmlns:a16="http://schemas.microsoft.com/office/drawing/2014/main" id="{DB143187-681B-DF13-912C-92A75C1AF8ED}"/>
+              </a:ext>
+            </a:extLst>
+          </p:cNvPr>
+          <p:cNvSpPr/>
+          <p:nvPr/>
+        </p:nvSpPr>
+        <p:spPr>
+          <a:xfrm>
+            <a:off x="11054783" y="453633"/>
+            <a:ext cx="378372" cy="378372"/>
+          </a:xfrm>
+          <a:prstGeom prst="ellipse">
+            <a:avLst/>
+          </a:prstGeom>
+        </p:spPr>
+        <p:style>
+          <a:lnRef idx="2">
+            <a:schemeClr val="accent1">
+              <a:shade val="15000"/>
+            </a:schemeClr>
+          </a:lnRef>
+          <a:fillRef idx="1">
+            <a:schemeClr val="accent1"/>
+          </a:fillRef>
+          <a:effectRef idx="0">
+            <a:schemeClr val="accent1"/>
+          </a:effectRef>
+          <a:fontRef idx="minor">
+            <a:schemeClr val="lt1"/>
+          </a:fontRef>
+        </p:style>
+        <p:txBody>
+          <a:bodyPr rtlCol="0" anchor="ctr"/>
+          <a:lstStyle/>
+          <a:p>
+            <a:pPr algn="ctr"/>
+            <a:r>
+              <a:rPr lang="en-NL" dirty="0"/>
+              <a:t>1</a:t>
+            </a:r>
+          </a:p>
+        </p:txBody>
+      </p:sp>
+      <p:sp>
+        <p:nvSpPr>
+          <p:cNvPr id="21" name="Oval 20">
+            <a:extLst>
+              <a:ext uri="{FF2B5EF4-FFF2-40B4-BE49-F238E27FC236}">
+                <a16:creationId xmlns:a16="http://schemas.microsoft.com/office/drawing/2014/main" id="{5B12809E-1459-3C94-D7D6-9D50202BC520}"/>
+              </a:ext>
+            </a:extLst>
+          </p:cNvPr>
+          <p:cNvSpPr/>
+          <p:nvPr/>
+        </p:nvSpPr>
+        <p:spPr>
+          <a:xfrm>
+            <a:off x="4116535" y="3446287"/>
+            <a:ext cx="378372" cy="378372"/>
+          </a:xfrm>
+          <a:prstGeom prst="ellipse">
+            <a:avLst/>
+          </a:prstGeom>
+        </p:spPr>
+        <p:style>
+          <a:lnRef idx="2">
+            <a:schemeClr val="accent1">
+              <a:shade val="15000"/>
+            </a:schemeClr>
+          </a:lnRef>
+          <a:fillRef idx="1">
+            <a:schemeClr val="accent1"/>
+          </a:fillRef>
+          <a:effectRef idx="0">
+            <a:schemeClr val="accent1"/>
+          </a:effectRef>
+          <a:fontRef idx="minor">
+            <a:schemeClr val="lt1"/>
+          </a:fontRef>
+        </p:style>
+        <p:txBody>
+          <a:bodyPr rtlCol="0" anchor="ctr"/>
+          <a:lstStyle/>
+          <a:p>
+            <a:pPr algn="ctr"/>
+            <a:r>
+              <a:rPr lang="en-NL" dirty="0"/>
+              <a:t>2</a:t>
+            </a:r>
+          </a:p>
+        </p:txBody>
+      </p:sp>
+      <p:sp>
+        <p:nvSpPr>
+          <p:cNvPr id="23" name="Oval 22">
+            <a:extLst>
+              <a:ext uri="{FF2B5EF4-FFF2-40B4-BE49-F238E27FC236}">
+                <a16:creationId xmlns:a16="http://schemas.microsoft.com/office/drawing/2014/main" id="{CB38E11D-854A-BD1B-3EED-B95D3A229897}"/>
+              </a:ext>
+            </a:extLst>
+          </p:cNvPr>
+          <p:cNvSpPr/>
+          <p:nvPr/>
+        </p:nvSpPr>
+        <p:spPr>
+          <a:xfrm>
+            <a:off x="9879760" y="3762310"/>
+            <a:ext cx="378372" cy="378372"/>
+          </a:xfrm>
+          <a:prstGeom prst="ellipse">
+            <a:avLst/>
+          </a:prstGeom>
+        </p:spPr>
+        <p:style>
+          <a:lnRef idx="2">
+            <a:schemeClr val="accent1">
+              <a:shade val="15000"/>
+            </a:schemeClr>
+          </a:lnRef>
+          <a:fillRef idx="1">
+            <a:schemeClr val="accent1"/>
+          </a:fillRef>
+          <a:effectRef idx="0">
+            <a:schemeClr val="accent1"/>
+          </a:effectRef>
+          <a:fontRef idx="minor">
+            <a:schemeClr val="lt1"/>
+          </a:fontRef>
+        </p:style>
+        <p:txBody>
+          <a:bodyPr rtlCol="0" anchor="ctr"/>
+          <a:lstStyle/>
+          <a:p>
+            <a:pPr algn="ctr"/>
+            <a:r>
+              <a:rPr lang="en-NL" dirty="0"/>
+              <a:t>3</a:t>
+            </a:r>
+          </a:p>
+        </p:txBody>
+      </p:sp>
+    </p:spTree>
+    <p:extLst>
+      <p:ext uri="{BB962C8B-B14F-4D97-AF65-F5344CB8AC3E}">
+        <p14:creationId xmlns:p14="http://schemas.microsoft.com/office/powerpoint/2010/main" val="1447528563"/>
+      </p:ext>
+    </p:extLst>
+  </p:cSld>
+  <p:clrMapOvr>
+    <a:masterClrMapping/>
+  </p:clrMapOvr>
+</p:sld>
+</file>
+
+<file path=ppt/slides/slide19.xml><?xml version="1.0" encoding="utf-8"?>
+<p:sld xmlns:a="http://schemas.openxmlformats.org/drawingml/2006/main" xmlns:r="http://schemas.openxmlformats.org/officeDocument/2006/relationships" xmlns:p="http://schemas.openxmlformats.org/presentationml/2006/main">
+  <p:cSld>
+    <p:spTree>
+      <p:nvGrpSpPr>
+        <p:cNvPr id="1" name=""/>
+        <p:cNvGrpSpPr/>
+        <p:nvPr/>
+      </p:nvGrpSpPr>
+      <p:grpSpPr>
+        <a:xfrm>
+          <a:off x="0" y="0"/>
+          <a:ext cx="0" cy="0"/>
+          <a:chOff x="0" y="0"/>
+          <a:chExt cx="0" cy="0"/>
+        </a:xfrm>
+      </p:grpSpPr>
+      <p:pic>
+        <p:nvPicPr>
+          <p:cNvPr id="18" name="Picture 17" descr="A screenshot of a computer&#10;&#10;Description automatically generated">
+            <a:extLst>
+              <a:ext uri="{FF2B5EF4-FFF2-40B4-BE49-F238E27FC236}">
+                <a16:creationId xmlns:a16="http://schemas.microsoft.com/office/drawing/2014/main" id="{CDCF9F0F-ECB0-286A-0678-5287551DDE5C}"/>
+              </a:ext>
+            </a:extLst>
+          </p:cNvPr>
+          <p:cNvPicPr>
+            <a:picLocks noChangeAspect="1"/>
+          </p:cNvPicPr>
+          <p:nvPr/>
+        </p:nvPicPr>
+        <p:blipFill>
+          <a:blip r:embed="rId3"/>
+          <a:stretch>
+            <a:fillRect/>
+          </a:stretch>
+        </p:blipFill>
+        <p:spPr>
+          <a:xfrm>
+            <a:off x="315498" y="173831"/>
+            <a:ext cx="2324177" cy="1316348"/>
+          </a:xfrm>
+          <a:prstGeom prst="rect">
+            <a:avLst/>
+          </a:prstGeom>
+        </p:spPr>
+      </p:pic>
+      <p:cxnSp>
+        <p:nvCxnSpPr>
+          <p:cNvPr id="24" name="Straight Arrow Connector 23">
+            <a:extLst>
+              <a:ext uri="{FF2B5EF4-FFF2-40B4-BE49-F238E27FC236}">
+                <a16:creationId xmlns:a16="http://schemas.microsoft.com/office/drawing/2014/main" id="{E0CE7A5D-9374-BD5A-B581-95CCC784533E}"/>
+              </a:ext>
+            </a:extLst>
+          </p:cNvPr>
+          <p:cNvCxnSpPr>
+            <a:cxnSpLocks/>
+            <a:stCxn id="18" idx="2"/>
+          </p:cNvCxnSpPr>
+          <p:nvPr/>
+        </p:nvCxnSpPr>
+        <p:spPr>
+          <a:xfrm>
+            <a:off x="1477587" y="1490179"/>
+            <a:ext cx="0" cy="366312"/>
+          </a:xfrm>
+          <a:prstGeom prst="straightConnector1">
+            <a:avLst/>
+          </a:prstGeom>
+          <a:ln>
+            <a:solidFill>
+              <a:srgbClr val="FFC000"/>
+            </a:solidFill>
+            <a:tailEnd type="triangle"/>
+          </a:ln>
+        </p:spPr>
+        <p:style>
+          <a:lnRef idx="2">
+            <a:schemeClr val="accent1"/>
+          </a:lnRef>
+          <a:fillRef idx="0">
+            <a:schemeClr val="accent1"/>
+          </a:fillRef>
+          <a:effectRef idx="1">
+            <a:schemeClr val="accent1"/>
+          </a:effectRef>
+          <a:fontRef idx="minor">
+            <a:schemeClr val="tx1"/>
+          </a:fontRef>
+        </p:style>
+      </p:cxnSp>
+      <p:pic>
+        <p:nvPicPr>
+          <p:cNvPr id="3" name="Picture 2" descr="A white background with black text&#10;&#10;Description automatically generated">
+            <a:extLst>
+              <a:ext uri="{FF2B5EF4-FFF2-40B4-BE49-F238E27FC236}">
+                <a16:creationId xmlns:a16="http://schemas.microsoft.com/office/drawing/2014/main" id="{5BD3EC52-07C2-9D5C-C5D6-DEA747A5031F}"/>
+              </a:ext>
+            </a:extLst>
+          </p:cNvPr>
+          <p:cNvPicPr>
+            <a:picLocks noChangeAspect="1"/>
+          </p:cNvPicPr>
+          <p:nvPr/>
+        </p:nvPicPr>
+        <p:blipFill>
+          <a:blip r:embed="rId4"/>
+          <a:stretch>
+            <a:fillRect/>
+          </a:stretch>
+        </p:blipFill>
+        <p:spPr>
+          <a:xfrm>
+            <a:off x="315498" y="1856492"/>
+            <a:ext cx="7688405" cy="1316348"/>
+          </a:xfrm>
+          <a:prstGeom prst="rect">
+            <a:avLst/>
+          </a:prstGeom>
+        </p:spPr>
+      </p:pic>
+      <p:pic>
+        <p:nvPicPr>
+          <p:cNvPr id="5" name="Picture 4" descr="A screenshot of a computer&#10;&#10;Description automatically generated">
+            <a:extLst>
+              <a:ext uri="{FF2B5EF4-FFF2-40B4-BE49-F238E27FC236}">
+                <a16:creationId xmlns:a16="http://schemas.microsoft.com/office/drawing/2014/main" id="{13E0C76C-A8CA-CE7B-2F0C-C03A2888E547}"/>
+              </a:ext>
+            </a:extLst>
+          </p:cNvPr>
+          <p:cNvPicPr>
+            <a:picLocks noChangeAspect="1"/>
+          </p:cNvPicPr>
+          <p:nvPr/>
+        </p:nvPicPr>
+        <p:blipFill>
+          <a:blip r:embed="rId5"/>
+          <a:stretch>
+            <a:fillRect/>
+          </a:stretch>
+        </p:blipFill>
+        <p:spPr>
+          <a:xfrm>
+            <a:off x="4289234" y="4004649"/>
+            <a:ext cx="4827309" cy="2246671"/>
+          </a:xfrm>
+          <a:prstGeom prst="rect">
+            <a:avLst/>
+          </a:prstGeom>
+        </p:spPr>
+      </p:pic>
+      <p:cxnSp>
+        <p:nvCxnSpPr>
+          <p:cNvPr id="7" name="Straight Arrow Connector 6">
+            <a:extLst>
+              <a:ext uri="{FF2B5EF4-FFF2-40B4-BE49-F238E27FC236}">
+                <a16:creationId xmlns:a16="http://schemas.microsoft.com/office/drawing/2014/main" id="{B4EE5D26-ED06-681F-2B39-12A17DD8A68E}"/>
+              </a:ext>
+            </a:extLst>
+          </p:cNvPr>
+          <p:cNvCxnSpPr>
+            <a:cxnSpLocks/>
+            <a:endCxn id="5" idx="0"/>
+          </p:cNvCxnSpPr>
+          <p:nvPr/>
+        </p:nvCxnSpPr>
+        <p:spPr>
+          <a:xfrm>
+            <a:off x="6702889" y="3172840"/>
+            <a:ext cx="0" cy="831809"/>
+          </a:xfrm>
+          <a:prstGeom prst="straightConnector1">
+            <a:avLst/>
+          </a:prstGeom>
+          <a:ln>
+            <a:solidFill>
+              <a:srgbClr val="FFC000"/>
+            </a:solidFill>
+            <a:tailEnd type="triangle"/>
+          </a:ln>
+        </p:spPr>
+        <p:style>
+          <a:lnRef idx="2">
+            <a:schemeClr val="accent1"/>
+          </a:lnRef>
+          <a:fillRef idx="0">
+            <a:schemeClr val="accent1"/>
+          </a:fillRef>
+          <a:effectRef idx="1">
+            <a:schemeClr val="accent1"/>
+          </a:effectRef>
+          <a:fontRef idx="minor">
+            <a:schemeClr val="tx1"/>
+          </a:fontRef>
+        </p:style>
+      </p:cxnSp>
+    </p:spTree>
+    <p:extLst>
+      <p:ext uri="{BB962C8B-B14F-4D97-AF65-F5344CB8AC3E}">
+        <p14:creationId xmlns:p14="http://schemas.microsoft.com/office/powerpoint/2010/main" val="1663194424"/>
       </p:ext>
     </p:extLst>
   </p:cSld>
@@ -5578,6 +7285,424 @@
     <p:extLst>
       <p:ext uri="{BB962C8B-B14F-4D97-AF65-F5344CB8AC3E}">
         <p14:creationId xmlns:p14="http://schemas.microsoft.com/office/powerpoint/2010/main" val="1946434606"/>
+      </p:ext>
+    </p:extLst>
+  </p:cSld>
+  <p:clrMapOvr>
+    <a:masterClrMapping/>
+  </p:clrMapOvr>
+</p:sld>
+</file>
+
+<file path=ppt/slides/slide20.xml><?xml version="1.0" encoding="utf-8"?>
+<p:sld xmlns:a="http://schemas.openxmlformats.org/drawingml/2006/main" xmlns:r="http://schemas.openxmlformats.org/officeDocument/2006/relationships" xmlns:p="http://schemas.openxmlformats.org/presentationml/2006/main">
+  <p:cSld>
+    <p:spTree>
+      <p:nvGrpSpPr>
+        <p:cNvPr id="1" name=""/>
+        <p:cNvGrpSpPr/>
+        <p:nvPr/>
+      </p:nvGrpSpPr>
+      <p:grpSpPr>
+        <a:xfrm>
+          <a:off x="0" y="0"/>
+          <a:ext cx="0" cy="0"/>
+          <a:chOff x="0" y="0"/>
+          <a:chExt cx="0" cy="0"/>
+        </a:xfrm>
+      </p:grpSpPr>
+      <p:pic>
+        <p:nvPicPr>
+          <p:cNvPr id="18" name="Picture 17" descr="A screenshot of a computer&#10;&#10;Description automatically generated">
+            <a:extLst>
+              <a:ext uri="{FF2B5EF4-FFF2-40B4-BE49-F238E27FC236}">
+                <a16:creationId xmlns:a16="http://schemas.microsoft.com/office/drawing/2014/main" id="{CDCF9F0F-ECB0-286A-0678-5287551DDE5C}"/>
+              </a:ext>
+            </a:extLst>
+          </p:cNvPr>
+          <p:cNvPicPr>
+            <a:picLocks noChangeAspect="1"/>
+          </p:cNvPicPr>
+          <p:nvPr/>
+        </p:nvPicPr>
+        <p:blipFill>
+          <a:blip r:embed="rId3"/>
+          <a:stretch>
+            <a:fillRect/>
+          </a:stretch>
+        </p:blipFill>
+        <p:spPr>
+          <a:xfrm>
+            <a:off x="315498" y="173831"/>
+            <a:ext cx="2324177" cy="1316348"/>
+          </a:xfrm>
+          <a:prstGeom prst="rect">
+            <a:avLst/>
+          </a:prstGeom>
+        </p:spPr>
+      </p:pic>
+      <p:cxnSp>
+        <p:nvCxnSpPr>
+          <p:cNvPr id="24" name="Straight Arrow Connector 23">
+            <a:extLst>
+              <a:ext uri="{FF2B5EF4-FFF2-40B4-BE49-F238E27FC236}">
+                <a16:creationId xmlns:a16="http://schemas.microsoft.com/office/drawing/2014/main" id="{E0CE7A5D-9374-BD5A-B581-95CCC784533E}"/>
+              </a:ext>
+            </a:extLst>
+          </p:cNvPr>
+          <p:cNvCxnSpPr>
+            <a:cxnSpLocks/>
+            <a:stCxn id="18" idx="2"/>
+          </p:cNvCxnSpPr>
+          <p:nvPr/>
+        </p:nvCxnSpPr>
+        <p:spPr>
+          <a:xfrm>
+            <a:off x="1477587" y="1490179"/>
+            <a:ext cx="0" cy="366312"/>
+          </a:xfrm>
+          <a:prstGeom prst="straightConnector1">
+            <a:avLst/>
+          </a:prstGeom>
+          <a:ln>
+            <a:solidFill>
+              <a:srgbClr val="FFC000"/>
+            </a:solidFill>
+            <a:tailEnd type="triangle"/>
+          </a:ln>
+        </p:spPr>
+        <p:style>
+          <a:lnRef idx="2">
+            <a:schemeClr val="accent1"/>
+          </a:lnRef>
+          <a:fillRef idx="0">
+            <a:schemeClr val="accent1"/>
+          </a:fillRef>
+          <a:effectRef idx="1">
+            <a:schemeClr val="accent1"/>
+          </a:effectRef>
+          <a:fontRef idx="minor">
+            <a:schemeClr val="tx1"/>
+          </a:fontRef>
+        </p:style>
+      </p:cxnSp>
+      <p:pic>
+        <p:nvPicPr>
+          <p:cNvPr id="3" name="Picture 2" descr="A diagram of a funnel&#10;&#10;Description automatically generated">
+            <a:extLst>
+              <a:ext uri="{FF2B5EF4-FFF2-40B4-BE49-F238E27FC236}">
+                <a16:creationId xmlns:a16="http://schemas.microsoft.com/office/drawing/2014/main" id="{2D133C5B-E85E-AF84-78BB-B366B0788226}"/>
+              </a:ext>
+            </a:extLst>
+          </p:cNvPr>
+          <p:cNvPicPr>
+            <a:picLocks noChangeAspect="1"/>
+          </p:cNvPicPr>
+          <p:nvPr/>
+        </p:nvPicPr>
+        <p:blipFill>
+          <a:blip r:embed="rId4"/>
+          <a:stretch>
+            <a:fillRect/>
+          </a:stretch>
+        </p:blipFill>
+        <p:spPr>
+          <a:xfrm>
+            <a:off x="315498" y="1856491"/>
+            <a:ext cx="9199106" cy="1182893"/>
+          </a:xfrm>
+          <a:prstGeom prst="rect">
+            <a:avLst/>
+          </a:prstGeom>
+        </p:spPr>
+      </p:pic>
+      <p:pic>
+        <p:nvPicPr>
+          <p:cNvPr id="5" name="Picture 4" descr="A screenshot of a computer&#10;&#10;Description automatically generated">
+            <a:extLst>
+              <a:ext uri="{FF2B5EF4-FFF2-40B4-BE49-F238E27FC236}">
+                <a16:creationId xmlns:a16="http://schemas.microsoft.com/office/drawing/2014/main" id="{8C8D4DEC-E87C-2EAA-8740-49BBA816739C}"/>
+              </a:ext>
+            </a:extLst>
+          </p:cNvPr>
+          <p:cNvPicPr>
+            <a:picLocks noChangeAspect="1"/>
+          </p:cNvPicPr>
+          <p:nvPr/>
+        </p:nvPicPr>
+        <p:blipFill>
+          <a:blip r:embed="rId5"/>
+          <a:stretch>
+            <a:fillRect/>
+          </a:stretch>
+        </p:blipFill>
+        <p:spPr>
+          <a:xfrm>
+            <a:off x="4829670" y="3429000"/>
+            <a:ext cx="6892277" cy="3008533"/>
+          </a:xfrm>
+          <a:prstGeom prst="rect">
+            <a:avLst/>
+          </a:prstGeom>
+        </p:spPr>
+      </p:pic>
+      <p:cxnSp>
+        <p:nvCxnSpPr>
+          <p:cNvPr id="7" name="Straight Arrow Connector 6">
+            <a:extLst>
+              <a:ext uri="{FF2B5EF4-FFF2-40B4-BE49-F238E27FC236}">
+                <a16:creationId xmlns:a16="http://schemas.microsoft.com/office/drawing/2014/main" id="{272C4629-970D-17F9-D7F3-3993D69FB48E}"/>
+              </a:ext>
+            </a:extLst>
+          </p:cNvPr>
+          <p:cNvCxnSpPr>
+            <a:endCxn id="5" idx="0"/>
+          </p:cNvCxnSpPr>
+          <p:nvPr/>
+        </p:nvCxnSpPr>
+        <p:spPr>
+          <a:xfrm>
+            <a:off x="8275808" y="3039384"/>
+            <a:ext cx="1" cy="389616"/>
+          </a:xfrm>
+          <a:prstGeom prst="straightConnector1">
+            <a:avLst/>
+          </a:prstGeom>
+          <a:ln>
+            <a:solidFill>
+              <a:srgbClr val="FFC000"/>
+            </a:solidFill>
+            <a:tailEnd type="triangle"/>
+          </a:ln>
+        </p:spPr>
+        <p:style>
+          <a:lnRef idx="2">
+            <a:schemeClr val="accent1"/>
+          </a:lnRef>
+          <a:fillRef idx="0">
+            <a:schemeClr val="accent1"/>
+          </a:fillRef>
+          <a:effectRef idx="1">
+            <a:schemeClr val="accent1"/>
+          </a:effectRef>
+          <a:fontRef idx="minor">
+            <a:schemeClr val="tx1"/>
+          </a:fontRef>
+        </p:style>
+      </p:cxnSp>
+    </p:spTree>
+    <p:extLst>
+      <p:ext uri="{BB962C8B-B14F-4D97-AF65-F5344CB8AC3E}">
+        <p14:creationId xmlns:p14="http://schemas.microsoft.com/office/powerpoint/2010/main" val="2922206871"/>
+      </p:ext>
+    </p:extLst>
+  </p:cSld>
+  <p:clrMapOvr>
+    <a:masterClrMapping/>
+  </p:clrMapOvr>
+</p:sld>
+</file>
+
+<file path=ppt/slides/slide21.xml><?xml version="1.0" encoding="utf-8"?>
+<p:sld xmlns:a="http://schemas.openxmlformats.org/drawingml/2006/main" xmlns:r="http://schemas.openxmlformats.org/officeDocument/2006/relationships" xmlns:p="http://schemas.openxmlformats.org/presentationml/2006/main">
+  <p:cSld>
+    <p:spTree>
+      <p:nvGrpSpPr>
+        <p:cNvPr id="1" name=""/>
+        <p:cNvGrpSpPr/>
+        <p:nvPr/>
+      </p:nvGrpSpPr>
+      <p:grpSpPr>
+        <a:xfrm>
+          <a:off x="0" y="0"/>
+          <a:ext cx="0" cy="0"/>
+          <a:chOff x="0" y="0"/>
+          <a:chExt cx="0" cy="0"/>
+        </a:xfrm>
+      </p:grpSpPr>
+      <p:pic>
+        <p:nvPicPr>
+          <p:cNvPr id="18" name="Picture 17" descr="A screenshot of a computer&#10;&#10;Description automatically generated">
+            <a:extLst>
+              <a:ext uri="{FF2B5EF4-FFF2-40B4-BE49-F238E27FC236}">
+                <a16:creationId xmlns:a16="http://schemas.microsoft.com/office/drawing/2014/main" id="{CDCF9F0F-ECB0-286A-0678-5287551DDE5C}"/>
+              </a:ext>
+            </a:extLst>
+          </p:cNvPr>
+          <p:cNvPicPr>
+            <a:picLocks noChangeAspect="1"/>
+          </p:cNvPicPr>
+          <p:nvPr/>
+        </p:nvPicPr>
+        <p:blipFill>
+          <a:blip r:embed="rId3"/>
+          <a:stretch>
+            <a:fillRect/>
+          </a:stretch>
+        </p:blipFill>
+        <p:spPr>
+          <a:xfrm>
+            <a:off x="315498" y="173831"/>
+            <a:ext cx="2324177" cy="1316348"/>
+          </a:xfrm>
+          <a:prstGeom prst="rect">
+            <a:avLst/>
+          </a:prstGeom>
+        </p:spPr>
+      </p:pic>
+      <p:cxnSp>
+        <p:nvCxnSpPr>
+          <p:cNvPr id="24" name="Straight Arrow Connector 23">
+            <a:extLst>
+              <a:ext uri="{FF2B5EF4-FFF2-40B4-BE49-F238E27FC236}">
+                <a16:creationId xmlns:a16="http://schemas.microsoft.com/office/drawing/2014/main" id="{E0CE7A5D-9374-BD5A-B581-95CCC784533E}"/>
+              </a:ext>
+            </a:extLst>
+          </p:cNvPr>
+          <p:cNvCxnSpPr>
+            <a:cxnSpLocks/>
+            <a:stCxn id="18" idx="2"/>
+          </p:cNvCxnSpPr>
+          <p:nvPr/>
+        </p:nvCxnSpPr>
+        <p:spPr>
+          <a:xfrm>
+            <a:off x="1477587" y="1490179"/>
+            <a:ext cx="0" cy="366312"/>
+          </a:xfrm>
+          <a:prstGeom prst="straightConnector1">
+            <a:avLst/>
+          </a:prstGeom>
+          <a:ln>
+            <a:solidFill>
+              <a:srgbClr val="FFC000"/>
+            </a:solidFill>
+            <a:tailEnd type="triangle"/>
+          </a:ln>
+        </p:spPr>
+        <p:style>
+          <a:lnRef idx="2">
+            <a:schemeClr val="accent1"/>
+          </a:lnRef>
+          <a:fillRef idx="0">
+            <a:schemeClr val="accent1"/>
+          </a:fillRef>
+          <a:effectRef idx="1">
+            <a:schemeClr val="accent1"/>
+          </a:effectRef>
+          <a:fontRef idx="minor">
+            <a:schemeClr val="tx1"/>
+          </a:fontRef>
+        </p:style>
+      </p:cxnSp>
+      <p:cxnSp>
+        <p:nvCxnSpPr>
+          <p:cNvPr id="7" name="Straight Arrow Connector 6">
+            <a:extLst>
+              <a:ext uri="{FF2B5EF4-FFF2-40B4-BE49-F238E27FC236}">
+                <a16:creationId xmlns:a16="http://schemas.microsoft.com/office/drawing/2014/main" id="{272C4629-970D-17F9-D7F3-3993D69FB48E}"/>
+              </a:ext>
+            </a:extLst>
+          </p:cNvPr>
+          <p:cNvCxnSpPr>
+            <a:cxnSpLocks/>
+          </p:cNvCxnSpPr>
+          <p:nvPr/>
+        </p:nvCxnSpPr>
+        <p:spPr>
+          <a:xfrm>
+            <a:off x="10115624" y="3039384"/>
+            <a:ext cx="1" cy="389616"/>
+          </a:xfrm>
+          <a:prstGeom prst="straightConnector1">
+            <a:avLst/>
+          </a:prstGeom>
+          <a:ln>
+            <a:solidFill>
+              <a:srgbClr val="FFC000"/>
+            </a:solidFill>
+            <a:tailEnd type="triangle"/>
+          </a:ln>
+        </p:spPr>
+        <p:style>
+          <a:lnRef idx="2">
+            <a:schemeClr val="accent1"/>
+          </a:lnRef>
+          <a:fillRef idx="0">
+            <a:schemeClr val="accent1"/>
+          </a:fillRef>
+          <a:effectRef idx="1">
+            <a:schemeClr val="accent1"/>
+          </a:effectRef>
+          <a:fontRef idx="minor">
+            <a:schemeClr val="tx1"/>
+          </a:fontRef>
+        </p:style>
+      </p:cxnSp>
+      <p:pic>
+        <p:nvPicPr>
+          <p:cNvPr id="4" name="Picture 3">
+            <a:extLst>
+              <a:ext uri="{FF2B5EF4-FFF2-40B4-BE49-F238E27FC236}">
+                <a16:creationId xmlns:a16="http://schemas.microsoft.com/office/drawing/2014/main" id="{0928CDD8-33BF-D44F-DC40-E38A796E780E}"/>
+              </a:ext>
+            </a:extLst>
+          </p:cNvPr>
+          <p:cNvPicPr>
+            <a:picLocks noChangeAspect="1"/>
+          </p:cNvPicPr>
+          <p:nvPr/>
+        </p:nvPicPr>
+        <p:blipFill>
+          <a:blip r:embed="rId4"/>
+          <a:stretch>
+            <a:fillRect/>
+          </a:stretch>
+        </p:blipFill>
+        <p:spPr>
+          <a:xfrm>
+            <a:off x="414649" y="1892296"/>
+            <a:ext cx="10758907" cy="1147088"/>
+          </a:xfrm>
+          <a:prstGeom prst="rect">
+            <a:avLst/>
+          </a:prstGeom>
+        </p:spPr>
+      </p:pic>
+      <p:pic>
+        <p:nvPicPr>
+          <p:cNvPr id="8" name="Picture 7" descr="A screenshot of a computer&#10;&#10;Description automatically generated">
+            <a:extLst>
+              <a:ext uri="{FF2B5EF4-FFF2-40B4-BE49-F238E27FC236}">
+                <a16:creationId xmlns:a16="http://schemas.microsoft.com/office/drawing/2014/main" id="{AED39A64-1287-5A9E-0E3D-DAC478522D22}"/>
+              </a:ext>
+            </a:extLst>
+          </p:cNvPr>
+          <p:cNvPicPr>
+            <a:picLocks noChangeAspect="1"/>
+          </p:cNvPicPr>
+          <p:nvPr/>
+        </p:nvPicPr>
+        <p:blipFill>
+          <a:blip r:embed="rId5"/>
+          <a:stretch>
+            <a:fillRect/>
+          </a:stretch>
+        </p:blipFill>
+        <p:spPr>
+          <a:xfrm>
+            <a:off x="5368294" y="3537898"/>
+            <a:ext cx="5805262" cy="2547058"/>
+          </a:xfrm>
+          <a:prstGeom prst="rect">
+            <a:avLst/>
+          </a:prstGeom>
+        </p:spPr>
+      </p:pic>
+    </p:spTree>
+    <p:extLst>
+      <p:ext uri="{BB962C8B-B14F-4D97-AF65-F5344CB8AC3E}">
+        <p14:creationId xmlns:p14="http://schemas.microsoft.com/office/powerpoint/2010/main" val="2166512358"/>
       </p:ext>
     </p:extLst>
   </p:cSld>

--- a/DEA_solution.pptx
+++ b/DEA_solution.pptx
@@ -5,7 +5,7 @@
     <p:sldMasterId id="2147483648" r:id="rId1"/>
   </p:sldMasterIdLst>
   <p:notesMasterIdLst>
-    <p:notesMasterId r:id="rId23"/>
+    <p:notesMasterId r:id="rId20"/>
   </p:notesMasterIdLst>
   <p:sldIdLst>
     <p:sldId id="256" r:id="rId2"/>
@@ -15,20 +15,17 @@
     <p:sldId id="260" r:id="rId6"/>
     <p:sldId id="262" r:id="rId7"/>
     <p:sldId id="259" r:id="rId8"/>
-    <p:sldId id="263" r:id="rId9"/>
-    <p:sldId id="264" r:id="rId10"/>
-    <p:sldId id="265" r:id="rId11"/>
-    <p:sldId id="266" r:id="rId12"/>
-    <p:sldId id="267" r:id="rId13"/>
-    <p:sldId id="269" r:id="rId14"/>
-    <p:sldId id="270" r:id="rId15"/>
-    <p:sldId id="271" r:id="rId16"/>
-    <p:sldId id="272" r:id="rId17"/>
-    <p:sldId id="273" r:id="rId18"/>
-    <p:sldId id="274" r:id="rId19"/>
-    <p:sldId id="275" r:id="rId20"/>
-    <p:sldId id="276" r:id="rId21"/>
-    <p:sldId id="277" r:id="rId22"/>
+    <p:sldId id="266" r:id="rId9"/>
+    <p:sldId id="267" r:id="rId10"/>
+    <p:sldId id="270" r:id="rId11"/>
+    <p:sldId id="271" r:id="rId12"/>
+    <p:sldId id="278" r:id="rId13"/>
+    <p:sldId id="272" r:id="rId14"/>
+    <p:sldId id="273" r:id="rId15"/>
+    <p:sldId id="274" r:id="rId16"/>
+    <p:sldId id="275" r:id="rId17"/>
+    <p:sldId id="276" r:id="rId18"/>
+    <p:sldId id="277" r:id="rId19"/>
   </p:sldIdLst>
   <p:sldSz cx="12192000" cy="6858000"/>
   <p:notesSz cx="6858000" cy="9144000"/>
@@ -217,7 +214,7 @@
           <a:p>
             <a:fld id="{BD1286F7-7B60-504A-AD35-40AFA39E89D0}" type="datetimeFigureOut">
               <a:rPr lang="en-NL" smtClean="0"/>
-              <a:t>29/04/2024</a:t>
+              <a:t>02/05/2024</a:t>
             </a:fld>
             <a:endParaRPr lang="en-NL"/>
           </a:p>
@@ -529,22 +526,7 @@
           <a:bodyPr/>
           <a:lstStyle/>
           <a:p>
-            <a:r>
-              <a:rPr lang="en-NL" dirty="0"/>
-              <a:t>I opted for Azure Data Factory because this tool is primarily focused on data integration and processing, which is ideal for ETL/ELT workflows. </a:t>
-            </a:r>
-          </a:p>
-          <a:p>
-            <a:r>
-              <a:rPr lang="en-NL" dirty="0"/>
-              <a:t>ETL = Extract Transform Load, </a:t>
-            </a:r>
-          </a:p>
-          <a:p>
-            <a:r>
-              <a:rPr lang="en-NL" dirty="0"/>
-              <a:t>ELT = Extract Load Transform </a:t>
-            </a:r>
+            <a:endParaRPr lang="en-NL" dirty="0"/>
           </a:p>
         </p:txBody>
       </p:sp>
@@ -565,7 +547,7 @@
           <a:p>
             <a:fld id="{C55E4414-EB4E-5644-A11D-E0224F375D2C}" type="slidenum">
               <a:rPr lang="en-NL" smtClean="0"/>
-              <a:t>4</a:t>
+              <a:t>2</a:t>
             </a:fld>
             <a:endParaRPr lang="en-NL"/>
           </a:p>
@@ -574,7 +556,7 @@
     </p:spTree>
     <p:extLst>
       <p:ext uri="{BB962C8B-B14F-4D97-AF65-F5344CB8AC3E}">
-        <p14:creationId xmlns:p14="http://schemas.microsoft.com/office/powerpoint/2010/main" val="2456139372"/>
+        <p14:creationId xmlns:p14="http://schemas.microsoft.com/office/powerpoint/2010/main" val="2119199923"/>
       </p:ext>
     </p:extLst>
   </p:cSld>
@@ -680,7 +662,7 @@
           <a:p>
             <a:fld id="{C55E4414-EB4E-5644-A11D-E0224F375D2C}" type="slidenum">
               <a:rPr lang="en-NL" smtClean="0"/>
-              <a:t>16</a:t>
+              <a:t>13</a:t>
             </a:fld>
             <a:endParaRPr lang="en-NL"/>
           </a:p>
@@ -791,7 +773,7 @@
           <a:p>
             <a:fld id="{C55E4414-EB4E-5644-A11D-E0224F375D2C}" type="slidenum">
               <a:rPr lang="en-NL" smtClean="0"/>
-              <a:t>17</a:t>
+              <a:t>14</a:t>
             </a:fld>
             <a:endParaRPr lang="en-NL"/>
           </a:p>
@@ -915,7 +897,7 @@
           <a:p>
             <a:fld id="{C55E4414-EB4E-5644-A11D-E0224F375D2C}" type="slidenum">
               <a:rPr lang="en-NL" smtClean="0"/>
-              <a:t>18</a:t>
+              <a:t>15</a:t>
             </a:fld>
             <a:endParaRPr lang="en-NL"/>
           </a:p>
@@ -1019,7 +1001,7 @@
           <a:p>
             <a:fld id="{C55E4414-EB4E-5644-A11D-E0224F375D2C}" type="slidenum">
               <a:rPr lang="en-NL" smtClean="0"/>
-              <a:t>19</a:t>
+              <a:t>16</a:t>
             </a:fld>
             <a:endParaRPr lang="en-NL"/>
           </a:p>
@@ -1269,7 +1251,7 @@
           <a:p>
             <a:fld id="{C55E4414-EB4E-5644-A11D-E0224F375D2C}" type="slidenum">
               <a:rPr lang="en-NL" smtClean="0"/>
-              <a:t>20</a:t>
+              <a:t>17</a:t>
             </a:fld>
             <a:endParaRPr lang="en-NL"/>
           </a:p>
@@ -1356,7 +1338,7 @@
           <a:p>
             <a:fld id="{C55E4414-EB4E-5644-A11D-E0224F375D2C}" type="slidenum">
               <a:rPr lang="en-NL" smtClean="0"/>
-              <a:t>21</a:t>
+              <a:t>18</a:t>
             </a:fld>
             <a:endParaRPr lang="en-NL"/>
           </a:p>
@@ -1419,91 +1401,7 @@
           <a:bodyPr/>
           <a:lstStyle/>
           <a:p>
-            <a:r>
-              <a:rPr lang="en-NL" dirty="0"/>
-              <a:t>The hierarchy: </a:t>
-            </a:r>
-          </a:p>
-          <a:p>
-            <a:pPr marL="228600" indent="-228600">
-              <a:buAutoNum type="arabicPeriod"/>
-            </a:pPr>
-            <a:r>
-              <a:rPr lang="en-NL" dirty="0"/>
-              <a:t>Azure portal</a:t>
-            </a:r>
-          </a:p>
-          <a:p>
-            <a:pPr marL="228600" indent="-228600">
-              <a:buAutoNum type="arabicPeriod"/>
-            </a:pPr>
-            <a:r>
-              <a:rPr lang="en-NL" dirty="0"/>
-              <a:t>Azure subscription</a:t>
-            </a:r>
-          </a:p>
-          <a:p>
-            <a:pPr marL="228600" indent="-228600">
-              <a:buAutoNum type="arabicPeriod"/>
-            </a:pPr>
-            <a:r>
-              <a:rPr lang="en-NL" dirty="0"/>
-              <a:t>Resource group</a:t>
-            </a:r>
-          </a:p>
-          <a:p>
-            <a:pPr marL="228600" indent="-228600">
-              <a:buAutoNum type="arabicPeriod"/>
-            </a:pPr>
-            <a:r>
-              <a:rPr lang="en-NL" dirty="0"/>
-              <a:t>Services within the resource group</a:t>
-            </a:r>
-          </a:p>
-          <a:p>
-            <a:pPr marL="685800" lvl="1" indent="-228600">
-              <a:buAutoNum type="arabicPeriod"/>
-            </a:pPr>
-            <a:r>
-              <a:rPr lang="en-NL" dirty="0"/>
-              <a:t>Storage account (data lake) within the resource group</a:t>
-            </a:r>
-          </a:p>
-          <a:p>
-            <a:pPr marL="685800" lvl="1" indent="-228600">
-              <a:buAutoNum type="arabicPeriod"/>
-            </a:pPr>
-            <a:r>
-              <a:rPr lang="en-NL" dirty="0"/>
-              <a:t>Linked service to define the connection information needed for ADF to connect to the data lake</a:t>
-            </a:r>
-          </a:p>
-          <a:p>
-            <a:pPr marL="685800" lvl="1" indent="-228600">
-              <a:buAutoNum type="arabicPeriod"/>
-            </a:pPr>
-            <a:r>
-              <a:rPr lang="en-NL" dirty="0"/>
-              <a:t>ADF</a:t>
-            </a:r>
-          </a:p>
-          <a:p>
-            <a:pPr marL="685800" lvl="1" indent="-228600">
-              <a:buAutoNum type="arabicPeriod"/>
-            </a:pPr>
-            <a:r>
-              <a:rPr lang="en-NL" dirty="0"/>
-              <a:t>Linked service to define the connection information needed for ADF to connect to the SQL Database/SQL Server</a:t>
-            </a:r>
-          </a:p>
-          <a:p>
-            <a:pPr marL="228600" indent="-228600">
-              <a:buAutoNum type="arabicPeriod"/>
-            </a:pPr>
-            <a:r>
-              <a:rPr lang="en-NL" dirty="0"/>
-              <a:t>Azure Data Studio/SQL Server Management Studio for further data analyses through SQL querying</a:t>
-            </a:r>
+            <a:endParaRPr lang="en-NL" dirty="0"/>
           </a:p>
         </p:txBody>
       </p:sp>
@@ -1524,7 +1422,7 @@
           <a:p>
             <a:fld id="{C55E4414-EB4E-5644-A11D-E0224F375D2C}" type="slidenum">
               <a:rPr lang="en-NL" smtClean="0"/>
-              <a:t>6</a:t>
+              <a:t>3</a:t>
             </a:fld>
             <a:endParaRPr lang="en-NL"/>
           </a:p>
@@ -1533,7 +1431,7 @@
     </p:spTree>
     <p:extLst>
       <p:ext uri="{BB962C8B-B14F-4D97-AF65-F5344CB8AC3E}">
-        <p14:creationId xmlns:p14="http://schemas.microsoft.com/office/powerpoint/2010/main" val="112299393"/>
+        <p14:creationId xmlns:p14="http://schemas.microsoft.com/office/powerpoint/2010/main" val="632655266"/>
       </p:ext>
     </p:extLst>
   </p:cSld>
@@ -1587,7 +1485,22 @@
           <a:bodyPr/>
           <a:lstStyle/>
           <a:p>
-            <a:endParaRPr lang="en-NL" dirty="0"/>
+            <a:r>
+              <a:rPr lang="en-NL" dirty="0"/>
+              <a:t>I opted for Azure Data Factory because this tool is primarily focused on data integration and processing, which is ideal for ETL/ELT workflows. </a:t>
+            </a:r>
+          </a:p>
+          <a:p>
+            <a:r>
+              <a:rPr lang="en-NL" dirty="0"/>
+              <a:t>ETL = Extract Transform Load, </a:t>
+            </a:r>
+          </a:p>
+          <a:p>
+            <a:r>
+              <a:rPr lang="en-NL" dirty="0"/>
+              <a:t>ELT = Extract Load Transform </a:t>
+            </a:r>
           </a:p>
         </p:txBody>
       </p:sp>
@@ -1608,7 +1521,7 @@
           <a:p>
             <a:fld id="{C55E4414-EB4E-5644-A11D-E0224F375D2C}" type="slidenum">
               <a:rPr lang="en-NL" smtClean="0"/>
-              <a:t>7</a:t>
+              <a:t>4</a:t>
             </a:fld>
             <a:endParaRPr lang="en-NL"/>
           </a:p>
@@ -1617,7 +1530,7 @@
     </p:spTree>
     <p:extLst>
       <p:ext uri="{BB962C8B-B14F-4D97-AF65-F5344CB8AC3E}">
-        <p14:creationId xmlns:p14="http://schemas.microsoft.com/office/powerpoint/2010/main" val="2205418483"/>
+        <p14:creationId xmlns:p14="http://schemas.microsoft.com/office/powerpoint/2010/main" val="2456139372"/>
       </p:ext>
     </p:extLst>
   </p:cSld>
@@ -1673,66 +1586,89 @@
           <a:p>
             <a:r>
               <a:rPr lang="en-NL" dirty="0"/>
-              <a:t>Region issues:</a:t>
-            </a:r>
-          </a:p>
-          <a:p>
-            <a:pPr marL="171450" indent="-171450">
-              <a:buFontTx/>
-              <a:buChar char="-"/>
+              <a:t>The hierarchy: </a:t>
+            </a:r>
+          </a:p>
+          <a:p>
+            <a:pPr marL="228600" indent="-228600">
+              <a:buAutoNum type="arabicPeriod"/>
             </a:pPr>
             <a:r>
               <a:rPr lang="en-NL" dirty="0"/>
-              <a:t>Boy mentioned that we usually use West Europe as the region, therefore I set the resources to west region to europe when I can.</a:t>
-            </a:r>
-          </a:p>
-          <a:p>
-            <a:pPr marL="171450" indent="-171450">
-              <a:buFontTx/>
-              <a:buChar char="-"/>
+              <a:t>Azure portal</a:t>
+            </a:r>
+          </a:p>
+          <a:p>
+            <a:pPr marL="228600" indent="-228600">
+              <a:buAutoNum type="arabicPeriod"/>
             </a:pPr>
             <a:r>
               <a:rPr lang="en-NL" dirty="0"/>
-              <a:t>However, with the student subscription that I am using, I am not able to select west europe as the region when creating the SQL server, as a result, North Europe is selected instead, so as the SQL database. </a:t>
-            </a:r>
-          </a:p>
-          <a:p>
-            <a:endParaRPr lang="en-NL" dirty="0"/>
-          </a:p>
-          <a:p>
+              <a:t>Azure subscription</a:t>
+            </a:r>
+          </a:p>
+          <a:p>
+            <a:pPr marL="228600" indent="-228600">
+              <a:buAutoNum type="arabicPeriod"/>
+            </a:pPr>
             <a:r>
               <a:rPr lang="en-NL" dirty="0"/>
-              <a:t>Compute configuration:</a:t>
-            </a:r>
-          </a:p>
-          <a:p>
-            <a:pPr marL="171450" indent="-171450">
-              <a:buFontTx/>
-              <a:buChar char="-"/>
+              <a:t>Resource group</a:t>
+            </a:r>
+          </a:p>
+          <a:p>
+            <a:pPr marL="228600" indent="-228600">
+              <a:buAutoNum type="arabicPeriod"/>
             </a:pPr>
             <a:r>
               <a:rPr lang="en-NL" dirty="0"/>
-              <a:t>I have opted for the cheapest compute configuration when creating the SQL Database. </a:t>
-            </a:r>
-          </a:p>
-          <a:p>
-            <a:pPr marL="171450" indent="-171450">
-              <a:buFontTx/>
-              <a:buChar char="-"/>
+              <a:t>Services within the resource group</a:t>
+            </a:r>
+          </a:p>
+          <a:p>
+            <a:pPr marL="685800" lvl="1" indent="-228600">
+              <a:buAutoNum type="arabicPeriod"/>
             </a:pPr>
-            <a:endParaRPr lang="en-NL" dirty="0"/>
-          </a:p>
-          <a:p>
-            <a:endParaRPr lang="en-NL" dirty="0"/>
-          </a:p>
-          <a:p>
             <a:r>
               <a:rPr lang="en-NL" dirty="0"/>
-              <a:t>Other notes</a:t>
-            </a:r>
-          </a:p>
-          <a:p>
-            <a:endParaRPr lang="en-NL" dirty="0"/>
+              <a:t>Storage account (data lake) within the resource group</a:t>
+            </a:r>
+          </a:p>
+          <a:p>
+            <a:pPr marL="685800" lvl="1" indent="-228600">
+              <a:buAutoNum type="arabicPeriod"/>
+            </a:pPr>
+            <a:r>
+              <a:rPr lang="en-NL" dirty="0"/>
+              <a:t>Linked service to define the connection information needed for ADF to connect to the data lake</a:t>
+            </a:r>
+          </a:p>
+          <a:p>
+            <a:pPr marL="685800" lvl="1" indent="-228600">
+              <a:buAutoNum type="arabicPeriod"/>
+            </a:pPr>
+            <a:r>
+              <a:rPr lang="en-NL" dirty="0"/>
+              <a:t>ADF</a:t>
+            </a:r>
+          </a:p>
+          <a:p>
+            <a:pPr marL="685800" lvl="1" indent="-228600">
+              <a:buAutoNum type="arabicPeriod"/>
+            </a:pPr>
+            <a:r>
+              <a:rPr lang="en-NL" dirty="0"/>
+              <a:t>Linked service to define the connection information needed for ADF to connect to the SQL Database/SQL Server</a:t>
+            </a:r>
+          </a:p>
+          <a:p>
+            <a:pPr marL="228600" indent="-228600">
+              <a:buAutoNum type="arabicPeriod"/>
+            </a:pPr>
+            <a:r>
+              <a:rPr lang="en-NL" dirty="0"/>
+              <a:t>Azure Data Studio/SQL Server Management Studio for further data analyses through SQL querying</a:t>
+            </a:r>
           </a:p>
         </p:txBody>
       </p:sp>
@@ -1753,7 +1689,7 @@
           <a:p>
             <a:fld id="{C55E4414-EB4E-5644-A11D-E0224F375D2C}" type="slidenum">
               <a:rPr lang="en-NL" smtClean="0"/>
-              <a:t>9</a:t>
+              <a:t>6</a:t>
             </a:fld>
             <a:endParaRPr lang="en-NL"/>
           </a:p>
@@ -1762,7 +1698,7 @@
     </p:spTree>
     <p:extLst>
       <p:ext uri="{BB962C8B-B14F-4D97-AF65-F5344CB8AC3E}">
-        <p14:creationId xmlns:p14="http://schemas.microsoft.com/office/powerpoint/2010/main" val="2005483652"/>
+        <p14:creationId xmlns:p14="http://schemas.microsoft.com/office/powerpoint/2010/main" val="112299393"/>
       </p:ext>
     </p:extLst>
   </p:cSld>
@@ -1837,7 +1773,7 @@
           <a:p>
             <a:fld id="{C55E4414-EB4E-5644-A11D-E0224F375D2C}" type="slidenum">
               <a:rPr lang="en-NL" smtClean="0"/>
-              <a:t>10</a:t>
+              <a:t>7</a:t>
             </a:fld>
             <a:endParaRPr lang="en-NL"/>
           </a:p>
@@ -1846,7 +1782,7 @@
     </p:spTree>
     <p:extLst>
       <p:ext uri="{BB962C8B-B14F-4D97-AF65-F5344CB8AC3E}">
-        <p14:creationId xmlns:p14="http://schemas.microsoft.com/office/powerpoint/2010/main" val="925456207"/>
+        <p14:creationId xmlns:p14="http://schemas.microsoft.com/office/powerpoint/2010/main" val="2205418483"/>
       </p:ext>
     </p:extLst>
   </p:cSld>
@@ -1934,7 +1870,7 @@
           <a:p>
             <a:fld id="{C55E4414-EB4E-5644-A11D-E0224F375D2C}" type="slidenum">
               <a:rPr lang="en-NL" smtClean="0"/>
-              <a:t>12</a:t>
+              <a:t>9</a:t>
             </a:fld>
             <a:endParaRPr lang="en-NL"/>
           </a:p>
@@ -1997,62 +1933,6 @@
           <a:bodyPr/>
           <a:lstStyle/>
           <a:p>
-            <a:r>
-              <a:rPr lang="en-NL" dirty="0"/>
-              <a:t>Without cleaning just yet:</a:t>
-            </a:r>
-          </a:p>
-          <a:p>
-            <a:r>
-              <a:rPr lang="en-NL" dirty="0"/>
-              <a:t>1. Create a dataset called “csvFiles” that has a connection to the container stored in the data lake with the appropriate linked service</a:t>
-            </a:r>
-          </a:p>
-          <a:p>
-            <a:r>
-              <a:rPr lang="en-NL" dirty="0"/>
-              <a:t>2. Create a new pipeline where the first step would be a “Copy data” activity named “Extract and Merge csv Tables” that would extract all the relevant csv files that was loaded into the csvFiles data set, merge them, and sink it to a table in SQL Database. This means that I have to create a new empty table first in SQL Database that will store the results of the transformed csv table, json table, and avro table. </a:t>
-            </a:r>
-          </a:p>
-          <a:p>
-            <a:endParaRPr lang="en-NL" dirty="0"/>
-          </a:p>
-          <a:p>
-            <a:endParaRPr lang="en-NL" dirty="0"/>
-          </a:p>
-          <a:p>
-            <a:endParaRPr lang="en-NL" dirty="0"/>
-          </a:p>
-          <a:p>
-            <a:r>
-              <a:rPr lang="en-NL" dirty="0"/>
-              <a:t>Why use copy data activities? </a:t>
-            </a:r>
-          </a:p>
-          <a:p>
-            <a:pPr marL="171450" indent="-171450">
-              <a:buFontTx/>
-              <a:buChar char="-"/>
-            </a:pPr>
-            <a:r>
-              <a:rPr lang="en-GB" dirty="0"/>
-              <a:t>I</a:t>
-            </a:r>
-            <a:r>
-              <a:rPr lang="en-NL" dirty="0"/>
-              <a:t>t is designed for data movement between different data stores, making it suitable for ingesting data files from a dataset and store it in a target data set.</a:t>
-            </a:r>
-          </a:p>
-          <a:p>
-            <a:endParaRPr lang="en-NL" dirty="0"/>
-          </a:p>
-          <a:p>
-            <a:endParaRPr lang="en-NL" dirty="0"/>
-          </a:p>
-          <a:p>
-            <a:endParaRPr lang="en-NL" dirty="0"/>
-          </a:p>
-          <a:p>
             <a:endParaRPr lang="en-NL" dirty="0"/>
           </a:p>
         </p:txBody>
@@ -2074,7 +1954,7 @@
           <a:p>
             <a:fld id="{C55E4414-EB4E-5644-A11D-E0224F375D2C}" type="slidenum">
               <a:rPr lang="en-NL" smtClean="0"/>
-              <a:t>13</a:t>
+              <a:t>10</a:t>
             </a:fld>
             <a:endParaRPr lang="en-NL"/>
           </a:p>
@@ -2083,7 +1963,7 @@
     </p:spTree>
     <p:extLst>
       <p:ext uri="{BB962C8B-B14F-4D97-AF65-F5344CB8AC3E}">
-        <p14:creationId xmlns:p14="http://schemas.microsoft.com/office/powerpoint/2010/main" val="2902180872"/>
+        <p14:creationId xmlns:p14="http://schemas.microsoft.com/office/powerpoint/2010/main" val="3015896750"/>
       </p:ext>
     </p:extLst>
   </p:cSld>
@@ -2137,6 +2017,45 @@
           <a:bodyPr/>
           <a:lstStyle/>
           <a:p>
+            <a:r>
+              <a:rPr lang="en-NL" dirty="0"/>
+              <a:t>For all of the merged files, I create the following ETL pipeline</a:t>
+            </a:r>
+          </a:p>
+          <a:p>
+            <a:r>
+              <a:rPr lang="en-NL" dirty="0"/>
+              <a:t>1. Copy data activity (for extracting all the files of the same type, merge them together into one single table)</a:t>
+            </a:r>
+          </a:p>
+          <a:p>
+            <a:r>
+              <a:rPr lang="en-NL" dirty="0"/>
+              <a:t>2. Data flow activity (extract the merged table of one file format, perform the transformation, and load the transformed data table onto a specific table in the relevant SQL database)</a:t>
+            </a:r>
+          </a:p>
+          <a:p>
+            <a:endParaRPr lang="en-NL" dirty="0"/>
+          </a:p>
+          <a:p>
+            <a:endParaRPr lang="en-NL" dirty="0"/>
+          </a:p>
+          <a:p>
+            <a:endParaRPr lang="en-NL" dirty="0"/>
+          </a:p>
+          <a:p>
+            <a:endParaRPr lang="en-NL" dirty="0"/>
+          </a:p>
+          <a:p>
+            <a:endParaRPr lang="en-NL" dirty="0"/>
+          </a:p>
+          <a:p>
+            <a:endParaRPr lang="en-NL" dirty="0"/>
+          </a:p>
+          <a:p>
+            <a:endParaRPr lang="en-NL" dirty="0"/>
+          </a:p>
+          <a:p>
             <a:endParaRPr lang="en-NL" dirty="0"/>
           </a:p>
         </p:txBody>
@@ -2158,7 +2077,7 @@
           <a:p>
             <a:fld id="{C55E4414-EB4E-5644-A11D-E0224F375D2C}" type="slidenum">
               <a:rPr lang="en-NL" smtClean="0"/>
-              <a:t>14</a:t>
+              <a:t>11</a:t>
             </a:fld>
             <a:endParaRPr lang="en-NL"/>
           </a:p>
@@ -2167,7 +2086,7 @@
     </p:spTree>
     <p:extLst>
       <p:ext uri="{BB962C8B-B14F-4D97-AF65-F5344CB8AC3E}">
-        <p14:creationId xmlns:p14="http://schemas.microsoft.com/office/powerpoint/2010/main" val="3015896750"/>
+        <p14:creationId xmlns:p14="http://schemas.microsoft.com/office/powerpoint/2010/main" val="1742621917"/>
       </p:ext>
     </p:extLst>
   </p:cSld>
@@ -2221,24 +2140,6 @@
           <a:bodyPr/>
           <a:lstStyle/>
           <a:p>
-            <a:r>
-              <a:rPr lang="en-NL" dirty="0"/>
-              <a:t>For all of the merged files, I create the following ETL pipeline</a:t>
-            </a:r>
-          </a:p>
-          <a:p>
-            <a:r>
-              <a:rPr lang="en-NL" dirty="0"/>
-              <a:t>1. Copy data activity (for extracting all the files of the same type, merge them together into one single table)</a:t>
-            </a:r>
-          </a:p>
-          <a:p>
-            <a:r>
-              <a:rPr lang="en-NL" dirty="0"/>
-              <a:t>2. Data flow activity (extract the merged table of one file format, perform the transformation, and load the transformed data table onto a specific table in the relevant SQL database)</a:t>
-            </a:r>
-          </a:p>
-          <a:p>
             <a:endParaRPr lang="en-NL" dirty="0"/>
           </a:p>
           <a:p>
@@ -2281,7 +2182,7 @@
           <a:p>
             <a:fld id="{C55E4414-EB4E-5644-A11D-E0224F375D2C}" type="slidenum">
               <a:rPr lang="en-NL" smtClean="0"/>
-              <a:t>15</a:t>
+              <a:t>12</a:t>
             </a:fld>
             <a:endParaRPr lang="en-NL"/>
           </a:p>
@@ -2290,7 +2191,7 @@
     </p:spTree>
     <p:extLst>
       <p:ext uri="{BB962C8B-B14F-4D97-AF65-F5344CB8AC3E}">
-        <p14:creationId xmlns:p14="http://schemas.microsoft.com/office/powerpoint/2010/main" val="1742621917"/>
+        <p14:creationId xmlns:p14="http://schemas.microsoft.com/office/powerpoint/2010/main" val="2987256568"/>
       </p:ext>
     </p:extLst>
   </p:cSld>
@@ -2449,7 +2350,7 @@
           <a:p>
             <a:fld id="{E9623B3B-8358-DB47-8619-EAC663A38D2D}" type="datetimeFigureOut">
               <a:rPr lang="en-NL" smtClean="0"/>
-              <a:t>29/04/2024</a:t>
+              <a:t>02/05/2024</a:t>
             </a:fld>
             <a:endParaRPr lang="en-NL"/>
           </a:p>
@@ -2649,7 +2550,7 @@
           <a:p>
             <a:fld id="{E9623B3B-8358-DB47-8619-EAC663A38D2D}" type="datetimeFigureOut">
               <a:rPr lang="en-NL" smtClean="0"/>
-              <a:t>29/04/2024</a:t>
+              <a:t>02/05/2024</a:t>
             </a:fld>
             <a:endParaRPr lang="en-NL"/>
           </a:p>
@@ -2859,7 +2760,7 @@
           <a:p>
             <a:fld id="{E9623B3B-8358-DB47-8619-EAC663A38D2D}" type="datetimeFigureOut">
               <a:rPr lang="en-NL" smtClean="0"/>
-              <a:t>29/04/2024</a:t>
+              <a:t>02/05/2024</a:t>
             </a:fld>
             <a:endParaRPr lang="en-NL"/>
           </a:p>
@@ -3059,7 +2960,7 @@
           <a:p>
             <a:fld id="{E9623B3B-8358-DB47-8619-EAC663A38D2D}" type="datetimeFigureOut">
               <a:rPr lang="en-NL" smtClean="0"/>
-              <a:t>29/04/2024</a:t>
+              <a:t>02/05/2024</a:t>
             </a:fld>
             <a:endParaRPr lang="en-NL"/>
           </a:p>
@@ -3335,7 +3236,7 @@
           <a:p>
             <a:fld id="{E9623B3B-8358-DB47-8619-EAC663A38D2D}" type="datetimeFigureOut">
               <a:rPr lang="en-NL" smtClean="0"/>
-              <a:t>29/04/2024</a:t>
+              <a:t>02/05/2024</a:t>
             </a:fld>
             <a:endParaRPr lang="en-NL"/>
           </a:p>
@@ -3603,7 +3504,7 @@
           <a:p>
             <a:fld id="{E9623B3B-8358-DB47-8619-EAC663A38D2D}" type="datetimeFigureOut">
               <a:rPr lang="en-NL" smtClean="0"/>
-              <a:t>29/04/2024</a:t>
+              <a:t>02/05/2024</a:t>
             </a:fld>
             <a:endParaRPr lang="en-NL"/>
           </a:p>
@@ -4018,7 +3919,7 @@
           <a:p>
             <a:fld id="{E9623B3B-8358-DB47-8619-EAC663A38D2D}" type="datetimeFigureOut">
               <a:rPr lang="en-NL" smtClean="0"/>
-              <a:t>29/04/2024</a:t>
+              <a:t>02/05/2024</a:t>
             </a:fld>
             <a:endParaRPr lang="en-NL"/>
           </a:p>
@@ -4160,7 +4061,7 @@
           <a:p>
             <a:fld id="{E9623B3B-8358-DB47-8619-EAC663A38D2D}" type="datetimeFigureOut">
               <a:rPr lang="en-NL" smtClean="0"/>
-              <a:t>29/04/2024</a:t>
+              <a:t>02/05/2024</a:t>
             </a:fld>
             <a:endParaRPr lang="en-NL"/>
           </a:p>
@@ -4273,7 +4174,7 @@
           <a:p>
             <a:fld id="{E9623B3B-8358-DB47-8619-EAC663A38D2D}" type="datetimeFigureOut">
               <a:rPr lang="en-NL" smtClean="0"/>
-              <a:t>29/04/2024</a:t>
+              <a:t>02/05/2024</a:t>
             </a:fld>
             <a:endParaRPr lang="en-NL"/>
           </a:p>
@@ -4586,7 +4487,7 @@
           <a:p>
             <a:fld id="{E9623B3B-8358-DB47-8619-EAC663A38D2D}" type="datetimeFigureOut">
               <a:rPr lang="en-NL" smtClean="0"/>
-              <a:t>29/04/2024</a:t>
+              <a:t>02/05/2024</a:t>
             </a:fld>
             <a:endParaRPr lang="en-NL"/>
           </a:p>
@@ -4875,7 +4776,7 @@
           <a:p>
             <a:fld id="{E9623B3B-8358-DB47-8619-EAC663A38D2D}" type="datetimeFigureOut">
               <a:rPr lang="en-NL" smtClean="0"/>
-              <a:t>29/04/2024</a:t>
+              <a:t>02/05/2024</a:t>
             </a:fld>
             <a:endParaRPr lang="en-NL"/>
           </a:p>
@@ -5118,7 +5019,7 @@
           <a:p>
             <a:fld id="{E9623B3B-8358-DB47-8619-EAC663A38D2D}" type="datetimeFigureOut">
               <a:rPr lang="en-NL" smtClean="0"/>
-              <a:t>29/04/2024</a:t>
+              <a:t>02/05/2024</a:t>
             </a:fld>
             <a:endParaRPr lang="en-NL"/>
           </a:p>
@@ -5586,8 +5487,27 @@
           <a:p>
             <a:r>
               <a:rPr lang="en-NL" dirty="0"/>
-              <a:t>By: Pian</a:t>
-            </a:r>
+              <a:t>By: </a:t>
+            </a:r>
+            <a:r>
+              <a:rPr lang="en-US" dirty="0"/>
+              <a:t>Rajata Utensute (Pian)</a:t>
+            </a:r>
+          </a:p>
+          <a:p>
+            <a:r>
+              <a:rPr lang="en-US" dirty="0"/>
+              <a:t>Date: 3</a:t>
+            </a:r>
+            <a:r>
+              <a:rPr lang="en-US" baseline="30000" dirty="0"/>
+              <a:t>rd</a:t>
+            </a:r>
+            <a:r>
+              <a:rPr lang="en-US" dirty="0"/>
+              <a:t> of May 2024</a:t>
+            </a:r>
+            <a:endParaRPr lang="en-NL" dirty="0"/>
           </a:p>
         </p:txBody>
       </p:sp>
@@ -5623,254 +5543,6 @@
       </p:grpSpPr>
       <p:sp>
         <p:nvSpPr>
-          <p:cNvPr id="2" name="TextBox 1">
-            <a:extLst>
-              <a:ext uri="{FF2B5EF4-FFF2-40B4-BE49-F238E27FC236}">
-                <a16:creationId xmlns:a16="http://schemas.microsoft.com/office/drawing/2014/main" id="{7809A52B-76A5-8C92-0D21-772E58854238}"/>
-              </a:ext>
-            </a:extLst>
-          </p:cNvPr>
-          <p:cNvSpPr txBox="1"/>
-          <p:nvPr/>
-        </p:nvSpPr>
-        <p:spPr>
-          <a:xfrm>
-            <a:off x="536027" y="472965"/>
-            <a:ext cx="4424855" cy="369332"/>
-          </a:xfrm>
-          <a:prstGeom prst="rect">
-            <a:avLst/>
-          </a:prstGeom>
-          <a:noFill/>
-        </p:spPr>
-        <p:txBody>
-          <a:bodyPr wrap="square" rtlCol="0">
-            <a:spAutoFit/>
-          </a:bodyPr>
-          <a:lstStyle/>
-          <a:p>
-            <a:r>
-              <a:rPr lang="en-NL" dirty="0"/>
-              <a:t>Blob Storage vs. Data Lake</a:t>
-            </a:r>
-          </a:p>
-        </p:txBody>
-      </p:sp>
-    </p:spTree>
-    <p:extLst>
-      <p:ext uri="{BB962C8B-B14F-4D97-AF65-F5344CB8AC3E}">
-        <p14:creationId xmlns:p14="http://schemas.microsoft.com/office/powerpoint/2010/main" val="2792908546"/>
-      </p:ext>
-    </p:extLst>
-  </p:cSld>
-  <p:clrMapOvr>
-    <a:masterClrMapping/>
-  </p:clrMapOvr>
-</p:sld>
-</file>
-
-<file path=ppt/slides/slide11.xml><?xml version="1.0" encoding="utf-8"?>
-<p:sld xmlns:a="http://schemas.openxmlformats.org/drawingml/2006/main" xmlns:r="http://schemas.openxmlformats.org/officeDocument/2006/relationships" xmlns:p="http://schemas.openxmlformats.org/presentationml/2006/main">
-  <p:cSld>
-    <p:spTree>
-      <p:nvGrpSpPr>
-        <p:cNvPr id="1" name=""/>
-        <p:cNvGrpSpPr/>
-        <p:nvPr/>
-      </p:nvGrpSpPr>
-      <p:grpSpPr>
-        <a:xfrm>
-          <a:off x="0" y="0"/>
-          <a:ext cx="0" cy="0"/>
-          <a:chOff x="0" y="0"/>
-          <a:chExt cx="0" cy="0"/>
-        </a:xfrm>
-      </p:grpSpPr>
-      <p:sp>
-        <p:nvSpPr>
-          <p:cNvPr id="2" name="Title 1">
-            <a:extLst>
-              <a:ext uri="{FF2B5EF4-FFF2-40B4-BE49-F238E27FC236}">
-                <a16:creationId xmlns:a16="http://schemas.microsoft.com/office/drawing/2014/main" id="{183D4777-7777-4E14-B951-0EF6C348AA91}"/>
-              </a:ext>
-            </a:extLst>
-          </p:cNvPr>
-          <p:cNvSpPr>
-            <a:spLocks noGrp="1"/>
-          </p:cNvSpPr>
-          <p:nvPr>
-            <p:ph type="title"/>
-          </p:nvPr>
-        </p:nvSpPr>
-        <p:spPr>
-          <a:xfrm>
-            <a:off x="838200" y="2766218"/>
-            <a:ext cx="10515600" cy="1325563"/>
-          </a:xfrm>
-        </p:spPr>
-        <p:txBody>
-          <a:bodyPr/>
-          <a:lstStyle/>
-          <a:p>
-            <a:r>
-              <a:rPr lang="en-NL" b="1" dirty="0"/>
-              <a:t>Data Ingestion into ADF</a:t>
-            </a:r>
-          </a:p>
-        </p:txBody>
-      </p:sp>
-    </p:spTree>
-    <p:extLst>
-      <p:ext uri="{BB962C8B-B14F-4D97-AF65-F5344CB8AC3E}">
-        <p14:creationId xmlns:p14="http://schemas.microsoft.com/office/powerpoint/2010/main" val="377263618"/>
-      </p:ext>
-    </p:extLst>
-  </p:cSld>
-  <p:clrMapOvr>
-    <a:masterClrMapping/>
-  </p:clrMapOvr>
-</p:sld>
-</file>
-
-<file path=ppt/slides/slide12.xml><?xml version="1.0" encoding="utf-8"?>
-<p:sld xmlns:a="http://schemas.openxmlformats.org/drawingml/2006/main" xmlns:r="http://schemas.openxmlformats.org/officeDocument/2006/relationships" xmlns:p="http://schemas.openxmlformats.org/presentationml/2006/main">
-  <p:cSld>
-    <p:spTree>
-      <p:nvGrpSpPr>
-        <p:cNvPr id="1" name=""/>
-        <p:cNvGrpSpPr/>
-        <p:nvPr/>
-      </p:nvGrpSpPr>
-      <p:grpSpPr>
-        <a:xfrm>
-          <a:off x="0" y="0"/>
-          <a:ext cx="0" cy="0"/>
-          <a:chOff x="0" y="0"/>
-          <a:chExt cx="0" cy="0"/>
-        </a:xfrm>
-      </p:grpSpPr>
-      <p:pic>
-        <p:nvPicPr>
-          <p:cNvPr id="3" name="Picture 2" descr="A screenshot of a computer&#10;&#10;Description automatically generated">
-            <a:extLst>
-              <a:ext uri="{FF2B5EF4-FFF2-40B4-BE49-F238E27FC236}">
-                <a16:creationId xmlns:a16="http://schemas.microsoft.com/office/drawing/2014/main" id="{85CF173A-DD5D-F167-18D0-CFC3128E0B25}"/>
-              </a:ext>
-            </a:extLst>
-          </p:cNvPr>
-          <p:cNvPicPr>
-            <a:picLocks noChangeAspect="1"/>
-          </p:cNvPicPr>
-          <p:nvPr/>
-        </p:nvPicPr>
-        <p:blipFill>
-          <a:blip r:embed="rId3"/>
-          <a:stretch>
-            <a:fillRect/>
-          </a:stretch>
-        </p:blipFill>
-        <p:spPr>
-          <a:xfrm>
-            <a:off x="993058" y="598731"/>
-            <a:ext cx="7177580" cy="3344005"/>
-          </a:xfrm>
-          <a:prstGeom prst="rect">
-            <a:avLst/>
-          </a:prstGeom>
-        </p:spPr>
-      </p:pic>
-    </p:spTree>
-    <p:extLst>
-      <p:ext uri="{BB962C8B-B14F-4D97-AF65-F5344CB8AC3E}">
-        <p14:creationId xmlns:p14="http://schemas.microsoft.com/office/powerpoint/2010/main" val="1520398992"/>
-      </p:ext>
-    </p:extLst>
-  </p:cSld>
-  <p:clrMapOvr>
-    <a:masterClrMapping/>
-  </p:clrMapOvr>
-</p:sld>
-</file>
-
-<file path=ppt/slides/slide13.xml><?xml version="1.0" encoding="utf-8"?>
-<p:sld xmlns:a="http://schemas.openxmlformats.org/drawingml/2006/main" xmlns:r="http://schemas.openxmlformats.org/officeDocument/2006/relationships" xmlns:p="http://schemas.openxmlformats.org/presentationml/2006/main">
-  <p:cSld>
-    <p:spTree>
-      <p:nvGrpSpPr>
-        <p:cNvPr id="1" name=""/>
-        <p:cNvGrpSpPr/>
-        <p:nvPr/>
-      </p:nvGrpSpPr>
-      <p:grpSpPr>
-        <a:xfrm>
-          <a:off x="0" y="0"/>
-          <a:ext cx="0" cy="0"/>
-          <a:chOff x="0" y="0"/>
-          <a:chExt cx="0" cy="0"/>
-        </a:xfrm>
-      </p:grpSpPr>
-      <p:pic>
-        <p:nvPicPr>
-          <p:cNvPr id="12" name="Picture 11">
-            <a:extLst>
-              <a:ext uri="{FF2B5EF4-FFF2-40B4-BE49-F238E27FC236}">
-                <a16:creationId xmlns:a16="http://schemas.microsoft.com/office/drawing/2014/main" id="{52A8AEEA-F2EC-E0A2-7BC2-3360DCBF6BEE}"/>
-              </a:ext>
-            </a:extLst>
-          </p:cNvPr>
-          <p:cNvPicPr>
-            <a:picLocks noChangeAspect="1"/>
-          </p:cNvPicPr>
-          <p:nvPr/>
-        </p:nvPicPr>
-        <p:blipFill>
-          <a:blip r:embed="rId3"/>
-          <a:stretch>
-            <a:fillRect/>
-          </a:stretch>
-        </p:blipFill>
-        <p:spPr>
-          <a:xfrm>
-            <a:off x="1742219" y="3429000"/>
-            <a:ext cx="7772400" cy="606682"/>
-          </a:xfrm>
-          <a:prstGeom prst="rect">
-            <a:avLst/>
-          </a:prstGeom>
-        </p:spPr>
-      </p:pic>
-    </p:spTree>
-    <p:extLst>
-      <p:ext uri="{BB962C8B-B14F-4D97-AF65-F5344CB8AC3E}">
-        <p14:creationId xmlns:p14="http://schemas.microsoft.com/office/powerpoint/2010/main" val="1678326039"/>
-      </p:ext>
-    </p:extLst>
-  </p:cSld>
-  <p:clrMapOvr>
-    <a:masterClrMapping/>
-  </p:clrMapOvr>
-</p:sld>
-</file>
-
-<file path=ppt/slides/slide14.xml><?xml version="1.0" encoding="utf-8"?>
-<p:sld xmlns:a="http://schemas.openxmlformats.org/drawingml/2006/main" xmlns:r="http://schemas.openxmlformats.org/officeDocument/2006/relationships" xmlns:p="http://schemas.openxmlformats.org/presentationml/2006/main">
-  <p:cSld>
-    <p:spTree>
-      <p:nvGrpSpPr>
-        <p:cNvPr id="1" name=""/>
-        <p:cNvGrpSpPr/>
-        <p:nvPr/>
-      </p:nvGrpSpPr>
-      <p:grpSpPr>
-        <a:xfrm>
-          <a:off x="0" y="0"/>
-          <a:ext cx="0" cy="0"/>
-          <a:chOff x="0" y="0"/>
-          <a:chExt cx="0" cy="0"/>
-        </a:xfrm>
-      </p:grpSpPr>
-      <p:sp>
-        <p:nvSpPr>
           <p:cNvPr id="2" name="Title 1">
             <a:extLst>
               <a:ext uri="{FF2B5EF4-FFF2-40B4-BE49-F238E27FC236}">
@@ -5915,7 +5587,7 @@
 </p:sld>
 </file>
 
-<file path=ppt/slides/slide15.xml><?xml version="1.0" encoding="utf-8"?>
+<file path=ppt/slides/slide11.xml><?xml version="1.0" encoding="utf-8"?>
 <p:sld xmlns:a="http://schemas.openxmlformats.org/drawingml/2006/main" xmlns:r="http://schemas.openxmlformats.org/officeDocument/2006/relationships" xmlns:p="http://schemas.openxmlformats.org/presentationml/2006/main">
   <p:cSld>
     <p:spTree>
@@ -6046,8 +5718,38 @@
 </p:sld>
 </file>
 
-<file path=ppt/slides/slide16.xml><?xml version="1.0" encoding="utf-8"?>
+<file path=ppt/slides/slide12.xml><?xml version="1.0" encoding="utf-8"?>
 <p:sld xmlns:a="http://schemas.openxmlformats.org/drawingml/2006/main" xmlns:r="http://schemas.openxmlformats.org/officeDocument/2006/relationships" xmlns:p="http://schemas.openxmlformats.org/presentationml/2006/main">
+  <p:cSld>
+    <p:spTree>
+      <p:nvGrpSpPr>
+        <p:cNvPr id="1" name=""/>
+        <p:cNvGrpSpPr/>
+        <p:nvPr/>
+      </p:nvGrpSpPr>
+      <p:grpSpPr>
+        <a:xfrm>
+          <a:off x="0" y="0"/>
+          <a:ext cx="0" cy="0"/>
+          <a:chOff x="0" y="0"/>
+          <a:chExt cx="0" cy="0"/>
+        </a:xfrm>
+      </p:grpSpPr>
+    </p:spTree>
+    <p:extLst>
+      <p:ext uri="{BB962C8B-B14F-4D97-AF65-F5344CB8AC3E}">
+        <p14:creationId xmlns:p14="http://schemas.microsoft.com/office/powerpoint/2010/main" val="30689787"/>
+      </p:ext>
+    </p:extLst>
+  </p:cSld>
+  <p:clrMapOvr>
+    <a:masterClrMapping/>
+  </p:clrMapOvr>
+</p:sld>
+</file>
+
+<file path=ppt/slides/slide13.xml><?xml version="1.0" encoding="utf-8"?>
+<p:sld xmlns:a="http://schemas.openxmlformats.org/drawingml/2006/main" xmlns:r="http://schemas.openxmlformats.org/officeDocument/2006/relationships" xmlns:p="http://schemas.openxmlformats.org/presentationml/2006/main" show="0">
   <p:cSld>
     <p:spTree>
       <p:nvGrpSpPr>
@@ -6264,8 +5966,8 @@
 </p:sld>
 </file>
 
-<file path=ppt/slides/slide17.xml><?xml version="1.0" encoding="utf-8"?>
-<p:sld xmlns:a="http://schemas.openxmlformats.org/drawingml/2006/main" xmlns:r="http://schemas.openxmlformats.org/officeDocument/2006/relationships" xmlns:p="http://schemas.openxmlformats.org/presentationml/2006/main">
+<file path=ppt/slides/slide14.xml><?xml version="1.0" encoding="utf-8"?>
+<p:sld xmlns:a="http://schemas.openxmlformats.org/drawingml/2006/main" xmlns:r="http://schemas.openxmlformats.org/officeDocument/2006/relationships" xmlns:p="http://schemas.openxmlformats.org/presentationml/2006/main" show="0">
   <p:cSld>
     <p:spTree>
       <p:nvGrpSpPr>
@@ -6548,8 +6250,8 @@
 </p:sld>
 </file>
 
-<file path=ppt/slides/slide18.xml><?xml version="1.0" encoding="utf-8"?>
-<p:sld xmlns:a="http://schemas.openxmlformats.org/drawingml/2006/main" xmlns:r="http://schemas.openxmlformats.org/officeDocument/2006/relationships" xmlns:p="http://schemas.openxmlformats.org/presentationml/2006/main">
+<file path=ppt/slides/slide15.xml><?xml version="1.0" encoding="utf-8"?>
+<p:sld xmlns:a="http://schemas.openxmlformats.org/drawingml/2006/main" xmlns:r="http://schemas.openxmlformats.org/officeDocument/2006/relationships" xmlns:p="http://schemas.openxmlformats.org/presentationml/2006/main" show="0">
   <p:cSld>
     <p:spTree>
       <p:nvGrpSpPr>
@@ -6920,8 +6622,8 @@
 </p:sld>
 </file>
 
-<file path=ppt/slides/slide19.xml><?xml version="1.0" encoding="utf-8"?>
-<p:sld xmlns:a="http://schemas.openxmlformats.org/drawingml/2006/main" xmlns:r="http://schemas.openxmlformats.org/officeDocument/2006/relationships" xmlns:p="http://schemas.openxmlformats.org/presentationml/2006/main">
+<file path=ppt/slides/slide16.xml><?xml version="1.0" encoding="utf-8"?>
+<p:sld xmlns:a="http://schemas.openxmlformats.org/drawingml/2006/main" xmlns:r="http://schemas.openxmlformats.org/officeDocument/2006/relationships" xmlns:p="http://schemas.openxmlformats.org/presentationml/2006/main" show="0">
   <p:cSld>
     <p:spTree>
       <p:nvGrpSpPr>
@@ -7130,172 +6832,8 @@
 </p:sld>
 </file>
 
-<file path=ppt/slides/slide2.xml><?xml version="1.0" encoding="utf-8"?>
-<p:sld xmlns:a="http://schemas.openxmlformats.org/drawingml/2006/main" xmlns:r="http://schemas.openxmlformats.org/officeDocument/2006/relationships" xmlns:p="http://schemas.openxmlformats.org/presentationml/2006/main">
-  <p:cSld>
-    <p:spTree>
-      <p:nvGrpSpPr>
-        <p:cNvPr id="1" name=""/>
-        <p:cNvGrpSpPr/>
-        <p:nvPr/>
-      </p:nvGrpSpPr>
-      <p:grpSpPr>
-        <a:xfrm>
-          <a:off x="0" y="0"/>
-          <a:ext cx="0" cy="0"/>
-          <a:chOff x="0" y="0"/>
-          <a:chExt cx="0" cy="0"/>
-        </a:xfrm>
-      </p:grpSpPr>
-      <p:sp>
-        <p:nvSpPr>
-          <p:cNvPr id="2" name="Title 1">
-            <a:extLst>
-              <a:ext uri="{FF2B5EF4-FFF2-40B4-BE49-F238E27FC236}">
-                <a16:creationId xmlns:a16="http://schemas.microsoft.com/office/drawing/2014/main" id="{F432575F-3C22-6D7E-3F7F-28B4911F3614}"/>
-              </a:ext>
-            </a:extLst>
-          </p:cNvPr>
-          <p:cNvSpPr>
-            <a:spLocks noGrp="1"/>
-          </p:cNvSpPr>
-          <p:nvPr>
-            <p:ph type="title"/>
-          </p:nvPr>
-        </p:nvSpPr>
-        <p:spPr/>
-        <p:txBody>
-          <a:bodyPr/>
-          <a:lstStyle/>
-          <a:p>
-            <a:r>
-              <a:rPr lang="en-NL" b="1" dirty="0"/>
-              <a:t>Table of Contents</a:t>
-            </a:r>
-          </a:p>
-        </p:txBody>
-      </p:sp>
-      <p:sp>
-        <p:nvSpPr>
-          <p:cNvPr id="3" name="Content Placeholder 2">
-            <a:extLst>
-              <a:ext uri="{FF2B5EF4-FFF2-40B4-BE49-F238E27FC236}">
-                <a16:creationId xmlns:a16="http://schemas.microsoft.com/office/drawing/2014/main" id="{9435459F-A468-6443-AAA3-9E9153A4A726}"/>
-              </a:ext>
-            </a:extLst>
-          </p:cNvPr>
-          <p:cNvSpPr>
-            <a:spLocks noGrp="1"/>
-          </p:cNvSpPr>
-          <p:nvPr>
-            <p:ph idx="1"/>
-          </p:nvPr>
-        </p:nvSpPr>
-        <p:spPr/>
-        <p:txBody>
-          <a:bodyPr numCol="2"/>
-          <a:lstStyle/>
-          <a:p>
-            <a:pPr marL="514350" indent="-514350">
-              <a:buAutoNum type="arabicPeriod"/>
-            </a:pPr>
-            <a:r>
-              <a:rPr lang="en-NL" dirty="0"/>
-              <a:t>Goal</a:t>
-            </a:r>
-          </a:p>
-          <a:p>
-            <a:pPr marL="514350" indent="-514350">
-              <a:buAutoNum type="arabicPeriod"/>
-            </a:pPr>
-            <a:r>
-              <a:rPr lang="en-NL" dirty="0"/>
-              <a:t>Tools</a:t>
-            </a:r>
-          </a:p>
-          <a:p>
-            <a:pPr marL="514350" indent="-514350">
-              <a:buAutoNum type="arabicPeriod"/>
-            </a:pPr>
-            <a:r>
-              <a:rPr lang="en-NL" dirty="0"/>
-              <a:t>Solution Workflow</a:t>
-            </a:r>
-          </a:p>
-          <a:p>
-            <a:pPr marL="514350" indent="-514350">
-              <a:buAutoNum type="arabicPeriod"/>
-            </a:pPr>
-            <a:r>
-              <a:rPr lang="en-NL" dirty="0"/>
-              <a:t>Remarks when creating the resources</a:t>
-            </a:r>
-          </a:p>
-          <a:p>
-            <a:pPr marL="971550" lvl="1" indent="-514350">
-              <a:buAutoNum type="arabicPeriod"/>
-            </a:pPr>
-            <a:r>
-              <a:rPr lang="en-NL" sz="2800" dirty="0"/>
-              <a:t>Region</a:t>
-            </a:r>
-          </a:p>
-          <a:p>
-            <a:pPr marL="971550" lvl="1" indent="-514350">
-              <a:buAutoNum type="arabicPeriod"/>
-            </a:pPr>
-            <a:r>
-              <a:rPr lang="en-NL" sz="2800" dirty="0"/>
-              <a:t>SQL Database compute configuration</a:t>
-            </a:r>
-          </a:p>
-          <a:p>
-            <a:pPr marL="971550" lvl="1" indent="-514350">
-              <a:buAutoNum type="arabicPeriod"/>
-            </a:pPr>
-            <a:r>
-              <a:rPr lang="en-NL" sz="2800" dirty="0"/>
-              <a:t>Blob storage vs. Data lake</a:t>
-            </a:r>
-          </a:p>
-          <a:p>
-            <a:pPr marL="514350" indent="-514350">
-              <a:buAutoNum type="arabicPeriod"/>
-            </a:pPr>
-            <a:r>
-              <a:rPr lang="en-NL" dirty="0"/>
-              <a:t>Data ingestion to ADF</a:t>
-            </a:r>
-          </a:p>
-          <a:p>
-            <a:pPr marL="0" indent="0">
-              <a:buNone/>
-            </a:pPr>
-            <a:endParaRPr lang="en-NL" dirty="0"/>
-          </a:p>
-          <a:p>
-            <a:pPr marL="514350" indent="-514350">
-              <a:buAutoNum type="arabicPeriod"/>
-            </a:pPr>
-            <a:endParaRPr lang="en-NL" dirty="0"/>
-          </a:p>
-        </p:txBody>
-      </p:sp>
-    </p:spTree>
-    <p:extLst>
-      <p:ext uri="{BB962C8B-B14F-4D97-AF65-F5344CB8AC3E}">
-        <p14:creationId xmlns:p14="http://schemas.microsoft.com/office/powerpoint/2010/main" val="1946434606"/>
-      </p:ext>
-    </p:extLst>
-  </p:cSld>
-  <p:clrMapOvr>
-    <a:masterClrMapping/>
-  </p:clrMapOvr>
-</p:sld>
-</file>
-
-<file path=ppt/slides/slide20.xml><?xml version="1.0" encoding="utf-8"?>
-<p:sld xmlns:a="http://schemas.openxmlformats.org/drawingml/2006/main" xmlns:r="http://schemas.openxmlformats.org/officeDocument/2006/relationships" xmlns:p="http://schemas.openxmlformats.org/presentationml/2006/main">
+<file path=ppt/slides/slide17.xml><?xml version="1.0" encoding="utf-8"?>
+<p:sld xmlns:a="http://schemas.openxmlformats.org/drawingml/2006/main" xmlns:r="http://schemas.openxmlformats.org/officeDocument/2006/relationships" xmlns:p="http://schemas.openxmlformats.org/presentationml/2006/main" show="0">
   <p:cSld>
     <p:spTree>
       <p:nvGrpSpPr>
@@ -7503,8 +7041,8 @@
 </p:sld>
 </file>
 
-<file path=ppt/slides/slide21.xml><?xml version="1.0" encoding="utf-8"?>
-<p:sld xmlns:a="http://schemas.openxmlformats.org/drawingml/2006/main" xmlns:r="http://schemas.openxmlformats.org/officeDocument/2006/relationships" xmlns:p="http://schemas.openxmlformats.org/presentationml/2006/main">
+<file path=ppt/slides/slide18.xml><?xml version="1.0" encoding="utf-8"?>
+<p:sld xmlns:a="http://schemas.openxmlformats.org/drawingml/2006/main" xmlns:r="http://schemas.openxmlformats.org/officeDocument/2006/relationships" xmlns:p="http://schemas.openxmlformats.org/presentationml/2006/main" show="0">
   <p:cSld>
     <p:spTree>
       <p:nvGrpSpPr>
@@ -7712,6 +7250,157 @@
 </p:sld>
 </file>
 
+<file path=ppt/slides/slide2.xml><?xml version="1.0" encoding="utf-8"?>
+<p:sld xmlns:a="http://schemas.openxmlformats.org/drawingml/2006/main" xmlns:r="http://schemas.openxmlformats.org/officeDocument/2006/relationships" xmlns:p="http://schemas.openxmlformats.org/presentationml/2006/main">
+  <p:cSld>
+    <p:spTree>
+      <p:nvGrpSpPr>
+        <p:cNvPr id="1" name=""/>
+        <p:cNvGrpSpPr/>
+        <p:nvPr/>
+      </p:nvGrpSpPr>
+      <p:grpSpPr>
+        <a:xfrm>
+          <a:off x="0" y="0"/>
+          <a:ext cx="0" cy="0"/>
+          <a:chOff x="0" y="0"/>
+          <a:chExt cx="0" cy="0"/>
+        </a:xfrm>
+      </p:grpSpPr>
+      <p:sp>
+        <p:nvSpPr>
+          <p:cNvPr id="2" name="Title 1">
+            <a:extLst>
+              <a:ext uri="{FF2B5EF4-FFF2-40B4-BE49-F238E27FC236}">
+                <a16:creationId xmlns:a16="http://schemas.microsoft.com/office/drawing/2014/main" id="{F432575F-3C22-6D7E-3F7F-28B4911F3614}"/>
+              </a:ext>
+            </a:extLst>
+          </p:cNvPr>
+          <p:cNvSpPr>
+            <a:spLocks noGrp="1"/>
+          </p:cNvSpPr>
+          <p:nvPr>
+            <p:ph type="title"/>
+          </p:nvPr>
+        </p:nvSpPr>
+        <p:spPr/>
+        <p:txBody>
+          <a:bodyPr/>
+          <a:lstStyle/>
+          <a:p>
+            <a:r>
+              <a:rPr lang="en-NL" b="1" dirty="0"/>
+              <a:t>Table of Contents</a:t>
+            </a:r>
+          </a:p>
+        </p:txBody>
+      </p:sp>
+      <p:sp>
+        <p:nvSpPr>
+          <p:cNvPr id="3" name="Content Placeholder 2">
+            <a:extLst>
+              <a:ext uri="{FF2B5EF4-FFF2-40B4-BE49-F238E27FC236}">
+                <a16:creationId xmlns:a16="http://schemas.microsoft.com/office/drawing/2014/main" id="{9435459F-A468-6443-AAA3-9E9153A4A726}"/>
+              </a:ext>
+            </a:extLst>
+          </p:cNvPr>
+          <p:cNvSpPr>
+            <a:spLocks noGrp="1"/>
+          </p:cNvSpPr>
+          <p:nvPr>
+            <p:ph idx="1"/>
+          </p:nvPr>
+        </p:nvSpPr>
+        <p:spPr/>
+        <p:txBody>
+          <a:bodyPr numCol="2"/>
+          <a:lstStyle/>
+          <a:p>
+            <a:pPr marL="514350" indent="-514350">
+              <a:buAutoNum type="arabicPeriod"/>
+            </a:pPr>
+            <a:r>
+              <a:rPr lang="en-NL" dirty="0"/>
+              <a:t>Goal</a:t>
+            </a:r>
+          </a:p>
+          <a:p>
+            <a:pPr marL="514350" indent="-514350">
+              <a:buAutoNum type="arabicPeriod"/>
+            </a:pPr>
+            <a:r>
+              <a:rPr lang="en-NL" dirty="0"/>
+              <a:t>Tools</a:t>
+            </a:r>
+          </a:p>
+          <a:p>
+            <a:pPr marL="514350" indent="-514350">
+              <a:buAutoNum type="arabicPeriod"/>
+            </a:pPr>
+            <a:r>
+              <a:rPr lang="en-NL" dirty="0"/>
+              <a:t>Solution Workflow</a:t>
+            </a:r>
+          </a:p>
+          <a:p>
+            <a:pPr marL="514350" indent="-514350">
+              <a:buAutoNum type="arabicPeriod"/>
+            </a:pPr>
+            <a:r>
+              <a:rPr lang="en-NL" dirty="0"/>
+              <a:t>Data </a:t>
+            </a:r>
+            <a:r>
+              <a:rPr lang="en-US" dirty="0"/>
+              <a:t>I</a:t>
+            </a:r>
+            <a:r>
+              <a:rPr lang="en-NL" dirty="0" err="1"/>
+              <a:t>ngestion</a:t>
+            </a:r>
+            <a:r>
+              <a:rPr lang="en-NL" dirty="0"/>
+              <a:t> to ADF</a:t>
+            </a:r>
+            <a:endParaRPr lang="en-US" dirty="0"/>
+          </a:p>
+          <a:p>
+            <a:pPr marL="514350" indent="-514350">
+              <a:buAutoNum type="arabicPeriod"/>
+            </a:pPr>
+            <a:r>
+              <a:rPr lang="en-US" dirty="0"/>
+              <a:t>The Pipeline</a:t>
+            </a:r>
+            <a:endParaRPr lang="en-NL" dirty="0"/>
+          </a:p>
+          <a:p>
+            <a:pPr marL="0" indent="0">
+              <a:buNone/>
+            </a:pPr>
+            <a:endParaRPr lang="en-NL" dirty="0"/>
+          </a:p>
+          <a:p>
+            <a:pPr marL="514350" indent="-514350">
+              <a:buAutoNum type="arabicPeriod"/>
+            </a:pPr>
+            <a:endParaRPr lang="en-NL" dirty="0"/>
+          </a:p>
+        </p:txBody>
+      </p:sp>
+    </p:spTree>
+    <p:extLst>
+      <p:ext uri="{BB962C8B-B14F-4D97-AF65-F5344CB8AC3E}">
+        <p14:creationId xmlns:p14="http://schemas.microsoft.com/office/powerpoint/2010/main" val="1946434606"/>
+      </p:ext>
+    </p:extLst>
+  </p:cSld>
+  <p:clrMapOvr>
+    <a:masterClrMapping/>
+  </p:clrMapOvr>
+</p:sld>
+</file>
+
 <file path=ppt/slides/slide3.xml><?xml version="1.0" encoding="utf-8"?>
 <p:sld xmlns:a="http://schemas.openxmlformats.org/drawingml/2006/main" xmlns:r="http://schemas.openxmlformats.org/officeDocument/2006/relationships" xmlns:p="http://schemas.openxmlformats.org/presentationml/2006/main">
   <p:cSld>
@@ -7812,7 +7501,15 @@
             </a:pPr>
             <a:r>
               <a:rPr lang="en-NL" dirty="0"/>
-              <a:t>Perform analyses using SQL querying</a:t>
+              <a:t>Perform </a:t>
+            </a:r>
+            <a:r>
+              <a:rPr lang="en-US" dirty="0"/>
+              <a:t>ad-hoc </a:t>
+            </a:r>
+            <a:r>
+              <a:rPr lang="en-NL" dirty="0"/>
+              <a:t>analyses using SQL querying</a:t>
             </a:r>
           </a:p>
         </p:txBody>
@@ -9394,7 +9091,7 @@
           <a:p>
             <a:r>
               <a:rPr lang="en-NL" b="1" dirty="0"/>
-              <a:t>Remarks when creating the resources</a:t>
+              <a:t>Data Ingestion into ADF</a:t>
             </a:r>
           </a:p>
         </p:txBody>
@@ -9402,7 +9099,7 @@
     </p:spTree>
     <p:extLst>
       <p:ext uri="{BB962C8B-B14F-4D97-AF65-F5344CB8AC3E}">
-        <p14:creationId xmlns:p14="http://schemas.microsoft.com/office/powerpoint/2010/main" val="2804647168"/>
+        <p14:creationId xmlns:p14="http://schemas.microsoft.com/office/powerpoint/2010/main" val="377263618"/>
       </p:ext>
     </p:extLst>
   </p:cSld>
@@ -9431,10 +9128,10 @@
       </p:grpSpPr>
       <p:pic>
         <p:nvPicPr>
-          <p:cNvPr id="6" name="Picture 5" descr="A close-up of a message&#10;&#10;Description automatically generated">
-            <a:extLst>
-              <a:ext uri="{FF2B5EF4-FFF2-40B4-BE49-F238E27FC236}">
-                <a16:creationId xmlns:a16="http://schemas.microsoft.com/office/drawing/2014/main" id="{C503E0C9-43E3-DDCB-5816-A979D2BE0B70}"/>
+          <p:cNvPr id="3" name="Picture 2" descr="A screenshot of a computer&#10;&#10;Description automatically generated">
+            <a:extLst>
+              <a:ext uri="{FF2B5EF4-FFF2-40B4-BE49-F238E27FC236}">
+                <a16:creationId xmlns:a16="http://schemas.microsoft.com/office/drawing/2014/main" id="{85CF173A-DD5D-F167-18D0-CFC3128E0B25}"/>
               </a:ext>
             </a:extLst>
           </p:cNvPr>
@@ -9451,38 +9148,8 @@
         </p:blipFill>
         <p:spPr>
           <a:xfrm>
-            <a:off x="342900" y="673100"/>
-            <a:ext cx="5753100" cy="1397000"/>
-          </a:xfrm>
-          <a:prstGeom prst="rect">
-            <a:avLst/>
-          </a:prstGeom>
-        </p:spPr>
-      </p:pic>
-      <p:pic>
-        <p:nvPicPr>
-          <p:cNvPr id="8" name="Picture 7" descr="A screenshot of a computer&#10;&#10;Description automatically generated">
-            <a:extLst>
-              <a:ext uri="{FF2B5EF4-FFF2-40B4-BE49-F238E27FC236}">
-                <a16:creationId xmlns:a16="http://schemas.microsoft.com/office/drawing/2014/main" id="{7CBBEE00-74E1-F03D-89D9-5EB7CBC6EBFB}"/>
-              </a:ext>
-            </a:extLst>
-          </p:cNvPr>
-          <p:cNvPicPr>
-            <a:picLocks noChangeAspect="1"/>
-          </p:cNvPicPr>
-          <p:nvPr/>
-        </p:nvPicPr>
-        <p:blipFill>
-          <a:blip r:embed="rId4"/>
-          <a:stretch>
-            <a:fillRect/>
-          </a:stretch>
-        </p:blipFill>
-        <p:spPr>
-          <a:xfrm>
-            <a:off x="5994400" y="3111500"/>
-            <a:ext cx="5318234" cy="2921000"/>
+            <a:off x="993058" y="598731"/>
+            <a:ext cx="7177580" cy="3344005"/>
           </a:xfrm>
           <a:prstGeom prst="rect">
             <a:avLst/>
@@ -9492,7 +9159,7 @@
     </p:spTree>
     <p:extLst>
       <p:ext uri="{BB962C8B-B14F-4D97-AF65-F5344CB8AC3E}">
-        <p14:creationId xmlns:p14="http://schemas.microsoft.com/office/powerpoint/2010/main" val="1150184129"/>
+        <p14:creationId xmlns:p14="http://schemas.microsoft.com/office/powerpoint/2010/main" val="1520398992"/>
       </p:ext>
     </p:extLst>
   </p:cSld>
